--- a/Lectures/Lecture6-EvaluationMetrics.pptx
+++ b/Lectures/Lecture6-EvaluationMetrics.pptx
@@ -267,7 +267,7 @@
       <p15:sldGuideLst xmlns:p15="http://schemas.microsoft.com/office/powerpoint/2012/main"/>
     </p:ext>
     <p:ext uri="http://customooxmlschemas.google.com/">
-      <go:slidesCustomData xmlns:go="http://customooxmlschemas.google.com/" xmlns:p15="http://schemas.microsoft.com/office/powerpoint/2012/main" xmlns:p14="http://schemas.microsoft.com/office/powerpoint/2010/main" xmlns:com="http://schemas.openxmlformats.org/drawingml/2006/compatibility" xmlns:pvml="urn:schemas-microsoft-com:office:powerpoint" xmlns:v="urn:schemas-microsoft-com:vml" xmlns:o="urn:schemas-microsoft-com:office:office" xmlns:dgm="http://schemas.openxmlformats.org/drawingml/2006/diagram" xmlns:c="http://schemas.openxmlformats.org/drawingml/2006/chart" xmlns:mv="urn:schemas-microsoft-com:mac:vml" xmlns:mc="http://schemas.openxmlformats.org/markup-compatibility/2006" xmlns="" r:id="rId40" roundtripDataSignature="AMtx7mjFyVUGRZWio+dc9dxzYsimUxNJbg=="/>
+      <go:slidesCustomData xmlns="" xmlns:mc="http://schemas.openxmlformats.org/markup-compatibility/2006" xmlns:mv="urn:schemas-microsoft-com:mac:vml" xmlns:c="http://schemas.openxmlformats.org/drawingml/2006/chart" xmlns:dgm="http://schemas.openxmlformats.org/drawingml/2006/diagram" xmlns:o="urn:schemas-microsoft-com:office:office" xmlns:v="urn:schemas-microsoft-com:vml" xmlns:pvml="urn:schemas-microsoft-com:office:powerpoint" xmlns:com="http://schemas.openxmlformats.org/drawingml/2006/compatibility" xmlns:p14="http://schemas.microsoft.com/office/powerpoint/2010/main" xmlns:p15="http://schemas.microsoft.com/office/powerpoint/2012/main" xmlns:go="http://customooxmlschemas.google.com/" r:id="rId40" roundtripDataSignature="AMtx7mjFyVUGRZWio+dc9dxzYsimUxNJbg=="/>
     </p:ext>
   </p:extLst>
 </p:presentation>
@@ -6575,6 +6575,118 @@
 </p:notes>
 </file>
 
+<file path=ppt/notesSlides/notesSlide2.xml><?xml version="1.0" encoding="utf-8"?>
+<p:notes xmlns:a="http://schemas.openxmlformats.org/drawingml/2006/main" xmlns:r="http://schemas.openxmlformats.org/officeDocument/2006/relationships" xmlns:p="http://schemas.openxmlformats.org/presentationml/2006/main">
+  <p:cSld>
+    <p:spTree>
+      <p:nvGrpSpPr>
+        <p:cNvPr id="1" name=""/>
+        <p:cNvGrpSpPr/>
+        <p:nvPr/>
+      </p:nvGrpSpPr>
+      <p:grpSpPr>
+        <a:xfrm>
+          <a:off x="0" y="0"/>
+          <a:ext cx="0" cy="0"/>
+          <a:chOff x="0" y="0"/>
+          <a:chExt cx="0" cy="0"/>
+        </a:xfrm>
+      </p:grpSpPr>
+      <p:sp>
+        <p:nvSpPr>
+          <p:cNvPr id="2" name="Slide Image Placeholder 1"/>
+          <p:cNvSpPr>
+            <a:spLocks noGrp="1" noRot="1" noChangeAspect="1"/>
+          </p:cNvSpPr>
+          <p:nvPr>
+            <p:ph type="sldImg"/>
+          </p:nvPr>
+        </p:nvSpPr>
+        <p:spPr/>
+      </p:sp>
+      <p:sp>
+        <p:nvSpPr>
+          <p:cNvPr id="3" name="Notes Placeholder 2"/>
+          <p:cNvSpPr>
+            <a:spLocks noGrp="1"/>
+          </p:cNvSpPr>
+          <p:nvPr>
+            <p:ph type="body" idx="1"/>
+          </p:nvPr>
+        </p:nvSpPr>
+        <p:spPr/>
+        <p:txBody>
+          <a:bodyPr/>
+          <a:lstStyle/>
+          <a:p>
+            <a:r>
+              <a:rPr lang="en-US" dirty="0"/>
+              <a:t>Not comparable, not probabilities</a:t>
+            </a:r>
+          </a:p>
+        </p:txBody>
+      </p:sp>
+      <p:sp>
+        <p:nvSpPr>
+          <p:cNvPr id="4" name="Slide Number Placeholder 3"/>
+          <p:cNvSpPr>
+            <a:spLocks noGrp="1"/>
+          </p:cNvSpPr>
+          <p:nvPr>
+            <p:ph type="sldNum" idx="12"/>
+          </p:nvPr>
+        </p:nvSpPr>
+        <p:spPr/>
+        <p:txBody>
+          <a:bodyPr/>
+          <a:lstStyle/>
+          <a:p>
+            <a:pPr marL="0" marR="0" lvl="0" indent="0" algn="r" rtl="0">
+              <a:spcBef>
+                <a:spcPts val="0"/>
+              </a:spcBef>
+              <a:spcAft>
+                <a:spcPts val="0"/>
+              </a:spcAft>
+              <a:buNone/>
+            </a:pPr>
+            <a:fld id="{00000000-1234-1234-1234-123412341234}" type="slidenum">
+              <a:rPr lang="en-US" sz="1200" b="0" i="0" u="none" strike="noStrike" cap="none" smtClean="0">
+                <a:solidFill>
+                  <a:schemeClr val="dk1"/>
+                </a:solidFill>
+                <a:latin typeface="Calibri"/>
+                <a:ea typeface="Calibri"/>
+                <a:cs typeface="Calibri"/>
+                <a:sym typeface="Calibri"/>
+              </a:rPr>
+              <a:t>12</a:t>
+            </a:fld>
+            <a:endParaRPr lang="en-US" sz="1200" b="0" i="0" u="none" strike="noStrike" cap="none">
+              <a:solidFill>
+                <a:schemeClr val="dk1"/>
+              </a:solidFill>
+              <a:latin typeface="Calibri"/>
+              <a:ea typeface="Calibri"/>
+              <a:cs typeface="Calibri"/>
+              <a:sym typeface="Calibri"/>
+            </a:endParaRPr>
+          </a:p>
+        </p:txBody>
+      </p:sp>
+    </p:spTree>
+    <p:extLst>
+      <p:ext uri="{BB962C8B-B14F-4D97-AF65-F5344CB8AC3E}">
+        <p14:creationId xmlns:p14="http://schemas.microsoft.com/office/powerpoint/2010/main" val="1522804933"/>
+      </p:ext>
+    </p:extLst>
+  </p:cSld>
+  <p:clrMapOvr>
+    <a:masterClrMapping/>
+  </p:clrMapOvr>
+</p:notes>
+</file>
+
 <file path=ppt/slideLayouts/slideLayout1.xml><?xml version="1.0" encoding="utf-8"?>
 <p:sldLayout xmlns:a="http://schemas.openxmlformats.org/drawingml/2006/main" xmlns:r="http://schemas.openxmlformats.org/officeDocument/2006/relationships" xmlns:p="http://schemas.openxmlformats.org/presentationml/2006/main" matchingName="Title slide" type="title">
   <p:cSld name="TITLE">
@@ -10066,12 +10178,30 @@
           <a:p>
             <a:r>
               <a:rPr lang="en-US" dirty="0"/>
-              <a:t>Predictions are often scores between 0 and 1</a:t>
+              <a:t>Predictions are often </a:t>
+            </a:r>
+            <a:r>
+              <a:rPr lang="en-US" b="1" dirty="0">
+                <a:solidFill>
+                  <a:schemeClr val="accent4">
+                    <a:lumMod val="75000"/>
+                  </a:schemeClr>
+                </a:solidFill>
+              </a:rPr>
+              <a:t>scores</a:t>
+            </a:r>
+            <a:r>
+              <a:rPr lang="en-US" dirty="0"/>
+              <a:t> between 0 and 1</a:t>
             </a:r>
           </a:p>
           <a:p>
             <a:r>
-              <a:rPr lang="en-US" dirty="0"/>
+              <a:rPr lang="en-US" dirty="0">
+                <a:solidFill>
+                  <a:srgbClr val="FF0000"/>
+                </a:solidFill>
+              </a:rPr>
               <a:t>We need to first turn them into 0 or 1 by selecting a threshold</a:t>
             </a:r>
           </a:p>
@@ -11222,7 +11352,17 @@
             </a:r>
             <a:r>
               <a:rPr lang="en-US" dirty="0"/>
-              <a:t> Metrics (at a threshold k)</a:t>
+              <a:t> Metrics </a:t>
+            </a:r>
+            <a:r>
+              <a:rPr lang="en-US" dirty="0">
+                <a:solidFill>
+                  <a:schemeClr val="accent6">
+                    <a:lumMod val="75000"/>
+                  </a:schemeClr>
+                </a:solidFill>
+              </a:rPr>
+              <a:t>(at a threshold k)</a:t>
             </a:r>
           </a:p>
         </p:txBody>
@@ -11265,7 +11405,7 @@
               <a:rPr lang="en-US" altLang="x-none" dirty="0">
                 <a:latin typeface="Calibri" charset="0"/>
               </a:rPr>
-              <a:t>Precision (or PPV) = </a:t>
+              <a:t>Precision (aka PPV: Positive Predictive Value) = </a:t>
             </a:r>
             <a:r>
               <a:rPr lang="en-US" altLang="x-none" b="1" dirty="0">
@@ -11287,7 +11427,7 @@
               <a:rPr lang="en-US" altLang="x-none" dirty="0">
                 <a:latin typeface="Calibri" charset="0"/>
               </a:rPr>
-              <a:t>Recall (or Sensitivity) = </a:t>
+              <a:t>Recall (aka Sensitivity, TPR) = </a:t>
             </a:r>
             <a:r>
               <a:rPr lang="en-US" altLang="x-none" b="1" dirty="0">
@@ -11321,7 +11461,13 @@
               <a:rPr lang="en-US" altLang="x-none" dirty="0">
                 <a:latin typeface="Calibri" charset="0"/>
               </a:rPr>
-              <a:t>Specificity = TNR</a:t>
+              <a:t>Specificity = </a:t>
+            </a:r>
+            <a:r>
+              <a:rPr lang="en-US" altLang="x-none" b="1" dirty="0">
+                <a:latin typeface="Calibri" charset="0"/>
+              </a:rPr>
+              <a:t>TNR</a:t>
             </a:r>
           </a:p>
           <a:p>
@@ -12548,38 +12694,13 @@
           <a:p>
             <a:r>
               <a:rPr lang="en-US" dirty="0"/>
-              <a:t>Metric </a:t>
+              <a:t>Confusion Matrix-based Metrics </a:t>
             </a:r>
             <a:r>
               <a:rPr lang="en-US" dirty="0" err="1"/>
               <a:t>Cheatsheet</a:t>
             </a:r>
             <a:endParaRPr lang="en-US" dirty="0"/>
-          </a:p>
-        </p:txBody>
-      </p:sp>
-      <p:sp>
-        <p:nvSpPr>
-          <p:cNvPr id="2" name="Text Placeholder 1">
-            <a:extLst>
-              <a:ext uri="{FF2B5EF4-FFF2-40B4-BE49-F238E27FC236}">
-                <a16:creationId xmlns:a16="http://schemas.microsoft.com/office/drawing/2014/main" id="{86921F0C-84EE-FB45-ACA7-8B4DE64C4B1F}"/>
-              </a:ext>
-            </a:extLst>
-          </p:cNvPr>
-          <p:cNvSpPr>
-            <a:spLocks noGrp="1"/>
-          </p:cNvSpPr>
-          <p:nvPr>
-            <p:ph type="body" idx="1"/>
-          </p:nvPr>
-        </p:nvSpPr>
-        <p:spPr/>
-        <p:txBody>
-          <a:bodyPr/>
-          <a:lstStyle/>
-          <a:p>
-            <a:endParaRPr lang="en-US"/>
           </a:p>
         </p:txBody>
       </p:sp>
@@ -14017,19 +14138,19 @@
           <a:p>
             <a:r>
               <a:rPr lang="en-US" dirty="0"/>
-              <a:t>Random (predict most frequent class)</a:t>
+              <a:t>Random according to the base rate/class prior </a:t>
             </a:r>
           </a:p>
           <a:p>
             <a:r>
               <a:rPr lang="en-US" dirty="0"/>
-              <a:t>Simple heuristics</a:t>
+              <a:t>What they do today</a:t>
             </a:r>
           </a:p>
           <a:p>
             <a:r>
               <a:rPr lang="en-US" dirty="0"/>
-              <a:t>Expert heuristics (what may be in use today)</a:t>
+              <a:t>What they could easily do today (without much if any ML)</a:t>
             </a:r>
           </a:p>
         </p:txBody>

--- a/Lectures/Lecture6-EvaluationMetrics.pptx
+++ b/Lectures/Lecture6-EvaluationMetrics.pptx
@@ -5,31 +5,32 @@
     <p:sldMasterId id="2147483648" r:id="rId1"/>
   </p:sldMasterIdLst>
   <p:notesMasterIdLst>
-    <p:notesMasterId r:id="rId24"/>
+    <p:notesMasterId r:id="rId25"/>
   </p:notesMasterIdLst>
   <p:sldIdLst>
     <p:sldId id="256" r:id="rId2"/>
     <p:sldId id="471" r:id="rId3"/>
     <p:sldId id="483" r:id="rId4"/>
-    <p:sldId id="323" r:id="rId5"/>
-    <p:sldId id="286" r:id="rId6"/>
-    <p:sldId id="472" r:id="rId7"/>
-    <p:sldId id="287" r:id="rId8"/>
-    <p:sldId id="478" r:id="rId9"/>
-    <p:sldId id="468" r:id="rId10"/>
-    <p:sldId id="475" r:id="rId11"/>
-    <p:sldId id="453" r:id="rId12"/>
-    <p:sldId id="352" r:id="rId13"/>
-    <p:sldId id="458" r:id="rId14"/>
-    <p:sldId id="457" r:id="rId15"/>
-    <p:sldId id="428" r:id="rId16"/>
-    <p:sldId id="429" r:id="rId17"/>
-    <p:sldId id="430" r:id="rId18"/>
-    <p:sldId id="455" r:id="rId19"/>
-    <p:sldId id="460" r:id="rId20"/>
-    <p:sldId id="420" r:id="rId21"/>
-    <p:sldId id="484" r:id="rId22"/>
-    <p:sldId id="485" r:id="rId23"/>
+    <p:sldId id="486" r:id="rId5"/>
+    <p:sldId id="323" r:id="rId6"/>
+    <p:sldId id="286" r:id="rId7"/>
+    <p:sldId id="472" r:id="rId8"/>
+    <p:sldId id="287" r:id="rId9"/>
+    <p:sldId id="478" r:id="rId10"/>
+    <p:sldId id="468" r:id="rId11"/>
+    <p:sldId id="475" r:id="rId12"/>
+    <p:sldId id="453" r:id="rId13"/>
+    <p:sldId id="352" r:id="rId14"/>
+    <p:sldId id="458" r:id="rId15"/>
+    <p:sldId id="457" r:id="rId16"/>
+    <p:sldId id="428" r:id="rId17"/>
+    <p:sldId id="429" r:id="rId18"/>
+    <p:sldId id="430" r:id="rId19"/>
+    <p:sldId id="455" r:id="rId20"/>
+    <p:sldId id="460" r:id="rId21"/>
+    <p:sldId id="420" r:id="rId22"/>
+    <p:sldId id="484" r:id="rId23"/>
+    <p:sldId id="485" r:id="rId24"/>
   </p:sldIdLst>
   <p:sldSz cx="12192000" cy="6858000"/>
   <p:notesSz cx="6858000" cy="9144000"/>
@@ -267,7 +268,7 @@
       <p15:sldGuideLst xmlns:p15="http://schemas.microsoft.com/office/powerpoint/2012/main"/>
     </p:ext>
     <p:ext uri="http://customooxmlschemas.google.com/">
-      <go:slidesCustomData xmlns="" xmlns:mc="http://schemas.openxmlformats.org/markup-compatibility/2006" xmlns:mv="urn:schemas-microsoft-com:mac:vml" xmlns:c="http://schemas.openxmlformats.org/drawingml/2006/chart" xmlns:dgm="http://schemas.openxmlformats.org/drawingml/2006/diagram" xmlns:o="urn:schemas-microsoft-com:office:office" xmlns:v="urn:schemas-microsoft-com:vml" xmlns:pvml="urn:schemas-microsoft-com:office:powerpoint" xmlns:com="http://schemas.openxmlformats.org/drawingml/2006/compatibility" xmlns:p14="http://schemas.microsoft.com/office/powerpoint/2010/main" xmlns:p15="http://schemas.microsoft.com/office/powerpoint/2012/main" xmlns:go="http://customooxmlschemas.google.com/" r:id="rId40" roundtripDataSignature="AMtx7mjFyVUGRZWio+dc9dxzYsimUxNJbg=="/>
+      <go:slidesCustomData xmlns:go="http://customooxmlschemas.google.com/" xmlns:p15="http://schemas.microsoft.com/office/powerpoint/2012/main" xmlns:p14="http://schemas.microsoft.com/office/powerpoint/2010/main" xmlns:com="http://schemas.openxmlformats.org/drawingml/2006/compatibility" xmlns:pvml="urn:schemas-microsoft-com:office:powerpoint" xmlns:v="urn:schemas-microsoft-com:vml" xmlns:o="urn:schemas-microsoft-com:office:office" xmlns:dgm="http://schemas.openxmlformats.org/drawingml/2006/diagram" xmlns:c="http://schemas.openxmlformats.org/drawingml/2006/chart" xmlns:mv="urn:schemas-microsoft-com:mac:vml" xmlns:mc="http://schemas.openxmlformats.org/markup-compatibility/2006" xmlns="" r:id="rId40" roundtripDataSignature="AMtx7mjFyVUGRZWio+dc9dxzYsimUxNJbg=="/>
     </p:ext>
   </p:extLst>
 </p:presentation>
@@ -6660,7 +6661,7 @@
                 <a:cs typeface="Calibri"/>
                 <a:sym typeface="Calibri"/>
               </a:rPr>
-              <a:t>12</a:t>
+              <a:t>13</a:t>
             </a:fld>
             <a:endParaRPr lang="en-US" sz="1200" b="0" i="0" u="none" strike="noStrike" cap="none">
               <a:solidFill>
@@ -9859,6 +9860,134 @@
       </p:grpSpPr>
       <p:sp>
         <p:nvSpPr>
+          <p:cNvPr id="4" name="Title 3">
+            <a:extLst>
+              <a:ext uri="{FF2B5EF4-FFF2-40B4-BE49-F238E27FC236}">
+                <a16:creationId xmlns:a16="http://schemas.microsoft.com/office/drawing/2014/main" id="{30C2C959-72F2-EF4D-80DA-F48A29D0F3C4}"/>
+              </a:ext>
+            </a:extLst>
+          </p:cNvPr>
+          <p:cNvSpPr>
+            <a:spLocks noGrp="1"/>
+          </p:cNvSpPr>
+          <p:nvPr>
+            <p:ph type="title"/>
+          </p:nvPr>
+        </p:nvSpPr>
+        <p:spPr/>
+        <p:txBody>
+          <a:bodyPr/>
+          <a:lstStyle/>
+          <a:p>
+            <a:r>
+              <a:rPr lang="en-US" dirty="0"/>
+              <a:t>What do we need our selected model to do?</a:t>
+            </a:r>
+          </a:p>
+        </p:txBody>
+      </p:sp>
+      <p:sp>
+        <p:nvSpPr>
+          <p:cNvPr id="5" name="Text Placeholder 4">
+            <a:extLst>
+              <a:ext uri="{FF2B5EF4-FFF2-40B4-BE49-F238E27FC236}">
+                <a16:creationId xmlns:a16="http://schemas.microsoft.com/office/drawing/2014/main" id="{24A75FF1-9EFE-0F41-92F5-3E749CFB2EB5}"/>
+              </a:ext>
+            </a:extLst>
+          </p:cNvPr>
+          <p:cNvSpPr>
+            <a:spLocks noGrp="1"/>
+          </p:cNvSpPr>
+          <p:nvPr>
+            <p:ph type="body" idx="1"/>
+          </p:nvPr>
+        </p:nvSpPr>
+        <p:spPr/>
+        <p:txBody>
+          <a:bodyPr/>
+          <a:lstStyle/>
+          <a:p>
+            <a:r>
+              <a:rPr lang="en-US" dirty="0"/>
+              <a:t>Perform well</a:t>
+            </a:r>
+          </a:p>
+          <a:p>
+            <a:pPr lvl="1"/>
+            <a:r>
+              <a:rPr lang="en-US" dirty="0"/>
+              <a:t>What metric?</a:t>
+            </a:r>
+          </a:p>
+          <a:p>
+            <a:pPr lvl="1"/>
+            <a:r>
+              <a:rPr lang="en-US" dirty="0"/>
+              <a:t>Compared to what?</a:t>
+            </a:r>
+          </a:p>
+          <a:p>
+            <a:endParaRPr lang="en-US" dirty="0"/>
+          </a:p>
+          <a:p>
+            <a:r>
+              <a:rPr lang="en-US" dirty="0"/>
+              <a:t>Generalize</a:t>
+            </a:r>
+          </a:p>
+          <a:p>
+            <a:pPr lvl="1"/>
+            <a:r>
+              <a:rPr lang="en-US" dirty="0"/>
+              <a:t>To what?</a:t>
+            </a:r>
+          </a:p>
+        </p:txBody>
+      </p:sp>
+    </p:spTree>
+    <p:extLst>
+      <p:ext uri="{BB962C8B-B14F-4D97-AF65-F5344CB8AC3E}">
+        <p14:creationId xmlns:p14="http://schemas.microsoft.com/office/powerpoint/2010/main" val="4111643116"/>
+      </p:ext>
+    </p:extLst>
+  </p:cSld>
+  <p:clrMapOvr>
+    <a:masterClrMapping/>
+  </p:clrMapOvr>
+  <mc:AlternateContent xmlns:mc="http://schemas.openxmlformats.org/markup-compatibility/2006" xmlns:p14="http://schemas.microsoft.com/office/powerpoint/2010/main">
+    <mc:Choice Requires="p14">
+      <p:transition spd="med" p14:dur="700">
+        <p:fade/>
+      </p:transition>
+    </mc:Choice>
+    <mc:Fallback xmlns="">
+      <p:transition spd="med">
+        <p:fade/>
+      </p:transition>
+    </mc:Fallback>
+  </mc:AlternateContent>
+</p:sld>
+</file>
+
+<file path=ppt/slides/slide11.xml><?xml version="1.0" encoding="utf-8"?>
+<p:sld xmlns:a="http://schemas.openxmlformats.org/drawingml/2006/main" xmlns:r="http://schemas.openxmlformats.org/officeDocument/2006/relationships" xmlns:p="http://schemas.openxmlformats.org/presentationml/2006/main">
+  <p:cSld>
+    <p:spTree>
+      <p:nvGrpSpPr>
+        <p:cNvPr id="1" name=""/>
+        <p:cNvGrpSpPr/>
+        <p:nvPr/>
+      </p:nvGrpSpPr>
+      <p:grpSpPr>
+        <a:xfrm>
+          <a:off x="0" y="0"/>
+          <a:ext cx="0" cy="0"/>
+          <a:chOff x="0" y="0"/>
+          <a:chExt cx="0" cy="0"/>
+        </a:xfrm>
+      </p:grpSpPr>
+      <p:sp>
+        <p:nvSpPr>
           <p:cNvPr id="2" name="Title 1">
             <a:extLst>
               <a:ext uri="{FF2B5EF4-FFF2-40B4-BE49-F238E27FC236}">
@@ -9923,7 +10052,7 @@
 </p:sld>
 </file>
 
-<file path=ppt/slides/slide11.xml><?xml version="1.0" encoding="utf-8"?>
+<file path=ppt/slides/slide12.xml><?xml version="1.0" encoding="utf-8"?>
 <p:sld xmlns:a="http://schemas.openxmlformats.org/drawingml/2006/main" xmlns:r="http://schemas.openxmlformats.org/officeDocument/2006/relationships" xmlns:p="http://schemas.openxmlformats.org/presentationml/2006/main">
   <p:cSld>
     <p:spTree>
@@ -10120,7 +10249,7 @@
 </p:sld>
 </file>
 
-<file path=ppt/slides/slide12.xml><?xml version="1.0" encoding="utf-8"?>
+<file path=ppt/slides/slide13.xml><?xml version="1.0" encoding="utf-8"?>
 <p:sld xmlns:a="http://schemas.openxmlformats.org/drawingml/2006/main" xmlns:r="http://schemas.openxmlformats.org/officeDocument/2006/relationships" xmlns:p="http://schemas.openxmlformats.org/presentationml/2006/main">
   <p:cSld>
     <p:spTree>
@@ -11310,7 +11439,7 @@
 </p:sld>
 </file>
 
-<file path=ppt/slides/slide13.xml><?xml version="1.0" encoding="utf-8"?>
+<file path=ppt/slides/slide14.xml><?xml version="1.0" encoding="utf-8"?>
 <p:sld xmlns:a="http://schemas.openxmlformats.org/drawingml/2006/main" xmlns:r="http://schemas.openxmlformats.org/officeDocument/2006/relationships" xmlns:p="http://schemas.openxmlformats.org/presentationml/2006/main">
   <p:cSld>
     <p:spTree>
@@ -12654,7 +12783,7 @@
 </p:sld>
 </file>
 
-<file path=ppt/slides/slide14.xml><?xml version="1.0" encoding="utf-8"?>
+<file path=ppt/slides/slide15.xml><?xml version="1.0" encoding="utf-8"?>
 <p:sld xmlns:a="http://schemas.openxmlformats.org/drawingml/2006/main" xmlns:r="http://schemas.openxmlformats.org/officeDocument/2006/relationships" xmlns:p="http://schemas.openxmlformats.org/presentationml/2006/main">
   <p:cSld>
     <p:spTree>
@@ -12833,7 +12962,7 @@
 </p:sld>
 </file>
 
-<file path=ppt/slides/slide15.xml><?xml version="1.0" encoding="utf-8"?>
+<file path=ppt/slides/slide16.xml><?xml version="1.0" encoding="utf-8"?>
 <p:sld xmlns:a="http://schemas.openxmlformats.org/drawingml/2006/main" xmlns:r="http://schemas.openxmlformats.org/officeDocument/2006/relationships" xmlns:p="http://schemas.openxmlformats.org/presentationml/2006/main">
   <p:cSld>
     <p:spTree>
@@ -13424,7 +13553,7 @@
 </p:sld>
 </file>
 
-<file path=ppt/slides/slide16.xml><?xml version="1.0" encoding="utf-8"?>
+<file path=ppt/slides/slide17.xml><?xml version="1.0" encoding="utf-8"?>
 <p:sld xmlns:a="http://schemas.openxmlformats.org/drawingml/2006/main" xmlns:r="http://schemas.openxmlformats.org/officeDocument/2006/relationships" xmlns:p="http://schemas.openxmlformats.org/presentationml/2006/main">
   <p:cSld>
     <p:spTree>
@@ -13674,7 +13803,7 @@
 </p:sld>
 </file>
 
-<file path=ppt/slides/slide17.xml><?xml version="1.0" encoding="utf-8"?>
+<file path=ppt/slides/slide18.xml><?xml version="1.0" encoding="utf-8"?>
 <p:sld xmlns:a="http://schemas.openxmlformats.org/drawingml/2006/main" xmlns:r="http://schemas.openxmlformats.org/officeDocument/2006/relationships" xmlns:p="http://schemas.openxmlformats.org/presentationml/2006/main">
   <p:cSld>
     <p:spTree>
@@ -13762,7 +13891,7 @@
 </p:sld>
 </file>
 
-<file path=ppt/slides/slide18.xml><?xml version="1.0" encoding="utf-8"?>
+<file path=ppt/slides/slide19.xml><?xml version="1.0" encoding="utf-8"?>
 <p:sld xmlns:a="http://schemas.openxmlformats.org/drawingml/2006/main" xmlns:r="http://schemas.openxmlformats.org/officeDocument/2006/relationships" xmlns:p="http://schemas.openxmlformats.org/presentationml/2006/main">
   <p:cSld>
     <p:spTree>
@@ -13872,7 +14001,108 @@
 </p:sld>
 </file>
 
-<file path=ppt/slides/slide19.xml><?xml version="1.0" encoding="utf-8"?>
+<file path=ppt/slides/slide2.xml><?xml version="1.0" encoding="utf-8"?>
+<p:sld xmlns:a="http://schemas.openxmlformats.org/drawingml/2006/main" xmlns:r="http://schemas.openxmlformats.org/officeDocument/2006/relationships" xmlns:p="http://schemas.openxmlformats.org/presentationml/2006/main">
+  <p:cSld>
+    <p:spTree>
+      <p:nvGrpSpPr>
+        <p:cNvPr id="1" name=""/>
+        <p:cNvGrpSpPr/>
+        <p:nvPr/>
+      </p:nvGrpSpPr>
+      <p:grpSpPr>
+        <a:xfrm>
+          <a:off x="0" y="0"/>
+          <a:ext cx="0" cy="0"/>
+          <a:chOff x="0" y="0"/>
+          <a:chExt cx="0" cy="0"/>
+        </a:xfrm>
+      </p:grpSpPr>
+      <p:sp>
+        <p:nvSpPr>
+          <p:cNvPr id="3" name="Title 2">
+            <a:extLst>
+              <a:ext uri="{FF2B5EF4-FFF2-40B4-BE49-F238E27FC236}">
+                <a16:creationId xmlns:a16="http://schemas.microsoft.com/office/drawing/2014/main" id="{9323871C-7CA8-1448-8FFC-1AE6E1838941}"/>
+              </a:ext>
+            </a:extLst>
+          </p:cNvPr>
+          <p:cNvSpPr>
+            <a:spLocks noGrp="1"/>
+          </p:cNvSpPr>
+          <p:nvPr>
+            <p:ph type="title"/>
+          </p:nvPr>
+        </p:nvSpPr>
+        <p:spPr/>
+        <p:txBody>
+          <a:bodyPr/>
+          <a:lstStyle/>
+          <a:p>
+            <a:r>
+              <a:rPr lang="en-US" dirty="0"/>
+              <a:t>Reminders</a:t>
+            </a:r>
+          </a:p>
+        </p:txBody>
+      </p:sp>
+      <p:sp>
+        <p:nvSpPr>
+          <p:cNvPr id="5" name="Text Placeholder 4">
+            <a:extLst>
+              <a:ext uri="{FF2B5EF4-FFF2-40B4-BE49-F238E27FC236}">
+                <a16:creationId xmlns:a16="http://schemas.microsoft.com/office/drawing/2014/main" id="{F4E0A5F0-1D89-954D-91FB-596CD9E690F2}"/>
+              </a:ext>
+            </a:extLst>
+          </p:cNvPr>
+          <p:cNvSpPr>
+            <a:spLocks noGrp="1"/>
+          </p:cNvSpPr>
+          <p:nvPr>
+            <p:ph type="body" idx="1"/>
+          </p:nvPr>
+        </p:nvSpPr>
+        <p:spPr/>
+        <p:txBody>
+          <a:bodyPr/>
+          <a:lstStyle/>
+          <a:p>
+            <a:pPr marL="76200" indent="0">
+              <a:buNone/>
+            </a:pPr>
+            <a:r>
+              <a:rPr lang="en-US" b="1" dirty="0"/>
+              <a:t>Coming up next week:</a:t>
+            </a:r>
+          </a:p>
+          <a:p>
+            <a:r>
+              <a:rPr lang="en-US" dirty="0"/>
+              <a:t>Monday: Project Update 2</a:t>
+            </a:r>
+          </a:p>
+          <a:p>
+            <a:r>
+              <a:rPr lang="en-US" dirty="0"/>
+              <a:t>Tuesday: Weekly Feedback Form</a:t>
+            </a:r>
+          </a:p>
+        </p:txBody>
+      </p:sp>
+    </p:spTree>
+    <p:extLst>
+      <p:ext uri="{BB962C8B-B14F-4D97-AF65-F5344CB8AC3E}">
+        <p14:creationId xmlns:p14="http://schemas.microsoft.com/office/powerpoint/2010/main" val="186046226"/>
+      </p:ext>
+    </p:extLst>
+  </p:cSld>
+  <p:clrMapOvr>
+    <a:masterClrMapping/>
+  </p:clrMapOvr>
+</p:sld>
+</file>
+
+<file path=ppt/slides/slide20.xml><?xml version="1.0" encoding="utf-8"?>
 <p:sld xmlns:a="http://schemas.openxmlformats.org/drawingml/2006/main" xmlns:r="http://schemas.openxmlformats.org/officeDocument/2006/relationships" xmlns:p="http://schemas.openxmlformats.org/presentationml/2006/main">
   <p:cSld>
     <p:spTree>
@@ -13981,108 +14211,7 @@
 </p:sld>
 </file>
 
-<file path=ppt/slides/slide2.xml><?xml version="1.0" encoding="utf-8"?>
-<p:sld xmlns:a="http://schemas.openxmlformats.org/drawingml/2006/main" xmlns:r="http://schemas.openxmlformats.org/officeDocument/2006/relationships" xmlns:p="http://schemas.openxmlformats.org/presentationml/2006/main">
-  <p:cSld>
-    <p:spTree>
-      <p:nvGrpSpPr>
-        <p:cNvPr id="1" name=""/>
-        <p:cNvGrpSpPr/>
-        <p:nvPr/>
-      </p:nvGrpSpPr>
-      <p:grpSpPr>
-        <a:xfrm>
-          <a:off x="0" y="0"/>
-          <a:ext cx="0" cy="0"/>
-          <a:chOff x="0" y="0"/>
-          <a:chExt cx="0" cy="0"/>
-        </a:xfrm>
-      </p:grpSpPr>
-      <p:sp>
-        <p:nvSpPr>
-          <p:cNvPr id="3" name="Title 2">
-            <a:extLst>
-              <a:ext uri="{FF2B5EF4-FFF2-40B4-BE49-F238E27FC236}">
-                <a16:creationId xmlns:a16="http://schemas.microsoft.com/office/drawing/2014/main" id="{9323871C-7CA8-1448-8FFC-1AE6E1838941}"/>
-              </a:ext>
-            </a:extLst>
-          </p:cNvPr>
-          <p:cNvSpPr>
-            <a:spLocks noGrp="1"/>
-          </p:cNvSpPr>
-          <p:nvPr>
-            <p:ph type="title"/>
-          </p:nvPr>
-        </p:nvSpPr>
-        <p:spPr/>
-        <p:txBody>
-          <a:bodyPr/>
-          <a:lstStyle/>
-          <a:p>
-            <a:r>
-              <a:rPr lang="en-US" dirty="0"/>
-              <a:t>Reminders</a:t>
-            </a:r>
-          </a:p>
-        </p:txBody>
-      </p:sp>
-      <p:sp>
-        <p:nvSpPr>
-          <p:cNvPr id="5" name="Text Placeholder 4">
-            <a:extLst>
-              <a:ext uri="{FF2B5EF4-FFF2-40B4-BE49-F238E27FC236}">
-                <a16:creationId xmlns:a16="http://schemas.microsoft.com/office/drawing/2014/main" id="{F4E0A5F0-1D89-954D-91FB-596CD9E690F2}"/>
-              </a:ext>
-            </a:extLst>
-          </p:cNvPr>
-          <p:cNvSpPr>
-            <a:spLocks noGrp="1"/>
-          </p:cNvSpPr>
-          <p:nvPr>
-            <p:ph type="body" idx="1"/>
-          </p:nvPr>
-        </p:nvSpPr>
-        <p:spPr/>
-        <p:txBody>
-          <a:bodyPr/>
-          <a:lstStyle/>
-          <a:p>
-            <a:pPr marL="76200" indent="0">
-              <a:buNone/>
-            </a:pPr>
-            <a:r>
-              <a:rPr lang="en-US" b="1" dirty="0"/>
-              <a:t>Coming up next week:</a:t>
-            </a:r>
-          </a:p>
-          <a:p>
-            <a:r>
-              <a:rPr lang="en-US" dirty="0"/>
-              <a:t>Monday: Project Update 2</a:t>
-            </a:r>
-          </a:p>
-          <a:p>
-            <a:r>
-              <a:rPr lang="en-US" dirty="0"/>
-              <a:t>Tuesday: Weekly Feedback Form</a:t>
-            </a:r>
-          </a:p>
-        </p:txBody>
-      </p:sp>
-    </p:spTree>
-    <p:extLst>
-      <p:ext uri="{BB962C8B-B14F-4D97-AF65-F5344CB8AC3E}">
-        <p14:creationId xmlns:p14="http://schemas.microsoft.com/office/powerpoint/2010/main" val="186046226"/>
-      </p:ext>
-    </p:extLst>
-  </p:cSld>
-  <p:clrMapOvr>
-    <a:masterClrMapping/>
-  </p:clrMapOvr>
-</p:sld>
-</file>
-
-<file path=ppt/slides/slide20.xml><?xml version="1.0" encoding="utf-8"?>
+<file path=ppt/slides/slide21.xml><?xml version="1.0" encoding="utf-8"?>
 <p:sld xmlns:a="http://schemas.openxmlformats.org/drawingml/2006/main" xmlns:r="http://schemas.openxmlformats.org/officeDocument/2006/relationships" xmlns:p="http://schemas.openxmlformats.org/presentationml/2006/main">
   <p:cSld>
     <p:spTree>
@@ -14168,7 +14297,7 @@
 </p:sld>
 </file>
 
-<file path=ppt/slides/slide21.xml><?xml version="1.0" encoding="utf-8"?>
+<file path=ppt/slides/slide22.xml><?xml version="1.0" encoding="utf-8"?>
 <p:sld xmlns:a="http://schemas.openxmlformats.org/drawingml/2006/main" xmlns:r="http://schemas.openxmlformats.org/officeDocument/2006/relationships" xmlns:p="http://schemas.openxmlformats.org/presentationml/2006/main">
   <p:cSld>
     <p:spTree>
@@ -14257,7 +14386,7 @@
 </p:sld>
 </file>
 
-<file path=ppt/slides/slide22.xml><?xml version="1.0" encoding="utf-8"?>
+<file path=ppt/slides/slide23.xml><?xml version="1.0" encoding="utf-8"?>
 <p:sld xmlns:a="http://schemas.openxmlformats.org/drawingml/2006/main" xmlns:r="http://schemas.openxmlformats.org/officeDocument/2006/relationships" xmlns:p="http://schemas.openxmlformats.org/presentationml/2006/main">
   <p:cSld>
     <p:spTree>
@@ -14398,6 +14527,114 @@
           <a:p>
             <a:r>
               <a:rPr lang="en-US" dirty="0"/>
+              <a:t>Project Update 1 Review</a:t>
+            </a:r>
+          </a:p>
+        </p:txBody>
+      </p:sp>
+      <p:sp>
+        <p:nvSpPr>
+          <p:cNvPr id="4" name="Text Placeholder 3">
+            <a:extLst>
+              <a:ext uri="{FF2B5EF4-FFF2-40B4-BE49-F238E27FC236}">
+                <a16:creationId xmlns:a16="http://schemas.microsoft.com/office/drawing/2014/main" id="{5E600BA7-FA45-884F-9820-9E5F2CB7AA48}"/>
+              </a:ext>
+            </a:extLst>
+          </p:cNvPr>
+          <p:cNvSpPr>
+            <a:spLocks noGrp="1"/>
+          </p:cNvSpPr>
+          <p:nvPr>
+            <p:ph type="body" idx="1"/>
+          </p:nvPr>
+        </p:nvSpPr>
+        <p:spPr/>
+        <p:txBody>
+          <a:bodyPr/>
+          <a:lstStyle/>
+          <a:p>
+            <a:r>
+              <a:rPr lang="en-US" sz="2600" dirty="0"/>
+              <a:t>Formulation – first of every month?</a:t>
+            </a:r>
+            <a:br>
+              <a:rPr lang="en-US" sz="2600" dirty="0"/>
+            </a:br>
+            <a:endParaRPr lang="en-US" sz="2600" dirty="0"/>
+          </a:p>
+          <a:p>
+            <a:r>
+              <a:rPr lang="en-US" sz="2600" dirty="0"/>
+              <a:t>Base rate – definition and keeping parallel with label</a:t>
+            </a:r>
+          </a:p>
+          <a:p>
+            <a:pPr marL="76200" indent="0">
+              <a:buNone/>
+            </a:pPr>
+            <a:endParaRPr lang="en-US" sz="2600" dirty="0"/>
+          </a:p>
+          <a:p>
+            <a:r>
+              <a:rPr lang="en-US" sz="2600" dirty="0"/>
+              <a:t>Commonsense Baselines – what makes sense here?</a:t>
+            </a:r>
+          </a:p>
+        </p:txBody>
+      </p:sp>
+    </p:spTree>
+    <p:extLst>
+      <p:ext uri="{BB962C8B-B14F-4D97-AF65-F5344CB8AC3E}">
+        <p14:creationId xmlns:p14="http://schemas.microsoft.com/office/powerpoint/2010/main" val="1535530279"/>
+      </p:ext>
+    </p:extLst>
+  </p:cSld>
+  <p:clrMapOvr>
+    <a:masterClrMapping/>
+  </p:clrMapOvr>
+</p:sld>
+</file>
+
+<file path=ppt/slides/slide4.xml><?xml version="1.0" encoding="utf-8"?>
+<p:sld xmlns:a="http://schemas.openxmlformats.org/drawingml/2006/main" xmlns:r="http://schemas.openxmlformats.org/officeDocument/2006/relationships" xmlns:p="http://schemas.openxmlformats.org/presentationml/2006/main">
+  <p:cSld>
+    <p:spTree>
+      <p:nvGrpSpPr>
+        <p:cNvPr id="1" name=""/>
+        <p:cNvGrpSpPr/>
+        <p:nvPr/>
+      </p:nvGrpSpPr>
+      <p:grpSpPr>
+        <a:xfrm>
+          <a:off x="0" y="0"/>
+          <a:ext cx="0" cy="0"/>
+          <a:chOff x="0" y="0"/>
+          <a:chExt cx="0" cy="0"/>
+        </a:xfrm>
+      </p:grpSpPr>
+      <p:sp>
+        <p:nvSpPr>
+          <p:cNvPr id="3" name="Title 2">
+            <a:extLst>
+              <a:ext uri="{FF2B5EF4-FFF2-40B4-BE49-F238E27FC236}">
+                <a16:creationId xmlns:a16="http://schemas.microsoft.com/office/drawing/2014/main" id="{9323871C-7CA8-1448-8FFC-1AE6E1838941}"/>
+              </a:ext>
+            </a:extLst>
+          </p:cNvPr>
+          <p:cNvSpPr>
+            <a:spLocks noGrp="1"/>
+          </p:cNvSpPr>
+          <p:nvPr>
+            <p:ph type="title"/>
+          </p:nvPr>
+        </p:nvSpPr>
+        <p:spPr/>
+        <p:txBody>
+          <a:bodyPr/>
+          <a:lstStyle/>
+          <a:p>
+            <a:r>
+              <a:rPr lang="en-US" dirty="0"/>
               <a:t>Discussion Question</a:t>
             </a:r>
           </a:p>
@@ -14437,7 +14674,7 @@
     </p:spTree>
     <p:extLst>
       <p:ext uri="{BB962C8B-B14F-4D97-AF65-F5344CB8AC3E}">
-        <p14:creationId xmlns:p14="http://schemas.microsoft.com/office/powerpoint/2010/main" val="1535530279"/>
+        <p14:creationId xmlns:p14="http://schemas.microsoft.com/office/powerpoint/2010/main" val="4066479944"/>
       </p:ext>
     </p:extLst>
   </p:cSld>
@@ -14447,7 +14684,7 @@
 </p:sld>
 </file>
 
-<file path=ppt/slides/slide4.xml><?xml version="1.0" encoding="utf-8"?>
+<file path=ppt/slides/slide5.xml><?xml version="1.0" encoding="utf-8"?>
 <p:sld xmlns:a="http://schemas.openxmlformats.org/drawingml/2006/main" xmlns:r="http://schemas.openxmlformats.org/officeDocument/2006/relationships" xmlns:p="http://schemas.openxmlformats.org/presentationml/2006/main">
   <p:cSld>
     <p:spTree>
@@ -14576,7 +14813,7 @@
 </p:sld>
 </file>
 
-<file path=ppt/slides/slide5.xml><?xml version="1.0" encoding="utf-8"?>
+<file path=ppt/slides/slide6.xml><?xml version="1.0" encoding="utf-8"?>
 <p:sld xmlns:a="http://schemas.openxmlformats.org/drawingml/2006/main" xmlns:r="http://schemas.openxmlformats.org/officeDocument/2006/relationships" xmlns:p="http://schemas.openxmlformats.org/presentationml/2006/main">
   <p:cSld>
     <p:spTree>
@@ -14686,7 +14923,7 @@
 </p:sld>
 </file>
 
-<file path=ppt/slides/slide6.xml><?xml version="1.0" encoding="utf-8"?>
+<file path=ppt/slides/slide7.xml><?xml version="1.0" encoding="utf-8"?>
 <p:sld xmlns:a="http://schemas.openxmlformats.org/drawingml/2006/main" xmlns:r="http://schemas.openxmlformats.org/officeDocument/2006/relationships" xmlns:p="http://schemas.openxmlformats.org/presentationml/2006/main">
   <p:cSld>
     <p:spTree>
@@ -14769,7 +15006,7 @@
 </p:sld>
 </file>
 
-<file path=ppt/slides/slide7.xml><?xml version="1.0" encoding="utf-8"?>
+<file path=ppt/slides/slide8.xml><?xml version="1.0" encoding="utf-8"?>
 <p:sld xmlns:a="http://schemas.openxmlformats.org/drawingml/2006/main" xmlns:r="http://schemas.openxmlformats.org/officeDocument/2006/relationships" xmlns:p="http://schemas.openxmlformats.org/presentationml/2006/main">
   <p:cSld>
     <p:spTree>
@@ -14869,7 +15106,7 @@
 </p:sld>
 </file>
 
-<file path=ppt/slides/slide8.xml><?xml version="1.0" encoding="utf-8"?>
+<file path=ppt/slides/slide9.xml><?xml version="1.0" encoding="utf-8"?>
 <p:sld xmlns:a="http://schemas.openxmlformats.org/drawingml/2006/main" xmlns:r="http://schemas.openxmlformats.org/officeDocument/2006/relationships" xmlns:p="http://schemas.openxmlformats.org/presentationml/2006/main">
   <p:cSld>
     <p:spTree>
@@ -14943,134 +15180,6 @@
     <p:extLst>
       <p:ext uri="{BB962C8B-B14F-4D97-AF65-F5344CB8AC3E}">
         <p14:creationId xmlns:p14="http://schemas.microsoft.com/office/powerpoint/2010/main" val="106807354"/>
-      </p:ext>
-    </p:extLst>
-  </p:cSld>
-  <p:clrMapOvr>
-    <a:masterClrMapping/>
-  </p:clrMapOvr>
-  <mc:AlternateContent xmlns:mc="http://schemas.openxmlformats.org/markup-compatibility/2006" xmlns:p14="http://schemas.microsoft.com/office/powerpoint/2010/main">
-    <mc:Choice Requires="p14">
-      <p:transition spd="med" p14:dur="700">
-        <p:fade/>
-      </p:transition>
-    </mc:Choice>
-    <mc:Fallback xmlns="">
-      <p:transition spd="med">
-        <p:fade/>
-      </p:transition>
-    </mc:Fallback>
-  </mc:AlternateContent>
-</p:sld>
-</file>
-
-<file path=ppt/slides/slide9.xml><?xml version="1.0" encoding="utf-8"?>
-<p:sld xmlns:a="http://schemas.openxmlformats.org/drawingml/2006/main" xmlns:r="http://schemas.openxmlformats.org/officeDocument/2006/relationships" xmlns:p="http://schemas.openxmlformats.org/presentationml/2006/main">
-  <p:cSld>
-    <p:spTree>
-      <p:nvGrpSpPr>
-        <p:cNvPr id="1" name=""/>
-        <p:cNvGrpSpPr/>
-        <p:nvPr/>
-      </p:nvGrpSpPr>
-      <p:grpSpPr>
-        <a:xfrm>
-          <a:off x="0" y="0"/>
-          <a:ext cx="0" cy="0"/>
-          <a:chOff x="0" y="0"/>
-          <a:chExt cx="0" cy="0"/>
-        </a:xfrm>
-      </p:grpSpPr>
-      <p:sp>
-        <p:nvSpPr>
-          <p:cNvPr id="4" name="Title 3">
-            <a:extLst>
-              <a:ext uri="{FF2B5EF4-FFF2-40B4-BE49-F238E27FC236}">
-                <a16:creationId xmlns:a16="http://schemas.microsoft.com/office/drawing/2014/main" id="{30C2C959-72F2-EF4D-80DA-F48A29D0F3C4}"/>
-              </a:ext>
-            </a:extLst>
-          </p:cNvPr>
-          <p:cNvSpPr>
-            <a:spLocks noGrp="1"/>
-          </p:cNvSpPr>
-          <p:nvPr>
-            <p:ph type="title"/>
-          </p:nvPr>
-        </p:nvSpPr>
-        <p:spPr/>
-        <p:txBody>
-          <a:bodyPr/>
-          <a:lstStyle/>
-          <a:p>
-            <a:r>
-              <a:rPr lang="en-US" dirty="0"/>
-              <a:t>What do we need our selected model to do?</a:t>
-            </a:r>
-          </a:p>
-        </p:txBody>
-      </p:sp>
-      <p:sp>
-        <p:nvSpPr>
-          <p:cNvPr id="5" name="Text Placeholder 4">
-            <a:extLst>
-              <a:ext uri="{FF2B5EF4-FFF2-40B4-BE49-F238E27FC236}">
-                <a16:creationId xmlns:a16="http://schemas.microsoft.com/office/drawing/2014/main" id="{24A75FF1-9EFE-0F41-92F5-3E749CFB2EB5}"/>
-              </a:ext>
-            </a:extLst>
-          </p:cNvPr>
-          <p:cNvSpPr>
-            <a:spLocks noGrp="1"/>
-          </p:cNvSpPr>
-          <p:nvPr>
-            <p:ph type="body" idx="1"/>
-          </p:nvPr>
-        </p:nvSpPr>
-        <p:spPr/>
-        <p:txBody>
-          <a:bodyPr/>
-          <a:lstStyle/>
-          <a:p>
-            <a:r>
-              <a:rPr lang="en-US" dirty="0"/>
-              <a:t>Perform well</a:t>
-            </a:r>
-          </a:p>
-          <a:p>
-            <a:pPr lvl="1"/>
-            <a:r>
-              <a:rPr lang="en-US" dirty="0"/>
-              <a:t>What metric?</a:t>
-            </a:r>
-          </a:p>
-          <a:p>
-            <a:pPr lvl="1"/>
-            <a:r>
-              <a:rPr lang="en-US" dirty="0"/>
-              <a:t>Compared to what?</a:t>
-            </a:r>
-          </a:p>
-          <a:p>
-            <a:endParaRPr lang="en-US" dirty="0"/>
-          </a:p>
-          <a:p>
-            <a:r>
-              <a:rPr lang="en-US" dirty="0"/>
-              <a:t>Generalize</a:t>
-            </a:r>
-          </a:p>
-          <a:p>
-            <a:pPr lvl="1"/>
-            <a:r>
-              <a:rPr lang="en-US" dirty="0"/>
-              <a:t>To what?</a:t>
-            </a:r>
-          </a:p>
-        </p:txBody>
-      </p:sp>
-    </p:spTree>
-    <p:extLst>
-      <p:ext uri="{BB962C8B-B14F-4D97-AF65-F5344CB8AC3E}">
-        <p14:creationId xmlns:p14="http://schemas.microsoft.com/office/powerpoint/2010/main" val="4111643116"/>
       </p:ext>
     </p:extLst>
   </p:cSld>

--- a/Lectures/Lecture6-EvaluationMetrics.pptx
+++ b/Lectures/Lecture6-EvaluationMetrics.pptx
@@ -30,7 +30,7 @@
     <p:sldId id="460" r:id="rId21"/>
     <p:sldId id="420" r:id="rId22"/>
     <p:sldId id="484" r:id="rId23"/>
-    <p:sldId id="485" r:id="rId24"/>
+    <p:sldId id="487" r:id="rId24"/>
   </p:sldIdLst>
   <p:sldSz cx="12192000" cy="6858000"/>
   <p:notesSz cx="6858000" cy="9144000"/>
@@ -268,7 +268,7 @@
       <p15:sldGuideLst xmlns:p15="http://schemas.microsoft.com/office/powerpoint/2012/main"/>
     </p:ext>
     <p:ext uri="http://customooxmlschemas.google.com/">
-      <go:slidesCustomData xmlns:go="http://customooxmlschemas.google.com/" xmlns:p15="http://schemas.microsoft.com/office/powerpoint/2012/main" xmlns:p14="http://schemas.microsoft.com/office/powerpoint/2010/main" xmlns:com="http://schemas.openxmlformats.org/drawingml/2006/compatibility" xmlns:pvml="urn:schemas-microsoft-com:office:powerpoint" xmlns:v="urn:schemas-microsoft-com:vml" xmlns:o="urn:schemas-microsoft-com:office:office" xmlns:dgm="http://schemas.openxmlformats.org/drawingml/2006/diagram" xmlns:c="http://schemas.openxmlformats.org/drawingml/2006/chart" xmlns:mv="urn:schemas-microsoft-com:mac:vml" xmlns:mc="http://schemas.openxmlformats.org/markup-compatibility/2006" xmlns="" r:id="rId40" roundtripDataSignature="AMtx7mjFyVUGRZWio+dc9dxzYsimUxNJbg=="/>
+      <go:slidesCustomData xmlns="" xmlns:mc="http://schemas.openxmlformats.org/markup-compatibility/2006" xmlns:mv="urn:schemas-microsoft-com:mac:vml" xmlns:c="http://schemas.openxmlformats.org/drawingml/2006/chart" xmlns:dgm="http://schemas.openxmlformats.org/drawingml/2006/diagram" xmlns:o="urn:schemas-microsoft-com:office:office" xmlns:v="urn:schemas-microsoft-com:vml" xmlns:pvml="urn:schemas-microsoft-com:office:powerpoint" xmlns:com="http://schemas.openxmlformats.org/drawingml/2006/compatibility" xmlns:p14="http://schemas.microsoft.com/office/powerpoint/2010/main" xmlns:p15="http://schemas.microsoft.com/office/powerpoint/2012/main" xmlns:go="http://customooxmlschemas.google.com/" r:id="rId40" roundtripDataSignature="AMtx7mjFyVUGRZWio+dc9dxzYsimUxNJbg=="/>
     </p:ext>
   </p:extLst>
 </p:presentation>
@@ -14076,15 +14076,39 @@
             </a:r>
           </a:p>
           <a:p>
+            <a:pPr marL="76200" indent="0">
+              <a:buNone/>
+            </a:pPr>
+            <a:endParaRPr lang="en-US" b="1" dirty="0"/>
+          </a:p>
+          <a:p>
             <a:r>
               <a:rPr lang="en-US" dirty="0"/>
               <a:t>Monday: Project Update 2</a:t>
             </a:r>
+            <a:br>
+              <a:rPr lang="en-US" dirty="0"/>
+            </a:br>
+            <a:endParaRPr lang="en-US" dirty="0"/>
           </a:p>
           <a:p>
             <a:r>
               <a:rPr lang="en-US" dirty="0"/>
               <a:t>Tuesday: Weekly Feedback Form</a:t>
+            </a:r>
+            <a:br>
+              <a:rPr lang="en-US" dirty="0"/>
+            </a:br>
+            <a:endParaRPr lang="en-US" dirty="0"/>
+          </a:p>
+          <a:p>
+            <a:r>
+              <a:rPr lang="en-US" dirty="0">
+                <a:solidFill>
+                  <a:srgbClr val="C00000"/>
+                </a:solidFill>
+              </a:rPr>
+              <a:t>Wednesday: Deep Dive Session on Modeling and Validation Plans</a:t>
             </a:r>
           </a:p>
         </p:txBody>
@@ -14461,15 +14485,39 @@
             </a:r>
           </a:p>
           <a:p>
+            <a:pPr marL="76200" indent="0">
+              <a:buNone/>
+            </a:pPr>
+            <a:endParaRPr lang="en-US" b="1" dirty="0"/>
+          </a:p>
+          <a:p>
             <a:r>
               <a:rPr lang="en-US" dirty="0"/>
               <a:t>Monday: Project Update 2</a:t>
             </a:r>
+            <a:br>
+              <a:rPr lang="en-US" dirty="0"/>
+            </a:br>
+            <a:endParaRPr lang="en-US" dirty="0"/>
           </a:p>
           <a:p>
             <a:r>
               <a:rPr lang="en-US" dirty="0"/>
               <a:t>Tuesday: Weekly Feedback Form</a:t>
+            </a:r>
+            <a:br>
+              <a:rPr lang="en-US" dirty="0"/>
+            </a:br>
+            <a:endParaRPr lang="en-US" dirty="0"/>
+          </a:p>
+          <a:p>
+            <a:r>
+              <a:rPr lang="en-US" dirty="0">
+                <a:solidFill>
+                  <a:srgbClr val="C00000"/>
+                </a:solidFill>
+              </a:rPr>
+              <a:t>Wednesday: Deep Dive Session on Modeling and Validation Plans</a:t>
             </a:r>
           </a:p>
         </p:txBody>
@@ -14477,7 +14525,7 @@
     </p:spTree>
     <p:extLst>
       <p:ext uri="{BB962C8B-B14F-4D97-AF65-F5344CB8AC3E}">
-        <p14:creationId xmlns:p14="http://schemas.microsoft.com/office/powerpoint/2010/main" val="4204044366"/>
+        <p14:creationId xmlns:p14="http://schemas.microsoft.com/office/powerpoint/2010/main" val="4088623722"/>
       </p:ext>
     </p:extLst>
   </p:cSld>

--- a/Lectures/Lecture6-EvaluationMetrics.pptx
+++ b/Lectures/Lecture6-EvaluationMetrics.pptx
@@ -5,7 +5,7 @@
     <p:sldMasterId id="2147483648" r:id="rId1"/>
   </p:sldMasterIdLst>
   <p:notesMasterIdLst>
-    <p:notesMasterId r:id="rId25"/>
+    <p:notesMasterId r:id="rId27"/>
   </p:notesMasterIdLst>
   <p:sldIdLst>
     <p:sldId id="256" r:id="rId2"/>
@@ -18,19 +18,21 @@
     <p:sldId id="287" r:id="rId9"/>
     <p:sldId id="478" r:id="rId10"/>
     <p:sldId id="468" r:id="rId11"/>
-    <p:sldId id="475" r:id="rId12"/>
-    <p:sldId id="453" r:id="rId13"/>
-    <p:sldId id="352" r:id="rId14"/>
-    <p:sldId id="458" r:id="rId15"/>
-    <p:sldId id="457" r:id="rId16"/>
-    <p:sldId id="428" r:id="rId17"/>
-    <p:sldId id="429" r:id="rId18"/>
-    <p:sldId id="430" r:id="rId19"/>
-    <p:sldId id="455" r:id="rId20"/>
-    <p:sldId id="460" r:id="rId21"/>
-    <p:sldId id="420" r:id="rId22"/>
-    <p:sldId id="484" r:id="rId23"/>
-    <p:sldId id="487" r:id="rId24"/>
+    <p:sldId id="269" r:id="rId12"/>
+    <p:sldId id="489" r:id="rId13"/>
+    <p:sldId id="475" r:id="rId14"/>
+    <p:sldId id="453" r:id="rId15"/>
+    <p:sldId id="352" r:id="rId16"/>
+    <p:sldId id="458" r:id="rId17"/>
+    <p:sldId id="457" r:id="rId18"/>
+    <p:sldId id="428" r:id="rId19"/>
+    <p:sldId id="429" r:id="rId20"/>
+    <p:sldId id="430" r:id="rId21"/>
+    <p:sldId id="455" r:id="rId22"/>
+    <p:sldId id="460" r:id="rId23"/>
+    <p:sldId id="420" r:id="rId24"/>
+    <p:sldId id="484" r:id="rId25"/>
+    <p:sldId id="488" r:id="rId26"/>
   </p:sldIdLst>
   <p:sldSz cx="12192000" cy="6858000"/>
   <p:notesSz cx="6858000" cy="9144000"/>
@@ -268,7 +270,7 @@
       <p15:sldGuideLst xmlns:p15="http://schemas.microsoft.com/office/powerpoint/2012/main"/>
     </p:ext>
     <p:ext uri="http://customooxmlschemas.google.com/">
-      <go:slidesCustomData xmlns="" xmlns:mc="http://schemas.openxmlformats.org/markup-compatibility/2006" xmlns:mv="urn:schemas-microsoft-com:mac:vml" xmlns:c="http://schemas.openxmlformats.org/drawingml/2006/chart" xmlns:dgm="http://schemas.openxmlformats.org/drawingml/2006/diagram" xmlns:o="urn:schemas-microsoft-com:office:office" xmlns:v="urn:schemas-microsoft-com:vml" xmlns:pvml="urn:schemas-microsoft-com:office:powerpoint" xmlns:com="http://schemas.openxmlformats.org/drawingml/2006/compatibility" xmlns:p14="http://schemas.microsoft.com/office/powerpoint/2010/main" xmlns:p15="http://schemas.microsoft.com/office/powerpoint/2012/main" xmlns:go="http://customooxmlschemas.google.com/" r:id="rId40" roundtripDataSignature="AMtx7mjFyVUGRZWio+dc9dxzYsimUxNJbg=="/>
+      <go:slidesCustomData xmlns:go="http://customooxmlschemas.google.com/" xmlns:p15="http://schemas.microsoft.com/office/powerpoint/2012/main" xmlns:p14="http://schemas.microsoft.com/office/powerpoint/2010/main" xmlns:com="http://schemas.openxmlformats.org/drawingml/2006/compatibility" xmlns:pvml="urn:schemas-microsoft-com:office:powerpoint" xmlns:v="urn:schemas-microsoft-com:vml" xmlns:o="urn:schemas-microsoft-com:office:office" xmlns:dgm="http://schemas.openxmlformats.org/drawingml/2006/diagram" xmlns:c="http://schemas.openxmlformats.org/drawingml/2006/chart" xmlns:mv="urn:schemas-microsoft-com:mac:vml" xmlns:mc="http://schemas.openxmlformats.org/markup-compatibility/2006" xmlns="" r:id="rId40" roundtripDataSignature="AMtx7mjFyVUGRZWio+dc9dxzYsimUxNJbg=="/>
     </p:ext>
   </p:extLst>
 </p:presentation>
@@ -6577,6 +6579,110 @@
 </file>
 
 <file path=ppt/notesSlides/notesSlide2.xml><?xml version="1.0" encoding="utf-8"?>
+<p:notes xmlns:a="http://schemas.openxmlformats.org/drawingml/2006/main" xmlns:r="http://schemas.openxmlformats.org/officeDocument/2006/relationships" xmlns:p="http://schemas.openxmlformats.org/presentationml/2006/main" showMasterSp="0" showMasterPhAnim="0">
+  <p:cSld>
+    <p:spTree>
+      <p:nvGrpSpPr>
+        <p:cNvPr id="1" name="Shape 199"/>
+        <p:cNvGrpSpPr/>
+        <p:nvPr/>
+      </p:nvGrpSpPr>
+      <p:grpSpPr>
+        <a:xfrm>
+          <a:off x="0" y="0"/>
+          <a:ext cx="0" cy="0"/>
+          <a:chOff x="0" y="0"/>
+          <a:chExt cx="0" cy="0"/>
+        </a:xfrm>
+      </p:grpSpPr>
+      <p:sp>
+        <p:nvSpPr>
+          <p:cNvPr id="200" name="Google Shape;200;g13a827b83f3_1_5:notes"/>
+          <p:cNvSpPr>
+            <a:spLocks noGrp="1" noRot="1" noChangeAspect="1"/>
+          </p:cNvSpPr>
+          <p:nvPr>
+            <p:ph type="sldImg" idx="2"/>
+          </p:nvPr>
+        </p:nvSpPr>
+        <p:spPr>
+          <a:xfrm>
+            <a:off x="381000" y="685800"/>
+            <a:ext cx="6096000" cy="3429000"/>
+          </a:xfrm>
+          <a:custGeom>
+            <a:avLst/>
+            <a:gdLst/>
+            <a:ahLst/>
+            <a:cxnLst/>
+            <a:rect l="l" t="t" r="r" b="b"/>
+            <a:pathLst>
+              <a:path w="120000" h="120000" extrusionOk="0">
+                <a:moveTo>
+                  <a:pt x="0" y="0"/>
+                </a:moveTo>
+                <a:lnTo>
+                  <a:pt x="120000" y="0"/>
+                </a:lnTo>
+                <a:lnTo>
+                  <a:pt x="120000" y="120000"/>
+                </a:lnTo>
+                <a:lnTo>
+                  <a:pt x="0" y="120000"/>
+                </a:lnTo>
+                <a:close/>
+              </a:path>
+            </a:pathLst>
+          </a:custGeom>
+        </p:spPr>
+      </p:sp>
+      <p:sp>
+        <p:nvSpPr>
+          <p:cNvPr id="201" name="Google Shape;201;g13a827b83f3_1_5:notes"/>
+          <p:cNvSpPr txBox="1">
+            <a:spLocks noGrp="1"/>
+          </p:cNvSpPr>
+          <p:nvPr>
+            <p:ph type="body" idx="1"/>
+          </p:nvPr>
+        </p:nvSpPr>
+        <p:spPr>
+          <a:xfrm>
+            <a:off x="685800" y="4343400"/>
+            <a:ext cx="5486400" cy="4114800"/>
+          </a:xfrm>
+          <a:prstGeom prst="rect">
+            <a:avLst/>
+          </a:prstGeom>
+        </p:spPr>
+        <p:txBody>
+          <a:bodyPr spcFirstLastPara="1" wrap="square" lIns="91425" tIns="91425" rIns="91425" bIns="91425" anchor="t" anchorCtr="0">
+            <a:noAutofit/>
+          </a:bodyPr>
+          <a:lstStyle/>
+          <a:p>
+            <a:pPr marL="0" lvl="0" indent="0" algn="l" rtl="0">
+              <a:spcBef>
+                <a:spcPts val="0"/>
+              </a:spcBef>
+              <a:spcAft>
+                <a:spcPts val="0"/>
+              </a:spcAft>
+              <a:buNone/>
+            </a:pPr>
+            <a:endParaRPr/>
+          </a:p>
+        </p:txBody>
+      </p:sp>
+    </p:spTree>
+  </p:cSld>
+  <p:clrMapOvr>
+    <a:masterClrMapping/>
+  </p:clrMapOvr>
+</p:notes>
+</file>
+
+<file path=ppt/notesSlides/notesSlide3.xml><?xml version="1.0" encoding="utf-8"?>
 <p:notes xmlns:a="http://schemas.openxmlformats.org/drawingml/2006/main" xmlns:r="http://schemas.openxmlformats.org/officeDocument/2006/relationships" xmlns:p="http://schemas.openxmlformats.org/presentationml/2006/main">
   <p:cSld>
     <p:spTree>
@@ -6661,7 +6767,7 @@
                 <a:cs typeface="Calibri"/>
                 <a:sym typeface="Calibri"/>
               </a:rPr>
-              <a:t>13</a:t>
+              <a:t>15</a:t>
             </a:fld>
             <a:endParaRPr lang="en-US" sz="1200" b="0" i="0" u="none" strike="noStrike" cap="none">
               <a:solidFill>
@@ -8370,6 +8476,285 @@
         </p:txBody>
       </p:sp>
     </p:spTree>
+  </p:cSld>
+  <p:clrMapOvr>
+    <a:masterClrMapping/>
+  </p:clrMapOvr>
+</p:sldLayout>
+</file>
+
+<file path=ppt/slideLayouts/slideLayout6.xml><?xml version="1.0" encoding="utf-8"?>
+<p:sldLayout xmlns:a="http://schemas.openxmlformats.org/drawingml/2006/main" xmlns:r="http://schemas.openxmlformats.org/officeDocument/2006/relationships" xmlns:p="http://schemas.openxmlformats.org/presentationml/2006/main" matchingName="1_Title and Content">
+  <p:cSld name="1_Title and Content">
+    <p:spTree>
+      <p:nvGrpSpPr>
+        <p:cNvPr id="1" name="Shape 62"/>
+        <p:cNvGrpSpPr/>
+        <p:nvPr/>
+      </p:nvGrpSpPr>
+      <p:grpSpPr>
+        <a:xfrm>
+          <a:off x="0" y="0"/>
+          <a:ext cx="0" cy="0"/>
+          <a:chOff x="0" y="0"/>
+          <a:chExt cx="0" cy="0"/>
+        </a:xfrm>
+      </p:grpSpPr>
+      <p:sp>
+        <p:nvSpPr>
+          <p:cNvPr id="63" name="Google Shape;63;g6dad9273e7_0_53"/>
+          <p:cNvSpPr txBox="1">
+            <a:spLocks noGrp="1"/>
+          </p:cNvSpPr>
+          <p:nvPr>
+            <p:ph type="body" idx="1"/>
+          </p:nvPr>
+        </p:nvSpPr>
+        <p:spPr>
+          <a:xfrm>
+            <a:off x="268210" y="1588503"/>
+            <a:ext cx="11666400" cy="4954500"/>
+          </a:xfrm>
+          <a:prstGeom prst="rect">
+            <a:avLst/>
+          </a:prstGeom>
+          <a:noFill/>
+          <a:ln>
+            <a:noFill/>
+          </a:ln>
+        </p:spPr>
+        <p:txBody>
+          <a:bodyPr spcFirstLastPara="1" wrap="square" lIns="91425" tIns="45700" rIns="91425" bIns="45700" anchor="t" anchorCtr="0">
+            <a:noAutofit/>
+          </a:bodyPr>
+          <a:lstStyle>
+            <a:lvl1pPr marL="457200" lvl="0" indent="-342900" algn="l" rtl="0">
+              <a:spcBef>
+                <a:spcPts val="360"/>
+              </a:spcBef>
+              <a:spcAft>
+                <a:spcPts val="0"/>
+              </a:spcAft>
+              <a:buClr>
+                <a:schemeClr val="dk1"/>
+              </a:buClr>
+              <a:buSzPts val="1800"/>
+              <a:buChar char="●"/>
+              <a:defRPr/>
+            </a:lvl1pPr>
+            <a:lvl2pPr marL="914400" lvl="1" indent="-342900" algn="l" rtl="0">
+              <a:spcBef>
+                <a:spcPts val="360"/>
+              </a:spcBef>
+              <a:spcAft>
+                <a:spcPts val="0"/>
+              </a:spcAft>
+              <a:buClr>
+                <a:schemeClr val="dk1"/>
+              </a:buClr>
+              <a:buSzPts val="1800"/>
+              <a:buChar char="○"/>
+              <a:defRPr/>
+            </a:lvl2pPr>
+            <a:lvl3pPr marL="1371600" lvl="2" indent="-342900" algn="l" rtl="0">
+              <a:spcBef>
+                <a:spcPts val="360"/>
+              </a:spcBef>
+              <a:spcAft>
+                <a:spcPts val="0"/>
+              </a:spcAft>
+              <a:buClr>
+                <a:schemeClr val="dk1"/>
+              </a:buClr>
+              <a:buSzPts val="1800"/>
+              <a:buChar char="■"/>
+              <a:defRPr/>
+            </a:lvl3pPr>
+            <a:lvl4pPr marL="1828800" lvl="3" indent="-342900" algn="l" rtl="0">
+              <a:spcBef>
+                <a:spcPts val="360"/>
+              </a:spcBef>
+              <a:spcAft>
+                <a:spcPts val="0"/>
+              </a:spcAft>
+              <a:buClr>
+                <a:schemeClr val="dk1"/>
+              </a:buClr>
+              <a:buSzPts val="1800"/>
+              <a:buChar char="●"/>
+              <a:defRPr/>
+            </a:lvl4pPr>
+            <a:lvl5pPr marL="2286000" lvl="4" indent="-342900" algn="l" rtl="0">
+              <a:spcBef>
+                <a:spcPts val="360"/>
+              </a:spcBef>
+              <a:spcAft>
+                <a:spcPts val="0"/>
+              </a:spcAft>
+              <a:buClr>
+                <a:schemeClr val="dk1"/>
+              </a:buClr>
+              <a:buSzPts val="1800"/>
+              <a:buChar char="○"/>
+              <a:defRPr/>
+            </a:lvl5pPr>
+            <a:lvl6pPr marL="2743200" lvl="5" indent="-342900" algn="l" rtl="0">
+              <a:spcBef>
+                <a:spcPts val="360"/>
+              </a:spcBef>
+              <a:spcAft>
+                <a:spcPts val="0"/>
+              </a:spcAft>
+              <a:buClr>
+                <a:schemeClr val="dk1"/>
+              </a:buClr>
+              <a:buSzPts val="1800"/>
+              <a:buChar char="■"/>
+              <a:defRPr/>
+            </a:lvl6pPr>
+            <a:lvl7pPr marL="3200400" lvl="6" indent="-342900" algn="l" rtl="0">
+              <a:spcBef>
+                <a:spcPts val="2100"/>
+              </a:spcBef>
+              <a:spcAft>
+                <a:spcPts val="0"/>
+              </a:spcAft>
+              <a:buClr>
+                <a:schemeClr val="dk1"/>
+              </a:buClr>
+              <a:buSzPts val="1800"/>
+              <a:buChar char="●"/>
+              <a:defRPr/>
+            </a:lvl7pPr>
+            <a:lvl8pPr marL="3657600" lvl="7" indent="-342900" algn="l" rtl="0">
+              <a:spcBef>
+                <a:spcPts val="2100"/>
+              </a:spcBef>
+              <a:spcAft>
+                <a:spcPts val="0"/>
+              </a:spcAft>
+              <a:buClr>
+                <a:schemeClr val="dk1"/>
+              </a:buClr>
+              <a:buSzPts val="1800"/>
+              <a:buChar char="○"/>
+              <a:defRPr/>
+            </a:lvl8pPr>
+            <a:lvl9pPr marL="4114800" lvl="8" indent="-342900" algn="l" rtl="0">
+              <a:spcBef>
+                <a:spcPts val="2100"/>
+              </a:spcBef>
+              <a:spcAft>
+                <a:spcPts val="2100"/>
+              </a:spcAft>
+              <a:buClr>
+                <a:schemeClr val="dk1"/>
+              </a:buClr>
+              <a:buSzPts val="1800"/>
+              <a:buChar char="■"/>
+              <a:defRPr/>
+            </a:lvl9pPr>
+          </a:lstStyle>
+          <a:p>
+            <a:endParaRPr dirty="0"/>
+          </a:p>
+        </p:txBody>
+      </p:sp>
+      <p:sp>
+        <p:nvSpPr>
+          <p:cNvPr id="64" name="Google Shape;64;g6dad9273e7_0_53"/>
+          <p:cNvSpPr txBox="1"/>
+          <p:nvPr/>
+        </p:nvSpPr>
+        <p:spPr>
+          <a:xfrm>
+            <a:off x="5410" y="11929"/>
+            <a:ext cx="12192000" cy="1353806"/>
+          </a:xfrm>
+          <a:prstGeom prst="rect">
+            <a:avLst/>
+          </a:prstGeom>
+          <a:solidFill>
+            <a:srgbClr val="800000"/>
+          </a:solidFill>
+          <a:ln>
+            <a:noFill/>
+          </a:ln>
+        </p:spPr>
+        <p:txBody>
+          <a:bodyPr spcFirstLastPara="1" wrap="square" lIns="121900" tIns="60950" rIns="121900" bIns="60950" anchor="ctr" anchorCtr="0">
+            <a:noAutofit/>
+          </a:bodyPr>
+          <a:lstStyle/>
+          <a:p>
+            <a:pPr marL="0" marR="0" lvl="0" indent="0" algn="ctr" rtl="0">
+              <a:spcBef>
+                <a:spcPts val="0"/>
+              </a:spcBef>
+              <a:spcAft>
+                <a:spcPts val="0"/>
+              </a:spcAft>
+              <a:buNone/>
+            </a:pPr>
+            <a:endParaRPr sz="3300" b="0" i="0" u="none" strike="noStrike" cap="none" dirty="0">
+              <a:solidFill>
+                <a:schemeClr val="bg1"/>
+              </a:solidFill>
+              <a:latin typeface="Calibri"/>
+              <a:ea typeface="Calibri"/>
+              <a:cs typeface="Calibri"/>
+              <a:sym typeface="Calibri"/>
+            </a:endParaRPr>
+          </a:p>
+        </p:txBody>
+      </p:sp>
+      <p:sp>
+        <p:nvSpPr>
+          <p:cNvPr id="2" name="Title 1">
+            <a:extLst>
+              <a:ext uri="{FF2B5EF4-FFF2-40B4-BE49-F238E27FC236}">
+                <a16:creationId xmlns:a16="http://schemas.microsoft.com/office/drawing/2014/main" id="{FB058E15-DEBE-0941-A587-4DF3467F6618}"/>
+              </a:ext>
+            </a:extLst>
+          </p:cNvPr>
+          <p:cNvSpPr>
+            <a:spLocks noGrp="1"/>
+          </p:cNvSpPr>
+          <p:nvPr>
+            <p:ph type="title"/>
+          </p:nvPr>
+        </p:nvSpPr>
+        <p:spPr>
+          <a:xfrm>
+            <a:off x="130558" y="418466"/>
+            <a:ext cx="11360700" cy="763500"/>
+          </a:xfrm>
+        </p:spPr>
+        <p:txBody>
+          <a:bodyPr/>
+          <a:lstStyle>
+            <a:lvl1pPr>
+              <a:defRPr>
+                <a:solidFill>
+                  <a:schemeClr val="bg1"/>
+                </a:solidFill>
+              </a:defRPr>
+            </a:lvl1pPr>
+          </a:lstStyle>
+          <a:p>
+            <a:r>
+              <a:rPr lang="en-US"/>
+              <a:t>Click to edit Master title style</a:t>
+            </a:r>
+          </a:p>
+        </p:txBody>
+      </p:sp>
+    </p:spTree>
+    <p:extLst>
+      <p:ext uri="{BB962C8B-B14F-4D97-AF65-F5344CB8AC3E}">
+        <p14:creationId xmlns:p14="http://schemas.microsoft.com/office/powerpoint/2010/main" val="3812859304"/>
+      </p:ext>
+    </p:extLst>
   </p:cSld>
   <p:clrMapOvr>
     <a:masterClrMapping/>
@@ -8949,6 +9334,7 @@
     <p:sldLayoutId id="2147483651" r:id="rId3"/>
     <p:sldLayoutId id="2147483652" r:id="rId4"/>
     <p:sldLayoutId id="2147483659" r:id="rId5"/>
+    <p:sldLayoutId id="2147483660" r:id="rId6"/>
   </p:sldLayoutIdLst>
   <p:hf sldNum="0" hdr="0" ftr="0" dt="0"/>
   <p:txStyles>
@@ -9974,6 +10360,873 @@
   <p:cSld>
     <p:spTree>
       <p:nvGrpSpPr>
+        <p:cNvPr id="1" name="Shape 202"/>
+        <p:cNvGrpSpPr/>
+        <p:nvPr/>
+      </p:nvGrpSpPr>
+      <p:grpSpPr>
+        <a:xfrm>
+          <a:off x="0" y="0"/>
+          <a:ext cx="0" cy="0"/>
+          <a:chOff x="0" y="0"/>
+          <a:chExt cx="0" cy="0"/>
+        </a:xfrm>
+      </p:grpSpPr>
+      <p:sp>
+        <p:nvSpPr>
+          <p:cNvPr id="2" name="Text Placeholder 1">
+            <a:extLst>
+              <a:ext uri="{FF2B5EF4-FFF2-40B4-BE49-F238E27FC236}">
+                <a16:creationId xmlns:a16="http://schemas.microsoft.com/office/drawing/2014/main" id="{10E49ADA-B971-3A74-683D-F7E6AB709A58}"/>
+              </a:ext>
+            </a:extLst>
+          </p:cNvPr>
+          <p:cNvSpPr>
+            <a:spLocks noGrp="1"/>
+          </p:cNvSpPr>
+          <p:nvPr>
+            <p:ph type="body" idx="1"/>
+          </p:nvPr>
+        </p:nvSpPr>
+        <p:spPr/>
+        <p:txBody>
+          <a:bodyPr/>
+          <a:lstStyle/>
+          <a:p>
+            <a:endParaRPr lang="en-US"/>
+          </a:p>
+        </p:txBody>
+      </p:sp>
+      <p:sp>
+        <p:nvSpPr>
+          <p:cNvPr id="203" name="Google Shape;203;p38"/>
+          <p:cNvSpPr txBox="1">
+            <a:spLocks noGrp="1"/>
+          </p:cNvSpPr>
+          <p:nvPr>
+            <p:ph type="title"/>
+          </p:nvPr>
+        </p:nvSpPr>
+        <p:spPr>
+          <a:prstGeom prst="rect">
+            <a:avLst/>
+          </a:prstGeom>
+        </p:spPr>
+        <p:txBody>
+          <a:bodyPr spcFirstLastPara="1" wrap="square" lIns="121900" tIns="121900" rIns="121900" bIns="121900" anchor="t" anchorCtr="0">
+            <a:normAutofit fontScale="90000"/>
+          </a:bodyPr>
+          <a:lstStyle/>
+          <a:p>
+            <a:r>
+              <a:rPr lang="en" dirty="0"/>
+              <a:t>Evaluation Metrics -- Example</a:t>
+            </a:r>
+            <a:endParaRPr dirty="0"/>
+          </a:p>
+        </p:txBody>
+      </p:sp>
+      <p:sp>
+        <p:nvSpPr>
+          <p:cNvPr id="204" name="Google Shape;204;p38"/>
+          <p:cNvSpPr/>
+          <p:nvPr/>
+        </p:nvSpPr>
+        <p:spPr>
+          <a:xfrm>
+            <a:off x="190320" y="1463207"/>
+            <a:ext cx="3124000" cy="4204400"/>
+          </a:xfrm>
+          <a:prstGeom prst="rect">
+            <a:avLst/>
+          </a:prstGeom>
+          <a:solidFill>
+            <a:srgbClr val="EEEEEE"/>
+          </a:solidFill>
+          <a:ln w="9525" cap="flat" cmpd="sng">
+            <a:solidFill>
+              <a:srgbClr val="595959"/>
+            </a:solidFill>
+            <a:prstDash val="solid"/>
+            <a:round/>
+            <a:headEnd type="none" w="sm" len="sm"/>
+            <a:tailEnd type="none" w="sm" len="sm"/>
+          </a:ln>
+        </p:spPr>
+        <p:txBody>
+          <a:bodyPr spcFirstLastPara="1" wrap="square" lIns="121900" tIns="121900" rIns="121900" bIns="121900" anchor="ctr" anchorCtr="0">
+            <a:noAutofit/>
+          </a:bodyPr>
+          <a:lstStyle/>
+          <a:p>
+            <a:pPr>
+              <a:buSzPts val="1400"/>
+            </a:pPr>
+            <a:endParaRPr sz="1867"/>
+          </a:p>
+        </p:txBody>
+      </p:sp>
+      <p:sp>
+        <p:nvSpPr>
+          <p:cNvPr id="205" name="Google Shape;205;p38"/>
+          <p:cNvSpPr txBox="1"/>
+          <p:nvPr/>
+        </p:nvSpPr>
+        <p:spPr>
+          <a:xfrm>
+            <a:off x="3566453" y="1341573"/>
+            <a:ext cx="8531200" cy="4555200"/>
+          </a:xfrm>
+          <a:prstGeom prst="rect">
+            <a:avLst/>
+          </a:prstGeom>
+          <a:noFill/>
+          <a:ln>
+            <a:noFill/>
+          </a:ln>
+        </p:spPr>
+        <p:txBody>
+          <a:bodyPr spcFirstLastPara="1" wrap="square" lIns="121900" tIns="121900" rIns="121900" bIns="121900" anchor="t" anchorCtr="0">
+            <a:noAutofit/>
+          </a:bodyPr>
+          <a:lstStyle/>
+          <a:p>
+            <a:pPr>
+              <a:lnSpc>
+                <a:spcPct val="115000"/>
+              </a:lnSpc>
+              <a:spcAft>
+                <a:spcPts val="2133"/>
+              </a:spcAft>
+            </a:pPr>
+            <a:r>
+              <a:rPr lang="en" sz="3467" dirty="0">
+                <a:solidFill>
+                  <a:srgbClr val="FF0000"/>
+                </a:solidFill>
+              </a:rPr>
+              <a:t>Every year, when new aerial data arrives</a:t>
+            </a:r>
+            <a:r>
+              <a:rPr lang="en" sz="3467" dirty="0">
+                <a:solidFill>
+                  <a:srgbClr val="595959"/>
+                </a:solidFill>
+              </a:rPr>
+              <a:t>, for </a:t>
+            </a:r>
+            <a:r>
+              <a:rPr lang="en" sz="3467" dirty="0">
+                <a:solidFill>
+                  <a:srgbClr val="0000FF"/>
+                </a:solidFill>
+              </a:rPr>
+              <a:t>all </a:t>
+            </a:r>
+            <a:r>
+              <a:rPr lang="en" sz="3467" dirty="0" err="1">
+                <a:solidFill>
+                  <a:srgbClr val="0000FF"/>
+                </a:solidFill>
+              </a:rPr>
+              <a:t>blocklots</a:t>
+            </a:r>
+            <a:r>
+              <a:rPr lang="en" sz="3467" dirty="0">
+                <a:solidFill>
+                  <a:srgbClr val="0000FF"/>
+                </a:solidFill>
+              </a:rPr>
+              <a:t> in Baltimore City</a:t>
+            </a:r>
+            <a:r>
+              <a:rPr lang="en" sz="3467" dirty="0">
+                <a:solidFill>
+                  <a:srgbClr val="595959"/>
+                </a:solidFill>
+              </a:rPr>
+              <a:t>, can we identify </a:t>
+            </a:r>
+            <a:r>
+              <a:rPr lang="en" sz="3467" dirty="0">
+                <a:solidFill>
+                  <a:srgbClr val="FF00FF"/>
+                </a:solidFill>
+              </a:rPr>
+              <a:t>1,000 residential buildings </a:t>
+            </a:r>
+            <a:r>
+              <a:rPr lang="en" sz="3467" dirty="0">
+                <a:solidFill>
+                  <a:srgbClr val="595959"/>
+                </a:solidFill>
+              </a:rPr>
+              <a:t>with a </a:t>
+            </a:r>
+            <a:r>
+              <a:rPr lang="en" sz="3467" dirty="0">
+                <a:solidFill>
+                  <a:srgbClr val="38761D"/>
+                </a:solidFill>
+              </a:rPr>
+              <a:t>“high” level of roof damage </a:t>
+            </a:r>
+            <a:r>
+              <a:rPr lang="en" sz="3467" dirty="0">
+                <a:solidFill>
+                  <a:srgbClr val="B45F06"/>
+                </a:solidFill>
+              </a:rPr>
+              <a:t>to prioritize for demolition or stabilization inspection in the next year</a:t>
+            </a:r>
+            <a:r>
+              <a:rPr lang="en" sz="3467" dirty="0">
+                <a:solidFill>
+                  <a:srgbClr val="595959"/>
+                </a:solidFill>
+              </a:rPr>
+              <a:t>?</a:t>
+            </a:r>
+            <a:endParaRPr sz="3467" dirty="0">
+              <a:solidFill>
+                <a:srgbClr val="595959"/>
+              </a:solidFill>
+            </a:endParaRPr>
+          </a:p>
+        </p:txBody>
+      </p:sp>
+      <p:sp>
+        <p:nvSpPr>
+          <p:cNvPr id="206" name="Google Shape;206;p38"/>
+          <p:cNvSpPr txBox="1"/>
+          <p:nvPr/>
+        </p:nvSpPr>
+        <p:spPr>
+          <a:xfrm>
+            <a:off x="248120" y="1463207"/>
+            <a:ext cx="3008400" cy="796000"/>
+          </a:xfrm>
+          <a:prstGeom prst="rect">
+            <a:avLst/>
+          </a:prstGeom>
+          <a:noFill/>
+          <a:ln>
+            <a:noFill/>
+          </a:ln>
+        </p:spPr>
+        <p:txBody>
+          <a:bodyPr spcFirstLastPara="1" wrap="square" lIns="121900" tIns="121900" rIns="121900" bIns="121900" anchor="t" anchorCtr="0">
+            <a:noAutofit/>
+          </a:bodyPr>
+          <a:lstStyle/>
+          <a:p>
+            <a:pPr>
+              <a:buSzPts val="1400"/>
+            </a:pPr>
+            <a:r>
+              <a:rPr lang="en" sz="1867">
+                <a:solidFill>
+                  <a:srgbClr val="FF0000"/>
+                </a:solidFill>
+              </a:rPr>
+              <a:t>When and How often is the recommendation / decision being made?</a:t>
+            </a:r>
+            <a:endParaRPr sz="1867">
+              <a:solidFill>
+                <a:srgbClr val="FF0000"/>
+              </a:solidFill>
+            </a:endParaRPr>
+          </a:p>
+        </p:txBody>
+      </p:sp>
+      <p:sp>
+        <p:nvSpPr>
+          <p:cNvPr id="207" name="Google Shape;207;p38"/>
+          <p:cNvSpPr txBox="1"/>
+          <p:nvPr/>
+        </p:nvSpPr>
+        <p:spPr>
+          <a:xfrm>
+            <a:off x="253253" y="2632740"/>
+            <a:ext cx="3008400" cy="796000"/>
+          </a:xfrm>
+          <a:prstGeom prst="rect">
+            <a:avLst/>
+          </a:prstGeom>
+          <a:noFill/>
+          <a:ln>
+            <a:noFill/>
+          </a:ln>
+        </p:spPr>
+        <p:txBody>
+          <a:bodyPr spcFirstLastPara="1" wrap="square" lIns="121900" tIns="121900" rIns="121900" bIns="121900" anchor="t" anchorCtr="0">
+            <a:noAutofit/>
+          </a:bodyPr>
+          <a:lstStyle/>
+          <a:p>
+            <a:pPr>
+              <a:buSzPts val="1400"/>
+            </a:pPr>
+            <a:br>
+              <a:rPr lang="en" sz="1867">
+                <a:solidFill>
+                  <a:srgbClr val="0000FF"/>
+                </a:solidFill>
+              </a:rPr>
+            </a:br>
+            <a:r>
+              <a:rPr lang="en" sz="1867">
+                <a:solidFill>
+                  <a:srgbClr val="0000FF"/>
+                </a:solidFill>
+              </a:rPr>
+              <a:t>Who/what is included in the cohort?</a:t>
+            </a:r>
+            <a:endParaRPr sz="1867">
+              <a:solidFill>
+                <a:srgbClr val="0000FF"/>
+              </a:solidFill>
+            </a:endParaRPr>
+          </a:p>
+        </p:txBody>
+      </p:sp>
+      <p:sp>
+        <p:nvSpPr>
+          <p:cNvPr id="208" name="Google Shape;208;p38"/>
+          <p:cNvSpPr txBox="1"/>
+          <p:nvPr/>
+        </p:nvSpPr>
+        <p:spPr>
+          <a:xfrm>
+            <a:off x="253253" y="3497473"/>
+            <a:ext cx="3008400" cy="796000"/>
+          </a:xfrm>
+          <a:prstGeom prst="rect">
+            <a:avLst/>
+          </a:prstGeom>
+          <a:noFill/>
+          <a:ln>
+            <a:noFill/>
+          </a:ln>
+        </p:spPr>
+        <p:txBody>
+          <a:bodyPr spcFirstLastPara="1" wrap="square" lIns="121900" tIns="121900" rIns="121900" bIns="121900" anchor="t" anchorCtr="0">
+            <a:noAutofit/>
+          </a:bodyPr>
+          <a:lstStyle/>
+          <a:p>
+            <a:pPr>
+              <a:buSzPts val="1400"/>
+            </a:pPr>
+            <a:br>
+              <a:rPr lang="en" sz="1867">
+                <a:solidFill>
+                  <a:srgbClr val="FF00FF"/>
+                </a:solidFill>
+              </a:rPr>
+            </a:br>
+            <a:r>
+              <a:rPr lang="en" sz="1867">
+                <a:solidFill>
+                  <a:srgbClr val="FF00FF"/>
+                </a:solidFill>
+              </a:rPr>
+              <a:t>What is the output?</a:t>
+            </a:r>
+            <a:endParaRPr sz="1867">
+              <a:solidFill>
+                <a:srgbClr val="FF00FF"/>
+              </a:solidFill>
+            </a:endParaRPr>
+          </a:p>
+        </p:txBody>
+      </p:sp>
+      <p:sp>
+        <p:nvSpPr>
+          <p:cNvPr id="209" name="Google Shape;209;p38"/>
+          <p:cNvSpPr txBox="1"/>
+          <p:nvPr/>
+        </p:nvSpPr>
+        <p:spPr>
+          <a:xfrm>
+            <a:off x="248120" y="4191873"/>
+            <a:ext cx="3008400" cy="1475600"/>
+          </a:xfrm>
+          <a:prstGeom prst="rect">
+            <a:avLst/>
+          </a:prstGeom>
+          <a:noFill/>
+          <a:ln>
+            <a:noFill/>
+          </a:ln>
+        </p:spPr>
+        <p:txBody>
+          <a:bodyPr spcFirstLastPara="1" wrap="square" lIns="121900" tIns="121900" rIns="121900" bIns="121900" anchor="t" anchorCtr="0">
+            <a:noAutofit/>
+          </a:bodyPr>
+          <a:lstStyle/>
+          <a:p>
+            <a:pPr>
+              <a:buSzPts val="1400"/>
+            </a:pPr>
+            <a:r>
+              <a:rPr lang="en" sz="1867">
+                <a:solidFill>
+                  <a:srgbClr val="274E13"/>
+                </a:solidFill>
+              </a:rPr>
+              <a:t>What outcome are you predicting/estimating?</a:t>
+            </a:r>
+            <a:endParaRPr sz="1867">
+              <a:solidFill>
+                <a:srgbClr val="274E13"/>
+              </a:solidFill>
+            </a:endParaRPr>
+          </a:p>
+          <a:p>
+            <a:pPr>
+              <a:buSzPts val="1400"/>
+            </a:pPr>
+            <a:endParaRPr sz="1867">
+              <a:solidFill>
+                <a:srgbClr val="274E13"/>
+              </a:solidFill>
+            </a:endParaRPr>
+          </a:p>
+          <a:p>
+            <a:pPr>
+              <a:buSzPts val="1400"/>
+            </a:pPr>
+            <a:r>
+              <a:rPr lang="en" sz="1867">
+                <a:solidFill>
+                  <a:srgbClr val="B45F06"/>
+                </a:solidFill>
+              </a:rPr>
+              <a:t>For what purpose?</a:t>
+            </a:r>
+            <a:endParaRPr sz="1867">
+              <a:solidFill>
+                <a:srgbClr val="274E13"/>
+              </a:solidFill>
+            </a:endParaRPr>
+          </a:p>
+        </p:txBody>
+      </p:sp>
+    </p:spTree>
+  </p:cSld>
+  <p:clrMapOvr>
+    <a:masterClrMapping/>
+  </p:clrMapOvr>
+</p:sld>
+</file>
+
+<file path=ppt/slides/slide12.xml><?xml version="1.0" encoding="utf-8"?>
+<p:sld xmlns:a="http://schemas.openxmlformats.org/drawingml/2006/main" xmlns:r="http://schemas.openxmlformats.org/officeDocument/2006/relationships" xmlns:p="http://schemas.openxmlformats.org/presentationml/2006/main">
+  <p:cSld>
+    <p:spTree>
+      <p:nvGrpSpPr>
+        <p:cNvPr id="1" name=""/>
+        <p:cNvGrpSpPr/>
+        <p:nvPr/>
+      </p:nvGrpSpPr>
+      <p:grpSpPr>
+        <a:xfrm>
+          <a:off x="0" y="0"/>
+          <a:ext cx="0" cy="0"/>
+          <a:chOff x="0" y="0"/>
+          <a:chExt cx="0" cy="0"/>
+        </a:xfrm>
+      </p:grpSpPr>
+      <p:sp>
+        <p:nvSpPr>
+          <p:cNvPr id="3" name="Title 2">
+            <a:extLst>
+              <a:ext uri="{FF2B5EF4-FFF2-40B4-BE49-F238E27FC236}">
+                <a16:creationId xmlns:a16="http://schemas.microsoft.com/office/drawing/2014/main" id="{9323871C-7CA8-1448-8FFC-1AE6E1838941}"/>
+              </a:ext>
+            </a:extLst>
+          </p:cNvPr>
+          <p:cNvSpPr>
+            <a:spLocks noGrp="1"/>
+          </p:cNvSpPr>
+          <p:nvPr>
+            <p:ph type="title"/>
+          </p:nvPr>
+        </p:nvSpPr>
+        <p:spPr/>
+        <p:txBody>
+          <a:bodyPr/>
+          <a:lstStyle/>
+          <a:p>
+            <a:r>
+              <a:rPr lang="en-US" dirty="0"/>
+              <a:t>Discussion Question</a:t>
+            </a:r>
+          </a:p>
+        </p:txBody>
+      </p:sp>
+      <p:sp>
+        <p:nvSpPr>
+          <p:cNvPr id="4" name="Text Placeholder 3">
+            <a:extLst>
+              <a:ext uri="{FF2B5EF4-FFF2-40B4-BE49-F238E27FC236}">
+                <a16:creationId xmlns:a16="http://schemas.microsoft.com/office/drawing/2014/main" id="{5E600BA7-FA45-884F-9820-9E5F2CB7AA48}"/>
+              </a:ext>
+            </a:extLst>
+          </p:cNvPr>
+          <p:cNvSpPr>
+            <a:spLocks noGrp="1"/>
+          </p:cNvSpPr>
+          <p:nvPr>
+            <p:ph type="body" idx="1"/>
+          </p:nvPr>
+        </p:nvSpPr>
+        <p:spPr/>
+        <p:txBody>
+          <a:bodyPr/>
+          <a:lstStyle/>
+          <a:p>
+            <a:pPr marL="76200" indent="0" algn="ctr">
+              <a:buNone/>
+            </a:pPr>
+            <a:r>
+              <a:rPr lang="en-US" sz="3600" dirty="0"/>
+              <a:t>For the roof damage example, what type of ML approach would you use? What metric would you focus on to evaluate model performance?</a:t>
+            </a:r>
+          </a:p>
+        </p:txBody>
+      </p:sp>
+      <p:sp>
+        <p:nvSpPr>
+          <p:cNvPr id="5" name="Text Placeholder 3">
+            <a:extLst>
+              <a:ext uri="{FF2B5EF4-FFF2-40B4-BE49-F238E27FC236}">
+                <a16:creationId xmlns:a16="http://schemas.microsoft.com/office/drawing/2014/main" id="{4E3D7A99-9482-674A-A236-35A6462C5373}"/>
+              </a:ext>
+            </a:extLst>
+          </p:cNvPr>
+          <p:cNvSpPr txBox="1">
+            <a:spLocks/>
+          </p:cNvSpPr>
+          <p:nvPr/>
+        </p:nvSpPr>
+        <p:spPr>
+          <a:xfrm>
+            <a:off x="3652513" y="3822585"/>
+            <a:ext cx="4886875" cy="2794571"/>
+          </a:xfrm>
+          <a:prstGeom prst="rect">
+            <a:avLst/>
+          </a:prstGeom>
+          <a:noFill/>
+          <a:ln>
+            <a:noFill/>
+          </a:ln>
+        </p:spPr>
+        <p:txBody>
+          <a:bodyPr spcFirstLastPara="1" wrap="none" lIns="121900" tIns="121900" rIns="121900" bIns="121900" rtlCol="0" anchor="t" anchorCtr="0">
+            <a:spAutoFit/>
+          </a:bodyPr>
+          <a:lstStyle>
+            <a:defPPr marR="0" lvl="0" algn="l" rtl="0">
+              <a:lnSpc>
+                <a:spcPct val="100000"/>
+              </a:lnSpc>
+              <a:spcBef>
+                <a:spcPts val="0"/>
+              </a:spcBef>
+              <a:spcAft>
+                <a:spcPts val="0"/>
+              </a:spcAft>
+            </a:defPPr>
+            <a:lvl1pPr marL="457200" marR="0" lvl="0" indent="-381000" algn="l" rtl="0">
+              <a:lnSpc>
+                <a:spcPct val="115000"/>
+              </a:lnSpc>
+              <a:spcBef>
+                <a:spcPts val="0"/>
+              </a:spcBef>
+              <a:spcAft>
+                <a:spcPts val="0"/>
+              </a:spcAft>
+              <a:buClr>
+                <a:srgbClr val="434343"/>
+              </a:buClr>
+              <a:buSzPts val="2400"/>
+              <a:buFont typeface="Arial"/>
+              <a:buChar char="●"/>
+              <a:defRPr sz="2400" b="0" i="0" u="none" strike="noStrike" cap="none">
+                <a:solidFill>
+                  <a:srgbClr val="434343"/>
+                </a:solidFill>
+                <a:latin typeface="Arial"/>
+                <a:ea typeface="Arial"/>
+                <a:cs typeface="Arial"/>
+                <a:sym typeface="Arial"/>
+              </a:defRPr>
+            </a:lvl1pPr>
+            <a:lvl2pPr marL="914400" marR="0" lvl="1" indent="-349250" algn="l" rtl="0">
+              <a:lnSpc>
+                <a:spcPct val="115000"/>
+              </a:lnSpc>
+              <a:spcBef>
+                <a:spcPts val="2100"/>
+              </a:spcBef>
+              <a:spcAft>
+                <a:spcPts val="0"/>
+              </a:spcAft>
+              <a:buClr>
+                <a:srgbClr val="434343"/>
+              </a:buClr>
+              <a:buSzPts val="1900"/>
+              <a:buFont typeface="Arial"/>
+              <a:buChar char="○"/>
+              <a:defRPr sz="1900" b="0" i="0" u="none" strike="noStrike" cap="none">
+                <a:solidFill>
+                  <a:srgbClr val="434343"/>
+                </a:solidFill>
+                <a:latin typeface="Arial"/>
+                <a:ea typeface="Arial"/>
+                <a:cs typeface="Arial"/>
+                <a:sym typeface="Arial"/>
+              </a:defRPr>
+            </a:lvl2pPr>
+            <a:lvl3pPr marL="1371600" marR="0" lvl="2" indent="-349250" algn="l" rtl="0">
+              <a:lnSpc>
+                <a:spcPct val="115000"/>
+              </a:lnSpc>
+              <a:spcBef>
+                <a:spcPts val="2100"/>
+              </a:spcBef>
+              <a:spcAft>
+                <a:spcPts val="0"/>
+              </a:spcAft>
+              <a:buClr>
+                <a:srgbClr val="434343"/>
+              </a:buClr>
+              <a:buSzPts val="1900"/>
+              <a:buFont typeface="Arial"/>
+              <a:buChar char="■"/>
+              <a:defRPr sz="1900" b="0" i="0" u="none" strike="noStrike" cap="none">
+                <a:solidFill>
+                  <a:srgbClr val="434343"/>
+                </a:solidFill>
+                <a:latin typeface="Arial"/>
+                <a:ea typeface="Arial"/>
+                <a:cs typeface="Arial"/>
+                <a:sym typeface="Arial"/>
+              </a:defRPr>
+            </a:lvl3pPr>
+            <a:lvl4pPr marL="1828800" marR="0" lvl="3" indent="-349250" algn="l" rtl="0">
+              <a:lnSpc>
+                <a:spcPct val="115000"/>
+              </a:lnSpc>
+              <a:spcBef>
+                <a:spcPts val="2100"/>
+              </a:spcBef>
+              <a:spcAft>
+                <a:spcPts val="0"/>
+              </a:spcAft>
+              <a:buClr>
+                <a:srgbClr val="434343"/>
+              </a:buClr>
+              <a:buSzPts val="1900"/>
+              <a:buFont typeface="Arial"/>
+              <a:buChar char="●"/>
+              <a:defRPr sz="1900" b="0" i="0" u="none" strike="noStrike" cap="none">
+                <a:solidFill>
+                  <a:srgbClr val="434343"/>
+                </a:solidFill>
+                <a:latin typeface="Arial"/>
+                <a:ea typeface="Arial"/>
+                <a:cs typeface="Arial"/>
+                <a:sym typeface="Arial"/>
+              </a:defRPr>
+            </a:lvl4pPr>
+            <a:lvl5pPr marL="2286000" marR="0" lvl="4" indent="-349250" algn="l" rtl="0">
+              <a:lnSpc>
+                <a:spcPct val="115000"/>
+              </a:lnSpc>
+              <a:spcBef>
+                <a:spcPts val="2100"/>
+              </a:spcBef>
+              <a:spcAft>
+                <a:spcPts val="0"/>
+              </a:spcAft>
+              <a:buClr>
+                <a:srgbClr val="434343"/>
+              </a:buClr>
+              <a:buSzPts val="1900"/>
+              <a:buFont typeface="Arial"/>
+              <a:buChar char="○"/>
+              <a:defRPr sz="1900" b="0" i="0" u="none" strike="noStrike" cap="none">
+                <a:solidFill>
+                  <a:srgbClr val="434343"/>
+                </a:solidFill>
+                <a:latin typeface="Arial"/>
+                <a:ea typeface="Arial"/>
+                <a:cs typeface="Arial"/>
+                <a:sym typeface="Arial"/>
+              </a:defRPr>
+            </a:lvl5pPr>
+            <a:lvl6pPr marL="2743200" marR="0" lvl="5" indent="-349250" algn="l" rtl="0">
+              <a:lnSpc>
+                <a:spcPct val="115000"/>
+              </a:lnSpc>
+              <a:spcBef>
+                <a:spcPts val="2100"/>
+              </a:spcBef>
+              <a:spcAft>
+                <a:spcPts val="0"/>
+              </a:spcAft>
+              <a:buClr>
+                <a:srgbClr val="434343"/>
+              </a:buClr>
+              <a:buSzPts val="1900"/>
+              <a:buFont typeface="Arial"/>
+              <a:buChar char="■"/>
+              <a:defRPr sz="1900" b="0" i="0" u="none" strike="noStrike" cap="none">
+                <a:solidFill>
+                  <a:srgbClr val="434343"/>
+                </a:solidFill>
+                <a:latin typeface="Arial"/>
+                <a:ea typeface="Arial"/>
+                <a:cs typeface="Arial"/>
+                <a:sym typeface="Arial"/>
+              </a:defRPr>
+            </a:lvl6pPr>
+            <a:lvl7pPr marL="3200400" marR="0" lvl="6" indent="-349250" algn="l" rtl="0">
+              <a:lnSpc>
+                <a:spcPct val="115000"/>
+              </a:lnSpc>
+              <a:spcBef>
+                <a:spcPts val="2100"/>
+              </a:spcBef>
+              <a:spcAft>
+                <a:spcPts val="0"/>
+              </a:spcAft>
+              <a:buClr>
+                <a:srgbClr val="434343"/>
+              </a:buClr>
+              <a:buSzPts val="1900"/>
+              <a:buFont typeface="Arial"/>
+              <a:buChar char="●"/>
+              <a:defRPr sz="1900" b="0" i="0" u="none" strike="noStrike" cap="none">
+                <a:solidFill>
+                  <a:srgbClr val="434343"/>
+                </a:solidFill>
+                <a:latin typeface="Arial"/>
+                <a:ea typeface="Arial"/>
+                <a:cs typeface="Arial"/>
+                <a:sym typeface="Arial"/>
+              </a:defRPr>
+            </a:lvl7pPr>
+            <a:lvl8pPr marL="3657600" marR="0" lvl="7" indent="-349250" algn="l" rtl="0">
+              <a:lnSpc>
+                <a:spcPct val="115000"/>
+              </a:lnSpc>
+              <a:spcBef>
+                <a:spcPts val="2100"/>
+              </a:spcBef>
+              <a:spcAft>
+                <a:spcPts val="0"/>
+              </a:spcAft>
+              <a:buClr>
+                <a:srgbClr val="434343"/>
+              </a:buClr>
+              <a:buSzPts val="1900"/>
+              <a:buFont typeface="Arial"/>
+              <a:buChar char="○"/>
+              <a:defRPr sz="1900" b="0" i="0" u="none" strike="noStrike" cap="none">
+                <a:solidFill>
+                  <a:srgbClr val="434343"/>
+                </a:solidFill>
+                <a:latin typeface="Arial"/>
+                <a:ea typeface="Arial"/>
+                <a:cs typeface="Arial"/>
+                <a:sym typeface="Arial"/>
+              </a:defRPr>
+            </a:lvl8pPr>
+            <a:lvl9pPr marL="4114800" marR="0" lvl="8" indent="-349250" algn="l" rtl="0">
+              <a:lnSpc>
+                <a:spcPct val="115000"/>
+              </a:lnSpc>
+              <a:spcBef>
+                <a:spcPts val="2100"/>
+              </a:spcBef>
+              <a:spcAft>
+                <a:spcPts val="2100"/>
+              </a:spcAft>
+              <a:buClr>
+                <a:srgbClr val="434343"/>
+              </a:buClr>
+              <a:buSzPts val="1900"/>
+              <a:buFont typeface="Arial"/>
+              <a:buChar char="■"/>
+              <a:defRPr sz="1900" b="0" i="0" u="none" strike="noStrike" cap="none">
+                <a:solidFill>
+                  <a:srgbClr val="434343"/>
+                </a:solidFill>
+                <a:latin typeface="Arial"/>
+                <a:ea typeface="Arial"/>
+                <a:cs typeface="Arial"/>
+                <a:sym typeface="Arial"/>
+              </a:defRPr>
+            </a:lvl9pPr>
+          </a:lstStyle>
+          <a:p>
+            <a:pPr marL="114300" indent="0" algn="ctr">
+              <a:buFont typeface="Arial"/>
+              <a:buNone/>
+            </a:pPr>
+            <a:r>
+              <a:rPr lang="en-US" sz="4800" dirty="0" err="1"/>
+              <a:t>sli.do</a:t>
+            </a:r>
+            <a:r>
+              <a:rPr lang="en-US" sz="4800" dirty="0"/>
+              <a:t>      #10718</a:t>
+            </a:r>
+          </a:p>
+          <a:p>
+            <a:pPr algn="ctr"/>
+            <a:endParaRPr lang="en-US" sz="4800" dirty="0"/>
+          </a:p>
+          <a:p>
+            <a:pPr marL="114300" indent="0" algn="ctr">
+              <a:buFont typeface="Arial"/>
+              <a:buNone/>
+            </a:pPr>
+            <a:r>
+              <a:rPr lang="en-US" sz="4800" dirty="0" err="1"/>
+              <a:t>sli.do</a:t>
+            </a:r>
+            <a:r>
+              <a:rPr lang="en-US" sz="4800" dirty="0"/>
+              <a:t>/10718</a:t>
+            </a:r>
+          </a:p>
+        </p:txBody>
+      </p:sp>
+    </p:spTree>
+    <p:extLst>
+      <p:ext uri="{BB962C8B-B14F-4D97-AF65-F5344CB8AC3E}">
+        <p14:creationId xmlns:p14="http://schemas.microsoft.com/office/powerpoint/2010/main" val="4152149543"/>
+      </p:ext>
+    </p:extLst>
+  </p:cSld>
+  <p:clrMapOvr>
+    <a:masterClrMapping/>
+  </p:clrMapOvr>
+</p:sld>
+</file>
+
+<file path=ppt/slides/slide13.xml><?xml version="1.0" encoding="utf-8"?>
+<p:sld xmlns:a="http://schemas.openxmlformats.org/drawingml/2006/main" xmlns:r="http://schemas.openxmlformats.org/officeDocument/2006/relationships" xmlns:p="http://schemas.openxmlformats.org/presentationml/2006/main">
+  <p:cSld>
+    <p:spTree>
+      <p:nvGrpSpPr>
         <p:cNvPr id="1" name=""/>
         <p:cNvGrpSpPr/>
         <p:nvPr/>
@@ -10052,7 +11305,7 @@
 </p:sld>
 </file>
 
-<file path=ppt/slides/slide12.xml><?xml version="1.0" encoding="utf-8"?>
+<file path=ppt/slides/slide14.xml><?xml version="1.0" encoding="utf-8"?>
 <p:sld xmlns:a="http://schemas.openxmlformats.org/drawingml/2006/main" xmlns:r="http://schemas.openxmlformats.org/officeDocument/2006/relationships" xmlns:p="http://schemas.openxmlformats.org/presentationml/2006/main">
   <p:cSld>
     <p:spTree>
@@ -10249,7 +11502,7 @@
 </p:sld>
 </file>
 
-<file path=ppt/slides/slide13.xml><?xml version="1.0" encoding="utf-8"?>
+<file path=ppt/slides/slide15.xml><?xml version="1.0" encoding="utf-8"?>
 <p:sld xmlns:a="http://schemas.openxmlformats.org/drawingml/2006/main" xmlns:r="http://schemas.openxmlformats.org/officeDocument/2006/relationships" xmlns:p="http://schemas.openxmlformats.org/presentationml/2006/main">
   <p:cSld>
     <p:spTree>
@@ -11439,7 +12692,7 @@
 </p:sld>
 </file>
 
-<file path=ppt/slides/slide14.xml><?xml version="1.0" encoding="utf-8"?>
+<file path=ppt/slides/slide16.xml><?xml version="1.0" encoding="utf-8"?>
 <p:sld xmlns:a="http://schemas.openxmlformats.org/drawingml/2006/main" xmlns:r="http://schemas.openxmlformats.org/officeDocument/2006/relationships" xmlns:p="http://schemas.openxmlformats.org/presentationml/2006/main">
   <p:cSld>
     <p:spTree>
@@ -12783,7 +14036,7 @@
 </p:sld>
 </file>
 
-<file path=ppt/slides/slide15.xml><?xml version="1.0" encoding="utf-8"?>
+<file path=ppt/slides/slide17.xml><?xml version="1.0" encoding="utf-8"?>
 <p:sld xmlns:a="http://schemas.openxmlformats.org/drawingml/2006/main" xmlns:r="http://schemas.openxmlformats.org/officeDocument/2006/relationships" xmlns:p="http://schemas.openxmlformats.org/presentationml/2006/main">
   <p:cSld>
     <p:spTree>
@@ -12962,7 +14215,7 @@
 </p:sld>
 </file>
 
-<file path=ppt/slides/slide16.xml><?xml version="1.0" encoding="utf-8"?>
+<file path=ppt/slides/slide18.xml><?xml version="1.0" encoding="utf-8"?>
 <p:sld xmlns:a="http://schemas.openxmlformats.org/drawingml/2006/main" xmlns:r="http://schemas.openxmlformats.org/officeDocument/2006/relationships" xmlns:p="http://schemas.openxmlformats.org/presentationml/2006/main">
   <p:cSld>
     <p:spTree>
@@ -13553,7 +14806,7 @@
 </p:sld>
 </file>
 
-<file path=ppt/slides/slide17.xml><?xml version="1.0" encoding="utf-8"?>
+<file path=ppt/slides/slide19.xml><?xml version="1.0" encoding="utf-8"?>
 <p:sld xmlns:a="http://schemas.openxmlformats.org/drawingml/2006/main" xmlns:r="http://schemas.openxmlformats.org/officeDocument/2006/relationships" xmlns:p="http://schemas.openxmlformats.org/presentationml/2006/main">
   <p:cSld>
     <p:spTree>
@@ -13803,7 +15056,138 @@
 </p:sld>
 </file>
 
-<file path=ppt/slides/slide18.xml><?xml version="1.0" encoding="utf-8"?>
+<file path=ppt/slides/slide2.xml><?xml version="1.0" encoding="utf-8"?>
+<p:sld xmlns:a="http://schemas.openxmlformats.org/drawingml/2006/main" xmlns:r="http://schemas.openxmlformats.org/officeDocument/2006/relationships" xmlns:p="http://schemas.openxmlformats.org/presentationml/2006/main">
+  <p:cSld>
+    <p:spTree>
+      <p:nvGrpSpPr>
+        <p:cNvPr id="1" name=""/>
+        <p:cNvGrpSpPr/>
+        <p:nvPr/>
+      </p:nvGrpSpPr>
+      <p:grpSpPr>
+        <a:xfrm>
+          <a:off x="0" y="0"/>
+          <a:ext cx="0" cy="0"/>
+          <a:chOff x="0" y="0"/>
+          <a:chExt cx="0" cy="0"/>
+        </a:xfrm>
+      </p:grpSpPr>
+      <p:sp>
+        <p:nvSpPr>
+          <p:cNvPr id="3" name="Title 2">
+            <a:extLst>
+              <a:ext uri="{FF2B5EF4-FFF2-40B4-BE49-F238E27FC236}">
+                <a16:creationId xmlns:a16="http://schemas.microsoft.com/office/drawing/2014/main" id="{9323871C-7CA8-1448-8FFC-1AE6E1838941}"/>
+              </a:ext>
+            </a:extLst>
+          </p:cNvPr>
+          <p:cNvSpPr>
+            <a:spLocks noGrp="1"/>
+          </p:cNvSpPr>
+          <p:nvPr>
+            <p:ph type="title"/>
+          </p:nvPr>
+        </p:nvSpPr>
+        <p:spPr/>
+        <p:txBody>
+          <a:bodyPr/>
+          <a:lstStyle/>
+          <a:p>
+            <a:r>
+              <a:rPr lang="en-US" dirty="0"/>
+              <a:t>Reminders</a:t>
+            </a:r>
+          </a:p>
+        </p:txBody>
+      </p:sp>
+      <p:sp>
+        <p:nvSpPr>
+          <p:cNvPr id="5" name="Text Placeholder 4">
+            <a:extLst>
+              <a:ext uri="{FF2B5EF4-FFF2-40B4-BE49-F238E27FC236}">
+                <a16:creationId xmlns:a16="http://schemas.microsoft.com/office/drawing/2014/main" id="{F4E0A5F0-1D89-954D-91FB-596CD9E690F2}"/>
+              </a:ext>
+            </a:extLst>
+          </p:cNvPr>
+          <p:cNvSpPr>
+            <a:spLocks noGrp="1"/>
+          </p:cNvSpPr>
+          <p:nvPr>
+            <p:ph type="body" idx="1"/>
+          </p:nvPr>
+        </p:nvSpPr>
+        <p:spPr/>
+        <p:txBody>
+          <a:bodyPr/>
+          <a:lstStyle/>
+          <a:p>
+            <a:pPr marL="76200" indent="0">
+              <a:buNone/>
+            </a:pPr>
+            <a:r>
+              <a:rPr lang="en-US" b="1" dirty="0"/>
+              <a:t>Coming up next week:</a:t>
+            </a:r>
+          </a:p>
+          <a:p>
+            <a:pPr marL="76200" indent="0">
+              <a:buNone/>
+            </a:pPr>
+            <a:endParaRPr lang="en-US" b="1" dirty="0"/>
+          </a:p>
+          <a:p>
+            <a:r>
+              <a:rPr lang="en-US" dirty="0"/>
+              <a:t>Monday: Project Update 2</a:t>
+            </a:r>
+            <a:br>
+              <a:rPr lang="en-US" dirty="0"/>
+            </a:br>
+            <a:endParaRPr lang="en-US" dirty="0"/>
+          </a:p>
+          <a:p>
+            <a:r>
+              <a:rPr lang="en-US" dirty="0"/>
+              <a:t>Tuesday: Weekly Feedback Form</a:t>
+            </a:r>
+            <a:br>
+              <a:rPr lang="en-US" dirty="0"/>
+            </a:br>
+            <a:endParaRPr lang="en-US" dirty="0"/>
+          </a:p>
+          <a:p>
+            <a:r>
+              <a:rPr lang="en-US" dirty="0"/>
+              <a:t>Thursday: Deep Dive Session on Modeling and Validation Plans</a:t>
+            </a:r>
+            <a:br>
+              <a:rPr lang="en-US" dirty="0"/>
+            </a:br>
+            <a:endParaRPr lang="en-US" dirty="0"/>
+          </a:p>
+          <a:p>
+            <a:r>
+              <a:rPr lang="en-US" dirty="0"/>
+              <a:t>Note: all readings for next week are optional</a:t>
+            </a:r>
+          </a:p>
+        </p:txBody>
+      </p:sp>
+    </p:spTree>
+    <p:extLst>
+      <p:ext uri="{BB962C8B-B14F-4D97-AF65-F5344CB8AC3E}">
+        <p14:creationId xmlns:p14="http://schemas.microsoft.com/office/powerpoint/2010/main" val="186046226"/>
+      </p:ext>
+    </p:extLst>
+  </p:cSld>
+  <p:clrMapOvr>
+    <a:masterClrMapping/>
+  </p:clrMapOvr>
+</p:sld>
+</file>
+
+<file path=ppt/slides/slide20.xml><?xml version="1.0" encoding="utf-8"?>
 <p:sld xmlns:a="http://schemas.openxmlformats.org/drawingml/2006/main" xmlns:r="http://schemas.openxmlformats.org/officeDocument/2006/relationships" xmlns:p="http://schemas.openxmlformats.org/presentationml/2006/main">
   <p:cSld>
     <p:spTree>
@@ -13891,7 +15275,7 @@
 </p:sld>
 </file>
 
-<file path=ppt/slides/slide19.xml><?xml version="1.0" encoding="utf-8"?>
+<file path=ppt/slides/slide21.xml><?xml version="1.0" encoding="utf-8"?>
 <p:sld xmlns:a="http://schemas.openxmlformats.org/drawingml/2006/main" xmlns:r="http://schemas.openxmlformats.org/officeDocument/2006/relationships" xmlns:p="http://schemas.openxmlformats.org/presentationml/2006/main">
   <p:cSld>
     <p:spTree>
@@ -14001,132 +15385,7 @@
 </p:sld>
 </file>
 
-<file path=ppt/slides/slide2.xml><?xml version="1.0" encoding="utf-8"?>
-<p:sld xmlns:a="http://schemas.openxmlformats.org/drawingml/2006/main" xmlns:r="http://schemas.openxmlformats.org/officeDocument/2006/relationships" xmlns:p="http://schemas.openxmlformats.org/presentationml/2006/main">
-  <p:cSld>
-    <p:spTree>
-      <p:nvGrpSpPr>
-        <p:cNvPr id="1" name=""/>
-        <p:cNvGrpSpPr/>
-        <p:nvPr/>
-      </p:nvGrpSpPr>
-      <p:grpSpPr>
-        <a:xfrm>
-          <a:off x="0" y="0"/>
-          <a:ext cx="0" cy="0"/>
-          <a:chOff x="0" y="0"/>
-          <a:chExt cx="0" cy="0"/>
-        </a:xfrm>
-      </p:grpSpPr>
-      <p:sp>
-        <p:nvSpPr>
-          <p:cNvPr id="3" name="Title 2">
-            <a:extLst>
-              <a:ext uri="{FF2B5EF4-FFF2-40B4-BE49-F238E27FC236}">
-                <a16:creationId xmlns:a16="http://schemas.microsoft.com/office/drawing/2014/main" id="{9323871C-7CA8-1448-8FFC-1AE6E1838941}"/>
-              </a:ext>
-            </a:extLst>
-          </p:cNvPr>
-          <p:cNvSpPr>
-            <a:spLocks noGrp="1"/>
-          </p:cNvSpPr>
-          <p:nvPr>
-            <p:ph type="title"/>
-          </p:nvPr>
-        </p:nvSpPr>
-        <p:spPr/>
-        <p:txBody>
-          <a:bodyPr/>
-          <a:lstStyle/>
-          <a:p>
-            <a:r>
-              <a:rPr lang="en-US" dirty="0"/>
-              <a:t>Reminders</a:t>
-            </a:r>
-          </a:p>
-        </p:txBody>
-      </p:sp>
-      <p:sp>
-        <p:nvSpPr>
-          <p:cNvPr id="5" name="Text Placeholder 4">
-            <a:extLst>
-              <a:ext uri="{FF2B5EF4-FFF2-40B4-BE49-F238E27FC236}">
-                <a16:creationId xmlns:a16="http://schemas.microsoft.com/office/drawing/2014/main" id="{F4E0A5F0-1D89-954D-91FB-596CD9E690F2}"/>
-              </a:ext>
-            </a:extLst>
-          </p:cNvPr>
-          <p:cNvSpPr>
-            <a:spLocks noGrp="1"/>
-          </p:cNvSpPr>
-          <p:nvPr>
-            <p:ph type="body" idx="1"/>
-          </p:nvPr>
-        </p:nvSpPr>
-        <p:spPr/>
-        <p:txBody>
-          <a:bodyPr/>
-          <a:lstStyle/>
-          <a:p>
-            <a:pPr marL="76200" indent="0">
-              <a:buNone/>
-            </a:pPr>
-            <a:r>
-              <a:rPr lang="en-US" b="1" dirty="0"/>
-              <a:t>Coming up next week:</a:t>
-            </a:r>
-          </a:p>
-          <a:p>
-            <a:pPr marL="76200" indent="0">
-              <a:buNone/>
-            </a:pPr>
-            <a:endParaRPr lang="en-US" b="1" dirty="0"/>
-          </a:p>
-          <a:p>
-            <a:r>
-              <a:rPr lang="en-US" dirty="0"/>
-              <a:t>Monday: Project Update 2</a:t>
-            </a:r>
-            <a:br>
-              <a:rPr lang="en-US" dirty="0"/>
-            </a:br>
-            <a:endParaRPr lang="en-US" dirty="0"/>
-          </a:p>
-          <a:p>
-            <a:r>
-              <a:rPr lang="en-US" dirty="0"/>
-              <a:t>Tuesday: Weekly Feedback Form</a:t>
-            </a:r>
-            <a:br>
-              <a:rPr lang="en-US" dirty="0"/>
-            </a:br>
-            <a:endParaRPr lang="en-US" dirty="0"/>
-          </a:p>
-          <a:p>
-            <a:r>
-              <a:rPr lang="en-US" dirty="0">
-                <a:solidFill>
-                  <a:srgbClr val="C00000"/>
-                </a:solidFill>
-              </a:rPr>
-              <a:t>Wednesday: Deep Dive Session on Modeling and Validation Plans</a:t>
-            </a:r>
-          </a:p>
-        </p:txBody>
-      </p:sp>
-    </p:spTree>
-    <p:extLst>
-      <p:ext uri="{BB962C8B-B14F-4D97-AF65-F5344CB8AC3E}">
-        <p14:creationId xmlns:p14="http://schemas.microsoft.com/office/powerpoint/2010/main" val="186046226"/>
-      </p:ext>
-    </p:extLst>
-  </p:cSld>
-  <p:clrMapOvr>
-    <a:masterClrMapping/>
-  </p:clrMapOvr>
-</p:sld>
-</file>
-
-<file path=ppt/slides/slide20.xml><?xml version="1.0" encoding="utf-8"?>
+<file path=ppt/slides/slide22.xml><?xml version="1.0" encoding="utf-8"?>
 <p:sld xmlns:a="http://schemas.openxmlformats.org/drawingml/2006/main" xmlns:r="http://schemas.openxmlformats.org/officeDocument/2006/relationships" xmlns:p="http://schemas.openxmlformats.org/presentationml/2006/main">
   <p:cSld>
     <p:spTree>
@@ -14235,7 +15494,7 @@
 </p:sld>
 </file>
 
-<file path=ppt/slides/slide21.xml><?xml version="1.0" encoding="utf-8"?>
+<file path=ppt/slides/slide23.xml><?xml version="1.0" encoding="utf-8"?>
 <p:sld xmlns:a="http://schemas.openxmlformats.org/drawingml/2006/main" xmlns:r="http://schemas.openxmlformats.org/officeDocument/2006/relationships" xmlns:p="http://schemas.openxmlformats.org/presentationml/2006/main">
   <p:cSld>
     <p:spTree>
@@ -14321,7 +15580,7 @@
 </p:sld>
 </file>
 
-<file path=ppt/slides/slide22.xml><?xml version="1.0" encoding="utf-8"?>
+<file path=ppt/slides/slide24.xml><?xml version="1.0" encoding="utf-8"?>
 <p:sld xmlns:a="http://schemas.openxmlformats.org/drawingml/2006/main" xmlns:r="http://schemas.openxmlformats.org/officeDocument/2006/relationships" xmlns:p="http://schemas.openxmlformats.org/presentationml/2006/main">
   <p:cSld>
     <p:spTree>
@@ -14410,7 +15669,7 @@
 </p:sld>
 </file>
 
-<file path=ppt/slides/slide23.xml><?xml version="1.0" encoding="utf-8"?>
+<file path=ppt/slides/slide25.xml><?xml version="1.0" encoding="utf-8"?>
 <p:sld xmlns:a="http://schemas.openxmlformats.org/drawingml/2006/main" xmlns:r="http://schemas.openxmlformats.org/officeDocument/2006/relationships" xmlns:p="http://schemas.openxmlformats.org/presentationml/2006/main">
   <p:cSld>
     <p:spTree>
@@ -14512,12 +15771,18 @@
           </a:p>
           <a:p>
             <a:r>
-              <a:rPr lang="en-US" dirty="0">
-                <a:solidFill>
-                  <a:srgbClr val="C00000"/>
-                </a:solidFill>
-              </a:rPr>
-              <a:t>Wednesday: Deep Dive Session on Modeling and Validation Plans</a:t>
+              <a:rPr lang="en-US" dirty="0"/>
+              <a:t>Thursday: Deep Dive Session on Modeling and Validation Plans</a:t>
+            </a:r>
+            <a:br>
+              <a:rPr lang="en-US" dirty="0"/>
+            </a:br>
+            <a:endParaRPr lang="en-US" dirty="0"/>
+          </a:p>
+          <a:p>
+            <a:r>
+              <a:rPr lang="en-US" dirty="0"/>
+              <a:t>Note: all readings for next week are optional</a:t>
             </a:r>
           </a:p>
         </p:txBody>
@@ -14525,7 +15790,7 @@
     </p:spTree>
     <p:extLst>
       <p:ext uri="{BB962C8B-B14F-4D97-AF65-F5344CB8AC3E}">
-        <p14:creationId xmlns:p14="http://schemas.microsoft.com/office/powerpoint/2010/main" val="4088623722"/>
+        <p14:creationId xmlns:p14="http://schemas.microsoft.com/office/powerpoint/2010/main" val="547821089"/>
       </p:ext>
     </p:extLst>
   </p:cSld>
@@ -14714,7 +15979,319 @@
             </a:pPr>
             <a:r>
               <a:rPr lang="en-US" sz="3600" dirty="0"/>
-              <a:t>What validation strategy is your group using for the Donors Choose project?</a:t>
+              <a:t>What validation strategy is your group considering for the Donors Choose project?</a:t>
+            </a:r>
+          </a:p>
+        </p:txBody>
+      </p:sp>
+      <p:sp>
+        <p:nvSpPr>
+          <p:cNvPr id="5" name="Text Placeholder 3">
+            <a:extLst>
+              <a:ext uri="{FF2B5EF4-FFF2-40B4-BE49-F238E27FC236}">
+                <a16:creationId xmlns:a16="http://schemas.microsoft.com/office/drawing/2014/main" id="{0CF60459-98F0-E844-AFCC-DC0705B0478D}"/>
+              </a:ext>
+            </a:extLst>
+          </p:cNvPr>
+          <p:cNvSpPr txBox="1">
+            <a:spLocks/>
+          </p:cNvSpPr>
+          <p:nvPr/>
+        </p:nvSpPr>
+        <p:spPr>
+          <a:xfrm>
+            <a:off x="3652513" y="3822585"/>
+            <a:ext cx="4886875" cy="2794571"/>
+          </a:xfrm>
+          <a:prstGeom prst="rect">
+            <a:avLst/>
+          </a:prstGeom>
+          <a:noFill/>
+          <a:ln>
+            <a:noFill/>
+          </a:ln>
+        </p:spPr>
+        <p:txBody>
+          <a:bodyPr spcFirstLastPara="1" wrap="none" lIns="121900" tIns="121900" rIns="121900" bIns="121900" rtlCol="0" anchor="t" anchorCtr="0">
+            <a:spAutoFit/>
+          </a:bodyPr>
+          <a:lstStyle>
+            <a:defPPr marR="0" lvl="0" algn="l" rtl="0">
+              <a:lnSpc>
+                <a:spcPct val="100000"/>
+              </a:lnSpc>
+              <a:spcBef>
+                <a:spcPts val="0"/>
+              </a:spcBef>
+              <a:spcAft>
+                <a:spcPts val="0"/>
+              </a:spcAft>
+            </a:defPPr>
+            <a:lvl1pPr marL="457200" marR="0" lvl="0" indent="-381000" algn="l" rtl="0">
+              <a:lnSpc>
+                <a:spcPct val="115000"/>
+              </a:lnSpc>
+              <a:spcBef>
+                <a:spcPts val="0"/>
+              </a:spcBef>
+              <a:spcAft>
+                <a:spcPts val="0"/>
+              </a:spcAft>
+              <a:buClr>
+                <a:srgbClr val="434343"/>
+              </a:buClr>
+              <a:buSzPts val="2400"/>
+              <a:buFont typeface="Arial"/>
+              <a:buChar char="●"/>
+              <a:defRPr sz="2400" b="0" i="0" u="none" strike="noStrike" cap="none">
+                <a:solidFill>
+                  <a:srgbClr val="434343"/>
+                </a:solidFill>
+                <a:latin typeface="Arial"/>
+                <a:ea typeface="Arial"/>
+                <a:cs typeface="Arial"/>
+                <a:sym typeface="Arial"/>
+              </a:defRPr>
+            </a:lvl1pPr>
+            <a:lvl2pPr marL="914400" marR="0" lvl="1" indent="-349250" algn="l" rtl="0">
+              <a:lnSpc>
+                <a:spcPct val="115000"/>
+              </a:lnSpc>
+              <a:spcBef>
+                <a:spcPts val="2100"/>
+              </a:spcBef>
+              <a:spcAft>
+                <a:spcPts val="0"/>
+              </a:spcAft>
+              <a:buClr>
+                <a:srgbClr val="434343"/>
+              </a:buClr>
+              <a:buSzPts val="1900"/>
+              <a:buFont typeface="Arial"/>
+              <a:buChar char="○"/>
+              <a:defRPr sz="1900" b="0" i="0" u="none" strike="noStrike" cap="none">
+                <a:solidFill>
+                  <a:srgbClr val="434343"/>
+                </a:solidFill>
+                <a:latin typeface="Arial"/>
+                <a:ea typeface="Arial"/>
+                <a:cs typeface="Arial"/>
+                <a:sym typeface="Arial"/>
+              </a:defRPr>
+            </a:lvl2pPr>
+            <a:lvl3pPr marL="1371600" marR="0" lvl="2" indent="-349250" algn="l" rtl="0">
+              <a:lnSpc>
+                <a:spcPct val="115000"/>
+              </a:lnSpc>
+              <a:spcBef>
+                <a:spcPts val="2100"/>
+              </a:spcBef>
+              <a:spcAft>
+                <a:spcPts val="0"/>
+              </a:spcAft>
+              <a:buClr>
+                <a:srgbClr val="434343"/>
+              </a:buClr>
+              <a:buSzPts val="1900"/>
+              <a:buFont typeface="Arial"/>
+              <a:buChar char="■"/>
+              <a:defRPr sz="1900" b="0" i="0" u="none" strike="noStrike" cap="none">
+                <a:solidFill>
+                  <a:srgbClr val="434343"/>
+                </a:solidFill>
+                <a:latin typeface="Arial"/>
+                <a:ea typeface="Arial"/>
+                <a:cs typeface="Arial"/>
+                <a:sym typeface="Arial"/>
+              </a:defRPr>
+            </a:lvl3pPr>
+            <a:lvl4pPr marL="1828800" marR="0" lvl="3" indent="-349250" algn="l" rtl="0">
+              <a:lnSpc>
+                <a:spcPct val="115000"/>
+              </a:lnSpc>
+              <a:spcBef>
+                <a:spcPts val="2100"/>
+              </a:spcBef>
+              <a:spcAft>
+                <a:spcPts val="0"/>
+              </a:spcAft>
+              <a:buClr>
+                <a:srgbClr val="434343"/>
+              </a:buClr>
+              <a:buSzPts val="1900"/>
+              <a:buFont typeface="Arial"/>
+              <a:buChar char="●"/>
+              <a:defRPr sz="1900" b="0" i="0" u="none" strike="noStrike" cap="none">
+                <a:solidFill>
+                  <a:srgbClr val="434343"/>
+                </a:solidFill>
+                <a:latin typeface="Arial"/>
+                <a:ea typeface="Arial"/>
+                <a:cs typeface="Arial"/>
+                <a:sym typeface="Arial"/>
+              </a:defRPr>
+            </a:lvl4pPr>
+            <a:lvl5pPr marL="2286000" marR="0" lvl="4" indent="-349250" algn="l" rtl="0">
+              <a:lnSpc>
+                <a:spcPct val="115000"/>
+              </a:lnSpc>
+              <a:spcBef>
+                <a:spcPts val="2100"/>
+              </a:spcBef>
+              <a:spcAft>
+                <a:spcPts val="0"/>
+              </a:spcAft>
+              <a:buClr>
+                <a:srgbClr val="434343"/>
+              </a:buClr>
+              <a:buSzPts val="1900"/>
+              <a:buFont typeface="Arial"/>
+              <a:buChar char="○"/>
+              <a:defRPr sz="1900" b="0" i="0" u="none" strike="noStrike" cap="none">
+                <a:solidFill>
+                  <a:srgbClr val="434343"/>
+                </a:solidFill>
+                <a:latin typeface="Arial"/>
+                <a:ea typeface="Arial"/>
+                <a:cs typeface="Arial"/>
+                <a:sym typeface="Arial"/>
+              </a:defRPr>
+            </a:lvl5pPr>
+            <a:lvl6pPr marL="2743200" marR="0" lvl="5" indent="-349250" algn="l" rtl="0">
+              <a:lnSpc>
+                <a:spcPct val="115000"/>
+              </a:lnSpc>
+              <a:spcBef>
+                <a:spcPts val="2100"/>
+              </a:spcBef>
+              <a:spcAft>
+                <a:spcPts val="0"/>
+              </a:spcAft>
+              <a:buClr>
+                <a:srgbClr val="434343"/>
+              </a:buClr>
+              <a:buSzPts val="1900"/>
+              <a:buFont typeface="Arial"/>
+              <a:buChar char="■"/>
+              <a:defRPr sz="1900" b="0" i="0" u="none" strike="noStrike" cap="none">
+                <a:solidFill>
+                  <a:srgbClr val="434343"/>
+                </a:solidFill>
+                <a:latin typeface="Arial"/>
+                <a:ea typeface="Arial"/>
+                <a:cs typeface="Arial"/>
+                <a:sym typeface="Arial"/>
+              </a:defRPr>
+            </a:lvl6pPr>
+            <a:lvl7pPr marL="3200400" marR="0" lvl="6" indent="-349250" algn="l" rtl="0">
+              <a:lnSpc>
+                <a:spcPct val="115000"/>
+              </a:lnSpc>
+              <a:spcBef>
+                <a:spcPts val="2100"/>
+              </a:spcBef>
+              <a:spcAft>
+                <a:spcPts val="0"/>
+              </a:spcAft>
+              <a:buClr>
+                <a:srgbClr val="434343"/>
+              </a:buClr>
+              <a:buSzPts val="1900"/>
+              <a:buFont typeface="Arial"/>
+              <a:buChar char="●"/>
+              <a:defRPr sz="1900" b="0" i="0" u="none" strike="noStrike" cap="none">
+                <a:solidFill>
+                  <a:srgbClr val="434343"/>
+                </a:solidFill>
+                <a:latin typeface="Arial"/>
+                <a:ea typeface="Arial"/>
+                <a:cs typeface="Arial"/>
+                <a:sym typeface="Arial"/>
+              </a:defRPr>
+            </a:lvl7pPr>
+            <a:lvl8pPr marL="3657600" marR="0" lvl="7" indent="-349250" algn="l" rtl="0">
+              <a:lnSpc>
+                <a:spcPct val="115000"/>
+              </a:lnSpc>
+              <a:spcBef>
+                <a:spcPts val="2100"/>
+              </a:spcBef>
+              <a:spcAft>
+                <a:spcPts val="0"/>
+              </a:spcAft>
+              <a:buClr>
+                <a:srgbClr val="434343"/>
+              </a:buClr>
+              <a:buSzPts val="1900"/>
+              <a:buFont typeface="Arial"/>
+              <a:buChar char="○"/>
+              <a:defRPr sz="1900" b="0" i="0" u="none" strike="noStrike" cap="none">
+                <a:solidFill>
+                  <a:srgbClr val="434343"/>
+                </a:solidFill>
+                <a:latin typeface="Arial"/>
+                <a:ea typeface="Arial"/>
+                <a:cs typeface="Arial"/>
+                <a:sym typeface="Arial"/>
+              </a:defRPr>
+            </a:lvl8pPr>
+            <a:lvl9pPr marL="4114800" marR="0" lvl="8" indent="-349250" algn="l" rtl="0">
+              <a:lnSpc>
+                <a:spcPct val="115000"/>
+              </a:lnSpc>
+              <a:spcBef>
+                <a:spcPts val="2100"/>
+              </a:spcBef>
+              <a:spcAft>
+                <a:spcPts val="2100"/>
+              </a:spcAft>
+              <a:buClr>
+                <a:srgbClr val="434343"/>
+              </a:buClr>
+              <a:buSzPts val="1900"/>
+              <a:buFont typeface="Arial"/>
+              <a:buChar char="■"/>
+              <a:defRPr sz="1900" b="0" i="0" u="none" strike="noStrike" cap="none">
+                <a:solidFill>
+                  <a:srgbClr val="434343"/>
+                </a:solidFill>
+                <a:latin typeface="Arial"/>
+                <a:ea typeface="Arial"/>
+                <a:cs typeface="Arial"/>
+                <a:sym typeface="Arial"/>
+              </a:defRPr>
+            </a:lvl9pPr>
+          </a:lstStyle>
+          <a:p>
+            <a:pPr marL="114300" indent="0" algn="ctr">
+              <a:buFont typeface="Arial"/>
+              <a:buNone/>
+            </a:pPr>
+            <a:r>
+              <a:rPr lang="en-US" sz="4800" dirty="0" err="1"/>
+              <a:t>sli.do</a:t>
+            </a:r>
+            <a:r>
+              <a:rPr lang="en-US" sz="4800" dirty="0"/>
+              <a:t>      #10718</a:t>
+            </a:r>
+          </a:p>
+          <a:p>
+            <a:pPr algn="ctr"/>
+            <a:endParaRPr lang="en-US" sz="4800" dirty="0"/>
+          </a:p>
+          <a:p>
+            <a:pPr marL="114300" indent="0" algn="ctr">
+              <a:buFont typeface="Arial"/>
+              <a:buNone/>
+            </a:pPr>
+            <a:r>
+              <a:rPr lang="en-US" sz="4800" dirty="0" err="1"/>
+              <a:t>sli.do</a:t>
+            </a:r>
+            <a:r>
+              <a:rPr lang="en-US" sz="4800" dirty="0"/>
+              <a:t>/10718</a:t>
             </a:r>
           </a:p>
         </p:txBody>

--- a/Lectures/Lecture6-EvaluationMetrics.pptx
+++ b/Lectures/Lecture6-EvaluationMetrics.pptx
@@ -270,7 +270,7 @@
       <p15:sldGuideLst xmlns:p15="http://schemas.microsoft.com/office/powerpoint/2012/main"/>
     </p:ext>
     <p:ext uri="http://customooxmlschemas.google.com/">
-      <go:slidesCustomData xmlns:go="http://customooxmlschemas.google.com/" xmlns:p15="http://schemas.microsoft.com/office/powerpoint/2012/main" xmlns:p14="http://schemas.microsoft.com/office/powerpoint/2010/main" xmlns:com="http://schemas.openxmlformats.org/drawingml/2006/compatibility" xmlns:pvml="urn:schemas-microsoft-com:office:powerpoint" xmlns:v="urn:schemas-microsoft-com:vml" xmlns:o="urn:schemas-microsoft-com:office:office" xmlns:dgm="http://schemas.openxmlformats.org/drawingml/2006/diagram" xmlns:c="http://schemas.openxmlformats.org/drawingml/2006/chart" xmlns:mv="urn:schemas-microsoft-com:mac:vml" xmlns:mc="http://schemas.openxmlformats.org/markup-compatibility/2006" xmlns="" r:id="rId40" roundtripDataSignature="AMtx7mjFyVUGRZWio+dc9dxzYsimUxNJbg=="/>
+      <go:slidesCustomData xmlns="" xmlns:mc="http://schemas.openxmlformats.org/markup-compatibility/2006" xmlns:mv="urn:schemas-microsoft-com:mac:vml" xmlns:c="http://schemas.openxmlformats.org/drawingml/2006/chart" xmlns:dgm="http://schemas.openxmlformats.org/drawingml/2006/diagram" xmlns:o="urn:schemas-microsoft-com:office:office" xmlns:v="urn:schemas-microsoft-com:vml" xmlns:pvml="urn:schemas-microsoft-com:office:powerpoint" xmlns:com="http://schemas.openxmlformats.org/drawingml/2006/compatibility" xmlns:p14="http://schemas.microsoft.com/office/powerpoint/2010/main" xmlns:p15="http://schemas.microsoft.com/office/powerpoint/2012/main" xmlns:go="http://customooxmlschemas.google.com/" r:id="rId40" roundtripDataSignature="AMtx7mjFyVUGRZWio+dc9dxzYsimUxNJbg=="/>
     </p:ext>
   </p:extLst>
 </p:presentation>
@@ -15159,16 +15159,6 @@
           <a:p>
             <a:r>
               <a:rPr lang="en-US" dirty="0"/>
-              <a:t>Thursday: Deep Dive Session on Modeling and Validation Plans</a:t>
-            </a:r>
-            <a:br>
-              <a:rPr lang="en-US" dirty="0"/>
-            </a:br>
-            <a:endParaRPr lang="en-US" dirty="0"/>
-          </a:p>
-          <a:p>
-            <a:r>
-              <a:rPr lang="en-US" dirty="0"/>
               <a:t>Note: all readings for next week are optional</a:t>
             </a:r>
           </a:p>
@@ -15763,16 +15753,6 @@
             <a:r>
               <a:rPr lang="en-US" dirty="0"/>
               <a:t>Tuesday: Weekly Feedback Form</a:t>
-            </a:r>
-            <a:br>
-              <a:rPr lang="en-US" dirty="0"/>
-            </a:br>
-            <a:endParaRPr lang="en-US" dirty="0"/>
-          </a:p>
-          <a:p>
-            <a:r>
-              <a:rPr lang="en-US" dirty="0"/>
-              <a:t>Thursday: Deep Dive Session on Modeling and Validation Plans</a:t>
             </a:r>
             <a:br>
               <a:rPr lang="en-US" dirty="0"/>

--- a/Lectures/Lecture6-EvaluationMetrics.pptx
+++ b/Lectures/Lecture6-EvaluationMetrics.pptx
@@ -5,34 +5,33 @@
     <p:sldMasterId id="2147483648" r:id="rId1"/>
   </p:sldMasterIdLst>
   <p:notesMasterIdLst>
-    <p:notesMasterId r:id="rId27"/>
+    <p:notesMasterId r:id="rId26"/>
   </p:notesMasterIdLst>
   <p:sldIdLst>
     <p:sldId id="256" r:id="rId2"/>
     <p:sldId id="471" r:id="rId3"/>
     <p:sldId id="483" r:id="rId4"/>
-    <p:sldId id="486" r:id="rId5"/>
-    <p:sldId id="323" r:id="rId6"/>
-    <p:sldId id="286" r:id="rId7"/>
-    <p:sldId id="472" r:id="rId8"/>
-    <p:sldId id="287" r:id="rId9"/>
-    <p:sldId id="478" r:id="rId10"/>
-    <p:sldId id="468" r:id="rId11"/>
-    <p:sldId id="269" r:id="rId12"/>
-    <p:sldId id="489" r:id="rId13"/>
-    <p:sldId id="475" r:id="rId14"/>
-    <p:sldId id="453" r:id="rId15"/>
-    <p:sldId id="352" r:id="rId16"/>
-    <p:sldId id="458" r:id="rId17"/>
-    <p:sldId id="457" r:id="rId18"/>
-    <p:sldId id="428" r:id="rId19"/>
-    <p:sldId id="429" r:id="rId20"/>
-    <p:sldId id="430" r:id="rId21"/>
-    <p:sldId id="455" r:id="rId22"/>
-    <p:sldId id="460" r:id="rId23"/>
-    <p:sldId id="420" r:id="rId24"/>
-    <p:sldId id="484" r:id="rId25"/>
-    <p:sldId id="488" r:id="rId26"/>
+    <p:sldId id="323" r:id="rId5"/>
+    <p:sldId id="286" r:id="rId6"/>
+    <p:sldId id="472" r:id="rId7"/>
+    <p:sldId id="287" r:id="rId8"/>
+    <p:sldId id="478" r:id="rId9"/>
+    <p:sldId id="468" r:id="rId10"/>
+    <p:sldId id="269" r:id="rId11"/>
+    <p:sldId id="489" r:id="rId12"/>
+    <p:sldId id="475" r:id="rId13"/>
+    <p:sldId id="453" r:id="rId14"/>
+    <p:sldId id="352" r:id="rId15"/>
+    <p:sldId id="458" r:id="rId16"/>
+    <p:sldId id="457" r:id="rId17"/>
+    <p:sldId id="428" r:id="rId18"/>
+    <p:sldId id="429" r:id="rId19"/>
+    <p:sldId id="430" r:id="rId20"/>
+    <p:sldId id="455" r:id="rId21"/>
+    <p:sldId id="460" r:id="rId22"/>
+    <p:sldId id="420" r:id="rId23"/>
+    <p:sldId id="484" r:id="rId24"/>
+    <p:sldId id="488" r:id="rId25"/>
   </p:sldIdLst>
   <p:sldSz cx="12192000" cy="6858000"/>
   <p:notesSz cx="6858000" cy="9144000"/>
@@ -6767,7 +6766,7 @@
                 <a:cs typeface="Calibri"/>
                 <a:sym typeface="Calibri"/>
               </a:rPr>
-              <a:t>15</a:t>
+              <a:t>14</a:t>
             </a:fld>
             <a:endParaRPr lang="en-US" sz="1200" b="0" i="0" u="none" strike="noStrike" cap="none">
               <a:solidFill>
@@ -10232,134 +10231,6 @@
   <p:cSld>
     <p:spTree>
       <p:nvGrpSpPr>
-        <p:cNvPr id="1" name=""/>
-        <p:cNvGrpSpPr/>
-        <p:nvPr/>
-      </p:nvGrpSpPr>
-      <p:grpSpPr>
-        <a:xfrm>
-          <a:off x="0" y="0"/>
-          <a:ext cx="0" cy="0"/>
-          <a:chOff x="0" y="0"/>
-          <a:chExt cx="0" cy="0"/>
-        </a:xfrm>
-      </p:grpSpPr>
-      <p:sp>
-        <p:nvSpPr>
-          <p:cNvPr id="4" name="Title 3">
-            <a:extLst>
-              <a:ext uri="{FF2B5EF4-FFF2-40B4-BE49-F238E27FC236}">
-                <a16:creationId xmlns:a16="http://schemas.microsoft.com/office/drawing/2014/main" id="{30C2C959-72F2-EF4D-80DA-F48A29D0F3C4}"/>
-              </a:ext>
-            </a:extLst>
-          </p:cNvPr>
-          <p:cNvSpPr>
-            <a:spLocks noGrp="1"/>
-          </p:cNvSpPr>
-          <p:nvPr>
-            <p:ph type="title"/>
-          </p:nvPr>
-        </p:nvSpPr>
-        <p:spPr/>
-        <p:txBody>
-          <a:bodyPr/>
-          <a:lstStyle/>
-          <a:p>
-            <a:r>
-              <a:rPr lang="en-US" dirty="0"/>
-              <a:t>What do we need our selected model to do?</a:t>
-            </a:r>
-          </a:p>
-        </p:txBody>
-      </p:sp>
-      <p:sp>
-        <p:nvSpPr>
-          <p:cNvPr id="5" name="Text Placeholder 4">
-            <a:extLst>
-              <a:ext uri="{FF2B5EF4-FFF2-40B4-BE49-F238E27FC236}">
-                <a16:creationId xmlns:a16="http://schemas.microsoft.com/office/drawing/2014/main" id="{24A75FF1-9EFE-0F41-92F5-3E749CFB2EB5}"/>
-              </a:ext>
-            </a:extLst>
-          </p:cNvPr>
-          <p:cNvSpPr>
-            <a:spLocks noGrp="1"/>
-          </p:cNvSpPr>
-          <p:nvPr>
-            <p:ph type="body" idx="1"/>
-          </p:nvPr>
-        </p:nvSpPr>
-        <p:spPr/>
-        <p:txBody>
-          <a:bodyPr/>
-          <a:lstStyle/>
-          <a:p>
-            <a:r>
-              <a:rPr lang="en-US" dirty="0"/>
-              <a:t>Perform well</a:t>
-            </a:r>
-          </a:p>
-          <a:p>
-            <a:pPr lvl="1"/>
-            <a:r>
-              <a:rPr lang="en-US" dirty="0"/>
-              <a:t>What metric?</a:t>
-            </a:r>
-          </a:p>
-          <a:p>
-            <a:pPr lvl="1"/>
-            <a:r>
-              <a:rPr lang="en-US" dirty="0"/>
-              <a:t>Compared to what?</a:t>
-            </a:r>
-          </a:p>
-          <a:p>
-            <a:endParaRPr lang="en-US" dirty="0"/>
-          </a:p>
-          <a:p>
-            <a:r>
-              <a:rPr lang="en-US" dirty="0"/>
-              <a:t>Generalize</a:t>
-            </a:r>
-          </a:p>
-          <a:p>
-            <a:pPr lvl="1"/>
-            <a:r>
-              <a:rPr lang="en-US" dirty="0"/>
-              <a:t>To what?</a:t>
-            </a:r>
-          </a:p>
-        </p:txBody>
-      </p:sp>
-    </p:spTree>
-    <p:extLst>
-      <p:ext uri="{BB962C8B-B14F-4D97-AF65-F5344CB8AC3E}">
-        <p14:creationId xmlns:p14="http://schemas.microsoft.com/office/powerpoint/2010/main" val="4111643116"/>
-      </p:ext>
-    </p:extLst>
-  </p:cSld>
-  <p:clrMapOvr>
-    <a:masterClrMapping/>
-  </p:clrMapOvr>
-  <mc:AlternateContent xmlns:mc="http://schemas.openxmlformats.org/markup-compatibility/2006" xmlns:p14="http://schemas.microsoft.com/office/powerpoint/2010/main">
-    <mc:Choice Requires="p14">
-      <p:transition spd="med" p14:dur="700">
-        <p:fade/>
-      </p:transition>
-    </mc:Choice>
-    <mc:Fallback xmlns="">
-      <p:transition spd="med">
-        <p:fade/>
-      </p:transition>
-    </mc:Fallback>
-  </mc:AlternateContent>
-</p:sld>
-</file>
-
-<file path=ppt/slides/slide11.xml><?xml version="1.0" encoding="utf-8"?>
-<p:sld xmlns:a="http://schemas.openxmlformats.org/drawingml/2006/main" xmlns:r="http://schemas.openxmlformats.org/officeDocument/2006/relationships" xmlns:p="http://schemas.openxmlformats.org/presentationml/2006/main">
-  <p:cSld>
-    <p:spTree>
-      <p:nvGrpSpPr>
         <p:cNvPr id="1" name="Shape 202"/>
         <p:cNvGrpSpPr/>
         <p:nvPr/>
@@ -10821,7 +10692,7 @@
 </p:sld>
 </file>
 
-<file path=ppt/slides/slide12.xml><?xml version="1.0" encoding="utf-8"?>
+<file path=ppt/slides/slide11.xml><?xml version="1.0" encoding="utf-8"?>
 <p:sld xmlns:a="http://schemas.openxmlformats.org/drawingml/2006/main" xmlns:r="http://schemas.openxmlformats.org/officeDocument/2006/relationships" xmlns:p="http://schemas.openxmlformats.org/presentationml/2006/main">
   <p:cSld>
     <p:spTree>
@@ -11222,7 +11093,7 @@
 </p:sld>
 </file>
 
-<file path=ppt/slides/slide13.xml><?xml version="1.0" encoding="utf-8"?>
+<file path=ppt/slides/slide12.xml><?xml version="1.0" encoding="utf-8"?>
 <p:sld xmlns:a="http://schemas.openxmlformats.org/drawingml/2006/main" xmlns:r="http://schemas.openxmlformats.org/officeDocument/2006/relationships" xmlns:p="http://schemas.openxmlformats.org/presentationml/2006/main">
   <p:cSld>
     <p:spTree>
@@ -11305,7 +11176,7 @@
 </p:sld>
 </file>
 
-<file path=ppt/slides/slide14.xml><?xml version="1.0" encoding="utf-8"?>
+<file path=ppt/slides/slide13.xml><?xml version="1.0" encoding="utf-8"?>
 <p:sld xmlns:a="http://schemas.openxmlformats.org/drawingml/2006/main" xmlns:r="http://schemas.openxmlformats.org/officeDocument/2006/relationships" xmlns:p="http://schemas.openxmlformats.org/presentationml/2006/main">
   <p:cSld>
     <p:spTree>
@@ -11502,7 +11373,7 @@
 </p:sld>
 </file>
 
-<file path=ppt/slides/slide15.xml><?xml version="1.0" encoding="utf-8"?>
+<file path=ppt/slides/slide14.xml><?xml version="1.0" encoding="utf-8"?>
 <p:sld xmlns:a="http://schemas.openxmlformats.org/drawingml/2006/main" xmlns:r="http://schemas.openxmlformats.org/officeDocument/2006/relationships" xmlns:p="http://schemas.openxmlformats.org/presentationml/2006/main">
   <p:cSld>
     <p:spTree>
@@ -12692,7 +12563,7 @@
 </p:sld>
 </file>
 
-<file path=ppt/slides/slide16.xml><?xml version="1.0" encoding="utf-8"?>
+<file path=ppt/slides/slide15.xml><?xml version="1.0" encoding="utf-8"?>
 <p:sld xmlns:a="http://schemas.openxmlformats.org/drawingml/2006/main" xmlns:r="http://schemas.openxmlformats.org/officeDocument/2006/relationships" xmlns:p="http://schemas.openxmlformats.org/presentationml/2006/main">
   <p:cSld>
     <p:spTree>
@@ -14036,7 +13907,7 @@
 </p:sld>
 </file>
 
-<file path=ppt/slides/slide17.xml><?xml version="1.0" encoding="utf-8"?>
+<file path=ppt/slides/slide16.xml><?xml version="1.0" encoding="utf-8"?>
 <p:sld xmlns:a="http://schemas.openxmlformats.org/drawingml/2006/main" xmlns:r="http://schemas.openxmlformats.org/officeDocument/2006/relationships" xmlns:p="http://schemas.openxmlformats.org/presentationml/2006/main">
   <p:cSld>
     <p:spTree>
@@ -14215,7 +14086,7 @@
 </p:sld>
 </file>
 
-<file path=ppt/slides/slide18.xml><?xml version="1.0" encoding="utf-8"?>
+<file path=ppt/slides/slide17.xml><?xml version="1.0" encoding="utf-8"?>
 <p:sld xmlns:a="http://schemas.openxmlformats.org/drawingml/2006/main" xmlns:r="http://schemas.openxmlformats.org/officeDocument/2006/relationships" xmlns:p="http://schemas.openxmlformats.org/presentationml/2006/main">
   <p:cSld>
     <p:spTree>
@@ -14806,7 +14677,7 @@
 </p:sld>
 </file>
 
-<file path=ppt/slides/slide19.xml><?xml version="1.0" encoding="utf-8"?>
+<file path=ppt/slides/slide18.xml><?xml version="1.0" encoding="utf-8"?>
 <p:sld xmlns:a="http://schemas.openxmlformats.org/drawingml/2006/main" xmlns:r="http://schemas.openxmlformats.org/officeDocument/2006/relationships" xmlns:p="http://schemas.openxmlformats.org/presentationml/2006/main">
   <p:cSld>
     <p:spTree>
@@ -15056,6 +14927,94 @@
 </p:sld>
 </file>
 
+<file path=ppt/slides/slide19.xml><?xml version="1.0" encoding="utf-8"?>
+<p:sld xmlns:a="http://schemas.openxmlformats.org/drawingml/2006/main" xmlns:r="http://schemas.openxmlformats.org/officeDocument/2006/relationships" xmlns:p="http://schemas.openxmlformats.org/presentationml/2006/main">
+  <p:cSld>
+    <p:spTree>
+      <p:nvGrpSpPr>
+        <p:cNvPr id="1" name=""/>
+        <p:cNvGrpSpPr/>
+        <p:nvPr/>
+      </p:nvGrpSpPr>
+      <p:grpSpPr>
+        <a:xfrm>
+          <a:off x="0" y="0"/>
+          <a:ext cx="0" cy="0"/>
+          <a:chOff x="0" y="0"/>
+          <a:chExt cx="0" cy="0"/>
+        </a:xfrm>
+      </p:grpSpPr>
+      <p:sp>
+        <p:nvSpPr>
+          <p:cNvPr id="3" name="Title 2"/>
+          <p:cNvSpPr>
+            <a:spLocks noGrp="1"/>
+          </p:cNvSpPr>
+          <p:nvPr>
+            <p:ph type="title"/>
+          </p:nvPr>
+        </p:nvSpPr>
+        <p:spPr/>
+        <p:txBody>
+          <a:bodyPr/>
+          <a:lstStyle/>
+          <a:p>
+            <a:r>
+              <a:rPr lang="en-US" dirty="0"/>
+              <a:t>AUC (Area Under Curve)</a:t>
+            </a:r>
+          </a:p>
+        </p:txBody>
+      </p:sp>
+      <p:sp>
+        <p:nvSpPr>
+          <p:cNvPr id="2" name="Content Placeholder 1"/>
+          <p:cNvSpPr>
+            <a:spLocks noGrp="1"/>
+          </p:cNvSpPr>
+          <p:nvPr>
+            <p:ph type="body" idx="1"/>
+          </p:nvPr>
+        </p:nvSpPr>
+        <p:spPr/>
+        <p:txBody>
+          <a:bodyPr/>
+          <a:lstStyle/>
+          <a:p>
+            <a:r>
+              <a:rPr lang="en-US" dirty="0"/>
+              <a:t>Overall measure of performance</a:t>
+            </a:r>
+          </a:p>
+          <a:p>
+            <a:pPr lvl="1"/>
+            <a:r>
+              <a:rPr lang="en-US" dirty="0"/>
+              <a:t>1 if all 1s are ranked above all 0s</a:t>
+            </a:r>
+          </a:p>
+          <a:p>
+            <a:pPr lvl="1"/>
+            <a:r>
+              <a:rPr lang="en-US" dirty="0"/>
+              <a:t>0 if all 0s are above all 1s</a:t>
+            </a:r>
+          </a:p>
+        </p:txBody>
+      </p:sp>
+    </p:spTree>
+    <p:extLst>
+      <p:ext uri="{BB962C8B-B14F-4D97-AF65-F5344CB8AC3E}">
+        <p14:creationId xmlns:p14="http://schemas.microsoft.com/office/powerpoint/2010/main" val="2676850367"/>
+      </p:ext>
+    </p:extLst>
+  </p:cSld>
+  <p:clrMapOvr>
+    <a:masterClrMapping/>
+  </p:clrMapOvr>
+</p:sld>
+</file>
+
 <file path=ppt/slides/slide2.xml><?xml version="1.0" encoding="utf-8"?>
 <p:sld xmlns:a="http://schemas.openxmlformats.org/drawingml/2006/main" xmlns:r="http://schemas.openxmlformats.org/officeDocument/2006/relationships" xmlns:p="http://schemas.openxmlformats.org/presentationml/2006/main">
   <p:cSld>
@@ -15196,94 +15155,6 @@
       </p:grpSpPr>
       <p:sp>
         <p:nvSpPr>
-          <p:cNvPr id="3" name="Title 2"/>
-          <p:cNvSpPr>
-            <a:spLocks noGrp="1"/>
-          </p:cNvSpPr>
-          <p:nvPr>
-            <p:ph type="title"/>
-          </p:nvPr>
-        </p:nvSpPr>
-        <p:spPr/>
-        <p:txBody>
-          <a:bodyPr/>
-          <a:lstStyle/>
-          <a:p>
-            <a:r>
-              <a:rPr lang="en-US" dirty="0"/>
-              <a:t>AUC (Area Under Curve)</a:t>
-            </a:r>
-          </a:p>
-        </p:txBody>
-      </p:sp>
-      <p:sp>
-        <p:nvSpPr>
-          <p:cNvPr id="2" name="Content Placeholder 1"/>
-          <p:cNvSpPr>
-            <a:spLocks noGrp="1"/>
-          </p:cNvSpPr>
-          <p:nvPr>
-            <p:ph type="body" idx="1"/>
-          </p:nvPr>
-        </p:nvSpPr>
-        <p:spPr/>
-        <p:txBody>
-          <a:bodyPr/>
-          <a:lstStyle/>
-          <a:p>
-            <a:r>
-              <a:rPr lang="en-US" dirty="0"/>
-              <a:t>Overall measure of performance</a:t>
-            </a:r>
-          </a:p>
-          <a:p>
-            <a:pPr lvl="1"/>
-            <a:r>
-              <a:rPr lang="en-US" dirty="0"/>
-              <a:t>1 if all 1s are ranked above all 0s</a:t>
-            </a:r>
-          </a:p>
-          <a:p>
-            <a:pPr lvl="1"/>
-            <a:r>
-              <a:rPr lang="en-US" dirty="0"/>
-              <a:t>0 if all 0s are above all 1s</a:t>
-            </a:r>
-          </a:p>
-        </p:txBody>
-      </p:sp>
-    </p:spTree>
-    <p:extLst>
-      <p:ext uri="{BB962C8B-B14F-4D97-AF65-F5344CB8AC3E}">
-        <p14:creationId xmlns:p14="http://schemas.microsoft.com/office/powerpoint/2010/main" val="2676850367"/>
-      </p:ext>
-    </p:extLst>
-  </p:cSld>
-  <p:clrMapOvr>
-    <a:masterClrMapping/>
-  </p:clrMapOvr>
-</p:sld>
-</file>
-
-<file path=ppt/slides/slide21.xml><?xml version="1.0" encoding="utf-8"?>
-<p:sld xmlns:a="http://schemas.openxmlformats.org/drawingml/2006/main" xmlns:r="http://schemas.openxmlformats.org/officeDocument/2006/relationships" xmlns:p="http://schemas.openxmlformats.org/presentationml/2006/main">
-  <p:cSld>
-    <p:spTree>
-      <p:nvGrpSpPr>
-        <p:cNvPr id="1" name=""/>
-        <p:cNvGrpSpPr/>
-        <p:nvPr/>
-      </p:nvGrpSpPr>
-      <p:grpSpPr>
-        <a:xfrm>
-          <a:off x="0" y="0"/>
-          <a:ext cx="0" cy="0"/>
-          <a:chOff x="0" y="0"/>
-          <a:chExt cx="0" cy="0"/>
-        </a:xfrm>
-      </p:grpSpPr>
-      <p:sp>
-        <p:nvSpPr>
           <p:cNvPr id="5" name="Title 4">
             <a:extLst>
               <a:ext uri="{FF2B5EF4-FFF2-40B4-BE49-F238E27FC236}">
@@ -15375,7 +15246,7 @@
 </p:sld>
 </file>
 
-<file path=ppt/slides/slide22.xml><?xml version="1.0" encoding="utf-8"?>
+<file path=ppt/slides/slide21.xml><?xml version="1.0" encoding="utf-8"?>
 <p:sld xmlns:a="http://schemas.openxmlformats.org/drawingml/2006/main" xmlns:r="http://schemas.openxmlformats.org/officeDocument/2006/relationships" xmlns:p="http://schemas.openxmlformats.org/presentationml/2006/main">
   <p:cSld>
     <p:spTree>
@@ -15484,7 +15355,7 @@
 </p:sld>
 </file>
 
-<file path=ppt/slides/slide23.xml><?xml version="1.0" encoding="utf-8"?>
+<file path=ppt/slides/slide22.xml><?xml version="1.0" encoding="utf-8"?>
 <p:sld xmlns:a="http://schemas.openxmlformats.org/drawingml/2006/main" xmlns:r="http://schemas.openxmlformats.org/officeDocument/2006/relationships" xmlns:p="http://schemas.openxmlformats.org/presentationml/2006/main">
   <p:cSld>
     <p:spTree>
@@ -15570,7 +15441,7 @@
 </p:sld>
 </file>
 
-<file path=ppt/slides/slide24.xml><?xml version="1.0" encoding="utf-8"?>
+<file path=ppt/slides/slide23.xml><?xml version="1.0" encoding="utf-8"?>
 <p:sld xmlns:a="http://schemas.openxmlformats.org/drawingml/2006/main" xmlns:r="http://schemas.openxmlformats.org/officeDocument/2006/relationships" xmlns:p="http://schemas.openxmlformats.org/presentationml/2006/main">
   <p:cSld>
     <p:spTree>
@@ -15659,7 +15530,7 @@
 </p:sld>
 </file>
 
-<file path=ppt/slides/slide25.xml><?xml version="1.0" encoding="utf-8"?>
+<file path=ppt/slides/slide24.xml><?xml version="1.0" encoding="utf-8"?>
 <p:sld xmlns:a="http://schemas.openxmlformats.org/drawingml/2006/main" xmlns:r="http://schemas.openxmlformats.org/officeDocument/2006/relationships" xmlns:p="http://schemas.openxmlformats.org/presentationml/2006/main">
   <p:cSld>
     <p:spTree>
@@ -15907,407 +15778,6 @@
       </p:grpSpPr>
       <p:sp>
         <p:nvSpPr>
-          <p:cNvPr id="3" name="Title 2">
-            <a:extLst>
-              <a:ext uri="{FF2B5EF4-FFF2-40B4-BE49-F238E27FC236}">
-                <a16:creationId xmlns:a16="http://schemas.microsoft.com/office/drawing/2014/main" id="{9323871C-7CA8-1448-8FFC-1AE6E1838941}"/>
-              </a:ext>
-            </a:extLst>
-          </p:cNvPr>
-          <p:cNvSpPr>
-            <a:spLocks noGrp="1"/>
-          </p:cNvSpPr>
-          <p:nvPr>
-            <p:ph type="title"/>
-          </p:nvPr>
-        </p:nvSpPr>
-        <p:spPr/>
-        <p:txBody>
-          <a:bodyPr/>
-          <a:lstStyle/>
-          <a:p>
-            <a:r>
-              <a:rPr lang="en-US" dirty="0"/>
-              <a:t>Discussion Question</a:t>
-            </a:r>
-          </a:p>
-        </p:txBody>
-      </p:sp>
-      <p:sp>
-        <p:nvSpPr>
-          <p:cNvPr id="4" name="Text Placeholder 3">
-            <a:extLst>
-              <a:ext uri="{FF2B5EF4-FFF2-40B4-BE49-F238E27FC236}">
-                <a16:creationId xmlns:a16="http://schemas.microsoft.com/office/drawing/2014/main" id="{5E600BA7-FA45-884F-9820-9E5F2CB7AA48}"/>
-              </a:ext>
-            </a:extLst>
-          </p:cNvPr>
-          <p:cNvSpPr>
-            <a:spLocks noGrp="1"/>
-          </p:cNvSpPr>
-          <p:nvPr>
-            <p:ph type="body" idx="1"/>
-          </p:nvPr>
-        </p:nvSpPr>
-        <p:spPr/>
-        <p:txBody>
-          <a:bodyPr/>
-          <a:lstStyle/>
-          <a:p>
-            <a:pPr marL="76200" indent="0" algn="ctr">
-              <a:buNone/>
-            </a:pPr>
-            <a:r>
-              <a:rPr lang="en-US" sz="3600" dirty="0"/>
-              <a:t>What validation strategy is your group considering for the Donors Choose project?</a:t>
-            </a:r>
-          </a:p>
-        </p:txBody>
-      </p:sp>
-      <p:sp>
-        <p:nvSpPr>
-          <p:cNvPr id="5" name="Text Placeholder 3">
-            <a:extLst>
-              <a:ext uri="{FF2B5EF4-FFF2-40B4-BE49-F238E27FC236}">
-                <a16:creationId xmlns:a16="http://schemas.microsoft.com/office/drawing/2014/main" id="{0CF60459-98F0-E844-AFCC-DC0705B0478D}"/>
-              </a:ext>
-            </a:extLst>
-          </p:cNvPr>
-          <p:cNvSpPr txBox="1">
-            <a:spLocks/>
-          </p:cNvSpPr>
-          <p:nvPr/>
-        </p:nvSpPr>
-        <p:spPr>
-          <a:xfrm>
-            <a:off x="3652513" y="3822585"/>
-            <a:ext cx="4886875" cy="2794571"/>
-          </a:xfrm>
-          <a:prstGeom prst="rect">
-            <a:avLst/>
-          </a:prstGeom>
-          <a:noFill/>
-          <a:ln>
-            <a:noFill/>
-          </a:ln>
-        </p:spPr>
-        <p:txBody>
-          <a:bodyPr spcFirstLastPara="1" wrap="none" lIns="121900" tIns="121900" rIns="121900" bIns="121900" rtlCol="0" anchor="t" anchorCtr="0">
-            <a:spAutoFit/>
-          </a:bodyPr>
-          <a:lstStyle>
-            <a:defPPr marR="0" lvl="0" algn="l" rtl="0">
-              <a:lnSpc>
-                <a:spcPct val="100000"/>
-              </a:lnSpc>
-              <a:spcBef>
-                <a:spcPts val="0"/>
-              </a:spcBef>
-              <a:spcAft>
-                <a:spcPts val="0"/>
-              </a:spcAft>
-            </a:defPPr>
-            <a:lvl1pPr marL="457200" marR="0" lvl="0" indent="-381000" algn="l" rtl="0">
-              <a:lnSpc>
-                <a:spcPct val="115000"/>
-              </a:lnSpc>
-              <a:spcBef>
-                <a:spcPts val="0"/>
-              </a:spcBef>
-              <a:spcAft>
-                <a:spcPts val="0"/>
-              </a:spcAft>
-              <a:buClr>
-                <a:srgbClr val="434343"/>
-              </a:buClr>
-              <a:buSzPts val="2400"/>
-              <a:buFont typeface="Arial"/>
-              <a:buChar char="●"/>
-              <a:defRPr sz="2400" b="0" i="0" u="none" strike="noStrike" cap="none">
-                <a:solidFill>
-                  <a:srgbClr val="434343"/>
-                </a:solidFill>
-                <a:latin typeface="Arial"/>
-                <a:ea typeface="Arial"/>
-                <a:cs typeface="Arial"/>
-                <a:sym typeface="Arial"/>
-              </a:defRPr>
-            </a:lvl1pPr>
-            <a:lvl2pPr marL="914400" marR="0" lvl="1" indent="-349250" algn="l" rtl="0">
-              <a:lnSpc>
-                <a:spcPct val="115000"/>
-              </a:lnSpc>
-              <a:spcBef>
-                <a:spcPts val="2100"/>
-              </a:spcBef>
-              <a:spcAft>
-                <a:spcPts val="0"/>
-              </a:spcAft>
-              <a:buClr>
-                <a:srgbClr val="434343"/>
-              </a:buClr>
-              <a:buSzPts val="1900"/>
-              <a:buFont typeface="Arial"/>
-              <a:buChar char="○"/>
-              <a:defRPr sz="1900" b="0" i="0" u="none" strike="noStrike" cap="none">
-                <a:solidFill>
-                  <a:srgbClr val="434343"/>
-                </a:solidFill>
-                <a:latin typeface="Arial"/>
-                <a:ea typeface="Arial"/>
-                <a:cs typeface="Arial"/>
-                <a:sym typeface="Arial"/>
-              </a:defRPr>
-            </a:lvl2pPr>
-            <a:lvl3pPr marL="1371600" marR="0" lvl="2" indent="-349250" algn="l" rtl="0">
-              <a:lnSpc>
-                <a:spcPct val="115000"/>
-              </a:lnSpc>
-              <a:spcBef>
-                <a:spcPts val="2100"/>
-              </a:spcBef>
-              <a:spcAft>
-                <a:spcPts val="0"/>
-              </a:spcAft>
-              <a:buClr>
-                <a:srgbClr val="434343"/>
-              </a:buClr>
-              <a:buSzPts val="1900"/>
-              <a:buFont typeface="Arial"/>
-              <a:buChar char="■"/>
-              <a:defRPr sz="1900" b="0" i="0" u="none" strike="noStrike" cap="none">
-                <a:solidFill>
-                  <a:srgbClr val="434343"/>
-                </a:solidFill>
-                <a:latin typeface="Arial"/>
-                <a:ea typeface="Arial"/>
-                <a:cs typeface="Arial"/>
-                <a:sym typeface="Arial"/>
-              </a:defRPr>
-            </a:lvl3pPr>
-            <a:lvl4pPr marL="1828800" marR="0" lvl="3" indent="-349250" algn="l" rtl="0">
-              <a:lnSpc>
-                <a:spcPct val="115000"/>
-              </a:lnSpc>
-              <a:spcBef>
-                <a:spcPts val="2100"/>
-              </a:spcBef>
-              <a:spcAft>
-                <a:spcPts val="0"/>
-              </a:spcAft>
-              <a:buClr>
-                <a:srgbClr val="434343"/>
-              </a:buClr>
-              <a:buSzPts val="1900"/>
-              <a:buFont typeface="Arial"/>
-              <a:buChar char="●"/>
-              <a:defRPr sz="1900" b="0" i="0" u="none" strike="noStrike" cap="none">
-                <a:solidFill>
-                  <a:srgbClr val="434343"/>
-                </a:solidFill>
-                <a:latin typeface="Arial"/>
-                <a:ea typeface="Arial"/>
-                <a:cs typeface="Arial"/>
-                <a:sym typeface="Arial"/>
-              </a:defRPr>
-            </a:lvl4pPr>
-            <a:lvl5pPr marL="2286000" marR="0" lvl="4" indent="-349250" algn="l" rtl="0">
-              <a:lnSpc>
-                <a:spcPct val="115000"/>
-              </a:lnSpc>
-              <a:spcBef>
-                <a:spcPts val="2100"/>
-              </a:spcBef>
-              <a:spcAft>
-                <a:spcPts val="0"/>
-              </a:spcAft>
-              <a:buClr>
-                <a:srgbClr val="434343"/>
-              </a:buClr>
-              <a:buSzPts val="1900"/>
-              <a:buFont typeface="Arial"/>
-              <a:buChar char="○"/>
-              <a:defRPr sz="1900" b="0" i="0" u="none" strike="noStrike" cap="none">
-                <a:solidFill>
-                  <a:srgbClr val="434343"/>
-                </a:solidFill>
-                <a:latin typeface="Arial"/>
-                <a:ea typeface="Arial"/>
-                <a:cs typeface="Arial"/>
-                <a:sym typeface="Arial"/>
-              </a:defRPr>
-            </a:lvl5pPr>
-            <a:lvl6pPr marL="2743200" marR="0" lvl="5" indent="-349250" algn="l" rtl="0">
-              <a:lnSpc>
-                <a:spcPct val="115000"/>
-              </a:lnSpc>
-              <a:spcBef>
-                <a:spcPts val="2100"/>
-              </a:spcBef>
-              <a:spcAft>
-                <a:spcPts val="0"/>
-              </a:spcAft>
-              <a:buClr>
-                <a:srgbClr val="434343"/>
-              </a:buClr>
-              <a:buSzPts val="1900"/>
-              <a:buFont typeface="Arial"/>
-              <a:buChar char="■"/>
-              <a:defRPr sz="1900" b="0" i="0" u="none" strike="noStrike" cap="none">
-                <a:solidFill>
-                  <a:srgbClr val="434343"/>
-                </a:solidFill>
-                <a:latin typeface="Arial"/>
-                <a:ea typeface="Arial"/>
-                <a:cs typeface="Arial"/>
-                <a:sym typeface="Arial"/>
-              </a:defRPr>
-            </a:lvl6pPr>
-            <a:lvl7pPr marL="3200400" marR="0" lvl="6" indent="-349250" algn="l" rtl="0">
-              <a:lnSpc>
-                <a:spcPct val="115000"/>
-              </a:lnSpc>
-              <a:spcBef>
-                <a:spcPts val="2100"/>
-              </a:spcBef>
-              <a:spcAft>
-                <a:spcPts val="0"/>
-              </a:spcAft>
-              <a:buClr>
-                <a:srgbClr val="434343"/>
-              </a:buClr>
-              <a:buSzPts val="1900"/>
-              <a:buFont typeface="Arial"/>
-              <a:buChar char="●"/>
-              <a:defRPr sz="1900" b="0" i="0" u="none" strike="noStrike" cap="none">
-                <a:solidFill>
-                  <a:srgbClr val="434343"/>
-                </a:solidFill>
-                <a:latin typeface="Arial"/>
-                <a:ea typeface="Arial"/>
-                <a:cs typeface="Arial"/>
-                <a:sym typeface="Arial"/>
-              </a:defRPr>
-            </a:lvl7pPr>
-            <a:lvl8pPr marL="3657600" marR="0" lvl="7" indent="-349250" algn="l" rtl="0">
-              <a:lnSpc>
-                <a:spcPct val="115000"/>
-              </a:lnSpc>
-              <a:spcBef>
-                <a:spcPts val="2100"/>
-              </a:spcBef>
-              <a:spcAft>
-                <a:spcPts val="0"/>
-              </a:spcAft>
-              <a:buClr>
-                <a:srgbClr val="434343"/>
-              </a:buClr>
-              <a:buSzPts val="1900"/>
-              <a:buFont typeface="Arial"/>
-              <a:buChar char="○"/>
-              <a:defRPr sz="1900" b="0" i="0" u="none" strike="noStrike" cap="none">
-                <a:solidFill>
-                  <a:srgbClr val="434343"/>
-                </a:solidFill>
-                <a:latin typeface="Arial"/>
-                <a:ea typeface="Arial"/>
-                <a:cs typeface="Arial"/>
-                <a:sym typeface="Arial"/>
-              </a:defRPr>
-            </a:lvl8pPr>
-            <a:lvl9pPr marL="4114800" marR="0" lvl="8" indent="-349250" algn="l" rtl="0">
-              <a:lnSpc>
-                <a:spcPct val="115000"/>
-              </a:lnSpc>
-              <a:spcBef>
-                <a:spcPts val="2100"/>
-              </a:spcBef>
-              <a:spcAft>
-                <a:spcPts val="2100"/>
-              </a:spcAft>
-              <a:buClr>
-                <a:srgbClr val="434343"/>
-              </a:buClr>
-              <a:buSzPts val="1900"/>
-              <a:buFont typeface="Arial"/>
-              <a:buChar char="■"/>
-              <a:defRPr sz="1900" b="0" i="0" u="none" strike="noStrike" cap="none">
-                <a:solidFill>
-                  <a:srgbClr val="434343"/>
-                </a:solidFill>
-                <a:latin typeface="Arial"/>
-                <a:ea typeface="Arial"/>
-                <a:cs typeface="Arial"/>
-                <a:sym typeface="Arial"/>
-              </a:defRPr>
-            </a:lvl9pPr>
-          </a:lstStyle>
-          <a:p>
-            <a:pPr marL="114300" indent="0" algn="ctr">
-              <a:buFont typeface="Arial"/>
-              <a:buNone/>
-            </a:pPr>
-            <a:r>
-              <a:rPr lang="en-US" sz="4800" dirty="0" err="1"/>
-              <a:t>sli.do</a:t>
-            </a:r>
-            <a:r>
-              <a:rPr lang="en-US" sz="4800" dirty="0"/>
-              <a:t>      #10718</a:t>
-            </a:r>
-          </a:p>
-          <a:p>
-            <a:pPr algn="ctr"/>
-            <a:endParaRPr lang="en-US" sz="4800" dirty="0"/>
-          </a:p>
-          <a:p>
-            <a:pPr marL="114300" indent="0" algn="ctr">
-              <a:buFont typeface="Arial"/>
-              <a:buNone/>
-            </a:pPr>
-            <a:r>
-              <a:rPr lang="en-US" sz="4800" dirty="0" err="1"/>
-              <a:t>sli.do</a:t>
-            </a:r>
-            <a:r>
-              <a:rPr lang="en-US" sz="4800" dirty="0"/>
-              <a:t>/10718</a:t>
-            </a:r>
-          </a:p>
-        </p:txBody>
-      </p:sp>
-    </p:spTree>
-    <p:extLst>
-      <p:ext uri="{BB962C8B-B14F-4D97-AF65-F5344CB8AC3E}">
-        <p14:creationId xmlns:p14="http://schemas.microsoft.com/office/powerpoint/2010/main" val="4066479944"/>
-      </p:ext>
-    </p:extLst>
-  </p:cSld>
-  <p:clrMapOvr>
-    <a:masterClrMapping/>
-  </p:clrMapOvr>
-</p:sld>
-</file>
-
-<file path=ppt/slides/slide5.xml><?xml version="1.0" encoding="utf-8"?>
-<p:sld xmlns:a="http://schemas.openxmlformats.org/drawingml/2006/main" xmlns:r="http://schemas.openxmlformats.org/officeDocument/2006/relationships" xmlns:p="http://schemas.openxmlformats.org/presentationml/2006/main">
-  <p:cSld>
-    <p:spTree>
-      <p:nvGrpSpPr>
-        <p:cNvPr id="1" name=""/>
-        <p:cNvGrpSpPr/>
-        <p:nvPr/>
-      </p:nvGrpSpPr>
-      <p:grpSpPr>
-        <a:xfrm>
-          <a:off x="0" y="0"/>
-          <a:ext cx="0" cy="0"/>
-          <a:chOff x="0" y="0"/>
-          <a:chExt cx="0" cy="0"/>
-        </a:xfrm>
-      </p:grpSpPr>
-      <p:sp>
-        <p:nvSpPr>
           <p:cNvPr id="2" name="Title 1">
             <a:extLst>
               <a:ext uri="{FF2B5EF4-FFF2-40B4-BE49-F238E27FC236}">
@@ -16418,7 +15888,7 @@
 </p:sld>
 </file>
 
-<file path=ppt/slides/slide6.xml><?xml version="1.0" encoding="utf-8"?>
+<file path=ppt/slides/slide5.xml><?xml version="1.0" encoding="utf-8"?>
 <p:sld xmlns:a="http://schemas.openxmlformats.org/drawingml/2006/main" xmlns:r="http://schemas.openxmlformats.org/officeDocument/2006/relationships" xmlns:p="http://schemas.openxmlformats.org/presentationml/2006/main">
   <p:cSld>
     <p:spTree>
@@ -16528,7 +15998,7 @@
 </p:sld>
 </file>
 
-<file path=ppt/slides/slide7.xml><?xml version="1.0" encoding="utf-8"?>
+<file path=ppt/slides/slide6.xml><?xml version="1.0" encoding="utf-8"?>
 <p:sld xmlns:a="http://schemas.openxmlformats.org/drawingml/2006/main" xmlns:r="http://schemas.openxmlformats.org/officeDocument/2006/relationships" xmlns:p="http://schemas.openxmlformats.org/presentationml/2006/main">
   <p:cSld>
     <p:spTree>
@@ -16611,7 +16081,7 @@
 </p:sld>
 </file>
 
-<file path=ppt/slides/slide8.xml><?xml version="1.0" encoding="utf-8"?>
+<file path=ppt/slides/slide7.xml><?xml version="1.0" encoding="utf-8"?>
 <p:sld xmlns:a="http://schemas.openxmlformats.org/drawingml/2006/main" xmlns:r="http://schemas.openxmlformats.org/officeDocument/2006/relationships" xmlns:p="http://schemas.openxmlformats.org/presentationml/2006/main">
   <p:cSld>
     <p:spTree>
@@ -16711,7 +16181,7 @@
 </p:sld>
 </file>
 
-<file path=ppt/slides/slide9.xml><?xml version="1.0" encoding="utf-8"?>
+<file path=ppt/slides/slide8.xml><?xml version="1.0" encoding="utf-8"?>
 <p:sld xmlns:a="http://schemas.openxmlformats.org/drawingml/2006/main" xmlns:r="http://schemas.openxmlformats.org/officeDocument/2006/relationships" xmlns:p="http://schemas.openxmlformats.org/presentationml/2006/main">
   <p:cSld>
     <p:spTree>
@@ -16785,6 +16255,134 @@
     <p:extLst>
       <p:ext uri="{BB962C8B-B14F-4D97-AF65-F5344CB8AC3E}">
         <p14:creationId xmlns:p14="http://schemas.microsoft.com/office/powerpoint/2010/main" val="106807354"/>
+      </p:ext>
+    </p:extLst>
+  </p:cSld>
+  <p:clrMapOvr>
+    <a:masterClrMapping/>
+  </p:clrMapOvr>
+  <mc:AlternateContent xmlns:mc="http://schemas.openxmlformats.org/markup-compatibility/2006" xmlns:p14="http://schemas.microsoft.com/office/powerpoint/2010/main">
+    <mc:Choice Requires="p14">
+      <p:transition spd="med" p14:dur="700">
+        <p:fade/>
+      </p:transition>
+    </mc:Choice>
+    <mc:Fallback xmlns="">
+      <p:transition spd="med">
+        <p:fade/>
+      </p:transition>
+    </mc:Fallback>
+  </mc:AlternateContent>
+</p:sld>
+</file>
+
+<file path=ppt/slides/slide9.xml><?xml version="1.0" encoding="utf-8"?>
+<p:sld xmlns:a="http://schemas.openxmlformats.org/drawingml/2006/main" xmlns:r="http://schemas.openxmlformats.org/officeDocument/2006/relationships" xmlns:p="http://schemas.openxmlformats.org/presentationml/2006/main">
+  <p:cSld>
+    <p:spTree>
+      <p:nvGrpSpPr>
+        <p:cNvPr id="1" name=""/>
+        <p:cNvGrpSpPr/>
+        <p:nvPr/>
+      </p:nvGrpSpPr>
+      <p:grpSpPr>
+        <a:xfrm>
+          <a:off x="0" y="0"/>
+          <a:ext cx="0" cy="0"/>
+          <a:chOff x="0" y="0"/>
+          <a:chExt cx="0" cy="0"/>
+        </a:xfrm>
+      </p:grpSpPr>
+      <p:sp>
+        <p:nvSpPr>
+          <p:cNvPr id="4" name="Title 3">
+            <a:extLst>
+              <a:ext uri="{FF2B5EF4-FFF2-40B4-BE49-F238E27FC236}">
+                <a16:creationId xmlns:a16="http://schemas.microsoft.com/office/drawing/2014/main" id="{30C2C959-72F2-EF4D-80DA-F48A29D0F3C4}"/>
+              </a:ext>
+            </a:extLst>
+          </p:cNvPr>
+          <p:cNvSpPr>
+            <a:spLocks noGrp="1"/>
+          </p:cNvSpPr>
+          <p:nvPr>
+            <p:ph type="title"/>
+          </p:nvPr>
+        </p:nvSpPr>
+        <p:spPr/>
+        <p:txBody>
+          <a:bodyPr/>
+          <a:lstStyle/>
+          <a:p>
+            <a:r>
+              <a:rPr lang="en-US" dirty="0"/>
+              <a:t>What do we need our selected model to do?</a:t>
+            </a:r>
+          </a:p>
+        </p:txBody>
+      </p:sp>
+      <p:sp>
+        <p:nvSpPr>
+          <p:cNvPr id="5" name="Text Placeholder 4">
+            <a:extLst>
+              <a:ext uri="{FF2B5EF4-FFF2-40B4-BE49-F238E27FC236}">
+                <a16:creationId xmlns:a16="http://schemas.microsoft.com/office/drawing/2014/main" id="{24A75FF1-9EFE-0F41-92F5-3E749CFB2EB5}"/>
+              </a:ext>
+            </a:extLst>
+          </p:cNvPr>
+          <p:cNvSpPr>
+            <a:spLocks noGrp="1"/>
+          </p:cNvSpPr>
+          <p:nvPr>
+            <p:ph type="body" idx="1"/>
+          </p:nvPr>
+        </p:nvSpPr>
+        <p:spPr/>
+        <p:txBody>
+          <a:bodyPr/>
+          <a:lstStyle/>
+          <a:p>
+            <a:r>
+              <a:rPr lang="en-US" dirty="0"/>
+              <a:t>Perform well</a:t>
+            </a:r>
+          </a:p>
+          <a:p>
+            <a:pPr lvl="1"/>
+            <a:r>
+              <a:rPr lang="en-US" dirty="0"/>
+              <a:t>What metric?</a:t>
+            </a:r>
+          </a:p>
+          <a:p>
+            <a:pPr lvl="1"/>
+            <a:r>
+              <a:rPr lang="en-US" dirty="0"/>
+              <a:t>Compared to what?</a:t>
+            </a:r>
+          </a:p>
+          <a:p>
+            <a:endParaRPr lang="en-US" dirty="0"/>
+          </a:p>
+          <a:p>
+            <a:r>
+              <a:rPr lang="en-US" dirty="0"/>
+              <a:t>Generalize</a:t>
+            </a:r>
+          </a:p>
+          <a:p>
+            <a:pPr lvl="1"/>
+            <a:r>
+              <a:rPr lang="en-US" dirty="0"/>
+              <a:t>To what?</a:t>
+            </a:r>
+          </a:p>
+        </p:txBody>
+      </p:sp>
+    </p:spTree>
+    <p:extLst>
+      <p:ext uri="{BB962C8B-B14F-4D97-AF65-F5344CB8AC3E}">
+        <p14:creationId xmlns:p14="http://schemas.microsoft.com/office/powerpoint/2010/main" val="4111643116"/>
       </p:ext>
     </p:extLst>
   </p:cSld>

--- a/Lectures/Lecture6-EvaluationMetrics.pptx
+++ b/Lectures/Lecture6-EvaluationMetrics.pptx
@@ -5,33 +5,37 @@
     <p:sldMasterId id="2147483648" r:id="rId1"/>
   </p:sldMasterIdLst>
   <p:notesMasterIdLst>
-    <p:notesMasterId r:id="rId26"/>
+    <p:notesMasterId r:id="rId30"/>
   </p:notesMasterIdLst>
   <p:sldIdLst>
     <p:sldId id="256" r:id="rId2"/>
     <p:sldId id="471" r:id="rId3"/>
-    <p:sldId id="483" r:id="rId4"/>
-    <p:sldId id="323" r:id="rId5"/>
-    <p:sldId id="286" r:id="rId6"/>
-    <p:sldId id="472" r:id="rId7"/>
-    <p:sldId id="287" r:id="rId8"/>
-    <p:sldId id="478" r:id="rId9"/>
-    <p:sldId id="468" r:id="rId10"/>
-    <p:sldId id="269" r:id="rId11"/>
-    <p:sldId id="489" r:id="rId12"/>
-    <p:sldId id="475" r:id="rId13"/>
-    <p:sldId id="453" r:id="rId14"/>
-    <p:sldId id="352" r:id="rId15"/>
-    <p:sldId id="458" r:id="rId16"/>
-    <p:sldId id="457" r:id="rId17"/>
-    <p:sldId id="428" r:id="rId18"/>
-    <p:sldId id="429" r:id="rId19"/>
-    <p:sldId id="430" r:id="rId20"/>
-    <p:sldId id="455" r:id="rId21"/>
-    <p:sldId id="460" r:id="rId22"/>
-    <p:sldId id="420" r:id="rId23"/>
-    <p:sldId id="484" r:id="rId24"/>
-    <p:sldId id="488" r:id="rId25"/>
+    <p:sldId id="490" r:id="rId4"/>
+    <p:sldId id="492" r:id="rId5"/>
+    <p:sldId id="493" r:id="rId6"/>
+    <p:sldId id="491" r:id="rId7"/>
+    <p:sldId id="483" r:id="rId8"/>
+    <p:sldId id="323" r:id="rId9"/>
+    <p:sldId id="286" r:id="rId10"/>
+    <p:sldId id="472" r:id="rId11"/>
+    <p:sldId id="287" r:id="rId12"/>
+    <p:sldId id="478" r:id="rId13"/>
+    <p:sldId id="468" r:id="rId14"/>
+    <p:sldId id="269" r:id="rId15"/>
+    <p:sldId id="489" r:id="rId16"/>
+    <p:sldId id="475" r:id="rId17"/>
+    <p:sldId id="453" r:id="rId18"/>
+    <p:sldId id="352" r:id="rId19"/>
+    <p:sldId id="458" r:id="rId20"/>
+    <p:sldId id="457" r:id="rId21"/>
+    <p:sldId id="428" r:id="rId22"/>
+    <p:sldId id="429" r:id="rId23"/>
+    <p:sldId id="430" r:id="rId24"/>
+    <p:sldId id="455" r:id="rId25"/>
+    <p:sldId id="460" r:id="rId26"/>
+    <p:sldId id="420" r:id="rId27"/>
+    <p:sldId id="484" r:id="rId28"/>
+    <p:sldId id="488" r:id="rId29"/>
   </p:sldIdLst>
   <p:sldSz cx="12192000" cy="6858000"/>
   <p:notesSz cx="6858000" cy="9144000"/>
@@ -269,7 +273,7 @@
       <p15:sldGuideLst xmlns:p15="http://schemas.microsoft.com/office/powerpoint/2012/main"/>
     </p:ext>
     <p:ext uri="http://customooxmlschemas.google.com/">
-      <go:slidesCustomData xmlns="" xmlns:mc="http://schemas.openxmlformats.org/markup-compatibility/2006" xmlns:mv="urn:schemas-microsoft-com:mac:vml" xmlns:c="http://schemas.openxmlformats.org/drawingml/2006/chart" xmlns:dgm="http://schemas.openxmlformats.org/drawingml/2006/diagram" xmlns:o="urn:schemas-microsoft-com:office:office" xmlns:v="urn:schemas-microsoft-com:vml" xmlns:pvml="urn:schemas-microsoft-com:office:powerpoint" xmlns:com="http://schemas.openxmlformats.org/drawingml/2006/compatibility" xmlns:p14="http://schemas.microsoft.com/office/powerpoint/2010/main" xmlns:p15="http://schemas.microsoft.com/office/powerpoint/2012/main" xmlns:go="http://customooxmlschemas.google.com/" r:id="rId40" roundtripDataSignature="AMtx7mjFyVUGRZWio+dc9dxzYsimUxNJbg=="/>
+      <go:slidesCustomData xmlns:go="http://customooxmlschemas.google.com/" xmlns:p15="http://schemas.microsoft.com/office/powerpoint/2012/main" xmlns:p14="http://schemas.microsoft.com/office/powerpoint/2010/main" xmlns:com="http://schemas.openxmlformats.org/drawingml/2006/compatibility" xmlns:pvml="urn:schemas-microsoft-com:office:powerpoint" xmlns:v="urn:schemas-microsoft-com:vml" xmlns:o="urn:schemas-microsoft-com:office:office" xmlns:dgm="http://schemas.openxmlformats.org/drawingml/2006/diagram" xmlns:c="http://schemas.openxmlformats.org/drawingml/2006/chart" xmlns:mv="urn:schemas-microsoft-com:mac:vml" xmlns:mc="http://schemas.openxmlformats.org/markup-compatibility/2006" xmlns="" r:id="rId40" roundtripDataSignature="AMtx7mjFyVUGRZWio+dc9dxzYsimUxNJbg=="/>
     </p:ext>
   </p:extLst>
 </p:presentation>
@@ -6674,6 +6678,11 @@
         </p:txBody>
       </p:sp>
     </p:spTree>
+    <p:extLst>
+      <p:ext uri="{BB962C8B-B14F-4D97-AF65-F5344CB8AC3E}">
+        <p14:creationId xmlns:p14="http://schemas.microsoft.com/office/powerpoint/2010/main" val="342831109"/>
+      </p:ext>
+    </p:extLst>
   </p:cSld>
   <p:clrMapOvr>
     <a:masterClrMapping/>
@@ -6682,6 +6691,219 @@
 </file>
 
 <file path=ppt/notesSlides/notesSlide3.xml><?xml version="1.0" encoding="utf-8"?>
+<p:notes xmlns:a="http://schemas.openxmlformats.org/drawingml/2006/main" xmlns:r="http://schemas.openxmlformats.org/officeDocument/2006/relationships" xmlns:p="http://schemas.openxmlformats.org/presentationml/2006/main" showMasterSp="0" showMasterPhAnim="0">
+  <p:cSld>
+    <p:spTree>
+      <p:nvGrpSpPr>
+        <p:cNvPr id="1" name="Shape 199"/>
+        <p:cNvGrpSpPr/>
+        <p:nvPr/>
+      </p:nvGrpSpPr>
+      <p:grpSpPr>
+        <a:xfrm>
+          <a:off x="0" y="0"/>
+          <a:ext cx="0" cy="0"/>
+          <a:chOff x="0" y="0"/>
+          <a:chExt cx="0" cy="0"/>
+        </a:xfrm>
+      </p:grpSpPr>
+      <p:sp>
+        <p:nvSpPr>
+          <p:cNvPr id="200" name="Google Shape;200;g13a827b83f3_1_5:notes"/>
+          <p:cNvSpPr>
+            <a:spLocks noGrp="1" noRot="1" noChangeAspect="1"/>
+          </p:cNvSpPr>
+          <p:nvPr>
+            <p:ph type="sldImg" idx="2"/>
+          </p:nvPr>
+        </p:nvSpPr>
+        <p:spPr>
+          <a:xfrm>
+            <a:off x="381000" y="685800"/>
+            <a:ext cx="6096000" cy="3429000"/>
+          </a:xfrm>
+          <a:custGeom>
+            <a:avLst/>
+            <a:gdLst/>
+            <a:ahLst/>
+            <a:cxnLst/>
+            <a:rect l="l" t="t" r="r" b="b"/>
+            <a:pathLst>
+              <a:path w="120000" h="120000" extrusionOk="0">
+                <a:moveTo>
+                  <a:pt x="0" y="0"/>
+                </a:moveTo>
+                <a:lnTo>
+                  <a:pt x="120000" y="0"/>
+                </a:lnTo>
+                <a:lnTo>
+                  <a:pt x="120000" y="120000"/>
+                </a:lnTo>
+                <a:lnTo>
+                  <a:pt x="0" y="120000"/>
+                </a:lnTo>
+                <a:close/>
+              </a:path>
+            </a:pathLst>
+          </a:custGeom>
+        </p:spPr>
+      </p:sp>
+      <p:sp>
+        <p:nvSpPr>
+          <p:cNvPr id="201" name="Google Shape;201;g13a827b83f3_1_5:notes"/>
+          <p:cNvSpPr txBox="1">
+            <a:spLocks noGrp="1"/>
+          </p:cNvSpPr>
+          <p:nvPr>
+            <p:ph type="body" idx="1"/>
+          </p:nvPr>
+        </p:nvSpPr>
+        <p:spPr>
+          <a:xfrm>
+            <a:off x="685800" y="4343400"/>
+            <a:ext cx="5486400" cy="4114800"/>
+          </a:xfrm>
+          <a:prstGeom prst="rect">
+            <a:avLst/>
+          </a:prstGeom>
+        </p:spPr>
+        <p:txBody>
+          <a:bodyPr spcFirstLastPara="1" wrap="square" lIns="91425" tIns="91425" rIns="91425" bIns="91425" anchor="t" anchorCtr="0">
+            <a:noAutofit/>
+          </a:bodyPr>
+          <a:lstStyle/>
+          <a:p>
+            <a:pPr marL="0" lvl="0" indent="0" algn="l" rtl="0">
+              <a:spcBef>
+                <a:spcPts val="0"/>
+              </a:spcBef>
+              <a:spcAft>
+                <a:spcPts val="0"/>
+              </a:spcAft>
+              <a:buNone/>
+            </a:pPr>
+            <a:endParaRPr/>
+          </a:p>
+        </p:txBody>
+      </p:sp>
+    </p:spTree>
+    <p:extLst>
+      <p:ext uri="{BB962C8B-B14F-4D97-AF65-F5344CB8AC3E}">
+        <p14:creationId xmlns:p14="http://schemas.microsoft.com/office/powerpoint/2010/main" val="3167519624"/>
+      </p:ext>
+    </p:extLst>
+  </p:cSld>
+  <p:clrMapOvr>
+    <a:masterClrMapping/>
+  </p:clrMapOvr>
+</p:notes>
+</file>
+
+<file path=ppt/notesSlides/notesSlide4.xml><?xml version="1.0" encoding="utf-8"?>
+<p:notes xmlns:a="http://schemas.openxmlformats.org/drawingml/2006/main" xmlns:r="http://schemas.openxmlformats.org/officeDocument/2006/relationships" xmlns:p="http://schemas.openxmlformats.org/presentationml/2006/main" showMasterSp="0" showMasterPhAnim="0">
+  <p:cSld>
+    <p:spTree>
+      <p:nvGrpSpPr>
+        <p:cNvPr id="1" name="Shape 199"/>
+        <p:cNvGrpSpPr/>
+        <p:nvPr/>
+      </p:nvGrpSpPr>
+      <p:grpSpPr>
+        <a:xfrm>
+          <a:off x="0" y="0"/>
+          <a:ext cx="0" cy="0"/>
+          <a:chOff x="0" y="0"/>
+          <a:chExt cx="0" cy="0"/>
+        </a:xfrm>
+      </p:grpSpPr>
+      <p:sp>
+        <p:nvSpPr>
+          <p:cNvPr id="200" name="Google Shape;200;g13a827b83f3_1_5:notes"/>
+          <p:cNvSpPr>
+            <a:spLocks noGrp="1" noRot="1" noChangeAspect="1"/>
+          </p:cNvSpPr>
+          <p:nvPr>
+            <p:ph type="sldImg" idx="2"/>
+          </p:nvPr>
+        </p:nvSpPr>
+        <p:spPr>
+          <a:xfrm>
+            <a:off x="381000" y="685800"/>
+            <a:ext cx="6096000" cy="3429000"/>
+          </a:xfrm>
+          <a:custGeom>
+            <a:avLst/>
+            <a:gdLst/>
+            <a:ahLst/>
+            <a:cxnLst/>
+            <a:rect l="l" t="t" r="r" b="b"/>
+            <a:pathLst>
+              <a:path w="120000" h="120000" extrusionOk="0">
+                <a:moveTo>
+                  <a:pt x="0" y="0"/>
+                </a:moveTo>
+                <a:lnTo>
+                  <a:pt x="120000" y="0"/>
+                </a:lnTo>
+                <a:lnTo>
+                  <a:pt x="120000" y="120000"/>
+                </a:lnTo>
+                <a:lnTo>
+                  <a:pt x="0" y="120000"/>
+                </a:lnTo>
+                <a:close/>
+              </a:path>
+            </a:pathLst>
+          </a:custGeom>
+        </p:spPr>
+      </p:sp>
+      <p:sp>
+        <p:nvSpPr>
+          <p:cNvPr id="201" name="Google Shape;201;g13a827b83f3_1_5:notes"/>
+          <p:cNvSpPr txBox="1">
+            <a:spLocks noGrp="1"/>
+          </p:cNvSpPr>
+          <p:nvPr>
+            <p:ph type="body" idx="1"/>
+          </p:nvPr>
+        </p:nvSpPr>
+        <p:spPr>
+          <a:xfrm>
+            <a:off x="685800" y="4343400"/>
+            <a:ext cx="5486400" cy="4114800"/>
+          </a:xfrm>
+          <a:prstGeom prst="rect">
+            <a:avLst/>
+          </a:prstGeom>
+        </p:spPr>
+        <p:txBody>
+          <a:bodyPr spcFirstLastPara="1" wrap="square" lIns="91425" tIns="91425" rIns="91425" bIns="91425" anchor="t" anchorCtr="0">
+            <a:noAutofit/>
+          </a:bodyPr>
+          <a:lstStyle/>
+          <a:p>
+            <a:pPr marL="0" lvl="0" indent="0" algn="l" rtl="0">
+              <a:spcBef>
+                <a:spcPts val="0"/>
+              </a:spcBef>
+              <a:spcAft>
+                <a:spcPts val="0"/>
+              </a:spcAft>
+              <a:buNone/>
+            </a:pPr>
+            <a:endParaRPr/>
+          </a:p>
+        </p:txBody>
+      </p:sp>
+    </p:spTree>
+  </p:cSld>
+  <p:clrMapOvr>
+    <a:masterClrMapping/>
+  </p:clrMapOvr>
+</p:notes>
+</file>
+
+<file path=ppt/notesSlides/notesSlide5.xml><?xml version="1.0" encoding="utf-8"?>
 <p:notes xmlns:a="http://schemas.openxmlformats.org/drawingml/2006/main" xmlns:r="http://schemas.openxmlformats.org/officeDocument/2006/relationships" xmlns:p="http://schemas.openxmlformats.org/presentationml/2006/main">
   <p:cSld>
     <p:spTree>
@@ -6766,7 +6988,7 @@
                 <a:cs typeface="Calibri"/>
                 <a:sym typeface="Calibri"/>
               </a:rPr>
-              <a:t>14</a:t>
+              <a:t>18</a:t>
             </a:fld>
             <a:endParaRPr lang="en-US" sz="1200" b="0" i="0" u="none" strike="noStrike" cap="none">
               <a:solidFill>
@@ -10231,6 +10453,412 @@
   <p:cSld>
     <p:spTree>
       <p:nvGrpSpPr>
+        <p:cNvPr id="1" name=""/>
+        <p:cNvGrpSpPr/>
+        <p:nvPr/>
+      </p:nvGrpSpPr>
+      <p:grpSpPr>
+        <a:xfrm>
+          <a:off x="0" y="0"/>
+          <a:ext cx="0" cy="0"/>
+          <a:chOff x="0" y="0"/>
+          <a:chExt cx="0" cy="0"/>
+        </a:xfrm>
+      </p:grpSpPr>
+      <p:sp>
+        <p:nvSpPr>
+          <p:cNvPr id="2" name="Title 1">
+            <a:extLst>
+              <a:ext uri="{FF2B5EF4-FFF2-40B4-BE49-F238E27FC236}">
+                <a16:creationId xmlns:a16="http://schemas.microsoft.com/office/drawing/2014/main" id="{7F65A4CE-AFDD-8742-9A6E-BE2092DF9AD0}"/>
+              </a:ext>
+            </a:extLst>
+          </p:cNvPr>
+          <p:cNvSpPr>
+            <a:spLocks noGrp="1"/>
+          </p:cNvSpPr>
+          <p:nvPr>
+            <p:ph type="title"/>
+          </p:nvPr>
+        </p:nvSpPr>
+        <p:spPr/>
+        <p:txBody>
+          <a:bodyPr/>
+          <a:lstStyle/>
+          <a:p>
+            <a:r>
+              <a:rPr lang="en-US" dirty="0"/>
+              <a:t>What is the goal of model selection?</a:t>
+            </a:r>
+          </a:p>
+        </p:txBody>
+      </p:sp>
+      <p:sp>
+        <p:nvSpPr>
+          <p:cNvPr id="3" name="Text Placeholder 2">
+            <a:extLst>
+              <a:ext uri="{FF2B5EF4-FFF2-40B4-BE49-F238E27FC236}">
+                <a16:creationId xmlns:a16="http://schemas.microsoft.com/office/drawing/2014/main" id="{8EDF1C4C-EA36-C547-9888-F6FE7818419A}"/>
+              </a:ext>
+            </a:extLst>
+          </p:cNvPr>
+          <p:cNvSpPr>
+            <a:spLocks noGrp="1"/>
+          </p:cNvSpPr>
+          <p:nvPr>
+            <p:ph type="body" idx="1"/>
+          </p:nvPr>
+        </p:nvSpPr>
+        <p:spPr/>
+        <p:txBody>
+          <a:bodyPr/>
+          <a:lstStyle/>
+          <a:p>
+            <a:endParaRPr lang="en-US"/>
+          </a:p>
+        </p:txBody>
+      </p:sp>
+    </p:spTree>
+    <p:extLst>
+      <p:ext uri="{BB962C8B-B14F-4D97-AF65-F5344CB8AC3E}">
+        <p14:creationId xmlns:p14="http://schemas.microsoft.com/office/powerpoint/2010/main" val="3250978397"/>
+      </p:ext>
+    </p:extLst>
+  </p:cSld>
+  <p:clrMapOvr>
+    <a:masterClrMapping/>
+  </p:clrMapOvr>
+</p:sld>
+</file>
+
+<file path=ppt/slides/slide11.xml><?xml version="1.0" encoding="utf-8"?>
+<p:sld xmlns:a="http://schemas.openxmlformats.org/drawingml/2006/main" xmlns:r="http://schemas.openxmlformats.org/officeDocument/2006/relationships" xmlns:p="http://schemas.openxmlformats.org/presentationml/2006/main">
+  <p:cSld>
+    <p:spTree>
+      <p:nvGrpSpPr>
+        <p:cNvPr id="1" name=""/>
+        <p:cNvGrpSpPr/>
+        <p:nvPr/>
+      </p:nvGrpSpPr>
+      <p:grpSpPr>
+        <a:xfrm>
+          <a:off x="0" y="0"/>
+          <a:ext cx="0" cy="0"/>
+          <a:chOff x="0" y="0"/>
+          <a:chExt cx="0" cy="0"/>
+        </a:xfrm>
+      </p:grpSpPr>
+      <p:sp>
+        <p:nvSpPr>
+          <p:cNvPr id="3" name="Title 2"/>
+          <p:cNvSpPr>
+            <a:spLocks noGrp="1"/>
+          </p:cNvSpPr>
+          <p:nvPr>
+            <p:ph type="title"/>
+          </p:nvPr>
+        </p:nvSpPr>
+        <p:spPr/>
+        <p:txBody>
+          <a:bodyPr/>
+          <a:lstStyle/>
+          <a:p>
+            <a:r>
+              <a:rPr lang="en-US" dirty="0"/>
+              <a:t>What is the goal of model selection?</a:t>
+            </a:r>
+          </a:p>
+        </p:txBody>
+      </p:sp>
+      <p:sp>
+        <p:nvSpPr>
+          <p:cNvPr id="2" name="Content Placeholder 1"/>
+          <p:cNvSpPr>
+            <a:spLocks noGrp="1"/>
+          </p:cNvSpPr>
+          <p:nvPr>
+            <p:ph type="body" idx="1"/>
+          </p:nvPr>
+        </p:nvSpPr>
+        <p:spPr/>
+        <p:txBody>
+          <a:bodyPr/>
+          <a:lstStyle/>
+          <a:p>
+            <a:r>
+              <a:rPr lang="en-US" sz="2800" dirty="0"/>
+              <a:t>You’ve run a large number of different types of models varying …</a:t>
+            </a:r>
+          </a:p>
+          <a:p>
+            <a:endParaRPr lang="en-US" sz="2800" dirty="0"/>
+          </a:p>
+          <a:p>
+            <a:r>
+              <a:rPr lang="en-US" sz="2800" dirty="0"/>
+              <a:t>You need to understand what types of models are effective under what circumstances, </a:t>
+            </a:r>
+            <a:r>
+              <a:rPr lang="en-US" sz="2800" b="1" dirty="0"/>
+              <a:t>and</a:t>
+            </a:r>
+          </a:p>
+          <a:p>
+            <a:endParaRPr lang="en-US" sz="2800" b="1" dirty="0"/>
+          </a:p>
+          <a:p>
+            <a:r>
+              <a:rPr lang="en-US" sz="2800" dirty="0"/>
+              <a:t>You need to decide which one(s) to use in the </a:t>
+            </a:r>
+            <a:r>
+              <a:rPr lang="en-US" sz="2800" b="1" dirty="0"/>
+              <a:t>future</a:t>
+            </a:r>
+          </a:p>
+        </p:txBody>
+      </p:sp>
+    </p:spTree>
+    <p:extLst>
+      <p:ext uri="{BB962C8B-B14F-4D97-AF65-F5344CB8AC3E}">
+        <p14:creationId xmlns:p14="http://schemas.microsoft.com/office/powerpoint/2010/main" val="423896287"/>
+      </p:ext>
+    </p:extLst>
+  </p:cSld>
+  <p:clrMapOvr>
+    <a:masterClrMapping/>
+  </p:clrMapOvr>
+</p:sld>
+</file>
+
+<file path=ppt/slides/slide12.xml><?xml version="1.0" encoding="utf-8"?>
+<p:sld xmlns:a="http://schemas.openxmlformats.org/drawingml/2006/main" xmlns:r="http://schemas.openxmlformats.org/officeDocument/2006/relationships" xmlns:p="http://schemas.openxmlformats.org/presentationml/2006/main">
+  <p:cSld>
+    <p:spTree>
+      <p:nvGrpSpPr>
+        <p:cNvPr id="1" name=""/>
+        <p:cNvGrpSpPr/>
+        <p:nvPr/>
+      </p:nvGrpSpPr>
+      <p:grpSpPr>
+        <a:xfrm>
+          <a:off x="0" y="0"/>
+          <a:ext cx="0" cy="0"/>
+          <a:chOff x="0" y="0"/>
+          <a:chExt cx="0" cy="0"/>
+        </a:xfrm>
+      </p:grpSpPr>
+      <p:sp>
+        <p:nvSpPr>
+          <p:cNvPr id="4" name="Title 3">
+            <a:extLst>
+              <a:ext uri="{FF2B5EF4-FFF2-40B4-BE49-F238E27FC236}">
+                <a16:creationId xmlns:a16="http://schemas.microsoft.com/office/drawing/2014/main" id="{30C2C959-72F2-EF4D-80DA-F48A29D0F3C4}"/>
+              </a:ext>
+            </a:extLst>
+          </p:cNvPr>
+          <p:cNvSpPr>
+            <a:spLocks noGrp="1"/>
+          </p:cNvSpPr>
+          <p:nvPr>
+            <p:ph type="title"/>
+          </p:nvPr>
+        </p:nvSpPr>
+        <p:spPr/>
+        <p:txBody>
+          <a:bodyPr/>
+          <a:lstStyle/>
+          <a:p>
+            <a:r>
+              <a:rPr lang="en-US" dirty="0"/>
+              <a:t>What do we need our selected model to do?</a:t>
+            </a:r>
+          </a:p>
+        </p:txBody>
+      </p:sp>
+      <p:sp>
+        <p:nvSpPr>
+          <p:cNvPr id="3" name="Text Placeholder 2">
+            <a:extLst>
+              <a:ext uri="{FF2B5EF4-FFF2-40B4-BE49-F238E27FC236}">
+                <a16:creationId xmlns:a16="http://schemas.microsoft.com/office/drawing/2014/main" id="{DA13BAFF-48B6-9046-94F3-CBF50B2F21D8}"/>
+              </a:ext>
+            </a:extLst>
+          </p:cNvPr>
+          <p:cNvSpPr>
+            <a:spLocks noGrp="1"/>
+          </p:cNvSpPr>
+          <p:nvPr>
+            <p:ph type="body" idx="1"/>
+          </p:nvPr>
+        </p:nvSpPr>
+        <p:spPr/>
+        <p:txBody>
+          <a:bodyPr/>
+          <a:lstStyle/>
+          <a:p>
+            <a:endParaRPr lang="en-US"/>
+          </a:p>
+        </p:txBody>
+      </p:sp>
+    </p:spTree>
+    <p:extLst>
+      <p:ext uri="{BB962C8B-B14F-4D97-AF65-F5344CB8AC3E}">
+        <p14:creationId xmlns:p14="http://schemas.microsoft.com/office/powerpoint/2010/main" val="106807354"/>
+      </p:ext>
+    </p:extLst>
+  </p:cSld>
+  <p:clrMapOvr>
+    <a:masterClrMapping/>
+  </p:clrMapOvr>
+  <mc:AlternateContent xmlns:mc="http://schemas.openxmlformats.org/markup-compatibility/2006" xmlns:p14="http://schemas.microsoft.com/office/powerpoint/2010/main">
+    <mc:Choice Requires="p14">
+      <p:transition spd="med" p14:dur="700">
+        <p:fade/>
+      </p:transition>
+    </mc:Choice>
+    <mc:Fallback xmlns="">
+      <p:transition spd="med">
+        <p:fade/>
+      </p:transition>
+    </mc:Fallback>
+  </mc:AlternateContent>
+</p:sld>
+</file>
+
+<file path=ppt/slides/slide13.xml><?xml version="1.0" encoding="utf-8"?>
+<p:sld xmlns:a="http://schemas.openxmlformats.org/drawingml/2006/main" xmlns:r="http://schemas.openxmlformats.org/officeDocument/2006/relationships" xmlns:p="http://schemas.openxmlformats.org/presentationml/2006/main">
+  <p:cSld>
+    <p:spTree>
+      <p:nvGrpSpPr>
+        <p:cNvPr id="1" name=""/>
+        <p:cNvGrpSpPr/>
+        <p:nvPr/>
+      </p:nvGrpSpPr>
+      <p:grpSpPr>
+        <a:xfrm>
+          <a:off x="0" y="0"/>
+          <a:ext cx="0" cy="0"/>
+          <a:chOff x="0" y="0"/>
+          <a:chExt cx="0" cy="0"/>
+        </a:xfrm>
+      </p:grpSpPr>
+      <p:sp>
+        <p:nvSpPr>
+          <p:cNvPr id="4" name="Title 3">
+            <a:extLst>
+              <a:ext uri="{FF2B5EF4-FFF2-40B4-BE49-F238E27FC236}">
+                <a16:creationId xmlns:a16="http://schemas.microsoft.com/office/drawing/2014/main" id="{30C2C959-72F2-EF4D-80DA-F48A29D0F3C4}"/>
+              </a:ext>
+            </a:extLst>
+          </p:cNvPr>
+          <p:cNvSpPr>
+            <a:spLocks noGrp="1"/>
+          </p:cNvSpPr>
+          <p:nvPr>
+            <p:ph type="title"/>
+          </p:nvPr>
+        </p:nvSpPr>
+        <p:spPr/>
+        <p:txBody>
+          <a:bodyPr/>
+          <a:lstStyle/>
+          <a:p>
+            <a:r>
+              <a:rPr lang="en-US" dirty="0"/>
+              <a:t>What do we need our selected model to do?</a:t>
+            </a:r>
+          </a:p>
+        </p:txBody>
+      </p:sp>
+      <p:sp>
+        <p:nvSpPr>
+          <p:cNvPr id="5" name="Text Placeholder 4">
+            <a:extLst>
+              <a:ext uri="{FF2B5EF4-FFF2-40B4-BE49-F238E27FC236}">
+                <a16:creationId xmlns:a16="http://schemas.microsoft.com/office/drawing/2014/main" id="{24A75FF1-9EFE-0F41-92F5-3E749CFB2EB5}"/>
+              </a:ext>
+            </a:extLst>
+          </p:cNvPr>
+          <p:cNvSpPr>
+            <a:spLocks noGrp="1"/>
+          </p:cNvSpPr>
+          <p:nvPr>
+            <p:ph type="body" idx="1"/>
+          </p:nvPr>
+        </p:nvSpPr>
+        <p:spPr/>
+        <p:txBody>
+          <a:bodyPr/>
+          <a:lstStyle/>
+          <a:p>
+            <a:r>
+              <a:rPr lang="en-US" dirty="0"/>
+              <a:t>Perform well</a:t>
+            </a:r>
+          </a:p>
+          <a:p>
+            <a:pPr lvl="1"/>
+            <a:r>
+              <a:rPr lang="en-US" dirty="0"/>
+              <a:t>What metric?</a:t>
+            </a:r>
+          </a:p>
+          <a:p>
+            <a:pPr lvl="1"/>
+            <a:r>
+              <a:rPr lang="en-US" dirty="0"/>
+              <a:t>Compared to what?</a:t>
+            </a:r>
+          </a:p>
+          <a:p>
+            <a:endParaRPr lang="en-US" dirty="0"/>
+          </a:p>
+          <a:p>
+            <a:r>
+              <a:rPr lang="en-US" dirty="0"/>
+              <a:t>Generalize</a:t>
+            </a:r>
+          </a:p>
+          <a:p>
+            <a:pPr lvl="1"/>
+            <a:r>
+              <a:rPr lang="en-US" dirty="0"/>
+              <a:t>To what?</a:t>
+            </a:r>
+          </a:p>
+        </p:txBody>
+      </p:sp>
+    </p:spTree>
+    <p:extLst>
+      <p:ext uri="{BB962C8B-B14F-4D97-AF65-F5344CB8AC3E}">
+        <p14:creationId xmlns:p14="http://schemas.microsoft.com/office/powerpoint/2010/main" val="4111643116"/>
+      </p:ext>
+    </p:extLst>
+  </p:cSld>
+  <p:clrMapOvr>
+    <a:masterClrMapping/>
+  </p:clrMapOvr>
+  <mc:AlternateContent xmlns:mc="http://schemas.openxmlformats.org/markup-compatibility/2006" xmlns:p14="http://schemas.microsoft.com/office/powerpoint/2010/main">
+    <mc:Choice Requires="p14">
+      <p:transition spd="med" p14:dur="700">
+        <p:fade/>
+      </p:transition>
+    </mc:Choice>
+    <mc:Fallback xmlns="">
+      <p:transition spd="med">
+        <p:fade/>
+      </p:transition>
+    </mc:Fallback>
+  </mc:AlternateContent>
+</p:sld>
+</file>
+
+<file path=ppt/slides/slide14.xml><?xml version="1.0" encoding="utf-8"?>
+<p:sld xmlns:a="http://schemas.openxmlformats.org/drawingml/2006/main" xmlns:r="http://schemas.openxmlformats.org/officeDocument/2006/relationships" xmlns:p="http://schemas.openxmlformats.org/presentationml/2006/main">
+  <p:cSld>
+    <p:spTree>
+      <p:nvGrpSpPr>
         <p:cNvPr id="1" name="Shape 202"/>
         <p:cNvGrpSpPr/>
         <p:nvPr/>
@@ -10692,7 +11320,7 @@
 </p:sld>
 </file>
 
-<file path=ppt/slides/slide11.xml><?xml version="1.0" encoding="utf-8"?>
+<file path=ppt/slides/slide15.xml><?xml version="1.0" encoding="utf-8"?>
 <p:sld xmlns:a="http://schemas.openxmlformats.org/drawingml/2006/main" xmlns:r="http://schemas.openxmlformats.org/officeDocument/2006/relationships" xmlns:p="http://schemas.openxmlformats.org/presentationml/2006/main">
   <p:cSld>
     <p:spTree>
@@ -11093,7 +11721,7 @@
 </p:sld>
 </file>
 
-<file path=ppt/slides/slide12.xml><?xml version="1.0" encoding="utf-8"?>
+<file path=ppt/slides/slide16.xml><?xml version="1.0" encoding="utf-8"?>
 <p:sld xmlns:a="http://schemas.openxmlformats.org/drawingml/2006/main" xmlns:r="http://schemas.openxmlformats.org/officeDocument/2006/relationships" xmlns:p="http://schemas.openxmlformats.org/presentationml/2006/main">
   <p:cSld>
     <p:spTree>
@@ -11176,7 +11804,7 @@
 </p:sld>
 </file>
 
-<file path=ppt/slides/slide13.xml><?xml version="1.0" encoding="utf-8"?>
+<file path=ppt/slides/slide17.xml><?xml version="1.0" encoding="utf-8"?>
 <p:sld xmlns:a="http://schemas.openxmlformats.org/drawingml/2006/main" xmlns:r="http://schemas.openxmlformats.org/officeDocument/2006/relationships" xmlns:p="http://schemas.openxmlformats.org/presentationml/2006/main">
   <p:cSld>
     <p:spTree>
@@ -11373,7 +12001,7 @@
 </p:sld>
 </file>
 
-<file path=ppt/slides/slide14.xml><?xml version="1.0" encoding="utf-8"?>
+<file path=ppt/slides/slide18.xml><?xml version="1.0" encoding="utf-8"?>
 <p:sld xmlns:a="http://schemas.openxmlformats.org/drawingml/2006/main" xmlns:r="http://schemas.openxmlformats.org/officeDocument/2006/relationships" xmlns:p="http://schemas.openxmlformats.org/presentationml/2006/main">
   <p:cSld>
     <p:spTree>
@@ -12563,7 +13191,7 @@
 </p:sld>
 </file>
 
-<file path=ppt/slides/slide15.xml><?xml version="1.0" encoding="utf-8"?>
+<file path=ppt/slides/slide19.xml><?xml version="1.0" encoding="utf-8"?>
 <p:sld xmlns:a="http://schemas.openxmlformats.org/drawingml/2006/main" xmlns:r="http://schemas.openxmlformats.org/officeDocument/2006/relationships" xmlns:p="http://schemas.openxmlformats.org/presentationml/2006/main">
   <p:cSld>
     <p:spTree>
@@ -13907,7 +14535,128 @@
 </p:sld>
 </file>
 
-<file path=ppt/slides/slide16.xml><?xml version="1.0" encoding="utf-8"?>
+<file path=ppt/slides/slide2.xml><?xml version="1.0" encoding="utf-8"?>
+<p:sld xmlns:a="http://schemas.openxmlformats.org/drawingml/2006/main" xmlns:r="http://schemas.openxmlformats.org/officeDocument/2006/relationships" xmlns:p="http://schemas.openxmlformats.org/presentationml/2006/main">
+  <p:cSld>
+    <p:spTree>
+      <p:nvGrpSpPr>
+        <p:cNvPr id="1" name=""/>
+        <p:cNvGrpSpPr/>
+        <p:nvPr/>
+      </p:nvGrpSpPr>
+      <p:grpSpPr>
+        <a:xfrm>
+          <a:off x="0" y="0"/>
+          <a:ext cx="0" cy="0"/>
+          <a:chOff x="0" y="0"/>
+          <a:chExt cx="0" cy="0"/>
+        </a:xfrm>
+      </p:grpSpPr>
+      <p:sp>
+        <p:nvSpPr>
+          <p:cNvPr id="3" name="Title 2">
+            <a:extLst>
+              <a:ext uri="{FF2B5EF4-FFF2-40B4-BE49-F238E27FC236}">
+                <a16:creationId xmlns:a16="http://schemas.microsoft.com/office/drawing/2014/main" id="{9323871C-7CA8-1448-8FFC-1AE6E1838941}"/>
+              </a:ext>
+            </a:extLst>
+          </p:cNvPr>
+          <p:cNvSpPr>
+            <a:spLocks noGrp="1"/>
+          </p:cNvSpPr>
+          <p:nvPr>
+            <p:ph type="title"/>
+          </p:nvPr>
+        </p:nvSpPr>
+        <p:spPr/>
+        <p:txBody>
+          <a:bodyPr/>
+          <a:lstStyle/>
+          <a:p>
+            <a:r>
+              <a:rPr lang="en-US" dirty="0"/>
+              <a:t>Reminders</a:t>
+            </a:r>
+          </a:p>
+        </p:txBody>
+      </p:sp>
+      <p:sp>
+        <p:nvSpPr>
+          <p:cNvPr id="5" name="Text Placeholder 4">
+            <a:extLst>
+              <a:ext uri="{FF2B5EF4-FFF2-40B4-BE49-F238E27FC236}">
+                <a16:creationId xmlns:a16="http://schemas.microsoft.com/office/drawing/2014/main" id="{F4E0A5F0-1D89-954D-91FB-596CD9E690F2}"/>
+              </a:ext>
+            </a:extLst>
+          </p:cNvPr>
+          <p:cNvSpPr>
+            <a:spLocks noGrp="1"/>
+          </p:cNvSpPr>
+          <p:nvPr>
+            <p:ph type="body" idx="1"/>
+          </p:nvPr>
+        </p:nvSpPr>
+        <p:spPr/>
+        <p:txBody>
+          <a:bodyPr/>
+          <a:lstStyle/>
+          <a:p>
+            <a:pPr marL="76200" indent="0">
+              <a:buNone/>
+            </a:pPr>
+            <a:r>
+              <a:rPr lang="en-US" b="1" dirty="0"/>
+              <a:t>Coming up next week:</a:t>
+            </a:r>
+          </a:p>
+          <a:p>
+            <a:pPr marL="76200" indent="0">
+              <a:buNone/>
+            </a:pPr>
+            <a:endParaRPr lang="en-US" b="1" dirty="0"/>
+          </a:p>
+          <a:p>
+            <a:r>
+              <a:rPr lang="en-US" dirty="0"/>
+              <a:t>Monday: Project Update 3</a:t>
+            </a:r>
+            <a:br>
+              <a:rPr lang="en-US" dirty="0"/>
+            </a:br>
+            <a:endParaRPr lang="en-US" dirty="0"/>
+          </a:p>
+          <a:p>
+            <a:r>
+              <a:rPr lang="en-US" dirty="0"/>
+              <a:t>Tuesday: Weekly Feedback Form</a:t>
+            </a:r>
+            <a:br>
+              <a:rPr lang="en-US" dirty="0"/>
+            </a:br>
+            <a:endParaRPr lang="en-US" dirty="0"/>
+          </a:p>
+          <a:p>
+            <a:r>
+              <a:rPr lang="en-US" dirty="0"/>
+              <a:t>Note: all readings for next week are optional</a:t>
+            </a:r>
+          </a:p>
+        </p:txBody>
+      </p:sp>
+    </p:spTree>
+    <p:extLst>
+      <p:ext uri="{BB962C8B-B14F-4D97-AF65-F5344CB8AC3E}">
+        <p14:creationId xmlns:p14="http://schemas.microsoft.com/office/powerpoint/2010/main" val="186046226"/>
+      </p:ext>
+    </p:extLst>
+  </p:cSld>
+  <p:clrMapOvr>
+    <a:masterClrMapping/>
+  </p:clrMapOvr>
+</p:sld>
+</file>
+
+<file path=ppt/slides/slide20.xml><?xml version="1.0" encoding="utf-8"?>
 <p:sld xmlns:a="http://schemas.openxmlformats.org/drawingml/2006/main" xmlns:r="http://schemas.openxmlformats.org/officeDocument/2006/relationships" xmlns:p="http://schemas.openxmlformats.org/presentationml/2006/main">
   <p:cSld>
     <p:spTree>
@@ -14086,7 +14835,7 @@
 </p:sld>
 </file>
 
-<file path=ppt/slides/slide17.xml><?xml version="1.0" encoding="utf-8"?>
+<file path=ppt/slides/slide21.xml><?xml version="1.0" encoding="utf-8"?>
 <p:sld xmlns:a="http://schemas.openxmlformats.org/drawingml/2006/main" xmlns:r="http://schemas.openxmlformats.org/officeDocument/2006/relationships" xmlns:p="http://schemas.openxmlformats.org/presentationml/2006/main">
   <p:cSld>
     <p:spTree>
@@ -14677,7 +15426,7 @@
 </p:sld>
 </file>
 
-<file path=ppt/slides/slide18.xml><?xml version="1.0" encoding="utf-8"?>
+<file path=ppt/slides/slide22.xml><?xml version="1.0" encoding="utf-8"?>
 <p:sld xmlns:a="http://schemas.openxmlformats.org/drawingml/2006/main" xmlns:r="http://schemas.openxmlformats.org/officeDocument/2006/relationships" xmlns:p="http://schemas.openxmlformats.org/presentationml/2006/main">
   <p:cSld>
     <p:spTree>
@@ -14927,7 +15676,7 @@
 </p:sld>
 </file>
 
-<file path=ppt/slides/slide19.xml><?xml version="1.0" encoding="utf-8"?>
+<file path=ppt/slides/slide23.xml><?xml version="1.0" encoding="utf-8"?>
 <p:sld xmlns:a="http://schemas.openxmlformats.org/drawingml/2006/main" xmlns:r="http://schemas.openxmlformats.org/officeDocument/2006/relationships" xmlns:p="http://schemas.openxmlformats.org/presentationml/2006/main">
   <p:cSld>
     <p:spTree>
@@ -15015,128 +15764,7 @@
 </p:sld>
 </file>
 
-<file path=ppt/slides/slide2.xml><?xml version="1.0" encoding="utf-8"?>
-<p:sld xmlns:a="http://schemas.openxmlformats.org/drawingml/2006/main" xmlns:r="http://schemas.openxmlformats.org/officeDocument/2006/relationships" xmlns:p="http://schemas.openxmlformats.org/presentationml/2006/main">
-  <p:cSld>
-    <p:spTree>
-      <p:nvGrpSpPr>
-        <p:cNvPr id="1" name=""/>
-        <p:cNvGrpSpPr/>
-        <p:nvPr/>
-      </p:nvGrpSpPr>
-      <p:grpSpPr>
-        <a:xfrm>
-          <a:off x="0" y="0"/>
-          <a:ext cx="0" cy="0"/>
-          <a:chOff x="0" y="0"/>
-          <a:chExt cx="0" cy="0"/>
-        </a:xfrm>
-      </p:grpSpPr>
-      <p:sp>
-        <p:nvSpPr>
-          <p:cNvPr id="3" name="Title 2">
-            <a:extLst>
-              <a:ext uri="{FF2B5EF4-FFF2-40B4-BE49-F238E27FC236}">
-                <a16:creationId xmlns:a16="http://schemas.microsoft.com/office/drawing/2014/main" id="{9323871C-7CA8-1448-8FFC-1AE6E1838941}"/>
-              </a:ext>
-            </a:extLst>
-          </p:cNvPr>
-          <p:cNvSpPr>
-            <a:spLocks noGrp="1"/>
-          </p:cNvSpPr>
-          <p:nvPr>
-            <p:ph type="title"/>
-          </p:nvPr>
-        </p:nvSpPr>
-        <p:spPr/>
-        <p:txBody>
-          <a:bodyPr/>
-          <a:lstStyle/>
-          <a:p>
-            <a:r>
-              <a:rPr lang="en-US" dirty="0"/>
-              <a:t>Reminders</a:t>
-            </a:r>
-          </a:p>
-        </p:txBody>
-      </p:sp>
-      <p:sp>
-        <p:nvSpPr>
-          <p:cNvPr id="5" name="Text Placeholder 4">
-            <a:extLst>
-              <a:ext uri="{FF2B5EF4-FFF2-40B4-BE49-F238E27FC236}">
-                <a16:creationId xmlns:a16="http://schemas.microsoft.com/office/drawing/2014/main" id="{F4E0A5F0-1D89-954D-91FB-596CD9E690F2}"/>
-              </a:ext>
-            </a:extLst>
-          </p:cNvPr>
-          <p:cNvSpPr>
-            <a:spLocks noGrp="1"/>
-          </p:cNvSpPr>
-          <p:nvPr>
-            <p:ph type="body" idx="1"/>
-          </p:nvPr>
-        </p:nvSpPr>
-        <p:spPr/>
-        <p:txBody>
-          <a:bodyPr/>
-          <a:lstStyle/>
-          <a:p>
-            <a:pPr marL="76200" indent="0">
-              <a:buNone/>
-            </a:pPr>
-            <a:r>
-              <a:rPr lang="en-US" b="1" dirty="0"/>
-              <a:t>Coming up next week:</a:t>
-            </a:r>
-          </a:p>
-          <a:p>
-            <a:pPr marL="76200" indent="0">
-              <a:buNone/>
-            </a:pPr>
-            <a:endParaRPr lang="en-US" b="1" dirty="0"/>
-          </a:p>
-          <a:p>
-            <a:r>
-              <a:rPr lang="en-US" dirty="0"/>
-              <a:t>Monday: Project Update 2</a:t>
-            </a:r>
-            <a:br>
-              <a:rPr lang="en-US" dirty="0"/>
-            </a:br>
-            <a:endParaRPr lang="en-US" dirty="0"/>
-          </a:p>
-          <a:p>
-            <a:r>
-              <a:rPr lang="en-US" dirty="0"/>
-              <a:t>Tuesday: Weekly Feedback Form</a:t>
-            </a:r>
-            <a:br>
-              <a:rPr lang="en-US" dirty="0"/>
-            </a:br>
-            <a:endParaRPr lang="en-US" dirty="0"/>
-          </a:p>
-          <a:p>
-            <a:r>
-              <a:rPr lang="en-US" dirty="0"/>
-              <a:t>Note: all readings for next week are optional</a:t>
-            </a:r>
-          </a:p>
-        </p:txBody>
-      </p:sp>
-    </p:spTree>
-    <p:extLst>
-      <p:ext uri="{BB962C8B-B14F-4D97-AF65-F5344CB8AC3E}">
-        <p14:creationId xmlns:p14="http://schemas.microsoft.com/office/powerpoint/2010/main" val="186046226"/>
-      </p:ext>
-    </p:extLst>
-  </p:cSld>
-  <p:clrMapOvr>
-    <a:masterClrMapping/>
-  </p:clrMapOvr>
-</p:sld>
-</file>
-
-<file path=ppt/slides/slide20.xml><?xml version="1.0" encoding="utf-8"?>
+<file path=ppt/slides/slide24.xml><?xml version="1.0" encoding="utf-8"?>
 <p:sld xmlns:a="http://schemas.openxmlformats.org/drawingml/2006/main" xmlns:r="http://schemas.openxmlformats.org/officeDocument/2006/relationships" xmlns:p="http://schemas.openxmlformats.org/presentationml/2006/main">
   <p:cSld>
     <p:spTree>
@@ -15246,7 +15874,7 @@
 </p:sld>
 </file>
 
-<file path=ppt/slides/slide21.xml><?xml version="1.0" encoding="utf-8"?>
+<file path=ppt/slides/slide25.xml><?xml version="1.0" encoding="utf-8"?>
 <p:sld xmlns:a="http://schemas.openxmlformats.org/drawingml/2006/main" xmlns:r="http://schemas.openxmlformats.org/officeDocument/2006/relationships" xmlns:p="http://schemas.openxmlformats.org/presentationml/2006/main">
   <p:cSld>
     <p:spTree>
@@ -15355,7 +15983,7 @@
 </p:sld>
 </file>
 
-<file path=ppt/slides/slide22.xml><?xml version="1.0" encoding="utf-8"?>
+<file path=ppt/slides/slide26.xml><?xml version="1.0" encoding="utf-8"?>
 <p:sld xmlns:a="http://schemas.openxmlformats.org/drawingml/2006/main" xmlns:r="http://schemas.openxmlformats.org/officeDocument/2006/relationships" xmlns:p="http://schemas.openxmlformats.org/presentationml/2006/main">
   <p:cSld>
     <p:spTree>
@@ -15441,7 +16069,7 @@
 </p:sld>
 </file>
 
-<file path=ppt/slides/slide23.xml><?xml version="1.0" encoding="utf-8"?>
+<file path=ppt/slides/slide27.xml><?xml version="1.0" encoding="utf-8"?>
 <p:sld xmlns:a="http://schemas.openxmlformats.org/drawingml/2006/main" xmlns:r="http://schemas.openxmlformats.org/officeDocument/2006/relationships" xmlns:p="http://schemas.openxmlformats.org/presentationml/2006/main">
   <p:cSld>
     <p:spTree>
@@ -15530,7 +16158,7 @@
 </p:sld>
 </file>
 
-<file path=ppt/slides/slide24.xml><?xml version="1.0" encoding="utf-8"?>
+<file path=ppt/slides/slide28.xml><?xml version="1.0" encoding="utf-8"?>
 <p:sld xmlns:a="http://schemas.openxmlformats.org/drawingml/2006/main" xmlns:r="http://schemas.openxmlformats.org/officeDocument/2006/relationships" xmlns:p="http://schemas.openxmlformats.org/presentationml/2006/main">
   <p:cSld>
     <p:spTree>
@@ -15613,7 +16241,7 @@
           <a:p>
             <a:r>
               <a:rPr lang="en-US" dirty="0"/>
-              <a:t>Monday: Project Update 2</a:t>
+              <a:t>Monday: Project Update 3</a:t>
             </a:r>
             <a:br>
               <a:rPr lang="en-US" dirty="0"/>
@@ -15653,6 +16281,1191 @@
 
 <file path=ppt/slides/slide3.xml><?xml version="1.0" encoding="utf-8"?>
 <p:sld xmlns:a="http://schemas.openxmlformats.org/drawingml/2006/main" xmlns:r="http://schemas.openxmlformats.org/officeDocument/2006/relationships" xmlns:p="http://schemas.openxmlformats.org/presentationml/2006/main">
+  <p:cSld>
+    <p:spTree>
+      <p:nvGrpSpPr>
+        <p:cNvPr id="1" name="Shape 202"/>
+        <p:cNvGrpSpPr/>
+        <p:nvPr/>
+      </p:nvGrpSpPr>
+      <p:grpSpPr>
+        <a:xfrm>
+          <a:off x="0" y="0"/>
+          <a:ext cx="0" cy="0"/>
+          <a:chOff x="0" y="0"/>
+          <a:chExt cx="0" cy="0"/>
+        </a:xfrm>
+      </p:grpSpPr>
+      <p:sp>
+        <p:nvSpPr>
+          <p:cNvPr id="2" name="Text Placeholder 1">
+            <a:extLst>
+              <a:ext uri="{FF2B5EF4-FFF2-40B4-BE49-F238E27FC236}">
+                <a16:creationId xmlns:a16="http://schemas.microsoft.com/office/drawing/2014/main" id="{10E49ADA-B971-3A74-683D-F7E6AB709A58}"/>
+              </a:ext>
+            </a:extLst>
+          </p:cNvPr>
+          <p:cNvSpPr>
+            <a:spLocks noGrp="1"/>
+          </p:cNvSpPr>
+          <p:nvPr>
+            <p:ph type="body" idx="1"/>
+          </p:nvPr>
+        </p:nvSpPr>
+        <p:spPr/>
+        <p:txBody>
+          <a:bodyPr/>
+          <a:lstStyle/>
+          <a:p>
+            <a:endParaRPr lang="en-US"/>
+          </a:p>
+        </p:txBody>
+      </p:sp>
+      <p:sp>
+        <p:nvSpPr>
+          <p:cNvPr id="203" name="Google Shape;203;p38"/>
+          <p:cNvSpPr txBox="1">
+            <a:spLocks noGrp="1"/>
+          </p:cNvSpPr>
+          <p:nvPr>
+            <p:ph type="title"/>
+          </p:nvPr>
+        </p:nvSpPr>
+        <p:spPr>
+          <a:prstGeom prst="rect">
+            <a:avLst/>
+          </a:prstGeom>
+        </p:spPr>
+        <p:txBody>
+          <a:bodyPr spcFirstLastPara="1" wrap="square" lIns="121900" tIns="121900" rIns="121900" bIns="121900" anchor="t" anchorCtr="0">
+            <a:normAutofit fontScale="90000"/>
+          </a:bodyPr>
+          <a:lstStyle/>
+          <a:p>
+            <a:r>
+              <a:rPr lang="en" dirty="0"/>
+              <a:t>Temporal Validation Review -- Example</a:t>
+            </a:r>
+            <a:endParaRPr dirty="0"/>
+          </a:p>
+        </p:txBody>
+      </p:sp>
+      <p:sp>
+        <p:nvSpPr>
+          <p:cNvPr id="204" name="Google Shape;204;p38"/>
+          <p:cNvSpPr/>
+          <p:nvPr/>
+        </p:nvSpPr>
+        <p:spPr>
+          <a:xfrm>
+            <a:off x="190320" y="1463207"/>
+            <a:ext cx="3124000" cy="4204400"/>
+          </a:xfrm>
+          <a:prstGeom prst="rect">
+            <a:avLst/>
+          </a:prstGeom>
+          <a:solidFill>
+            <a:srgbClr val="EEEEEE"/>
+          </a:solidFill>
+          <a:ln w="9525" cap="flat" cmpd="sng">
+            <a:solidFill>
+              <a:srgbClr val="595959"/>
+            </a:solidFill>
+            <a:prstDash val="solid"/>
+            <a:round/>
+            <a:headEnd type="none" w="sm" len="sm"/>
+            <a:tailEnd type="none" w="sm" len="sm"/>
+          </a:ln>
+        </p:spPr>
+        <p:txBody>
+          <a:bodyPr spcFirstLastPara="1" wrap="square" lIns="121900" tIns="121900" rIns="121900" bIns="121900" anchor="ctr" anchorCtr="0">
+            <a:noAutofit/>
+          </a:bodyPr>
+          <a:lstStyle/>
+          <a:p>
+            <a:pPr>
+              <a:buSzPts val="1400"/>
+            </a:pPr>
+            <a:endParaRPr sz="1867"/>
+          </a:p>
+        </p:txBody>
+      </p:sp>
+      <p:sp>
+        <p:nvSpPr>
+          <p:cNvPr id="205" name="Google Shape;205;p38"/>
+          <p:cNvSpPr txBox="1"/>
+          <p:nvPr/>
+        </p:nvSpPr>
+        <p:spPr>
+          <a:xfrm>
+            <a:off x="3566453" y="1341573"/>
+            <a:ext cx="8531200" cy="4555200"/>
+          </a:xfrm>
+          <a:prstGeom prst="rect">
+            <a:avLst/>
+          </a:prstGeom>
+          <a:noFill/>
+          <a:ln>
+            <a:noFill/>
+          </a:ln>
+        </p:spPr>
+        <p:txBody>
+          <a:bodyPr spcFirstLastPara="1" wrap="square" lIns="121900" tIns="121900" rIns="121900" bIns="121900" anchor="t" anchorCtr="0">
+            <a:noAutofit/>
+          </a:bodyPr>
+          <a:lstStyle/>
+          <a:p>
+            <a:pPr>
+              <a:lnSpc>
+                <a:spcPct val="115000"/>
+              </a:lnSpc>
+              <a:spcAft>
+                <a:spcPts val="2133"/>
+              </a:spcAft>
+            </a:pPr>
+            <a:r>
+              <a:rPr lang="en" sz="3467" dirty="0">
+                <a:solidFill>
+                  <a:srgbClr val="FF0000"/>
+                </a:solidFill>
+              </a:rPr>
+              <a:t>On the first day of every month</a:t>
+            </a:r>
+            <a:r>
+              <a:rPr lang="en" sz="3467" dirty="0">
+                <a:solidFill>
+                  <a:srgbClr val="595959"/>
+                </a:solidFill>
+              </a:rPr>
+              <a:t>, for </a:t>
+            </a:r>
+            <a:r>
+              <a:rPr lang="en" sz="3467" dirty="0">
+                <a:solidFill>
+                  <a:srgbClr val="0000FF"/>
+                </a:solidFill>
+              </a:rPr>
+              <a:t>all individuals residing in PA</a:t>
+            </a:r>
+            <a:r>
+              <a:rPr lang="en" sz="3467" dirty="0">
+                <a:solidFill>
+                  <a:srgbClr val="595959"/>
+                </a:solidFill>
+              </a:rPr>
+              <a:t>, can we identify </a:t>
+            </a:r>
+            <a:r>
+              <a:rPr lang="en" sz="3467" dirty="0">
+                <a:solidFill>
+                  <a:srgbClr val="FF00FF"/>
+                </a:solidFill>
+              </a:rPr>
+              <a:t>500 people </a:t>
+            </a:r>
+            <a:r>
+              <a:rPr lang="en" sz="3467" dirty="0">
+                <a:solidFill>
+                  <a:srgbClr val="595959"/>
+                </a:solidFill>
+              </a:rPr>
+              <a:t>with a </a:t>
+            </a:r>
+            <a:r>
+              <a:rPr lang="en" sz="3467" dirty="0">
+                <a:solidFill>
+                  <a:srgbClr val="38761D"/>
+                </a:solidFill>
+              </a:rPr>
+              <a:t>high risk of contracting monkeypox in the next year </a:t>
+            </a:r>
+            <a:r>
+              <a:rPr lang="en" sz="3467" dirty="0">
+                <a:solidFill>
+                  <a:srgbClr val="B45F06"/>
+                </a:solidFill>
+              </a:rPr>
+              <a:t>to prioritize for vaccine program outreach by the PA Public Health Department</a:t>
+            </a:r>
+            <a:r>
+              <a:rPr lang="en" sz="3467" dirty="0">
+                <a:solidFill>
+                  <a:srgbClr val="595959"/>
+                </a:solidFill>
+              </a:rPr>
+              <a:t>?</a:t>
+            </a:r>
+            <a:endParaRPr sz="3467" dirty="0">
+              <a:solidFill>
+                <a:srgbClr val="595959"/>
+              </a:solidFill>
+            </a:endParaRPr>
+          </a:p>
+        </p:txBody>
+      </p:sp>
+      <p:sp>
+        <p:nvSpPr>
+          <p:cNvPr id="206" name="Google Shape;206;p38"/>
+          <p:cNvSpPr txBox="1"/>
+          <p:nvPr/>
+        </p:nvSpPr>
+        <p:spPr>
+          <a:xfrm>
+            <a:off x="248120" y="1463207"/>
+            <a:ext cx="3008400" cy="796000"/>
+          </a:xfrm>
+          <a:prstGeom prst="rect">
+            <a:avLst/>
+          </a:prstGeom>
+          <a:noFill/>
+          <a:ln>
+            <a:noFill/>
+          </a:ln>
+        </p:spPr>
+        <p:txBody>
+          <a:bodyPr spcFirstLastPara="1" wrap="square" lIns="121900" tIns="121900" rIns="121900" bIns="121900" anchor="t" anchorCtr="0">
+            <a:noAutofit/>
+          </a:bodyPr>
+          <a:lstStyle/>
+          <a:p>
+            <a:pPr>
+              <a:buSzPts val="1400"/>
+            </a:pPr>
+            <a:r>
+              <a:rPr lang="en" sz="1867">
+                <a:solidFill>
+                  <a:srgbClr val="FF0000"/>
+                </a:solidFill>
+              </a:rPr>
+              <a:t>When and How often is the recommendation / decision being made?</a:t>
+            </a:r>
+            <a:endParaRPr sz="1867">
+              <a:solidFill>
+                <a:srgbClr val="FF0000"/>
+              </a:solidFill>
+            </a:endParaRPr>
+          </a:p>
+        </p:txBody>
+      </p:sp>
+      <p:sp>
+        <p:nvSpPr>
+          <p:cNvPr id="207" name="Google Shape;207;p38"/>
+          <p:cNvSpPr txBox="1"/>
+          <p:nvPr/>
+        </p:nvSpPr>
+        <p:spPr>
+          <a:xfrm>
+            <a:off x="253253" y="2632740"/>
+            <a:ext cx="3008400" cy="796000"/>
+          </a:xfrm>
+          <a:prstGeom prst="rect">
+            <a:avLst/>
+          </a:prstGeom>
+          <a:noFill/>
+          <a:ln>
+            <a:noFill/>
+          </a:ln>
+        </p:spPr>
+        <p:txBody>
+          <a:bodyPr spcFirstLastPara="1" wrap="square" lIns="121900" tIns="121900" rIns="121900" bIns="121900" anchor="t" anchorCtr="0">
+            <a:noAutofit/>
+          </a:bodyPr>
+          <a:lstStyle/>
+          <a:p>
+            <a:pPr>
+              <a:buSzPts val="1400"/>
+            </a:pPr>
+            <a:br>
+              <a:rPr lang="en" sz="1867">
+                <a:solidFill>
+                  <a:srgbClr val="0000FF"/>
+                </a:solidFill>
+              </a:rPr>
+            </a:br>
+            <a:r>
+              <a:rPr lang="en" sz="1867">
+                <a:solidFill>
+                  <a:srgbClr val="0000FF"/>
+                </a:solidFill>
+              </a:rPr>
+              <a:t>Who/what is included in the cohort?</a:t>
+            </a:r>
+            <a:endParaRPr sz="1867">
+              <a:solidFill>
+                <a:srgbClr val="0000FF"/>
+              </a:solidFill>
+            </a:endParaRPr>
+          </a:p>
+        </p:txBody>
+      </p:sp>
+      <p:sp>
+        <p:nvSpPr>
+          <p:cNvPr id="208" name="Google Shape;208;p38"/>
+          <p:cNvSpPr txBox="1"/>
+          <p:nvPr/>
+        </p:nvSpPr>
+        <p:spPr>
+          <a:xfrm>
+            <a:off x="253253" y="3497473"/>
+            <a:ext cx="3008400" cy="796000"/>
+          </a:xfrm>
+          <a:prstGeom prst="rect">
+            <a:avLst/>
+          </a:prstGeom>
+          <a:noFill/>
+          <a:ln>
+            <a:noFill/>
+          </a:ln>
+        </p:spPr>
+        <p:txBody>
+          <a:bodyPr spcFirstLastPara="1" wrap="square" lIns="121900" tIns="121900" rIns="121900" bIns="121900" anchor="t" anchorCtr="0">
+            <a:noAutofit/>
+          </a:bodyPr>
+          <a:lstStyle/>
+          <a:p>
+            <a:pPr>
+              <a:buSzPts val="1400"/>
+            </a:pPr>
+            <a:br>
+              <a:rPr lang="en" sz="1867">
+                <a:solidFill>
+                  <a:srgbClr val="FF00FF"/>
+                </a:solidFill>
+              </a:rPr>
+            </a:br>
+            <a:r>
+              <a:rPr lang="en" sz="1867">
+                <a:solidFill>
+                  <a:srgbClr val="FF00FF"/>
+                </a:solidFill>
+              </a:rPr>
+              <a:t>What is the output?</a:t>
+            </a:r>
+            <a:endParaRPr sz="1867">
+              <a:solidFill>
+                <a:srgbClr val="FF00FF"/>
+              </a:solidFill>
+            </a:endParaRPr>
+          </a:p>
+        </p:txBody>
+      </p:sp>
+      <p:sp>
+        <p:nvSpPr>
+          <p:cNvPr id="209" name="Google Shape;209;p38"/>
+          <p:cNvSpPr txBox="1"/>
+          <p:nvPr/>
+        </p:nvSpPr>
+        <p:spPr>
+          <a:xfrm>
+            <a:off x="248120" y="4191873"/>
+            <a:ext cx="3008400" cy="1475600"/>
+          </a:xfrm>
+          <a:prstGeom prst="rect">
+            <a:avLst/>
+          </a:prstGeom>
+          <a:noFill/>
+          <a:ln>
+            <a:noFill/>
+          </a:ln>
+        </p:spPr>
+        <p:txBody>
+          <a:bodyPr spcFirstLastPara="1" wrap="square" lIns="121900" tIns="121900" rIns="121900" bIns="121900" anchor="t" anchorCtr="0">
+            <a:noAutofit/>
+          </a:bodyPr>
+          <a:lstStyle/>
+          <a:p>
+            <a:pPr>
+              <a:buSzPts val="1400"/>
+            </a:pPr>
+            <a:r>
+              <a:rPr lang="en" sz="1867">
+                <a:solidFill>
+                  <a:srgbClr val="274E13"/>
+                </a:solidFill>
+              </a:rPr>
+              <a:t>What outcome are you predicting/estimating?</a:t>
+            </a:r>
+            <a:endParaRPr sz="1867">
+              <a:solidFill>
+                <a:srgbClr val="274E13"/>
+              </a:solidFill>
+            </a:endParaRPr>
+          </a:p>
+          <a:p>
+            <a:pPr>
+              <a:buSzPts val="1400"/>
+            </a:pPr>
+            <a:endParaRPr sz="1867">
+              <a:solidFill>
+                <a:srgbClr val="274E13"/>
+              </a:solidFill>
+            </a:endParaRPr>
+          </a:p>
+          <a:p>
+            <a:pPr>
+              <a:buSzPts val="1400"/>
+            </a:pPr>
+            <a:r>
+              <a:rPr lang="en" sz="1867">
+                <a:solidFill>
+                  <a:srgbClr val="B45F06"/>
+                </a:solidFill>
+              </a:rPr>
+              <a:t>For what purpose?</a:t>
+            </a:r>
+            <a:endParaRPr sz="1867">
+              <a:solidFill>
+                <a:srgbClr val="274E13"/>
+              </a:solidFill>
+            </a:endParaRPr>
+          </a:p>
+        </p:txBody>
+      </p:sp>
+    </p:spTree>
+    <p:extLst>
+      <p:ext uri="{BB962C8B-B14F-4D97-AF65-F5344CB8AC3E}">
+        <p14:creationId xmlns:p14="http://schemas.microsoft.com/office/powerpoint/2010/main" val="2492889439"/>
+      </p:ext>
+    </p:extLst>
+  </p:cSld>
+  <p:clrMapOvr>
+    <a:masterClrMapping/>
+  </p:clrMapOvr>
+</p:sld>
+</file>
+
+<file path=ppt/slides/slide4.xml><?xml version="1.0" encoding="utf-8"?>
+<p:sld xmlns:a="http://schemas.openxmlformats.org/drawingml/2006/main" xmlns:r="http://schemas.openxmlformats.org/officeDocument/2006/relationships" xmlns:p="http://schemas.openxmlformats.org/presentationml/2006/main">
+  <p:cSld>
+    <p:spTree>
+      <p:nvGrpSpPr>
+        <p:cNvPr id="1" name=""/>
+        <p:cNvGrpSpPr/>
+        <p:nvPr/>
+      </p:nvGrpSpPr>
+      <p:grpSpPr>
+        <a:xfrm>
+          <a:off x="0" y="0"/>
+          <a:ext cx="0" cy="0"/>
+          <a:chOff x="0" y="0"/>
+          <a:chExt cx="0" cy="0"/>
+        </a:xfrm>
+      </p:grpSpPr>
+      <p:sp>
+        <p:nvSpPr>
+          <p:cNvPr id="2" name="Title 1">
+            <a:extLst>
+              <a:ext uri="{FF2B5EF4-FFF2-40B4-BE49-F238E27FC236}">
+                <a16:creationId xmlns:a16="http://schemas.microsoft.com/office/drawing/2014/main" id="{E3F5A4E3-1083-BD43-B370-9A1F90A39416}"/>
+              </a:ext>
+            </a:extLst>
+          </p:cNvPr>
+          <p:cNvSpPr>
+            <a:spLocks noGrp="1"/>
+          </p:cNvSpPr>
+          <p:nvPr>
+            <p:ph type="title"/>
+          </p:nvPr>
+        </p:nvSpPr>
+        <p:spPr/>
+        <p:txBody>
+          <a:bodyPr/>
+          <a:lstStyle/>
+          <a:p>
+            <a:r>
+              <a:rPr lang="en-US" dirty="0"/>
+              <a:t>Temporal Validation Parameters</a:t>
+            </a:r>
+          </a:p>
+        </p:txBody>
+      </p:sp>
+      <p:sp>
+        <p:nvSpPr>
+          <p:cNvPr id="3" name="Text Placeholder 2">
+            <a:extLst>
+              <a:ext uri="{FF2B5EF4-FFF2-40B4-BE49-F238E27FC236}">
+                <a16:creationId xmlns:a16="http://schemas.microsoft.com/office/drawing/2014/main" id="{B761F066-C352-2344-9AFE-A7E0C820CFA0}"/>
+              </a:ext>
+            </a:extLst>
+          </p:cNvPr>
+          <p:cNvSpPr>
+            <a:spLocks noGrp="1"/>
+          </p:cNvSpPr>
+          <p:nvPr>
+            <p:ph type="body" idx="1"/>
+          </p:nvPr>
+        </p:nvSpPr>
+        <p:spPr>
+          <a:xfrm>
+            <a:off x="803189" y="1231210"/>
+            <a:ext cx="11232291" cy="5404369"/>
+          </a:xfrm>
+        </p:spPr>
+        <p:txBody>
+          <a:bodyPr/>
+          <a:lstStyle/>
+          <a:p>
+            <a:pPr>
+              <a:lnSpc>
+                <a:spcPct val="100000"/>
+              </a:lnSpc>
+              <a:spcAft>
+                <a:spcPts val="1800"/>
+              </a:spcAft>
+            </a:pPr>
+            <a:r>
+              <a:rPr lang="en-US" sz="3200" dirty="0"/>
+              <a:t>Timespan to collect labels</a:t>
+            </a:r>
+          </a:p>
+          <a:p>
+            <a:pPr>
+              <a:lnSpc>
+                <a:spcPct val="100000"/>
+              </a:lnSpc>
+              <a:spcAft>
+                <a:spcPts val="1800"/>
+              </a:spcAft>
+            </a:pPr>
+            <a:r>
+              <a:rPr lang="en-US" sz="3200" dirty="0"/>
+              <a:t>Gap between training/validation pairs</a:t>
+            </a:r>
+          </a:p>
+          <a:p>
+            <a:pPr>
+              <a:lnSpc>
+                <a:spcPct val="100000"/>
+              </a:lnSpc>
+              <a:spcAft>
+                <a:spcPts val="1800"/>
+              </a:spcAft>
+            </a:pPr>
+            <a:r>
+              <a:rPr lang="en-US" sz="3200" dirty="0"/>
+              <a:t>Time window for each training set</a:t>
+            </a:r>
+          </a:p>
+          <a:p>
+            <a:pPr>
+              <a:lnSpc>
+                <a:spcPct val="100000"/>
+              </a:lnSpc>
+              <a:spcAft>
+                <a:spcPts val="1800"/>
+              </a:spcAft>
+            </a:pPr>
+            <a:r>
+              <a:rPr lang="en-US" sz="3200" dirty="0"/>
+              <a:t>Time window for each validation set</a:t>
+            </a:r>
+          </a:p>
+          <a:p>
+            <a:pPr>
+              <a:lnSpc>
+                <a:spcPct val="100000"/>
+              </a:lnSpc>
+              <a:spcAft>
+                <a:spcPts val="1800"/>
+              </a:spcAft>
+            </a:pPr>
+            <a:r>
+              <a:rPr lang="en-US" sz="3200" dirty="0"/>
+              <a:t>Sampling frequency for examples/rows</a:t>
+            </a:r>
+          </a:p>
+          <a:p>
+            <a:pPr>
+              <a:lnSpc>
+                <a:spcPct val="100000"/>
+              </a:lnSpc>
+              <a:spcAft>
+                <a:spcPts val="1800"/>
+              </a:spcAft>
+            </a:pPr>
+            <a:r>
+              <a:rPr lang="en-US" sz="3200" dirty="0"/>
+              <a:t>History for features (for each example/row)</a:t>
+            </a:r>
+            <a:endParaRPr lang="en-US" sz="2800" dirty="0"/>
+          </a:p>
+        </p:txBody>
+      </p:sp>
+    </p:spTree>
+    <p:extLst>
+      <p:ext uri="{BB962C8B-B14F-4D97-AF65-F5344CB8AC3E}">
+        <p14:creationId xmlns:p14="http://schemas.microsoft.com/office/powerpoint/2010/main" val="3359709114"/>
+      </p:ext>
+    </p:extLst>
+  </p:cSld>
+  <p:clrMapOvr>
+    <a:masterClrMapping/>
+  </p:clrMapOvr>
+</p:sld>
+</file>
+
+<file path=ppt/slides/slide5.xml><?xml version="1.0" encoding="utf-8"?>
+<p:sld xmlns:a="http://schemas.openxmlformats.org/drawingml/2006/main" xmlns:r="http://schemas.openxmlformats.org/officeDocument/2006/relationships" xmlns:p="http://schemas.openxmlformats.org/presentationml/2006/main">
+  <p:cSld>
+    <p:spTree>
+      <p:nvGrpSpPr>
+        <p:cNvPr id="1" name=""/>
+        <p:cNvGrpSpPr/>
+        <p:nvPr/>
+      </p:nvGrpSpPr>
+      <p:grpSpPr>
+        <a:xfrm>
+          <a:off x="0" y="0"/>
+          <a:ext cx="0" cy="0"/>
+          <a:chOff x="0" y="0"/>
+          <a:chExt cx="0" cy="0"/>
+        </a:xfrm>
+      </p:grpSpPr>
+      <p:sp>
+        <p:nvSpPr>
+          <p:cNvPr id="2" name="Title 1">
+            <a:extLst>
+              <a:ext uri="{FF2B5EF4-FFF2-40B4-BE49-F238E27FC236}">
+                <a16:creationId xmlns:a16="http://schemas.microsoft.com/office/drawing/2014/main" id="{E3F5A4E3-1083-BD43-B370-9A1F90A39416}"/>
+              </a:ext>
+            </a:extLst>
+          </p:cNvPr>
+          <p:cNvSpPr>
+            <a:spLocks noGrp="1"/>
+          </p:cNvSpPr>
+          <p:nvPr>
+            <p:ph type="title"/>
+          </p:nvPr>
+        </p:nvSpPr>
+        <p:spPr/>
+        <p:txBody>
+          <a:bodyPr/>
+          <a:lstStyle/>
+          <a:p>
+            <a:r>
+              <a:rPr lang="en-US" dirty="0"/>
+              <a:t>Temporal Validation Parameters</a:t>
+            </a:r>
+          </a:p>
+        </p:txBody>
+      </p:sp>
+      <p:pic>
+        <p:nvPicPr>
+          <p:cNvPr id="1026" name="Picture 2" descr="Time splitting config">
+            <a:extLst>
+              <a:ext uri="{FF2B5EF4-FFF2-40B4-BE49-F238E27FC236}">
+                <a16:creationId xmlns:a16="http://schemas.microsoft.com/office/drawing/2014/main" id="{64C21727-A739-3142-B6FA-045F6EA56FF6}"/>
+              </a:ext>
+            </a:extLst>
+          </p:cNvPr>
+          <p:cNvPicPr>
+            <a:picLocks noChangeAspect="1" noChangeArrowheads="1"/>
+          </p:cNvPicPr>
+          <p:nvPr/>
+        </p:nvPicPr>
+        <p:blipFill>
+          <a:blip r:embed="rId2">
+            <a:extLst>
+              <a:ext uri="{28A0092B-C50C-407E-A947-70E740481C1C}">
+                <a14:useLocalDpi xmlns:a14="http://schemas.microsoft.com/office/drawing/2010/main" val="0"/>
+              </a:ext>
+            </a:extLst>
+          </a:blip>
+          <a:srcRect/>
+          <a:stretch>
+            <a:fillRect/>
+          </a:stretch>
+        </p:blipFill>
+        <p:spPr bwMode="auto">
+          <a:xfrm>
+            <a:off x="0" y="2025650"/>
+            <a:ext cx="12192000" cy="2805113"/>
+          </a:xfrm>
+          <a:prstGeom prst="rect">
+            <a:avLst/>
+          </a:prstGeom>
+          <a:noFill/>
+          <a:extLst>
+            <a:ext uri="{909E8E84-426E-40DD-AFC4-6F175D3DCCD1}">
+              <a14:hiddenFill xmlns:a14="http://schemas.microsoft.com/office/drawing/2010/main">
+                <a:solidFill>
+                  <a:srgbClr val="FFFFFF"/>
+                </a:solidFill>
+              </a14:hiddenFill>
+            </a:ext>
+          </a:extLst>
+        </p:spPr>
+      </p:pic>
+    </p:spTree>
+    <p:extLst>
+      <p:ext uri="{BB962C8B-B14F-4D97-AF65-F5344CB8AC3E}">
+        <p14:creationId xmlns:p14="http://schemas.microsoft.com/office/powerpoint/2010/main" val="4088877380"/>
+      </p:ext>
+    </p:extLst>
+  </p:cSld>
+  <p:clrMapOvr>
+    <a:masterClrMapping/>
+  </p:clrMapOvr>
+</p:sld>
+</file>
+
+<file path=ppt/slides/slide6.xml><?xml version="1.0" encoding="utf-8"?>
+<p:sld xmlns:a="http://schemas.openxmlformats.org/drawingml/2006/main" xmlns:r="http://schemas.openxmlformats.org/officeDocument/2006/relationships" xmlns:p="http://schemas.openxmlformats.org/presentationml/2006/main">
+  <p:cSld>
+    <p:spTree>
+      <p:nvGrpSpPr>
+        <p:cNvPr id="1" name="Shape 202"/>
+        <p:cNvGrpSpPr/>
+        <p:nvPr/>
+      </p:nvGrpSpPr>
+      <p:grpSpPr>
+        <a:xfrm>
+          <a:off x="0" y="0"/>
+          <a:ext cx="0" cy="0"/>
+          <a:chOff x="0" y="0"/>
+          <a:chExt cx="0" cy="0"/>
+        </a:xfrm>
+      </p:grpSpPr>
+      <p:sp>
+        <p:nvSpPr>
+          <p:cNvPr id="2" name="Text Placeholder 1">
+            <a:extLst>
+              <a:ext uri="{FF2B5EF4-FFF2-40B4-BE49-F238E27FC236}">
+                <a16:creationId xmlns:a16="http://schemas.microsoft.com/office/drawing/2014/main" id="{10E49ADA-B971-3A74-683D-F7E6AB709A58}"/>
+              </a:ext>
+            </a:extLst>
+          </p:cNvPr>
+          <p:cNvSpPr>
+            <a:spLocks noGrp="1"/>
+          </p:cNvSpPr>
+          <p:nvPr>
+            <p:ph type="body" idx="1"/>
+          </p:nvPr>
+        </p:nvSpPr>
+        <p:spPr/>
+        <p:txBody>
+          <a:bodyPr/>
+          <a:lstStyle/>
+          <a:p>
+            <a:endParaRPr lang="en-US"/>
+          </a:p>
+        </p:txBody>
+      </p:sp>
+      <p:sp>
+        <p:nvSpPr>
+          <p:cNvPr id="203" name="Google Shape;203;p38"/>
+          <p:cNvSpPr txBox="1">
+            <a:spLocks noGrp="1"/>
+          </p:cNvSpPr>
+          <p:nvPr>
+            <p:ph type="title"/>
+          </p:nvPr>
+        </p:nvSpPr>
+        <p:spPr>
+          <a:prstGeom prst="rect">
+            <a:avLst/>
+          </a:prstGeom>
+        </p:spPr>
+        <p:txBody>
+          <a:bodyPr spcFirstLastPara="1" wrap="square" lIns="121900" tIns="121900" rIns="121900" bIns="121900" anchor="t" anchorCtr="0">
+            <a:normAutofit fontScale="90000"/>
+          </a:bodyPr>
+          <a:lstStyle/>
+          <a:p>
+            <a:r>
+              <a:rPr lang="en" dirty="0"/>
+              <a:t>Temporal Validation Review -- Example</a:t>
+            </a:r>
+            <a:endParaRPr dirty="0"/>
+          </a:p>
+        </p:txBody>
+      </p:sp>
+      <p:sp>
+        <p:nvSpPr>
+          <p:cNvPr id="204" name="Google Shape;204;p38"/>
+          <p:cNvSpPr/>
+          <p:nvPr/>
+        </p:nvSpPr>
+        <p:spPr>
+          <a:xfrm>
+            <a:off x="190320" y="1463207"/>
+            <a:ext cx="3124000" cy="4204400"/>
+          </a:xfrm>
+          <a:prstGeom prst="rect">
+            <a:avLst/>
+          </a:prstGeom>
+          <a:solidFill>
+            <a:srgbClr val="EEEEEE"/>
+          </a:solidFill>
+          <a:ln w="9525" cap="flat" cmpd="sng">
+            <a:solidFill>
+              <a:srgbClr val="595959"/>
+            </a:solidFill>
+            <a:prstDash val="solid"/>
+            <a:round/>
+            <a:headEnd type="none" w="sm" len="sm"/>
+            <a:tailEnd type="none" w="sm" len="sm"/>
+          </a:ln>
+        </p:spPr>
+        <p:txBody>
+          <a:bodyPr spcFirstLastPara="1" wrap="square" lIns="121900" tIns="121900" rIns="121900" bIns="121900" anchor="ctr" anchorCtr="0">
+            <a:noAutofit/>
+          </a:bodyPr>
+          <a:lstStyle/>
+          <a:p>
+            <a:pPr>
+              <a:buSzPts val="1400"/>
+            </a:pPr>
+            <a:endParaRPr sz="1867"/>
+          </a:p>
+        </p:txBody>
+      </p:sp>
+      <p:sp>
+        <p:nvSpPr>
+          <p:cNvPr id="205" name="Google Shape;205;p38"/>
+          <p:cNvSpPr txBox="1"/>
+          <p:nvPr/>
+        </p:nvSpPr>
+        <p:spPr>
+          <a:xfrm>
+            <a:off x="3566453" y="1341573"/>
+            <a:ext cx="8531200" cy="4555200"/>
+          </a:xfrm>
+          <a:prstGeom prst="rect">
+            <a:avLst/>
+          </a:prstGeom>
+          <a:noFill/>
+          <a:ln>
+            <a:noFill/>
+          </a:ln>
+        </p:spPr>
+        <p:txBody>
+          <a:bodyPr spcFirstLastPara="1" wrap="square" lIns="121900" tIns="121900" rIns="121900" bIns="121900" anchor="t" anchorCtr="0">
+            <a:noAutofit/>
+          </a:bodyPr>
+          <a:lstStyle/>
+          <a:p>
+            <a:pPr>
+              <a:lnSpc>
+                <a:spcPct val="115000"/>
+              </a:lnSpc>
+              <a:spcAft>
+                <a:spcPts val="2133"/>
+              </a:spcAft>
+            </a:pPr>
+            <a:r>
+              <a:rPr lang="en" sz="3467" dirty="0">
+                <a:solidFill>
+                  <a:srgbClr val="FF0000"/>
+                </a:solidFill>
+              </a:rPr>
+              <a:t>At the time of hospital admission</a:t>
+            </a:r>
+            <a:r>
+              <a:rPr lang="en" sz="3467" dirty="0">
+                <a:solidFill>
+                  <a:srgbClr val="595959"/>
+                </a:solidFill>
+              </a:rPr>
+              <a:t>, for </a:t>
+            </a:r>
+            <a:r>
+              <a:rPr lang="en" sz="3467" dirty="0">
+                <a:solidFill>
+                  <a:srgbClr val="0000FF"/>
+                </a:solidFill>
+              </a:rPr>
+              <a:t>all every patient admitted</a:t>
+            </a:r>
+            <a:r>
+              <a:rPr lang="en" sz="3467" dirty="0">
+                <a:solidFill>
+                  <a:srgbClr val="595959"/>
+                </a:solidFill>
+              </a:rPr>
+              <a:t>, can we identify </a:t>
+            </a:r>
+            <a:r>
+              <a:rPr lang="en" sz="3467" dirty="0">
+                <a:solidFill>
+                  <a:srgbClr val="FF00FF"/>
+                </a:solidFill>
+              </a:rPr>
+              <a:t>if they will be among the 50 highest-risk individuals the hospital will see that month </a:t>
+            </a:r>
+            <a:r>
+              <a:rPr lang="en" sz="3467" dirty="0">
+                <a:solidFill>
+                  <a:srgbClr val="595959"/>
+                </a:solidFill>
+              </a:rPr>
+              <a:t>for </a:t>
+            </a:r>
+            <a:r>
+              <a:rPr lang="en" sz="3467" dirty="0">
+                <a:solidFill>
+                  <a:srgbClr val="38761D"/>
+                </a:solidFill>
+              </a:rPr>
+              <a:t>contracting monkeypox in the next year </a:t>
+            </a:r>
+            <a:r>
+              <a:rPr lang="en" sz="3467" dirty="0">
+                <a:solidFill>
+                  <a:srgbClr val="B45F06"/>
+                </a:solidFill>
+              </a:rPr>
+              <a:t>to prioritize for vaccine administration</a:t>
+            </a:r>
+            <a:r>
+              <a:rPr lang="en" sz="3467" dirty="0">
+                <a:solidFill>
+                  <a:srgbClr val="595959"/>
+                </a:solidFill>
+              </a:rPr>
+              <a:t>?</a:t>
+            </a:r>
+            <a:endParaRPr sz="3467" dirty="0">
+              <a:solidFill>
+                <a:srgbClr val="595959"/>
+              </a:solidFill>
+            </a:endParaRPr>
+          </a:p>
+        </p:txBody>
+      </p:sp>
+      <p:sp>
+        <p:nvSpPr>
+          <p:cNvPr id="206" name="Google Shape;206;p38"/>
+          <p:cNvSpPr txBox="1"/>
+          <p:nvPr/>
+        </p:nvSpPr>
+        <p:spPr>
+          <a:xfrm>
+            <a:off x="248120" y="1463207"/>
+            <a:ext cx="3008400" cy="796000"/>
+          </a:xfrm>
+          <a:prstGeom prst="rect">
+            <a:avLst/>
+          </a:prstGeom>
+          <a:noFill/>
+          <a:ln>
+            <a:noFill/>
+          </a:ln>
+        </p:spPr>
+        <p:txBody>
+          <a:bodyPr spcFirstLastPara="1" wrap="square" lIns="121900" tIns="121900" rIns="121900" bIns="121900" anchor="t" anchorCtr="0">
+            <a:noAutofit/>
+          </a:bodyPr>
+          <a:lstStyle/>
+          <a:p>
+            <a:pPr>
+              <a:buSzPts val="1400"/>
+            </a:pPr>
+            <a:r>
+              <a:rPr lang="en" sz="1867">
+                <a:solidFill>
+                  <a:srgbClr val="FF0000"/>
+                </a:solidFill>
+              </a:rPr>
+              <a:t>When and How often is the recommendation / decision being made?</a:t>
+            </a:r>
+            <a:endParaRPr sz="1867">
+              <a:solidFill>
+                <a:srgbClr val="FF0000"/>
+              </a:solidFill>
+            </a:endParaRPr>
+          </a:p>
+        </p:txBody>
+      </p:sp>
+      <p:sp>
+        <p:nvSpPr>
+          <p:cNvPr id="207" name="Google Shape;207;p38"/>
+          <p:cNvSpPr txBox="1"/>
+          <p:nvPr/>
+        </p:nvSpPr>
+        <p:spPr>
+          <a:xfrm>
+            <a:off x="253253" y="2632740"/>
+            <a:ext cx="3008400" cy="796000"/>
+          </a:xfrm>
+          <a:prstGeom prst="rect">
+            <a:avLst/>
+          </a:prstGeom>
+          <a:noFill/>
+          <a:ln>
+            <a:noFill/>
+          </a:ln>
+        </p:spPr>
+        <p:txBody>
+          <a:bodyPr spcFirstLastPara="1" wrap="square" lIns="121900" tIns="121900" rIns="121900" bIns="121900" anchor="t" anchorCtr="0">
+            <a:noAutofit/>
+          </a:bodyPr>
+          <a:lstStyle/>
+          <a:p>
+            <a:pPr>
+              <a:buSzPts val="1400"/>
+            </a:pPr>
+            <a:br>
+              <a:rPr lang="en" sz="1867">
+                <a:solidFill>
+                  <a:srgbClr val="0000FF"/>
+                </a:solidFill>
+              </a:rPr>
+            </a:br>
+            <a:r>
+              <a:rPr lang="en" sz="1867">
+                <a:solidFill>
+                  <a:srgbClr val="0000FF"/>
+                </a:solidFill>
+              </a:rPr>
+              <a:t>Who/what is included in the cohort?</a:t>
+            </a:r>
+            <a:endParaRPr sz="1867">
+              <a:solidFill>
+                <a:srgbClr val="0000FF"/>
+              </a:solidFill>
+            </a:endParaRPr>
+          </a:p>
+        </p:txBody>
+      </p:sp>
+      <p:sp>
+        <p:nvSpPr>
+          <p:cNvPr id="208" name="Google Shape;208;p38"/>
+          <p:cNvSpPr txBox="1"/>
+          <p:nvPr/>
+        </p:nvSpPr>
+        <p:spPr>
+          <a:xfrm>
+            <a:off x="253253" y="3497473"/>
+            <a:ext cx="3008400" cy="796000"/>
+          </a:xfrm>
+          <a:prstGeom prst="rect">
+            <a:avLst/>
+          </a:prstGeom>
+          <a:noFill/>
+          <a:ln>
+            <a:noFill/>
+          </a:ln>
+        </p:spPr>
+        <p:txBody>
+          <a:bodyPr spcFirstLastPara="1" wrap="square" lIns="121900" tIns="121900" rIns="121900" bIns="121900" anchor="t" anchorCtr="0">
+            <a:noAutofit/>
+          </a:bodyPr>
+          <a:lstStyle/>
+          <a:p>
+            <a:pPr>
+              <a:buSzPts val="1400"/>
+            </a:pPr>
+            <a:br>
+              <a:rPr lang="en" sz="1867">
+                <a:solidFill>
+                  <a:srgbClr val="FF00FF"/>
+                </a:solidFill>
+              </a:rPr>
+            </a:br>
+            <a:r>
+              <a:rPr lang="en" sz="1867">
+                <a:solidFill>
+                  <a:srgbClr val="FF00FF"/>
+                </a:solidFill>
+              </a:rPr>
+              <a:t>What is the output?</a:t>
+            </a:r>
+            <a:endParaRPr sz="1867">
+              <a:solidFill>
+                <a:srgbClr val="FF00FF"/>
+              </a:solidFill>
+            </a:endParaRPr>
+          </a:p>
+        </p:txBody>
+      </p:sp>
+      <p:sp>
+        <p:nvSpPr>
+          <p:cNvPr id="209" name="Google Shape;209;p38"/>
+          <p:cNvSpPr txBox="1"/>
+          <p:nvPr/>
+        </p:nvSpPr>
+        <p:spPr>
+          <a:xfrm>
+            <a:off x="248120" y="4191873"/>
+            <a:ext cx="3008400" cy="1475600"/>
+          </a:xfrm>
+          <a:prstGeom prst="rect">
+            <a:avLst/>
+          </a:prstGeom>
+          <a:noFill/>
+          <a:ln>
+            <a:noFill/>
+          </a:ln>
+        </p:spPr>
+        <p:txBody>
+          <a:bodyPr spcFirstLastPara="1" wrap="square" lIns="121900" tIns="121900" rIns="121900" bIns="121900" anchor="t" anchorCtr="0">
+            <a:noAutofit/>
+          </a:bodyPr>
+          <a:lstStyle/>
+          <a:p>
+            <a:pPr>
+              <a:buSzPts val="1400"/>
+            </a:pPr>
+            <a:r>
+              <a:rPr lang="en" sz="1867">
+                <a:solidFill>
+                  <a:srgbClr val="274E13"/>
+                </a:solidFill>
+              </a:rPr>
+              <a:t>What outcome are you predicting/estimating?</a:t>
+            </a:r>
+            <a:endParaRPr sz="1867">
+              <a:solidFill>
+                <a:srgbClr val="274E13"/>
+              </a:solidFill>
+            </a:endParaRPr>
+          </a:p>
+          <a:p>
+            <a:pPr>
+              <a:buSzPts val="1400"/>
+            </a:pPr>
+            <a:endParaRPr sz="1867">
+              <a:solidFill>
+                <a:srgbClr val="274E13"/>
+              </a:solidFill>
+            </a:endParaRPr>
+          </a:p>
+          <a:p>
+            <a:pPr>
+              <a:buSzPts val="1400"/>
+            </a:pPr>
+            <a:r>
+              <a:rPr lang="en" sz="1867">
+                <a:solidFill>
+                  <a:srgbClr val="B45F06"/>
+                </a:solidFill>
+              </a:rPr>
+              <a:t>For what purpose?</a:t>
+            </a:r>
+            <a:endParaRPr sz="1867">
+              <a:solidFill>
+                <a:srgbClr val="274E13"/>
+              </a:solidFill>
+            </a:endParaRPr>
+          </a:p>
+        </p:txBody>
+      </p:sp>
+    </p:spTree>
+    <p:extLst>
+      <p:ext uri="{BB962C8B-B14F-4D97-AF65-F5344CB8AC3E}">
+        <p14:creationId xmlns:p14="http://schemas.microsoft.com/office/powerpoint/2010/main" val="2001223450"/>
+      </p:ext>
+    </p:extLst>
+  </p:cSld>
+  <p:clrMapOvr>
+    <a:masterClrMapping/>
+  </p:clrMapOvr>
+</p:sld>
+</file>
+
+<file path=ppt/slides/slide7.xml><?xml version="1.0" encoding="utf-8"?>
+<p:sld xmlns:a="http://schemas.openxmlformats.org/drawingml/2006/main" xmlns:r="http://schemas.openxmlformats.org/officeDocument/2006/relationships" xmlns:p="http://schemas.openxmlformats.org/presentationml/2006/main" show="0">
   <p:cSld>
     <p:spTree>
       <p:nvGrpSpPr>
@@ -15759,7 +17572,7 @@
 </p:sld>
 </file>
 
-<file path=ppt/slides/slide4.xml><?xml version="1.0" encoding="utf-8"?>
+<file path=ppt/slides/slide8.xml><?xml version="1.0" encoding="utf-8"?>
 <p:sld xmlns:a="http://schemas.openxmlformats.org/drawingml/2006/main" xmlns:r="http://schemas.openxmlformats.org/officeDocument/2006/relationships" xmlns:p="http://schemas.openxmlformats.org/presentationml/2006/main">
   <p:cSld>
     <p:spTree>
@@ -15888,7 +17701,7 @@
 </p:sld>
 </file>
 
-<file path=ppt/slides/slide5.xml><?xml version="1.0" encoding="utf-8"?>
+<file path=ppt/slides/slide9.xml><?xml version="1.0" encoding="utf-8"?>
 <p:sld xmlns:a="http://schemas.openxmlformats.org/drawingml/2006/main" xmlns:r="http://schemas.openxmlformats.org/officeDocument/2006/relationships" xmlns:p="http://schemas.openxmlformats.org/presentationml/2006/main">
   <p:cSld>
     <p:spTree>
@@ -15995,412 +17808,6 @@
   <p:clrMapOvr>
     <a:masterClrMapping/>
   </p:clrMapOvr>
-</p:sld>
-</file>
-
-<file path=ppt/slides/slide6.xml><?xml version="1.0" encoding="utf-8"?>
-<p:sld xmlns:a="http://schemas.openxmlformats.org/drawingml/2006/main" xmlns:r="http://schemas.openxmlformats.org/officeDocument/2006/relationships" xmlns:p="http://schemas.openxmlformats.org/presentationml/2006/main">
-  <p:cSld>
-    <p:spTree>
-      <p:nvGrpSpPr>
-        <p:cNvPr id="1" name=""/>
-        <p:cNvGrpSpPr/>
-        <p:nvPr/>
-      </p:nvGrpSpPr>
-      <p:grpSpPr>
-        <a:xfrm>
-          <a:off x="0" y="0"/>
-          <a:ext cx="0" cy="0"/>
-          <a:chOff x="0" y="0"/>
-          <a:chExt cx="0" cy="0"/>
-        </a:xfrm>
-      </p:grpSpPr>
-      <p:sp>
-        <p:nvSpPr>
-          <p:cNvPr id="2" name="Title 1">
-            <a:extLst>
-              <a:ext uri="{FF2B5EF4-FFF2-40B4-BE49-F238E27FC236}">
-                <a16:creationId xmlns:a16="http://schemas.microsoft.com/office/drawing/2014/main" id="{7F65A4CE-AFDD-8742-9A6E-BE2092DF9AD0}"/>
-              </a:ext>
-            </a:extLst>
-          </p:cNvPr>
-          <p:cNvSpPr>
-            <a:spLocks noGrp="1"/>
-          </p:cNvSpPr>
-          <p:nvPr>
-            <p:ph type="title"/>
-          </p:nvPr>
-        </p:nvSpPr>
-        <p:spPr/>
-        <p:txBody>
-          <a:bodyPr/>
-          <a:lstStyle/>
-          <a:p>
-            <a:r>
-              <a:rPr lang="en-US" dirty="0"/>
-              <a:t>What is the goal of model selection?</a:t>
-            </a:r>
-          </a:p>
-        </p:txBody>
-      </p:sp>
-      <p:sp>
-        <p:nvSpPr>
-          <p:cNvPr id="3" name="Text Placeholder 2">
-            <a:extLst>
-              <a:ext uri="{FF2B5EF4-FFF2-40B4-BE49-F238E27FC236}">
-                <a16:creationId xmlns:a16="http://schemas.microsoft.com/office/drawing/2014/main" id="{8EDF1C4C-EA36-C547-9888-F6FE7818419A}"/>
-              </a:ext>
-            </a:extLst>
-          </p:cNvPr>
-          <p:cNvSpPr>
-            <a:spLocks noGrp="1"/>
-          </p:cNvSpPr>
-          <p:nvPr>
-            <p:ph type="body" idx="1"/>
-          </p:nvPr>
-        </p:nvSpPr>
-        <p:spPr/>
-        <p:txBody>
-          <a:bodyPr/>
-          <a:lstStyle/>
-          <a:p>
-            <a:endParaRPr lang="en-US"/>
-          </a:p>
-        </p:txBody>
-      </p:sp>
-    </p:spTree>
-    <p:extLst>
-      <p:ext uri="{BB962C8B-B14F-4D97-AF65-F5344CB8AC3E}">
-        <p14:creationId xmlns:p14="http://schemas.microsoft.com/office/powerpoint/2010/main" val="3250978397"/>
-      </p:ext>
-    </p:extLst>
-  </p:cSld>
-  <p:clrMapOvr>
-    <a:masterClrMapping/>
-  </p:clrMapOvr>
-</p:sld>
-</file>
-
-<file path=ppt/slides/slide7.xml><?xml version="1.0" encoding="utf-8"?>
-<p:sld xmlns:a="http://schemas.openxmlformats.org/drawingml/2006/main" xmlns:r="http://schemas.openxmlformats.org/officeDocument/2006/relationships" xmlns:p="http://schemas.openxmlformats.org/presentationml/2006/main">
-  <p:cSld>
-    <p:spTree>
-      <p:nvGrpSpPr>
-        <p:cNvPr id="1" name=""/>
-        <p:cNvGrpSpPr/>
-        <p:nvPr/>
-      </p:nvGrpSpPr>
-      <p:grpSpPr>
-        <a:xfrm>
-          <a:off x="0" y="0"/>
-          <a:ext cx="0" cy="0"/>
-          <a:chOff x="0" y="0"/>
-          <a:chExt cx="0" cy="0"/>
-        </a:xfrm>
-      </p:grpSpPr>
-      <p:sp>
-        <p:nvSpPr>
-          <p:cNvPr id="3" name="Title 2"/>
-          <p:cNvSpPr>
-            <a:spLocks noGrp="1"/>
-          </p:cNvSpPr>
-          <p:nvPr>
-            <p:ph type="title"/>
-          </p:nvPr>
-        </p:nvSpPr>
-        <p:spPr/>
-        <p:txBody>
-          <a:bodyPr/>
-          <a:lstStyle/>
-          <a:p>
-            <a:r>
-              <a:rPr lang="en-US" dirty="0"/>
-              <a:t>What is the goal of model selection?</a:t>
-            </a:r>
-          </a:p>
-        </p:txBody>
-      </p:sp>
-      <p:sp>
-        <p:nvSpPr>
-          <p:cNvPr id="2" name="Content Placeholder 1"/>
-          <p:cNvSpPr>
-            <a:spLocks noGrp="1"/>
-          </p:cNvSpPr>
-          <p:nvPr>
-            <p:ph type="body" idx="1"/>
-          </p:nvPr>
-        </p:nvSpPr>
-        <p:spPr/>
-        <p:txBody>
-          <a:bodyPr/>
-          <a:lstStyle/>
-          <a:p>
-            <a:r>
-              <a:rPr lang="en-US" sz="2800" dirty="0"/>
-              <a:t>You’ve run a large number of different types of models varying …</a:t>
-            </a:r>
-          </a:p>
-          <a:p>
-            <a:endParaRPr lang="en-US" sz="2800" dirty="0"/>
-          </a:p>
-          <a:p>
-            <a:r>
-              <a:rPr lang="en-US" sz="2800" dirty="0"/>
-              <a:t>You need to understand what types of models are effective under what circumstances, </a:t>
-            </a:r>
-            <a:r>
-              <a:rPr lang="en-US" sz="2800" b="1" dirty="0"/>
-              <a:t>and</a:t>
-            </a:r>
-          </a:p>
-          <a:p>
-            <a:endParaRPr lang="en-US" sz="2800" b="1" dirty="0"/>
-          </a:p>
-          <a:p>
-            <a:r>
-              <a:rPr lang="en-US" sz="2800" dirty="0"/>
-              <a:t>You need to decide which one(s) to use in the </a:t>
-            </a:r>
-            <a:r>
-              <a:rPr lang="en-US" sz="2800" b="1" dirty="0"/>
-              <a:t>future</a:t>
-            </a:r>
-          </a:p>
-        </p:txBody>
-      </p:sp>
-    </p:spTree>
-    <p:extLst>
-      <p:ext uri="{BB962C8B-B14F-4D97-AF65-F5344CB8AC3E}">
-        <p14:creationId xmlns:p14="http://schemas.microsoft.com/office/powerpoint/2010/main" val="423896287"/>
-      </p:ext>
-    </p:extLst>
-  </p:cSld>
-  <p:clrMapOvr>
-    <a:masterClrMapping/>
-  </p:clrMapOvr>
-</p:sld>
-</file>
-
-<file path=ppt/slides/slide8.xml><?xml version="1.0" encoding="utf-8"?>
-<p:sld xmlns:a="http://schemas.openxmlformats.org/drawingml/2006/main" xmlns:r="http://schemas.openxmlformats.org/officeDocument/2006/relationships" xmlns:p="http://schemas.openxmlformats.org/presentationml/2006/main">
-  <p:cSld>
-    <p:spTree>
-      <p:nvGrpSpPr>
-        <p:cNvPr id="1" name=""/>
-        <p:cNvGrpSpPr/>
-        <p:nvPr/>
-      </p:nvGrpSpPr>
-      <p:grpSpPr>
-        <a:xfrm>
-          <a:off x="0" y="0"/>
-          <a:ext cx="0" cy="0"/>
-          <a:chOff x="0" y="0"/>
-          <a:chExt cx="0" cy="0"/>
-        </a:xfrm>
-      </p:grpSpPr>
-      <p:sp>
-        <p:nvSpPr>
-          <p:cNvPr id="4" name="Title 3">
-            <a:extLst>
-              <a:ext uri="{FF2B5EF4-FFF2-40B4-BE49-F238E27FC236}">
-                <a16:creationId xmlns:a16="http://schemas.microsoft.com/office/drawing/2014/main" id="{30C2C959-72F2-EF4D-80DA-F48A29D0F3C4}"/>
-              </a:ext>
-            </a:extLst>
-          </p:cNvPr>
-          <p:cNvSpPr>
-            <a:spLocks noGrp="1"/>
-          </p:cNvSpPr>
-          <p:nvPr>
-            <p:ph type="title"/>
-          </p:nvPr>
-        </p:nvSpPr>
-        <p:spPr/>
-        <p:txBody>
-          <a:bodyPr/>
-          <a:lstStyle/>
-          <a:p>
-            <a:r>
-              <a:rPr lang="en-US" dirty="0"/>
-              <a:t>What do we need our selected model to do?</a:t>
-            </a:r>
-          </a:p>
-        </p:txBody>
-      </p:sp>
-      <p:sp>
-        <p:nvSpPr>
-          <p:cNvPr id="3" name="Text Placeholder 2">
-            <a:extLst>
-              <a:ext uri="{FF2B5EF4-FFF2-40B4-BE49-F238E27FC236}">
-                <a16:creationId xmlns:a16="http://schemas.microsoft.com/office/drawing/2014/main" id="{DA13BAFF-48B6-9046-94F3-CBF50B2F21D8}"/>
-              </a:ext>
-            </a:extLst>
-          </p:cNvPr>
-          <p:cNvSpPr>
-            <a:spLocks noGrp="1"/>
-          </p:cNvSpPr>
-          <p:nvPr>
-            <p:ph type="body" idx="1"/>
-          </p:nvPr>
-        </p:nvSpPr>
-        <p:spPr/>
-        <p:txBody>
-          <a:bodyPr/>
-          <a:lstStyle/>
-          <a:p>
-            <a:endParaRPr lang="en-US"/>
-          </a:p>
-        </p:txBody>
-      </p:sp>
-    </p:spTree>
-    <p:extLst>
-      <p:ext uri="{BB962C8B-B14F-4D97-AF65-F5344CB8AC3E}">
-        <p14:creationId xmlns:p14="http://schemas.microsoft.com/office/powerpoint/2010/main" val="106807354"/>
-      </p:ext>
-    </p:extLst>
-  </p:cSld>
-  <p:clrMapOvr>
-    <a:masterClrMapping/>
-  </p:clrMapOvr>
-  <mc:AlternateContent xmlns:mc="http://schemas.openxmlformats.org/markup-compatibility/2006" xmlns:p14="http://schemas.microsoft.com/office/powerpoint/2010/main">
-    <mc:Choice Requires="p14">
-      <p:transition spd="med" p14:dur="700">
-        <p:fade/>
-      </p:transition>
-    </mc:Choice>
-    <mc:Fallback xmlns="">
-      <p:transition spd="med">
-        <p:fade/>
-      </p:transition>
-    </mc:Fallback>
-  </mc:AlternateContent>
-</p:sld>
-</file>
-
-<file path=ppt/slides/slide9.xml><?xml version="1.0" encoding="utf-8"?>
-<p:sld xmlns:a="http://schemas.openxmlformats.org/drawingml/2006/main" xmlns:r="http://schemas.openxmlformats.org/officeDocument/2006/relationships" xmlns:p="http://schemas.openxmlformats.org/presentationml/2006/main">
-  <p:cSld>
-    <p:spTree>
-      <p:nvGrpSpPr>
-        <p:cNvPr id="1" name=""/>
-        <p:cNvGrpSpPr/>
-        <p:nvPr/>
-      </p:nvGrpSpPr>
-      <p:grpSpPr>
-        <a:xfrm>
-          <a:off x="0" y="0"/>
-          <a:ext cx="0" cy="0"/>
-          <a:chOff x="0" y="0"/>
-          <a:chExt cx="0" cy="0"/>
-        </a:xfrm>
-      </p:grpSpPr>
-      <p:sp>
-        <p:nvSpPr>
-          <p:cNvPr id="4" name="Title 3">
-            <a:extLst>
-              <a:ext uri="{FF2B5EF4-FFF2-40B4-BE49-F238E27FC236}">
-                <a16:creationId xmlns:a16="http://schemas.microsoft.com/office/drawing/2014/main" id="{30C2C959-72F2-EF4D-80DA-F48A29D0F3C4}"/>
-              </a:ext>
-            </a:extLst>
-          </p:cNvPr>
-          <p:cNvSpPr>
-            <a:spLocks noGrp="1"/>
-          </p:cNvSpPr>
-          <p:nvPr>
-            <p:ph type="title"/>
-          </p:nvPr>
-        </p:nvSpPr>
-        <p:spPr/>
-        <p:txBody>
-          <a:bodyPr/>
-          <a:lstStyle/>
-          <a:p>
-            <a:r>
-              <a:rPr lang="en-US" dirty="0"/>
-              <a:t>What do we need our selected model to do?</a:t>
-            </a:r>
-          </a:p>
-        </p:txBody>
-      </p:sp>
-      <p:sp>
-        <p:nvSpPr>
-          <p:cNvPr id="5" name="Text Placeholder 4">
-            <a:extLst>
-              <a:ext uri="{FF2B5EF4-FFF2-40B4-BE49-F238E27FC236}">
-                <a16:creationId xmlns:a16="http://schemas.microsoft.com/office/drawing/2014/main" id="{24A75FF1-9EFE-0F41-92F5-3E749CFB2EB5}"/>
-              </a:ext>
-            </a:extLst>
-          </p:cNvPr>
-          <p:cNvSpPr>
-            <a:spLocks noGrp="1"/>
-          </p:cNvSpPr>
-          <p:nvPr>
-            <p:ph type="body" idx="1"/>
-          </p:nvPr>
-        </p:nvSpPr>
-        <p:spPr/>
-        <p:txBody>
-          <a:bodyPr/>
-          <a:lstStyle/>
-          <a:p>
-            <a:r>
-              <a:rPr lang="en-US" dirty="0"/>
-              <a:t>Perform well</a:t>
-            </a:r>
-          </a:p>
-          <a:p>
-            <a:pPr lvl="1"/>
-            <a:r>
-              <a:rPr lang="en-US" dirty="0"/>
-              <a:t>What metric?</a:t>
-            </a:r>
-          </a:p>
-          <a:p>
-            <a:pPr lvl="1"/>
-            <a:r>
-              <a:rPr lang="en-US" dirty="0"/>
-              <a:t>Compared to what?</a:t>
-            </a:r>
-          </a:p>
-          <a:p>
-            <a:endParaRPr lang="en-US" dirty="0"/>
-          </a:p>
-          <a:p>
-            <a:r>
-              <a:rPr lang="en-US" dirty="0"/>
-              <a:t>Generalize</a:t>
-            </a:r>
-          </a:p>
-          <a:p>
-            <a:pPr lvl="1"/>
-            <a:r>
-              <a:rPr lang="en-US" dirty="0"/>
-              <a:t>To what?</a:t>
-            </a:r>
-          </a:p>
-        </p:txBody>
-      </p:sp>
-    </p:spTree>
-    <p:extLst>
-      <p:ext uri="{BB962C8B-B14F-4D97-AF65-F5344CB8AC3E}">
-        <p14:creationId xmlns:p14="http://schemas.microsoft.com/office/powerpoint/2010/main" val="4111643116"/>
-      </p:ext>
-    </p:extLst>
-  </p:cSld>
-  <p:clrMapOvr>
-    <a:masterClrMapping/>
-  </p:clrMapOvr>
-  <mc:AlternateContent xmlns:mc="http://schemas.openxmlformats.org/markup-compatibility/2006" xmlns:p14="http://schemas.microsoft.com/office/powerpoint/2010/main">
-    <mc:Choice Requires="p14">
-      <p:transition spd="med" p14:dur="700">
-        <p:fade/>
-      </p:transition>
-    </mc:Choice>
-    <mc:Fallback xmlns="">
-      <p:transition spd="med">
-        <p:fade/>
-      </p:transition>
-    </mc:Fallback>
-  </mc:AlternateContent>
 </p:sld>
 </file>
 

--- a/Lectures/Lecture6-EvaluationMetrics.pptx
+++ b/Lectures/Lecture6-EvaluationMetrics.pptx
@@ -5,37 +5,38 @@
     <p:sldMasterId id="2147483648" r:id="rId1"/>
   </p:sldMasterIdLst>
   <p:notesMasterIdLst>
-    <p:notesMasterId r:id="rId30"/>
+    <p:notesMasterId r:id="rId31"/>
   </p:notesMasterIdLst>
   <p:sldIdLst>
     <p:sldId id="256" r:id="rId2"/>
-    <p:sldId id="471" r:id="rId3"/>
-    <p:sldId id="490" r:id="rId4"/>
-    <p:sldId id="492" r:id="rId5"/>
-    <p:sldId id="493" r:id="rId6"/>
-    <p:sldId id="491" r:id="rId7"/>
-    <p:sldId id="483" r:id="rId8"/>
-    <p:sldId id="323" r:id="rId9"/>
-    <p:sldId id="286" r:id="rId10"/>
-    <p:sldId id="472" r:id="rId11"/>
-    <p:sldId id="287" r:id="rId12"/>
-    <p:sldId id="478" r:id="rId13"/>
-    <p:sldId id="468" r:id="rId14"/>
-    <p:sldId id="269" r:id="rId15"/>
-    <p:sldId id="489" r:id="rId16"/>
-    <p:sldId id="475" r:id="rId17"/>
-    <p:sldId id="453" r:id="rId18"/>
-    <p:sldId id="352" r:id="rId19"/>
-    <p:sldId id="458" r:id="rId20"/>
-    <p:sldId id="457" r:id="rId21"/>
-    <p:sldId id="428" r:id="rId22"/>
-    <p:sldId id="429" r:id="rId23"/>
-    <p:sldId id="430" r:id="rId24"/>
-    <p:sldId id="455" r:id="rId25"/>
-    <p:sldId id="460" r:id="rId26"/>
-    <p:sldId id="420" r:id="rId27"/>
-    <p:sldId id="484" r:id="rId28"/>
-    <p:sldId id="488" r:id="rId29"/>
+    <p:sldId id="323" r:id="rId3"/>
+    <p:sldId id="471" r:id="rId4"/>
+    <p:sldId id="496" r:id="rId5"/>
+    <p:sldId id="490" r:id="rId6"/>
+    <p:sldId id="494" r:id="rId7"/>
+    <p:sldId id="495" r:id="rId8"/>
+    <p:sldId id="497" r:id="rId9"/>
+    <p:sldId id="492" r:id="rId10"/>
+    <p:sldId id="493" r:id="rId11"/>
+    <p:sldId id="491" r:id="rId12"/>
+    <p:sldId id="483" r:id="rId13"/>
+    <p:sldId id="286" r:id="rId14"/>
+    <p:sldId id="468" r:id="rId15"/>
+    <p:sldId id="269" r:id="rId16"/>
+    <p:sldId id="489" r:id="rId17"/>
+    <p:sldId id="475" r:id="rId18"/>
+    <p:sldId id="453" r:id="rId19"/>
+    <p:sldId id="352" r:id="rId20"/>
+    <p:sldId id="458" r:id="rId21"/>
+    <p:sldId id="457" r:id="rId22"/>
+    <p:sldId id="428" r:id="rId23"/>
+    <p:sldId id="429" r:id="rId24"/>
+    <p:sldId id="430" r:id="rId25"/>
+    <p:sldId id="455" r:id="rId26"/>
+    <p:sldId id="460" r:id="rId27"/>
+    <p:sldId id="420" r:id="rId28"/>
+    <p:sldId id="484" r:id="rId29"/>
+    <p:sldId id="488" r:id="rId30"/>
   </p:sldIdLst>
   <p:sldSz cx="12192000" cy="6858000"/>
   <p:notesSz cx="6858000" cy="9144000"/>
@@ -6988,7 +6989,7 @@
                 <a:cs typeface="Calibri"/>
                 <a:sym typeface="Calibri"/>
               </a:rPr>
-              <a:t>18</a:t>
+              <a:t>19</a:t>
             </a:fld>
             <a:endParaRPr lang="en-US" sz="1200" b="0" i="0" u="none" strike="noStrike" cap="none">
               <a:solidFill>
@@ -10397,14 +10398,14 @@
               <a:buNone/>
             </a:pPr>
             <a:r>
-              <a:rPr lang="en-US" sz="2800">
+              <a:rPr lang="en-US" sz="2800" dirty="0">
                 <a:solidFill>
                   <a:srgbClr val="595959"/>
                 </a:solidFill>
               </a:rPr>
-              <a:t>Rayid Ghani and Kit Rodolfa</a:t>
+              <a:t>Rayid Ghani</a:t>
             </a:r>
-            <a:endParaRPr sz="2800">
+            <a:endParaRPr sz="2800" dirty="0">
               <a:solidFill>
                 <a:srgbClr val="595959"/>
               </a:solidFill>
@@ -10470,7 +10471,7 @@
           <p:cNvPr id="2" name="Title 1">
             <a:extLst>
               <a:ext uri="{FF2B5EF4-FFF2-40B4-BE49-F238E27FC236}">
-                <a16:creationId xmlns:a16="http://schemas.microsoft.com/office/drawing/2014/main" id="{7F65A4CE-AFDD-8742-9A6E-BE2092DF9AD0}"/>
+                <a16:creationId xmlns:a16="http://schemas.microsoft.com/office/drawing/2014/main" id="{E3F5A4E3-1083-BD43-B370-9A1F90A39416}"/>
               </a:ext>
             </a:extLst>
           </p:cNvPr>
@@ -10488,17 +10489,94 @@
           <a:p>
             <a:r>
               <a:rPr lang="en-US" dirty="0"/>
-              <a:t>What is the goal of model selection?</a:t>
+              <a:t>Temporal Validation Parameters</a:t>
             </a:r>
           </a:p>
         </p:txBody>
       </p:sp>
+      <p:pic>
+        <p:nvPicPr>
+          <p:cNvPr id="1026" name="Picture 2" descr="Time splitting config">
+            <a:extLst>
+              <a:ext uri="{FF2B5EF4-FFF2-40B4-BE49-F238E27FC236}">
+                <a16:creationId xmlns:a16="http://schemas.microsoft.com/office/drawing/2014/main" id="{64C21727-A739-3142-B6FA-045F6EA56FF6}"/>
+              </a:ext>
+            </a:extLst>
+          </p:cNvPr>
+          <p:cNvPicPr>
+            <a:picLocks noChangeAspect="1" noChangeArrowheads="1"/>
+          </p:cNvPicPr>
+          <p:nvPr/>
+        </p:nvPicPr>
+        <p:blipFill>
+          <a:blip r:embed="rId2">
+            <a:extLst>
+              <a:ext uri="{28A0092B-C50C-407E-A947-70E740481C1C}">
+                <a14:useLocalDpi xmlns:a14="http://schemas.microsoft.com/office/drawing/2010/main" val="0"/>
+              </a:ext>
+            </a:extLst>
+          </a:blip>
+          <a:srcRect/>
+          <a:stretch>
+            <a:fillRect/>
+          </a:stretch>
+        </p:blipFill>
+        <p:spPr bwMode="auto">
+          <a:xfrm>
+            <a:off x="0" y="2025650"/>
+            <a:ext cx="12192000" cy="2805113"/>
+          </a:xfrm>
+          <a:prstGeom prst="rect">
+            <a:avLst/>
+          </a:prstGeom>
+          <a:noFill/>
+          <a:extLst>
+            <a:ext uri="{909E8E84-426E-40DD-AFC4-6F175D3DCCD1}">
+              <a14:hiddenFill xmlns:a14="http://schemas.microsoft.com/office/drawing/2010/main">
+                <a:solidFill>
+                  <a:srgbClr val="FFFFFF"/>
+                </a:solidFill>
+              </a14:hiddenFill>
+            </a:ext>
+          </a:extLst>
+        </p:spPr>
+      </p:pic>
+    </p:spTree>
+    <p:extLst>
+      <p:ext uri="{BB962C8B-B14F-4D97-AF65-F5344CB8AC3E}">
+        <p14:creationId xmlns:p14="http://schemas.microsoft.com/office/powerpoint/2010/main" val="4088877380"/>
+      </p:ext>
+    </p:extLst>
+  </p:cSld>
+  <p:clrMapOvr>
+    <a:masterClrMapping/>
+  </p:clrMapOvr>
+</p:sld>
+</file>
+
+<file path=ppt/slides/slide11.xml><?xml version="1.0" encoding="utf-8"?>
+<p:sld xmlns:a="http://schemas.openxmlformats.org/drawingml/2006/main" xmlns:r="http://schemas.openxmlformats.org/officeDocument/2006/relationships" xmlns:p="http://schemas.openxmlformats.org/presentationml/2006/main">
+  <p:cSld>
+    <p:spTree>
+      <p:nvGrpSpPr>
+        <p:cNvPr id="1" name="Shape 202"/>
+        <p:cNvGrpSpPr/>
+        <p:nvPr/>
+      </p:nvGrpSpPr>
+      <p:grpSpPr>
+        <a:xfrm>
+          <a:off x="0" y="0"/>
+          <a:ext cx="0" cy="0"/>
+          <a:chOff x="0" y="0"/>
+          <a:chExt cx="0" cy="0"/>
+        </a:xfrm>
+      </p:grpSpPr>
       <p:sp>
         <p:nvSpPr>
-          <p:cNvPr id="3" name="Text Placeholder 2">
+          <p:cNvPr id="2" name="Text Placeholder 1">
             <a:extLst>
               <a:ext uri="{FF2B5EF4-FFF2-40B4-BE49-F238E27FC236}">
-                <a16:creationId xmlns:a16="http://schemas.microsoft.com/office/drawing/2014/main" id="{8EDF1C4C-EA36-C547-9888-F6FE7818419A}"/>
+                <a16:creationId xmlns:a16="http://schemas.microsoft.com/office/drawing/2014/main" id="{10E49ADA-B971-3A74-683D-F7E6AB709A58}"/>
               </a:ext>
             </a:extLst>
           </p:cNvPr>
@@ -10518,10 +10596,410 @@
           </a:p>
         </p:txBody>
       </p:sp>
+      <p:sp>
+        <p:nvSpPr>
+          <p:cNvPr id="203" name="Google Shape;203;p38"/>
+          <p:cNvSpPr txBox="1">
+            <a:spLocks noGrp="1"/>
+          </p:cNvSpPr>
+          <p:nvPr>
+            <p:ph type="title"/>
+          </p:nvPr>
+        </p:nvSpPr>
+        <p:spPr>
+          <a:prstGeom prst="rect">
+            <a:avLst/>
+          </a:prstGeom>
+        </p:spPr>
+        <p:txBody>
+          <a:bodyPr spcFirstLastPara="1" wrap="square" lIns="121900" tIns="121900" rIns="121900" bIns="121900" anchor="t" anchorCtr="0">
+            <a:normAutofit fontScale="90000"/>
+          </a:bodyPr>
+          <a:lstStyle/>
+          <a:p>
+            <a:r>
+              <a:rPr lang="en" dirty="0"/>
+              <a:t>Temporal Validation Review -- Example</a:t>
+            </a:r>
+            <a:endParaRPr dirty="0"/>
+          </a:p>
+        </p:txBody>
+      </p:sp>
+      <p:sp>
+        <p:nvSpPr>
+          <p:cNvPr id="204" name="Google Shape;204;p38"/>
+          <p:cNvSpPr/>
+          <p:nvPr/>
+        </p:nvSpPr>
+        <p:spPr>
+          <a:xfrm>
+            <a:off x="190320" y="1463207"/>
+            <a:ext cx="3124000" cy="4204400"/>
+          </a:xfrm>
+          <a:prstGeom prst="rect">
+            <a:avLst/>
+          </a:prstGeom>
+          <a:solidFill>
+            <a:srgbClr val="EEEEEE"/>
+          </a:solidFill>
+          <a:ln w="9525" cap="flat" cmpd="sng">
+            <a:solidFill>
+              <a:srgbClr val="595959"/>
+            </a:solidFill>
+            <a:prstDash val="solid"/>
+            <a:round/>
+            <a:headEnd type="none" w="sm" len="sm"/>
+            <a:tailEnd type="none" w="sm" len="sm"/>
+          </a:ln>
+        </p:spPr>
+        <p:txBody>
+          <a:bodyPr spcFirstLastPara="1" wrap="square" lIns="121900" tIns="121900" rIns="121900" bIns="121900" anchor="ctr" anchorCtr="0">
+            <a:noAutofit/>
+          </a:bodyPr>
+          <a:lstStyle/>
+          <a:p>
+            <a:pPr>
+              <a:buSzPts val="1400"/>
+            </a:pPr>
+            <a:endParaRPr sz="1867"/>
+          </a:p>
+        </p:txBody>
+      </p:sp>
+      <p:sp>
+        <p:nvSpPr>
+          <p:cNvPr id="205" name="Google Shape;205;p38"/>
+          <p:cNvSpPr txBox="1"/>
+          <p:nvPr/>
+        </p:nvSpPr>
+        <p:spPr>
+          <a:xfrm>
+            <a:off x="3566453" y="1341573"/>
+            <a:ext cx="8531200" cy="4555200"/>
+          </a:xfrm>
+          <a:prstGeom prst="rect">
+            <a:avLst/>
+          </a:prstGeom>
+          <a:noFill/>
+          <a:ln>
+            <a:noFill/>
+          </a:ln>
+        </p:spPr>
+        <p:txBody>
+          <a:bodyPr spcFirstLastPara="1" wrap="square" lIns="121900" tIns="121900" rIns="121900" bIns="121900" anchor="t" anchorCtr="0">
+            <a:noAutofit/>
+          </a:bodyPr>
+          <a:lstStyle/>
+          <a:p>
+            <a:pPr>
+              <a:lnSpc>
+                <a:spcPct val="115000"/>
+              </a:lnSpc>
+              <a:spcAft>
+                <a:spcPts val="2133"/>
+              </a:spcAft>
+            </a:pPr>
+            <a:r>
+              <a:rPr lang="en" sz="3467" dirty="0">
+                <a:solidFill>
+                  <a:srgbClr val="FF0000"/>
+                </a:solidFill>
+              </a:rPr>
+              <a:t>At the time of hospital admission</a:t>
+            </a:r>
+            <a:r>
+              <a:rPr lang="en" sz="3467" dirty="0">
+                <a:solidFill>
+                  <a:srgbClr val="595959"/>
+                </a:solidFill>
+              </a:rPr>
+              <a:t>, for </a:t>
+            </a:r>
+            <a:r>
+              <a:rPr lang="en" sz="3467" dirty="0">
+                <a:solidFill>
+                  <a:srgbClr val="0000FF"/>
+                </a:solidFill>
+              </a:rPr>
+              <a:t>all every patient admitted</a:t>
+            </a:r>
+            <a:r>
+              <a:rPr lang="en" sz="3467" dirty="0">
+                <a:solidFill>
+                  <a:srgbClr val="595959"/>
+                </a:solidFill>
+              </a:rPr>
+              <a:t>, can we identify </a:t>
+            </a:r>
+            <a:r>
+              <a:rPr lang="en" sz="3467" dirty="0">
+                <a:solidFill>
+                  <a:srgbClr val="FF00FF"/>
+                </a:solidFill>
+              </a:rPr>
+              <a:t>if they will be among the 50 highest-risk individuals the hospital will see that month </a:t>
+            </a:r>
+            <a:r>
+              <a:rPr lang="en" sz="3467" dirty="0">
+                <a:solidFill>
+                  <a:srgbClr val="595959"/>
+                </a:solidFill>
+              </a:rPr>
+              <a:t>for </a:t>
+            </a:r>
+            <a:r>
+              <a:rPr lang="en" sz="3467" dirty="0">
+                <a:solidFill>
+                  <a:srgbClr val="38761D"/>
+                </a:solidFill>
+              </a:rPr>
+              <a:t>contracting monkeypox in the next year </a:t>
+            </a:r>
+            <a:r>
+              <a:rPr lang="en" sz="3467" dirty="0">
+                <a:solidFill>
+                  <a:srgbClr val="B45F06"/>
+                </a:solidFill>
+              </a:rPr>
+              <a:t>to prioritize for vaccine administration</a:t>
+            </a:r>
+            <a:r>
+              <a:rPr lang="en" sz="3467" dirty="0">
+                <a:solidFill>
+                  <a:srgbClr val="595959"/>
+                </a:solidFill>
+              </a:rPr>
+              <a:t>?</a:t>
+            </a:r>
+            <a:endParaRPr sz="3467" dirty="0">
+              <a:solidFill>
+                <a:srgbClr val="595959"/>
+              </a:solidFill>
+            </a:endParaRPr>
+          </a:p>
+        </p:txBody>
+      </p:sp>
+      <p:sp>
+        <p:nvSpPr>
+          <p:cNvPr id="206" name="Google Shape;206;p38"/>
+          <p:cNvSpPr txBox="1"/>
+          <p:nvPr/>
+        </p:nvSpPr>
+        <p:spPr>
+          <a:xfrm>
+            <a:off x="248120" y="1463207"/>
+            <a:ext cx="3008400" cy="796000"/>
+          </a:xfrm>
+          <a:prstGeom prst="rect">
+            <a:avLst/>
+          </a:prstGeom>
+          <a:noFill/>
+          <a:ln>
+            <a:noFill/>
+          </a:ln>
+        </p:spPr>
+        <p:txBody>
+          <a:bodyPr spcFirstLastPara="1" wrap="square" lIns="121900" tIns="121900" rIns="121900" bIns="121900" anchor="t" anchorCtr="0">
+            <a:noAutofit/>
+          </a:bodyPr>
+          <a:lstStyle/>
+          <a:p>
+            <a:pPr>
+              <a:buSzPts val="1400"/>
+            </a:pPr>
+            <a:r>
+              <a:rPr lang="en" sz="1867">
+                <a:solidFill>
+                  <a:srgbClr val="FF0000"/>
+                </a:solidFill>
+              </a:rPr>
+              <a:t>When and How often is the recommendation / decision being made?</a:t>
+            </a:r>
+            <a:endParaRPr sz="1867">
+              <a:solidFill>
+                <a:srgbClr val="FF0000"/>
+              </a:solidFill>
+            </a:endParaRPr>
+          </a:p>
+        </p:txBody>
+      </p:sp>
+      <p:sp>
+        <p:nvSpPr>
+          <p:cNvPr id="207" name="Google Shape;207;p38"/>
+          <p:cNvSpPr txBox="1"/>
+          <p:nvPr/>
+        </p:nvSpPr>
+        <p:spPr>
+          <a:xfrm>
+            <a:off x="253253" y="2632740"/>
+            <a:ext cx="3008400" cy="796000"/>
+          </a:xfrm>
+          <a:prstGeom prst="rect">
+            <a:avLst/>
+          </a:prstGeom>
+          <a:noFill/>
+          <a:ln>
+            <a:noFill/>
+          </a:ln>
+        </p:spPr>
+        <p:txBody>
+          <a:bodyPr spcFirstLastPara="1" wrap="square" lIns="121900" tIns="121900" rIns="121900" bIns="121900" anchor="t" anchorCtr="0">
+            <a:noAutofit/>
+          </a:bodyPr>
+          <a:lstStyle/>
+          <a:p>
+            <a:pPr>
+              <a:buSzPts val="1400"/>
+            </a:pPr>
+            <a:br>
+              <a:rPr lang="en" sz="1867">
+                <a:solidFill>
+                  <a:srgbClr val="0000FF"/>
+                </a:solidFill>
+              </a:rPr>
+            </a:br>
+            <a:r>
+              <a:rPr lang="en" sz="1867">
+                <a:solidFill>
+                  <a:srgbClr val="0000FF"/>
+                </a:solidFill>
+              </a:rPr>
+              <a:t>Who/what is included in the cohort?</a:t>
+            </a:r>
+            <a:endParaRPr sz="1867">
+              <a:solidFill>
+                <a:srgbClr val="0000FF"/>
+              </a:solidFill>
+            </a:endParaRPr>
+          </a:p>
+        </p:txBody>
+      </p:sp>
+      <p:sp>
+        <p:nvSpPr>
+          <p:cNvPr id="208" name="Google Shape;208;p38"/>
+          <p:cNvSpPr txBox="1"/>
+          <p:nvPr/>
+        </p:nvSpPr>
+        <p:spPr>
+          <a:xfrm>
+            <a:off x="253253" y="3497473"/>
+            <a:ext cx="3008400" cy="796000"/>
+          </a:xfrm>
+          <a:prstGeom prst="rect">
+            <a:avLst/>
+          </a:prstGeom>
+          <a:noFill/>
+          <a:ln>
+            <a:noFill/>
+          </a:ln>
+        </p:spPr>
+        <p:txBody>
+          <a:bodyPr spcFirstLastPara="1" wrap="square" lIns="121900" tIns="121900" rIns="121900" bIns="121900" anchor="t" anchorCtr="0">
+            <a:noAutofit/>
+          </a:bodyPr>
+          <a:lstStyle/>
+          <a:p>
+            <a:pPr>
+              <a:buSzPts val="1400"/>
+            </a:pPr>
+            <a:br>
+              <a:rPr lang="en" sz="1867">
+                <a:solidFill>
+                  <a:srgbClr val="FF00FF"/>
+                </a:solidFill>
+              </a:rPr>
+            </a:br>
+            <a:r>
+              <a:rPr lang="en" sz="1867">
+                <a:solidFill>
+                  <a:srgbClr val="FF00FF"/>
+                </a:solidFill>
+              </a:rPr>
+              <a:t>What is the output?</a:t>
+            </a:r>
+            <a:endParaRPr sz="1867">
+              <a:solidFill>
+                <a:srgbClr val="FF00FF"/>
+              </a:solidFill>
+            </a:endParaRPr>
+          </a:p>
+        </p:txBody>
+      </p:sp>
+      <p:sp>
+        <p:nvSpPr>
+          <p:cNvPr id="209" name="Google Shape;209;p38"/>
+          <p:cNvSpPr txBox="1"/>
+          <p:nvPr/>
+        </p:nvSpPr>
+        <p:spPr>
+          <a:xfrm>
+            <a:off x="248120" y="4191873"/>
+            <a:ext cx="3008400" cy="1475600"/>
+          </a:xfrm>
+          <a:prstGeom prst="rect">
+            <a:avLst/>
+          </a:prstGeom>
+          <a:noFill/>
+          <a:ln>
+            <a:noFill/>
+          </a:ln>
+        </p:spPr>
+        <p:txBody>
+          <a:bodyPr spcFirstLastPara="1" wrap="square" lIns="121900" tIns="121900" rIns="121900" bIns="121900" anchor="t" anchorCtr="0">
+            <a:noAutofit/>
+          </a:bodyPr>
+          <a:lstStyle/>
+          <a:p>
+            <a:pPr>
+              <a:buSzPts val="1400"/>
+            </a:pPr>
+            <a:r>
+              <a:rPr lang="en" sz="1867">
+                <a:solidFill>
+                  <a:srgbClr val="274E13"/>
+                </a:solidFill>
+              </a:rPr>
+              <a:t>What outcome are you predicting/estimating?</a:t>
+            </a:r>
+            <a:endParaRPr sz="1867">
+              <a:solidFill>
+                <a:srgbClr val="274E13"/>
+              </a:solidFill>
+            </a:endParaRPr>
+          </a:p>
+          <a:p>
+            <a:pPr>
+              <a:buSzPts val="1400"/>
+            </a:pPr>
+            <a:endParaRPr sz="1867">
+              <a:solidFill>
+                <a:srgbClr val="274E13"/>
+              </a:solidFill>
+            </a:endParaRPr>
+          </a:p>
+          <a:p>
+            <a:pPr>
+              <a:buSzPts val="1400"/>
+            </a:pPr>
+            <a:r>
+              <a:rPr lang="en" sz="1867">
+                <a:solidFill>
+                  <a:srgbClr val="B45F06"/>
+                </a:solidFill>
+              </a:rPr>
+              <a:t>For what purpose?</a:t>
+            </a:r>
+            <a:endParaRPr sz="1867">
+              <a:solidFill>
+                <a:srgbClr val="274E13"/>
+              </a:solidFill>
+            </a:endParaRPr>
+          </a:p>
+        </p:txBody>
+      </p:sp>
     </p:spTree>
     <p:extLst>
       <p:ext uri="{BB962C8B-B14F-4D97-AF65-F5344CB8AC3E}">
-        <p14:creationId xmlns:p14="http://schemas.microsoft.com/office/powerpoint/2010/main" val="3250978397"/>
+        <p14:creationId xmlns:p14="http://schemas.microsoft.com/office/powerpoint/2010/main" val="2001223450"/>
       </p:ext>
     </p:extLst>
   </p:cSld>
@@ -10531,7 +11009,115 @@
 </p:sld>
 </file>
 
-<file path=ppt/slides/slide11.xml><?xml version="1.0" encoding="utf-8"?>
+<file path=ppt/slides/slide12.xml><?xml version="1.0" encoding="utf-8"?>
+<p:sld xmlns:a="http://schemas.openxmlformats.org/drawingml/2006/main" xmlns:r="http://schemas.openxmlformats.org/officeDocument/2006/relationships" xmlns:p="http://schemas.openxmlformats.org/presentationml/2006/main" show="0">
+  <p:cSld>
+    <p:spTree>
+      <p:nvGrpSpPr>
+        <p:cNvPr id="1" name=""/>
+        <p:cNvGrpSpPr/>
+        <p:nvPr/>
+      </p:nvGrpSpPr>
+      <p:grpSpPr>
+        <a:xfrm>
+          <a:off x="0" y="0"/>
+          <a:ext cx="0" cy="0"/>
+          <a:chOff x="0" y="0"/>
+          <a:chExt cx="0" cy="0"/>
+        </a:xfrm>
+      </p:grpSpPr>
+      <p:sp>
+        <p:nvSpPr>
+          <p:cNvPr id="3" name="Title 2">
+            <a:extLst>
+              <a:ext uri="{FF2B5EF4-FFF2-40B4-BE49-F238E27FC236}">
+                <a16:creationId xmlns:a16="http://schemas.microsoft.com/office/drawing/2014/main" id="{9323871C-7CA8-1448-8FFC-1AE6E1838941}"/>
+              </a:ext>
+            </a:extLst>
+          </p:cNvPr>
+          <p:cNvSpPr>
+            <a:spLocks noGrp="1"/>
+          </p:cNvSpPr>
+          <p:nvPr>
+            <p:ph type="title"/>
+          </p:nvPr>
+        </p:nvSpPr>
+        <p:spPr/>
+        <p:txBody>
+          <a:bodyPr/>
+          <a:lstStyle/>
+          <a:p>
+            <a:r>
+              <a:rPr lang="en-US" dirty="0"/>
+              <a:t>Project Update 1 Review</a:t>
+            </a:r>
+          </a:p>
+        </p:txBody>
+      </p:sp>
+      <p:sp>
+        <p:nvSpPr>
+          <p:cNvPr id="4" name="Text Placeholder 3">
+            <a:extLst>
+              <a:ext uri="{FF2B5EF4-FFF2-40B4-BE49-F238E27FC236}">
+                <a16:creationId xmlns:a16="http://schemas.microsoft.com/office/drawing/2014/main" id="{5E600BA7-FA45-884F-9820-9E5F2CB7AA48}"/>
+              </a:ext>
+            </a:extLst>
+          </p:cNvPr>
+          <p:cNvSpPr>
+            <a:spLocks noGrp="1"/>
+          </p:cNvSpPr>
+          <p:nvPr>
+            <p:ph type="body" idx="1"/>
+          </p:nvPr>
+        </p:nvSpPr>
+        <p:spPr/>
+        <p:txBody>
+          <a:bodyPr/>
+          <a:lstStyle/>
+          <a:p>
+            <a:r>
+              <a:rPr lang="en-US" sz="2600" dirty="0"/>
+              <a:t>Formulation – first of every month?</a:t>
+            </a:r>
+            <a:br>
+              <a:rPr lang="en-US" sz="2600" dirty="0"/>
+            </a:br>
+            <a:endParaRPr lang="en-US" sz="2600" dirty="0"/>
+          </a:p>
+          <a:p>
+            <a:r>
+              <a:rPr lang="en-US" sz="2600" dirty="0"/>
+              <a:t>Base rate – definition and keeping parallel with label</a:t>
+            </a:r>
+          </a:p>
+          <a:p>
+            <a:pPr marL="76200" indent="0">
+              <a:buNone/>
+            </a:pPr>
+            <a:endParaRPr lang="en-US" sz="2600" dirty="0"/>
+          </a:p>
+          <a:p>
+            <a:r>
+              <a:rPr lang="en-US" sz="2600" dirty="0"/>
+              <a:t>Commonsense Baselines – what makes sense here?</a:t>
+            </a:r>
+          </a:p>
+        </p:txBody>
+      </p:sp>
+    </p:spTree>
+    <p:extLst>
+      <p:ext uri="{BB962C8B-B14F-4D97-AF65-F5344CB8AC3E}">
+        <p14:creationId xmlns:p14="http://schemas.microsoft.com/office/powerpoint/2010/main" val="1535530279"/>
+      </p:ext>
+    </p:extLst>
+  </p:cSld>
+  <p:clrMapOvr>
+    <a:masterClrMapping/>
+  </p:clrMapOvr>
+</p:sld>
+</file>
+
+<file path=ppt/slides/slide13.xml><?xml version="1.0" encoding="utf-8"?>
 <p:sld xmlns:a="http://schemas.openxmlformats.org/drawingml/2006/main" xmlns:r="http://schemas.openxmlformats.org/officeDocument/2006/relationships" xmlns:p="http://schemas.openxmlformats.org/presentationml/2006/main">
   <p:cSld>
     <p:spTree>
@@ -10565,7 +11151,7 @@
           <a:p>
             <a:r>
               <a:rPr lang="en-US" dirty="0"/>
-              <a:t>What is the goal of model selection?</a:t>
+              <a:t>How to solve a prediction problem</a:t>
             </a:r>
           </a:p>
         </p:txBody>
@@ -10586,34 +11172,44 @@
           <a:lstStyle/>
           <a:p>
             <a:r>
-              <a:rPr lang="en-US" sz="2800" dirty="0"/>
-              <a:t>You’ve run a large number of different types of models varying …</a:t>
+              <a:rPr lang="en-US" dirty="0"/>
+              <a:t>Define and Create Rows (unit of prediction)</a:t>
             </a:r>
           </a:p>
           <a:p>
-            <a:endParaRPr lang="en-US" sz="2800" dirty="0"/>
+            <a:r>
+              <a:rPr lang="en-US" dirty="0"/>
+              <a:t>Define and Create Label (outcome/target variable – what event and when?)</a:t>
+            </a:r>
           </a:p>
           <a:p>
             <a:r>
-              <a:rPr lang="en-US" sz="2800" dirty="0"/>
-              <a:t>You need to understand what types of models are effective under what circumstances, </a:t>
-            </a:r>
-            <a:r>
-              <a:rPr lang="en-US" sz="2800" b="1" dirty="0"/>
-              <a:t>and</a:t>
+              <a:rPr lang="en-US" dirty="0"/>
+              <a:t>Define and Create Features (features/predictors)</a:t>
             </a:r>
           </a:p>
           <a:p>
-            <a:endParaRPr lang="en-US" sz="2800" b="1" dirty="0"/>
+            <a:r>
+              <a:rPr lang="en-US" dirty="0"/>
+              <a:t>Create Training and Validation/Test Sets</a:t>
+            </a:r>
           </a:p>
           <a:p>
             <a:r>
-              <a:rPr lang="en-US" sz="2800" dirty="0"/>
-              <a:t>You need to decide which one(s) to use in the </a:t>
+              <a:rPr lang="en-US" dirty="0"/>
+              <a:t>Train model(s) on Training Set(s)</a:t>
             </a:r>
+          </a:p>
+          <a:p>
             <a:r>
-              <a:rPr lang="en-US" sz="2800" b="1" dirty="0"/>
-              <a:t>future</a:t>
+              <a:rPr lang="en-US" dirty="0"/>
+              <a:t>Validate model(s) on Validation/Test Set(s)</a:t>
+            </a:r>
+          </a:p>
+          <a:p>
+            <a:r>
+              <a:rPr lang="en-US" dirty="0"/>
+              <a:t>Select “best” model</a:t>
             </a:r>
           </a:p>
         </p:txBody>
@@ -10621,7 +11217,7 @@
     </p:spTree>
     <p:extLst>
       <p:ext uri="{BB962C8B-B14F-4D97-AF65-F5344CB8AC3E}">
-        <p14:creationId xmlns:p14="http://schemas.microsoft.com/office/powerpoint/2010/main" val="423896287"/>
+        <p14:creationId xmlns:p14="http://schemas.microsoft.com/office/powerpoint/2010/main" val="1362212857"/>
       </p:ext>
     </p:extLst>
   </p:cSld>
@@ -10631,102 +11227,7 @@
 </p:sld>
 </file>
 
-<file path=ppt/slides/slide12.xml><?xml version="1.0" encoding="utf-8"?>
-<p:sld xmlns:a="http://schemas.openxmlformats.org/drawingml/2006/main" xmlns:r="http://schemas.openxmlformats.org/officeDocument/2006/relationships" xmlns:p="http://schemas.openxmlformats.org/presentationml/2006/main">
-  <p:cSld>
-    <p:spTree>
-      <p:nvGrpSpPr>
-        <p:cNvPr id="1" name=""/>
-        <p:cNvGrpSpPr/>
-        <p:nvPr/>
-      </p:nvGrpSpPr>
-      <p:grpSpPr>
-        <a:xfrm>
-          <a:off x="0" y="0"/>
-          <a:ext cx="0" cy="0"/>
-          <a:chOff x="0" y="0"/>
-          <a:chExt cx="0" cy="0"/>
-        </a:xfrm>
-      </p:grpSpPr>
-      <p:sp>
-        <p:nvSpPr>
-          <p:cNvPr id="4" name="Title 3">
-            <a:extLst>
-              <a:ext uri="{FF2B5EF4-FFF2-40B4-BE49-F238E27FC236}">
-                <a16:creationId xmlns:a16="http://schemas.microsoft.com/office/drawing/2014/main" id="{30C2C959-72F2-EF4D-80DA-F48A29D0F3C4}"/>
-              </a:ext>
-            </a:extLst>
-          </p:cNvPr>
-          <p:cNvSpPr>
-            <a:spLocks noGrp="1"/>
-          </p:cNvSpPr>
-          <p:nvPr>
-            <p:ph type="title"/>
-          </p:nvPr>
-        </p:nvSpPr>
-        <p:spPr/>
-        <p:txBody>
-          <a:bodyPr/>
-          <a:lstStyle/>
-          <a:p>
-            <a:r>
-              <a:rPr lang="en-US" dirty="0"/>
-              <a:t>What do we need our selected model to do?</a:t>
-            </a:r>
-          </a:p>
-        </p:txBody>
-      </p:sp>
-      <p:sp>
-        <p:nvSpPr>
-          <p:cNvPr id="3" name="Text Placeholder 2">
-            <a:extLst>
-              <a:ext uri="{FF2B5EF4-FFF2-40B4-BE49-F238E27FC236}">
-                <a16:creationId xmlns:a16="http://schemas.microsoft.com/office/drawing/2014/main" id="{DA13BAFF-48B6-9046-94F3-CBF50B2F21D8}"/>
-              </a:ext>
-            </a:extLst>
-          </p:cNvPr>
-          <p:cNvSpPr>
-            <a:spLocks noGrp="1"/>
-          </p:cNvSpPr>
-          <p:nvPr>
-            <p:ph type="body" idx="1"/>
-          </p:nvPr>
-        </p:nvSpPr>
-        <p:spPr/>
-        <p:txBody>
-          <a:bodyPr/>
-          <a:lstStyle/>
-          <a:p>
-            <a:endParaRPr lang="en-US"/>
-          </a:p>
-        </p:txBody>
-      </p:sp>
-    </p:spTree>
-    <p:extLst>
-      <p:ext uri="{BB962C8B-B14F-4D97-AF65-F5344CB8AC3E}">
-        <p14:creationId xmlns:p14="http://schemas.microsoft.com/office/powerpoint/2010/main" val="106807354"/>
-      </p:ext>
-    </p:extLst>
-  </p:cSld>
-  <p:clrMapOvr>
-    <a:masterClrMapping/>
-  </p:clrMapOvr>
-  <mc:AlternateContent xmlns:mc="http://schemas.openxmlformats.org/markup-compatibility/2006" xmlns:p14="http://schemas.microsoft.com/office/powerpoint/2010/main">
-    <mc:Choice Requires="p14">
-      <p:transition spd="med" p14:dur="700">
-        <p:fade/>
-      </p:transition>
-    </mc:Choice>
-    <mc:Fallback xmlns="">
-      <p:transition spd="med">
-        <p:fade/>
-      </p:transition>
-    </mc:Fallback>
-  </mc:AlternateContent>
-</p:sld>
-</file>
-
-<file path=ppt/slides/slide13.xml><?xml version="1.0" encoding="utf-8"?>
+<file path=ppt/slides/slide14.xml><?xml version="1.0" encoding="utf-8"?>
 <p:sld xmlns:a="http://schemas.openxmlformats.org/drawingml/2006/main" xmlns:r="http://schemas.openxmlformats.org/officeDocument/2006/relationships" xmlns:p="http://schemas.openxmlformats.org/presentationml/2006/main">
   <p:cSld>
     <p:spTree>
@@ -10854,8 +11355,8 @@
 </p:sld>
 </file>
 
-<file path=ppt/slides/slide14.xml><?xml version="1.0" encoding="utf-8"?>
-<p:sld xmlns:a="http://schemas.openxmlformats.org/drawingml/2006/main" xmlns:r="http://schemas.openxmlformats.org/officeDocument/2006/relationships" xmlns:p="http://schemas.openxmlformats.org/presentationml/2006/main">
+<file path=ppt/slides/slide15.xml><?xml version="1.0" encoding="utf-8"?>
+<p:sld xmlns:a="http://schemas.openxmlformats.org/drawingml/2006/main" xmlns:r="http://schemas.openxmlformats.org/officeDocument/2006/relationships" xmlns:p="http://schemas.openxmlformats.org/presentationml/2006/main" show="0">
   <p:cSld>
     <p:spTree>
       <p:nvGrpSpPr>
@@ -11320,8 +11821,8 @@
 </p:sld>
 </file>
 
-<file path=ppt/slides/slide15.xml><?xml version="1.0" encoding="utf-8"?>
-<p:sld xmlns:a="http://schemas.openxmlformats.org/drawingml/2006/main" xmlns:r="http://schemas.openxmlformats.org/officeDocument/2006/relationships" xmlns:p="http://schemas.openxmlformats.org/presentationml/2006/main">
+<file path=ppt/slides/slide16.xml><?xml version="1.0" encoding="utf-8"?>
+<p:sld xmlns:a="http://schemas.openxmlformats.org/drawingml/2006/main" xmlns:r="http://schemas.openxmlformats.org/officeDocument/2006/relationships" xmlns:p="http://schemas.openxmlformats.org/presentationml/2006/main" show="0">
   <p:cSld>
     <p:spTree>
       <p:nvGrpSpPr>
@@ -11721,7 +12222,7 @@
 </p:sld>
 </file>
 
-<file path=ppt/slides/slide16.xml><?xml version="1.0" encoding="utf-8"?>
+<file path=ppt/slides/slide17.xml><?xml version="1.0" encoding="utf-8"?>
 <p:sld xmlns:a="http://schemas.openxmlformats.org/drawingml/2006/main" xmlns:r="http://schemas.openxmlformats.org/officeDocument/2006/relationships" xmlns:p="http://schemas.openxmlformats.org/presentationml/2006/main">
   <p:cSld>
     <p:spTree>
@@ -11761,7 +12262,7 @@
           <a:p>
             <a:r>
               <a:rPr lang="en-US" dirty="0"/>
-              <a:t>Performance Metrics</a:t>
+              <a:t>Performance Metrics?</a:t>
             </a:r>
           </a:p>
         </p:txBody>
@@ -11787,7 +12288,10 @@
           <a:bodyPr/>
           <a:lstStyle/>
           <a:p>
-            <a:endParaRPr lang="en-US"/>
+            <a:r>
+              <a:rPr lang="en-US" dirty="0"/>
+              <a:t>Or more often, model selection metrics</a:t>
+            </a:r>
           </a:p>
         </p:txBody>
       </p:sp>
@@ -11804,7 +12308,7 @@
 </p:sld>
 </file>
 
-<file path=ppt/slides/slide17.xml><?xml version="1.0" encoding="utf-8"?>
+<file path=ppt/slides/slide18.xml><?xml version="1.0" encoding="utf-8"?>
 <p:sld xmlns:a="http://schemas.openxmlformats.org/drawingml/2006/main" xmlns:r="http://schemas.openxmlformats.org/officeDocument/2006/relationships" xmlns:p="http://schemas.openxmlformats.org/presentationml/2006/main">
   <p:cSld>
     <p:spTree>
@@ -11838,7 +12342,7 @@
           <a:p>
             <a:r>
               <a:rPr lang="en-US" dirty="0"/>
-              <a:t>Score Distribution on the Test Set</a:t>
+              <a:t>Score Distribution on the Validation or Test Set</a:t>
             </a:r>
           </a:p>
         </p:txBody>
@@ -12001,7 +12505,7 @@
 </p:sld>
 </file>
 
-<file path=ppt/slides/slide18.xml><?xml version="1.0" encoding="utf-8"?>
+<file path=ppt/slides/slide19.xml><?xml version="1.0" encoding="utf-8"?>
 <p:sld xmlns:a="http://schemas.openxmlformats.org/drawingml/2006/main" xmlns:r="http://schemas.openxmlformats.org/officeDocument/2006/relationships" xmlns:p="http://schemas.openxmlformats.org/presentationml/2006/main">
   <p:cSld>
     <p:spTree>
@@ -13191,7 +13695,136 @@
 </p:sld>
 </file>
 
-<file path=ppt/slides/slide19.xml><?xml version="1.0" encoding="utf-8"?>
+<file path=ppt/slides/slide2.xml><?xml version="1.0" encoding="utf-8"?>
+<p:sld xmlns:a="http://schemas.openxmlformats.org/drawingml/2006/main" xmlns:r="http://schemas.openxmlformats.org/officeDocument/2006/relationships" xmlns:p="http://schemas.openxmlformats.org/presentationml/2006/main">
+  <p:cSld>
+    <p:spTree>
+      <p:nvGrpSpPr>
+        <p:cNvPr id="1" name=""/>
+        <p:cNvGrpSpPr/>
+        <p:nvPr/>
+      </p:nvGrpSpPr>
+      <p:grpSpPr>
+        <a:xfrm>
+          <a:off x="0" y="0"/>
+          <a:ext cx="0" cy="0"/>
+          <a:chOff x="0" y="0"/>
+          <a:chExt cx="0" cy="0"/>
+        </a:xfrm>
+      </p:grpSpPr>
+      <p:sp>
+        <p:nvSpPr>
+          <p:cNvPr id="2" name="Title 1">
+            <a:extLst>
+              <a:ext uri="{FF2B5EF4-FFF2-40B4-BE49-F238E27FC236}">
+                <a16:creationId xmlns:a16="http://schemas.microsoft.com/office/drawing/2014/main" id="{94CF2A94-A63F-6149-AA28-2E35B60E3D3E}"/>
+              </a:ext>
+            </a:extLst>
+          </p:cNvPr>
+          <p:cNvSpPr>
+            <a:spLocks noGrp="1"/>
+          </p:cNvSpPr>
+          <p:nvPr>
+            <p:ph type="title"/>
+          </p:nvPr>
+        </p:nvSpPr>
+        <p:spPr/>
+        <p:txBody>
+          <a:bodyPr/>
+          <a:lstStyle/>
+          <a:p>
+            <a:endParaRPr lang="en-US"/>
+          </a:p>
+        </p:txBody>
+      </p:sp>
+      <p:graphicFrame>
+        <p:nvGraphicFramePr>
+          <p:cNvPr id="3" name="Diagram 2">
+            <a:extLst>
+              <a:ext uri="{FF2B5EF4-FFF2-40B4-BE49-F238E27FC236}">
+                <a16:creationId xmlns:a16="http://schemas.microsoft.com/office/drawing/2014/main" id="{8E902576-68A9-6E48-B0FE-5B1889953DC8}"/>
+              </a:ext>
+            </a:extLst>
+          </p:cNvPr>
+          <p:cNvGraphicFramePr/>
+          <p:nvPr/>
+        </p:nvGraphicFramePr>
+        <p:xfrm>
+          <a:off x="180467" y="0"/>
+          <a:ext cx="11776400" cy="6858000"/>
+        </p:xfrm>
+        <a:graphic>
+          <a:graphicData uri="http://schemas.openxmlformats.org/drawingml/2006/diagram">
+            <dgm:relIds xmlns:dgm="http://schemas.openxmlformats.org/drawingml/2006/diagram" xmlns:r="http://schemas.openxmlformats.org/officeDocument/2006/relationships" r:dm="rId2" r:lo="rId3" r:qs="rId4" r:cs="rId5"/>
+          </a:graphicData>
+        </a:graphic>
+      </p:graphicFrame>
+      <p:sp>
+        <p:nvSpPr>
+          <p:cNvPr id="4" name="Rectangle 3">
+            <a:extLst>
+              <a:ext uri="{FF2B5EF4-FFF2-40B4-BE49-F238E27FC236}">
+                <a16:creationId xmlns:a16="http://schemas.microsoft.com/office/drawing/2014/main" id="{E2C99BF2-C81A-5246-89D3-E49BCDCAD699}"/>
+              </a:ext>
+            </a:extLst>
+          </p:cNvPr>
+          <p:cNvSpPr/>
+          <p:nvPr/>
+        </p:nvSpPr>
+        <p:spPr>
+          <a:xfrm>
+            <a:off x="9553197" y="2534144"/>
+            <a:ext cx="2534195" cy="1789611"/>
+          </a:xfrm>
+          <a:prstGeom prst="rect">
+            <a:avLst/>
+          </a:prstGeom>
+          <a:noFill/>
+          <a:ln w="76200">
+            <a:solidFill>
+              <a:srgbClr val="C00000"/>
+            </a:solidFill>
+          </a:ln>
+        </p:spPr>
+        <p:style>
+          <a:lnRef idx="2">
+            <a:schemeClr val="accent1">
+              <a:shade val="50000"/>
+            </a:schemeClr>
+          </a:lnRef>
+          <a:fillRef idx="1">
+            <a:schemeClr val="accent1"/>
+          </a:fillRef>
+          <a:effectRef idx="0">
+            <a:schemeClr val="accent1"/>
+          </a:effectRef>
+          <a:fontRef idx="minor">
+            <a:schemeClr val="lt1"/>
+          </a:fontRef>
+        </p:style>
+        <p:txBody>
+          <a:bodyPr rtlCol="0" anchor="ctr"/>
+          <a:lstStyle/>
+          <a:p>
+            <a:pPr algn="ctr"/>
+            <a:endParaRPr lang="en-US"/>
+          </a:p>
+        </p:txBody>
+      </p:sp>
+    </p:spTree>
+    <p:extLst>
+      <p:ext uri="{BB962C8B-B14F-4D97-AF65-F5344CB8AC3E}">
+        <p14:creationId xmlns:p14="http://schemas.microsoft.com/office/powerpoint/2010/main" val="71354461"/>
+      </p:ext>
+    </p:extLst>
+  </p:cSld>
+  <p:clrMapOvr>
+    <a:masterClrMapping/>
+  </p:clrMapOvr>
+</p:sld>
+</file>
+
+<file path=ppt/slides/slide20.xml><?xml version="1.0" encoding="utf-8"?>
 <p:sld xmlns:a="http://schemas.openxmlformats.org/drawingml/2006/main" xmlns:r="http://schemas.openxmlformats.org/officeDocument/2006/relationships" xmlns:p="http://schemas.openxmlformats.org/presentationml/2006/main">
   <p:cSld>
     <p:spTree>
@@ -14535,128 +15168,7 @@
 </p:sld>
 </file>
 
-<file path=ppt/slides/slide2.xml><?xml version="1.0" encoding="utf-8"?>
-<p:sld xmlns:a="http://schemas.openxmlformats.org/drawingml/2006/main" xmlns:r="http://schemas.openxmlformats.org/officeDocument/2006/relationships" xmlns:p="http://schemas.openxmlformats.org/presentationml/2006/main">
-  <p:cSld>
-    <p:spTree>
-      <p:nvGrpSpPr>
-        <p:cNvPr id="1" name=""/>
-        <p:cNvGrpSpPr/>
-        <p:nvPr/>
-      </p:nvGrpSpPr>
-      <p:grpSpPr>
-        <a:xfrm>
-          <a:off x="0" y="0"/>
-          <a:ext cx="0" cy="0"/>
-          <a:chOff x="0" y="0"/>
-          <a:chExt cx="0" cy="0"/>
-        </a:xfrm>
-      </p:grpSpPr>
-      <p:sp>
-        <p:nvSpPr>
-          <p:cNvPr id="3" name="Title 2">
-            <a:extLst>
-              <a:ext uri="{FF2B5EF4-FFF2-40B4-BE49-F238E27FC236}">
-                <a16:creationId xmlns:a16="http://schemas.microsoft.com/office/drawing/2014/main" id="{9323871C-7CA8-1448-8FFC-1AE6E1838941}"/>
-              </a:ext>
-            </a:extLst>
-          </p:cNvPr>
-          <p:cNvSpPr>
-            <a:spLocks noGrp="1"/>
-          </p:cNvSpPr>
-          <p:nvPr>
-            <p:ph type="title"/>
-          </p:nvPr>
-        </p:nvSpPr>
-        <p:spPr/>
-        <p:txBody>
-          <a:bodyPr/>
-          <a:lstStyle/>
-          <a:p>
-            <a:r>
-              <a:rPr lang="en-US" dirty="0"/>
-              <a:t>Reminders</a:t>
-            </a:r>
-          </a:p>
-        </p:txBody>
-      </p:sp>
-      <p:sp>
-        <p:nvSpPr>
-          <p:cNvPr id="5" name="Text Placeholder 4">
-            <a:extLst>
-              <a:ext uri="{FF2B5EF4-FFF2-40B4-BE49-F238E27FC236}">
-                <a16:creationId xmlns:a16="http://schemas.microsoft.com/office/drawing/2014/main" id="{F4E0A5F0-1D89-954D-91FB-596CD9E690F2}"/>
-              </a:ext>
-            </a:extLst>
-          </p:cNvPr>
-          <p:cNvSpPr>
-            <a:spLocks noGrp="1"/>
-          </p:cNvSpPr>
-          <p:nvPr>
-            <p:ph type="body" idx="1"/>
-          </p:nvPr>
-        </p:nvSpPr>
-        <p:spPr/>
-        <p:txBody>
-          <a:bodyPr/>
-          <a:lstStyle/>
-          <a:p>
-            <a:pPr marL="76200" indent="0">
-              <a:buNone/>
-            </a:pPr>
-            <a:r>
-              <a:rPr lang="en-US" b="1" dirty="0"/>
-              <a:t>Coming up next week:</a:t>
-            </a:r>
-          </a:p>
-          <a:p>
-            <a:pPr marL="76200" indent="0">
-              <a:buNone/>
-            </a:pPr>
-            <a:endParaRPr lang="en-US" b="1" dirty="0"/>
-          </a:p>
-          <a:p>
-            <a:r>
-              <a:rPr lang="en-US" dirty="0"/>
-              <a:t>Monday: Project Update 3</a:t>
-            </a:r>
-            <a:br>
-              <a:rPr lang="en-US" dirty="0"/>
-            </a:br>
-            <a:endParaRPr lang="en-US" dirty="0"/>
-          </a:p>
-          <a:p>
-            <a:r>
-              <a:rPr lang="en-US" dirty="0"/>
-              <a:t>Tuesday: Weekly Feedback Form</a:t>
-            </a:r>
-            <a:br>
-              <a:rPr lang="en-US" dirty="0"/>
-            </a:br>
-            <a:endParaRPr lang="en-US" dirty="0"/>
-          </a:p>
-          <a:p>
-            <a:r>
-              <a:rPr lang="en-US" dirty="0"/>
-              <a:t>Note: all readings for next week are optional</a:t>
-            </a:r>
-          </a:p>
-        </p:txBody>
-      </p:sp>
-    </p:spTree>
-    <p:extLst>
-      <p:ext uri="{BB962C8B-B14F-4D97-AF65-F5344CB8AC3E}">
-        <p14:creationId xmlns:p14="http://schemas.microsoft.com/office/powerpoint/2010/main" val="186046226"/>
-      </p:ext>
-    </p:extLst>
-  </p:cSld>
-  <p:clrMapOvr>
-    <a:masterClrMapping/>
-  </p:clrMapOvr>
-</p:sld>
-</file>
-
-<file path=ppt/slides/slide20.xml><?xml version="1.0" encoding="utf-8"?>
+<file path=ppt/slides/slide21.xml><?xml version="1.0" encoding="utf-8"?>
 <p:sld xmlns:a="http://schemas.openxmlformats.org/drawingml/2006/main" xmlns:r="http://schemas.openxmlformats.org/officeDocument/2006/relationships" xmlns:p="http://schemas.openxmlformats.org/presentationml/2006/main">
   <p:cSld>
     <p:spTree>
@@ -14835,7 +15347,7 @@
 </p:sld>
 </file>
 
-<file path=ppt/slides/slide21.xml><?xml version="1.0" encoding="utf-8"?>
+<file path=ppt/slides/slide22.xml><?xml version="1.0" encoding="utf-8"?>
 <p:sld xmlns:a="http://schemas.openxmlformats.org/drawingml/2006/main" xmlns:r="http://schemas.openxmlformats.org/officeDocument/2006/relationships" xmlns:p="http://schemas.openxmlformats.org/presentationml/2006/main">
   <p:cSld>
     <p:spTree>
@@ -15426,7 +15938,7 @@
 </p:sld>
 </file>
 
-<file path=ppt/slides/slide22.xml><?xml version="1.0" encoding="utf-8"?>
+<file path=ppt/slides/slide23.xml><?xml version="1.0" encoding="utf-8"?>
 <p:sld xmlns:a="http://schemas.openxmlformats.org/drawingml/2006/main" xmlns:r="http://schemas.openxmlformats.org/officeDocument/2006/relationships" xmlns:p="http://schemas.openxmlformats.org/presentationml/2006/main">
   <p:cSld>
     <p:spTree>
@@ -15676,7 +16188,7 @@
 </p:sld>
 </file>
 
-<file path=ppt/slides/slide23.xml><?xml version="1.0" encoding="utf-8"?>
+<file path=ppt/slides/slide24.xml><?xml version="1.0" encoding="utf-8"?>
 <p:sld xmlns:a="http://schemas.openxmlformats.org/drawingml/2006/main" xmlns:r="http://schemas.openxmlformats.org/officeDocument/2006/relationships" xmlns:p="http://schemas.openxmlformats.org/presentationml/2006/main">
   <p:cSld>
     <p:spTree>
@@ -15764,7 +16276,7 @@
 </p:sld>
 </file>
 
-<file path=ppt/slides/slide24.xml><?xml version="1.0" encoding="utf-8"?>
+<file path=ppt/slides/slide25.xml><?xml version="1.0" encoding="utf-8"?>
 <p:sld xmlns:a="http://schemas.openxmlformats.org/drawingml/2006/main" xmlns:r="http://schemas.openxmlformats.org/officeDocument/2006/relationships" xmlns:p="http://schemas.openxmlformats.org/presentationml/2006/main">
   <p:cSld>
     <p:spTree>
@@ -15874,7 +16386,7 @@
 </p:sld>
 </file>
 
-<file path=ppt/slides/slide25.xml><?xml version="1.0" encoding="utf-8"?>
+<file path=ppt/slides/slide26.xml><?xml version="1.0" encoding="utf-8"?>
 <p:sld xmlns:a="http://schemas.openxmlformats.org/drawingml/2006/main" xmlns:r="http://schemas.openxmlformats.org/officeDocument/2006/relationships" xmlns:p="http://schemas.openxmlformats.org/presentationml/2006/main">
   <p:cSld>
     <p:spTree>
@@ -15983,7 +16495,7 @@
 </p:sld>
 </file>
 
-<file path=ppt/slides/slide26.xml><?xml version="1.0" encoding="utf-8"?>
+<file path=ppt/slides/slide27.xml><?xml version="1.0" encoding="utf-8"?>
 <p:sld xmlns:a="http://schemas.openxmlformats.org/drawingml/2006/main" xmlns:r="http://schemas.openxmlformats.org/officeDocument/2006/relationships" xmlns:p="http://schemas.openxmlformats.org/presentationml/2006/main">
   <p:cSld>
     <p:spTree>
@@ -16069,7 +16581,7 @@
 </p:sld>
 </file>
 
-<file path=ppt/slides/slide27.xml><?xml version="1.0" encoding="utf-8"?>
+<file path=ppt/slides/slide28.xml><?xml version="1.0" encoding="utf-8"?>
 <p:sld xmlns:a="http://schemas.openxmlformats.org/drawingml/2006/main" xmlns:r="http://schemas.openxmlformats.org/officeDocument/2006/relationships" xmlns:p="http://schemas.openxmlformats.org/presentationml/2006/main">
   <p:cSld>
     <p:spTree>
@@ -16158,7 +16670,7 @@
 </p:sld>
 </file>
 
-<file path=ppt/slides/slide28.xml><?xml version="1.0" encoding="utf-8"?>
+<file path=ppt/slides/slide29.xml><?xml version="1.0" encoding="utf-8"?>
 <p:sld xmlns:a="http://schemas.openxmlformats.org/drawingml/2006/main" xmlns:r="http://schemas.openxmlformats.org/officeDocument/2006/relationships" xmlns:p="http://schemas.openxmlformats.org/presentationml/2006/main">
   <p:cSld>
     <p:spTree>
@@ -16241,7 +16753,7 @@
           <a:p>
             <a:r>
               <a:rPr lang="en-US" dirty="0"/>
-              <a:t>Monday: Project Update 3</a:t>
+              <a:t>Monday: Project Update 2</a:t>
             </a:r>
             <a:br>
               <a:rPr lang="en-US" dirty="0"/>
@@ -16254,15 +16766,9 @@
               <a:t>Tuesday: Weekly Feedback Form</a:t>
             </a:r>
             <a:br>
-              <a:rPr lang="en-US" dirty="0"/>
+              <a:rPr lang="en-US"/>
             </a:br>
             <a:endParaRPr lang="en-US" dirty="0"/>
-          </a:p>
-          <a:p>
-            <a:r>
-              <a:rPr lang="en-US" dirty="0"/>
-              <a:t>Note: all readings for next week are optional</a:t>
-            </a:r>
           </a:p>
         </p:txBody>
       </p:sp>
@@ -16280,6 +16786,263 @@
 </file>
 
 <file path=ppt/slides/slide3.xml><?xml version="1.0" encoding="utf-8"?>
+<p:sld xmlns:a="http://schemas.openxmlformats.org/drawingml/2006/main" xmlns:r="http://schemas.openxmlformats.org/officeDocument/2006/relationships" xmlns:p="http://schemas.openxmlformats.org/presentationml/2006/main">
+  <p:cSld>
+    <p:spTree>
+      <p:nvGrpSpPr>
+        <p:cNvPr id="1" name=""/>
+        <p:cNvGrpSpPr/>
+        <p:nvPr/>
+      </p:nvGrpSpPr>
+      <p:grpSpPr>
+        <a:xfrm>
+          <a:off x="0" y="0"/>
+          <a:ext cx="0" cy="0"/>
+          <a:chOff x="0" y="0"/>
+          <a:chExt cx="0" cy="0"/>
+        </a:xfrm>
+      </p:grpSpPr>
+      <p:sp>
+        <p:nvSpPr>
+          <p:cNvPr id="3" name="Title 2">
+            <a:extLst>
+              <a:ext uri="{FF2B5EF4-FFF2-40B4-BE49-F238E27FC236}">
+                <a16:creationId xmlns:a16="http://schemas.microsoft.com/office/drawing/2014/main" id="{9323871C-7CA8-1448-8FFC-1AE6E1838941}"/>
+              </a:ext>
+            </a:extLst>
+          </p:cNvPr>
+          <p:cNvSpPr>
+            <a:spLocks noGrp="1"/>
+          </p:cNvSpPr>
+          <p:nvPr>
+            <p:ph type="title"/>
+          </p:nvPr>
+        </p:nvSpPr>
+        <p:spPr/>
+        <p:txBody>
+          <a:bodyPr/>
+          <a:lstStyle/>
+          <a:p>
+            <a:r>
+              <a:rPr lang="en-US" dirty="0"/>
+              <a:t>Reminders</a:t>
+            </a:r>
+          </a:p>
+        </p:txBody>
+      </p:sp>
+      <p:sp>
+        <p:nvSpPr>
+          <p:cNvPr id="5" name="Text Placeholder 4">
+            <a:extLst>
+              <a:ext uri="{FF2B5EF4-FFF2-40B4-BE49-F238E27FC236}">
+                <a16:creationId xmlns:a16="http://schemas.microsoft.com/office/drawing/2014/main" id="{F4E0A5F0-1D89-954D-91FB-596CD9E690F2}"/>
+              </a:ext>
+            </a:extLst>
+          </p:cNvPr>
+          <p:cNvSpPr>
+            <a:spLocks noGrp="1"/>
+          </p:cNvSpPr>
+          <p:nvPr>
+            <p:ph type="body" idx="1"/>
+          </p:nvPr>
+        </p:nvSpPr>
+        <p:spPr/>
+        <p:txBody>
+          <a:bodyPr/>
+          <a:lstStyle/>
+          <a:p>
+            <a:pPr marL="76200" indent="0">
+              <a:buNone/>
+            </a:pPr>
+            <a:r>
+              <a:rPr lang="en-US" b="1" dirty="0"/>
+              <a:t>Coming up next week:</a:t>
+            </a:r>
+          </a:p>
+          <a:p>
+            <a:pPr marL="76200" indent="0">
+              <a:buNone/>
+            </a:pPr>
+            <a:endParaRPr lang="en-US" b="1" dirty="0"/>
+          </a:p>
+          <a:p>
+            <a:r>
+              <a:rPr lang="en-US" dirty="0"/>
+              <a:t>Monday: Project Update 2</a:t>
+            </a:r>
+            <a:br>
+              <a:rPr lang="en-US" dirty="0"/>
+            </a:br>
+            <a:endParaRPr lang="en-US" dirty="0"/>
+          </a:p>
+          <a:p>
+            <a:r>
+              <a:rPr lang="en-US" dirty="0"/>
+              <a:t>Tuesday: Weekly Feedback Form</a:t>
+            </a:r>
+            <a:br>
+              <a:rPr lang="en-US" dirty="0"/>
+            </a:br>
+            <a:endParaRPr lang="en-US" dirty="0"/>
+          </a:p>
+        </p:txBody>
+      </p:sp>
+    </p:spTree>
+    <p:extLst>
+      <p:ext uri="{BB962C8B-B14F-4D97-AF65-F5344CB8AC3E}">
+        <p14:creationId xmlns:p14="http://schemas.microsoft.com/office/powerpoint/2010/main" val="186046226"/>
+      </p:ext>
+    </p:extLst>
+  </p:cSld>
+  <p:clrMapOvr>
+    <a:masterClrMapping/>
+  </p:clrMapOvr>
+</p:sld>
+</file>
+
+<file path=ppt/slides/slide4.xml><?xml version="1.0" encoding="utf-8"?>
+<p:sld xmlns:a="http://schemas.openxmlformats.org/drawingml/2006/main" xmlns:r="http://schemas.openxmlformats.org/officeDocument/2006/relationships" xmlns:p="http://schemas.openxmlformats.org/presentationml/2006/main">
+  <p:cSld>
+    <p:spTree>
+      <p:nvGrpSpPr>
+        <p:cNvPr id="1" name=""/>
+        <p:cNvGrpSpPr/>
+        <p:nvPr/>
+      </p:nvGrpSpPr>
+      <p:grpSpPr>
+        <a:xfrm>
+          <a:off x="0" y="0"/>
+          <a:ext cx="0" cy="0"/>
+          <a:chOff x="0" y="0"/>
+          <a:chExt cx="0" cy="0"/>
+        </a:xfrm>
+      </p:grpSpPr>
+      <p:sp>
+        <p:nvSpPr>
+          <p:cNvPr id="2" name="Title 1">
+            <a:extLst>
+              <a:ext uri="{FF2B5EF4-FFF2-40B4-BE49-F238E27FC236}">
+                <a16:creationId xmlns:a16="http://schemas.microsoft.com/office/drawing/2014/main" id="{00C55A90-97E8-73EB-77A0-65CDDDD58B7B}"/>
+              </a:ext>
+            </a:extLst>
+          </p:cNvPr>
+          <p:cNvSpPr>
+            <a:spLocks noGrp="1"/>
+          </p:cNvSpPr>
+          <p:nvPr>
+            <p:ph type="title"/>
+          </p:nvPr>
+        </p:nvSpPr>
+        <p:spPr/>
+        <p:txBody>
+          <a:bodyPr/>
+          <a:lstStyle/>
+          <a:p>
+            <a:r>
+              <a:rPr lang="en-US" dirty="0"/>
+              <a:t>Temporal Validation : Recap</a:t>
+            </a:r>
+          </a:p>
+        </p:txBody>
+      </p:sp>
+      <p:sp>
+        <p:nvSpPr>
+          <p:cNvPr id="3" name="Text Placeholder 2">
+            <a:extLst>
+              <a:ext uri="{FF2B5EF4-FFF2-40B4-BE49-F238E27FC236}">
+                <a16:creationId xmlns:a16="http://schemas.microsoft.com/office/drawing/2014/main" id="{52772F53-6A1A-C3FA-1EC0-67E0F3BD97CE}"/>
+              </a:ext>
+            </a:extLst>
+          </p:cNvPr>
+          <p:cNvSpPr>
+            <a:spLocks noGrp="1"/>
+          </p:cNvSpPr>
+          <p:nvPr>
+            <p:ph type="body" idx="1"/>
+          </p:nvPr>
+        </p:nvSpPr>
+        <p:spPr/>
+        <p:txBody>
+          <a:bodyPr/>
+          <a:lstStyle/>
+          <a:p>
+            <a:pPr marL="76200" indent="0">
+              <a:buNone/>
+            </a:pPr>
+            <a:r>
+              <a:rPr lang="en-US" dirty="0"/>
+              <a:t>Go to your formulation and use that to figure out:</a:t>
+            </a:r>
+          </a:p>
+          <a:p>
+            <a:pPr marL="533400" indent="-457200">
+              <a:buFont typeface="+mj-lt"/>
+              <a:buAutoNum type="arabicPeriod"/>
+            </a:pPr>
+            <a:r>
+              <a:rPr lang="en-US" dirty="0"/>
+              <a:t>What and when your validation set needs to be. </a:t>
+            </a:r>
+          </a:p>
+          <a:p>
+            <a:pPr marL="533400" indent="-457200">
+              <a:buFont typeface="+mj-lt"/>
+              <a:buAutoNum type="arabicPeriod"/>
+            </a:pPr>
+            <a:r>
+              <a:rPr lang="en-US" dirty="0"/>
+              <a:t>(literally) back into the training set which can be anything and everything before that.</a:t>
+            </a:r>
+          </a:p>
+          <a:p>
+            <a:pPr marL="76200" indent="0">
+              <a:buNone/>
+            </a:pPr>
+            <a:endParaRPr lang="en-US" dirty="0"/>
+          </a:p>
+          <a:p>
+            <a:pPr marL="76200" indent="0">
+              <a:buNone/>
+            </a:pPr>
+            <a:r>
+              <a:rPr lang="en-US" dirty="0"/>
+              <a:t>That gives you your latest possible train-validation split</a:t>
+            </a:r>
+          </a:p>
+          <a:p>
+            <a:pPr marL="76200" indent="0">
+              <a:buNone/>
+            </a:pPr>
+            <a:endParaRPr lang="en-US" dirty="0"/>
+          </a:p>
+          <a:p>
+            <a:pPr marL="76200" indent="0">
+              <a:buNone/>
+            </a:pPr>
+            <a:r>
+              <a:rPr lang="en-US" dirty="0"/>
+              <a:t>Then you can decide how often to "shift” that setup to create additional train-validation splits</a:t>
+            </a:r>
+          </a:p>
+          <a:p>
+            <a:endParaRPr lang="en-US" dirty="0"/>
+          </a:p>
+        </p:txBody>
+      </p:sp>
+    </p:spTree>
+    <p:extLst>
+      <p:ext uri="{BB962C8B-B14F-4D97-AF65-F5344CB8AC3E}">
+        <p14:creationId xmlns:p14="http://schemas.microsoft.com/office/powerpoint/2010/main" val="818660496"/>
+      </p:ext>
+    </p:extLst>
+  </p:cSld>
+  <p:clrMapOvr>
+    <a:masterClrMapping/>
+  </p:clrMapOvr>
+</p:sld>
+</file>
+
+<file path=ppt/slides/slide5.xml><?xml version="1.0" encoding="utf-8"?>
 <p:sld xmlns:a="http://schemas.openxmlformats.org/drawingml/2006/main" xmlns:r="http://schemas.openxmlformats.org/officeDocument/2006/relationships" xmlns:p="http://schemas.openxmlformats.org/presentationml/2006/main">
   <p:cSld>
     <p:spTree>
@@ -16734,7 +17497,3955 @@
 </p:sld>
 </file>
 
-<file path=ppt/slides/slide4.xml><?xml version="1.0" encoding="utf-8"?>
+<file path=ppt/slides/slide6.xml><?xml version="1.0" encoding="utf-8"?>
+<p:sld xmlns:a="http://schemas.openxmlformats.org/drawingml/2006/main" xmlns:r="http://schemas.openxmlformats.org/officeDocument/2006/relationships" xmlns:p="http://schemas.openxmlformats.org/presentationml/2006/main">
+  <p:cSld>
+    <p:spTree>
+      <p:nvGrpSpPr>
+        <p:cNvPr id="1" name=""/>
+        <p:cNvGrpSpPr/>
+        <p:nvPr/>
+      </p:nvGrpSpPr>
+      <p:grpSpPr>
+        <a:xfrm>
+          <a:off x="0" y="0"/>
+          <a:ext cx="0" cy="0"/>
+          <a:chOff x="0" y="0"/>
+          <a:chExt cx="0" cy="0"/>
+        </a:xfrm>
+      </p:grpSpPr>
+      <p:sp>
+        <p:nvSpPr>
+          <p:cNvPr id="2" name="Title 1">
+            <a:extLst>
+              <a:ext uri="{FF2B5EF4-FFF2-40B4-BE49-F238E27FC236}">
+                <a16:creationId xmlns:a16="http://schemas.microsoft.com/office/drawing/2014/main" id="{4455457E-AA3E-C782-735B-B9EAE40E9895}"/>
+              </a:ext>
+            </a:extLst>
+          </p:cNvPr>
+          <p:cNvSpPr>
+            <a:spLocks noGrp="1"/>
+          </p:cNvSpPr>
+          <p:nvPr>
+            <p:ph type="title"/>
+          </p:nvPr>
+        </p:nvSpPr>
+        <p:spPr/>
+        <p:txBody>
+          <a:bodyPr/>
+          <a:lstStyle/>
+          <a:p>
+            <a:r>
+              <a:rPr lang="en-US" dirty="0"/>
+              <a:t>Temporal Validation</a:t>
+            </a:r>
+          </a:p>
+        </p:txBody>
+      </p:sp>
+      <p:sp>
+        <p:nvSpPr>
+          <p:cNvPr id="6" name="TextBox 5">
+            <a:extLst>
+              <a:ext uri="{FF2B5EF4-FFF2-40B4-BE49-F238E27FC236}">
+                <a16:creationId xmlns:a16="http://schemas.microsoft.com/office/drawing/2014/main" id="{4F15187B-D839-3C4F-0DE9-4E9E0CBC1208}"/>
+              </a:ext>
+            </a:extLst>
+          </p:cNvPr>
+          <p:cNvSpPr txBox="1"/>
+          <p:nvPr/>
+        </p:nvSpPr>
+        <p:spPr>
+          <a:xfrm>
+            <a:off x="477040" y="1078468"/>
+            <a:ext cx="11237820" cy="707886"/>
+          </a:xfrm>
+          <a:prstGeom prst="rect">
+            <a:avLst/>
+          </a:prstGeom>
+          <a:noFill/>
+        </p:spPr>
+        <p:txBody>
+          <a:bodyPr wrap="square">
+            <a:spAutoFit/>
+          </a:bodyPr>
+          <a:lstStyle/>
+          <a:p>
+            <a:r>
+              <a:rPr lang="en" sz="2000" dirty="0">
+                <a:solidFill>
+                  <a:srgbClr val="FF0000"/>
+                </a:solidFill>
+              </a:rPr>
+              <a:t>On the first day of every month</a:t>
+            </a:r>
+            <a:r>
+              <a:rPr lang="en" sz="2000" dirty="0">
+                <a:solidFill>
+                  <a:srgbClr val="595959"/>
+                </a:solidFill>
+              </a:rPr>
+              <a:t>, for </a:t>
+            </a:r>
+            <a:r>
+              <a:rPr lang="en" sz="2000" dirty="0">
+                <a:solidFill>
+                  <a:srgbClr val="0000FF"/>
+                </a:solidFill>
+              </a:rPr>
+              <a:t>all individuals residing in PA</a:t>
+            </a:r>
+            <a:r>
+              <a:rPr lang="en" sz="2000" dirty="0">
+                <a:solidFill>
+                  <a:srgbClr val="595959"/>
+                </a:solidFill>
+              </a:rPr>
+              <a:t>, can we identify </a:t>
+            </a:r>
+            <a:r>
+              <a:rPr lang="en" sz="2000" dirty="0">
+                <a:solidFill>
+                  <a:srgbClr val="FF00FF"/>
+                </a:solidFill>
+              </a:rPr>
+              <a:t>500 people </a:t>
+            </a:r>
+            <a:r>
+              <a:rPr lang="en" sz="2000" dirty="0">
+                <a:solidFill>
+                  <a:srgbClr val="595959"/>
+                </a:solidFill>
+              </a:rPr>
+              <a:t>with a </a:t>
+            </a:r>
+            <a:r>
+              <a:rPr lang="en" sz="2000" dirty="0">
+                <a:solidFill>
+                  <a:srgbClr val="38761D"/>
+                </a:solidFill>
+              </a:rPr>
+              <a:t>high risk of contracting monkeypox in the next year </a:t>
+            </a:r>
+            <a:endParaRPr lang="en-US" sz="2000" dirty="0"/>
+          </a:p>
+        </p:txBody>
+      </p:sp>
+      <p:sp>
+        <p:nvSpPr>
+          <p:cNvPr id="7" name="Rectangle 6">
+            <a:extLst>
+              <a:ext uri="{FF2B5EF4-FFF2-40B4-BE49-F238E27FC236}">
+                <a16:creationId xmlns:a16="http://schemas.microsoft.com/office/drawing/2014/main" id="{FD115D8B-7980-950C-7AF2-D073760A1725}"/>
+              </a:ext>
+            </a:extLst>
+          </p:cNvPr>
+          <p:cNvSpPr/>
+          <p:nvPr/>
+        </p:nvSpPr>
+        <p:spPr>
+          <a:xfrm>
+            <a:off x="7833360" y="1097280"/>
+            <a:ext cx="3799840" cy="345440"/>
+          </a:xfrm>
+          <a:prstGeom prst="rect">
+            <a:avLst/>
+          </a:prstGeom>
+          <a:solidFill>
+            <a:schemeClr val="accent2"/>
+          </a:solidFill>
+        </p:spPr>
+        <p:style>
+          <a:lnRef idx="2">
+            <a:schemeClr val="accent1">
+              <a:shade val="15000"/>
+            </a:schemeClr>
+          </a:lnRef>
+          <a:fillRef idx="1">
+            <a:schemeClr val="accent1"/>
+          </a:fillRef>
+          <a:effectRef idx="0">
+            <a:schemeClr val="accent1"/>
+          </a:effectRef>
+          <a:fontRef idx="minor">
+            <a:schemeClr val="lt1"/>
+          </a:fontRef>
+        </p:style>
+        <p:txBody>
+          <a:bodyPr rtlCol="0" anchor="ctr"/>
+          <a:lstStyle/>
+          <a:p>
+            <a:pPr algn="ctr"/>
+            <a:endParaRPr lang="en-US"/>
+          </a:p>
+        </p:txBody>
+      </p:sp>
+      <p:sp>
+        <p:nvSpPr>
+          <p:cNvPr id="8" name="Rectangle 7">
+            <a:extLst>
+              <a:ext uri="{FF2B5EF4-FFF2-40B4-BE49-F238E27FC236}">
+                <a16:creationId xmlns:a16="http://schemas.microsoft.com/office/drawing/2014/main" id="{36BF0BB9-9291-E039-B601-036C1D21BD0F}"/>
+              </a:ext>
+            </a:extLst>
+          </p:cNvPr>
+          <p:cNvSpPr/>
+          <p:nvPr/>
+        </p:nvSpPr>
+        <p:spPr>
+          <a:xfrm>
+            <a:off x="5557520" y="3169920"/>
+            <a:ext cx="3230880" cy="1330960"/>
+          </a:xfrm>
+          <a:prstGeom prst="rect">
+            <a:avLst/>
+          </a:prstGeom>
+        </p:spPr>
+        <p:style>
+          <a:lnRef idx="2">
+            <a:schemeClr val="accent1">
+              <a:shade val="15000"/>
+            </a:schemeClr>
+          </a:lnRef>
+          <a:fillRef idx="1">
+            <a:schemeClr val="accent1"/>
+          </a:fillRef>
+          <a:effectRef idx="0">
+            <a:schemeClr val="accent1"/>
+          </a:effectRef>
+          <a:fontRef idx="minor">
+            <a:schemeClr val="lt1"/>
+          </a:fontRef>
+        </p:style>
+        <p:txBody>
+          <a:bodyPr rtlCol="0" anchor="ctr"/>
+          <a:lstStyle/>
+          <a:p>
+            <a:pPr algn="ctr"/>
+            <a:endParaRPr lang="en-US"/>
+          </a:p>
+        </p:txBody>
+      </p:sp>
+      <p:sp>
+        <p:nvSpPr>
+          <p:cNvPr id="9" name="TextBox 8">
+            <a:extLst>
+              <a:ext uri="{FF2B5EF4-FFF2-40B4-BE49-F238E27FC236}">
+                <a16:creationId xmlns:a16="http://schemas.microsoft.com/office/drawing/2014/main" id="{78E52D81-1E66-C7AB-5530-34C0124F00A3}"/>
+              </a:ext>
+            </a:extLst>
+          </p:cNvPr>
+          <p:cNvSpPr txBox="1"/>
+          <p:nvPr/>
+        </p:nvSpPr>
+        <p:spPr>
+          <a:xfrm>
+            <a:off x="5167028" y="4643120"/>
+            <a:ext cx="681597" cy="307777"/>
+          </a:xfrm>
+          <a:prstGeom prst="rect">
+            <a:avLst/>
+          </a:prstGeom>
+          <a:noFill/>
+        </p:spPr>
+        <p:txBody>
+          <a:bodyPr wrap="none" rtlCol="0">
+            <a:spAutoFit/>
+          </a:bodyPr>
+          <a:lstStyle/>
+          <a:p>
+            <a:r>
+              <a:rPr lang="en-US" dirty="0"/>
+              <a:t>9/1/23</a:t>
+            </a:r>
+          </a:p>
+        </p:txBody>
+      </p:sp>
+      <p:sp>
+        <p:nvSpPr>
+          <p:cNvPr id="10" name="TextBox 9">
+            <a:extLst>
+              <a:ext uri="{FF2B5EF4-FFF2-40B4-BE49-F238E27FC236}">
+                <a16:creationId xmlns:a16="http://schemas.microsoft.com/office/drawing/2014/main" id="{C3E5DFBB-16AF-9B9A-6579-E2916EC01914}"/>
+              </a:ext>
+            </a:extLst>
+          </p:cNvPr>
+          <p:cNvSpPr txBox="1"/>
+          <p:nvPr/>
+        </p:nvSpPr>
+        <p:spPr>
+          <a:xfrm>
+            <a:off x="8447601" y="4666417"/>
+            <a:ext cx="681597" cy="307777"/>
+          </a:xfrm>
+          <a:prstGeom prst="rect">
+            <a:avLst/>
+          </a:prstGeom>
+          <a:noFill/>
+        </p:spPr>
+        <p:txBody>
+          <a:bodyPr wrap="none" rtlCol="0">
+            <a:spAutoFit/>
+          </a:bodyPr>
+          <a:lstStyle/>
+          <a:p>
+            <a:r>
+              <a:rPr lang="en-US" dirty="0"/>
+              <a:t>9/1/24</a:t>
+            </a:r>
+          </a:p>
+        </p:txBody>
+      </p:sp>
+      <p:sp>
+        <p:nvSpPr>
+          <p:cNvPr id="11" name="TextBox 10">
+            <a:extLst>
+              <a:ext uri="{FF2B5EF4-FFF2-40B4-BE49-F238E27FC236}">
+                <a16:creationId xmlns:a16="http://schemas.microsoft.com/office/drawing/2014/main" id="{1AE5238A-DBAB-8548-17AC-00947BCDB2C0}"/>
+              </a:ext>
+            </a:extLst>
+          </p:cNvPr>
+          <p:cNvSpPr txBox="1"/>
+          <p:nvPr/>
+        </p:nvSpPr>
+        <p:spPr>
+          <a:xfrm>
+            <a:off x="2643723" y="2518509"/>
+            <a:ext cx="6904454" cy="307777"/>
+          </a:xfrm>
+          <a:prstGeom prst="rect">
+            <a:avLst/>
+          </a:prstGeom>
+          <a:noFill/>
+        </p:spPr>
+        <p:txBody>
+          <a:bodyPr wrap="none" rtlCol="0">
+            <a:spAutoFit/>
+          </a:bodyPr>
+          <a:lstStyle/>
+          <a:p>
+            <a:r>
+              <a:rPr lang="en-US" dirty="0"/>
+              <a:t>We will take all the individuals residing in PA as of 9/1/23 as rows in our validation set</a:t>
+            </a:r>
+          </a:p>
+        </p:txBody>
+      </p:sp>
+      <p:cxnSp>
+        <p:nvCxnSpPr>
+          <p:cNvPr id="13" name="Straight Arrow Connector 12">
+            <a:extLst>
+              <a:ext uri="{FF2B5EF4-FFF2-40B4-BE49-F238E27FC236}">
+                <a16:creationId xmlns:a16="http://schemas.microsoft.com/office/drawing/2014/main" id="{3463B376-B3FE-6619-B655-3AA305F374D7}"/>
+              </a:ext>
+            </a:extLst>
+          </p:cNvPr>
+          <p:cNvCxnSpPr>
+            <a:stCxn id="11" idx="2"/>
+            <a:endCxn id="8" idx="1"/>
+          </p:cNvCxnSpPr>
+          <p:nvPr/>
+        </p:nvCxnSpPr>
+        <p:spPr>
+          <a:xfrm flipH="1">
+            <a:off x="5557520" y="2826286"/>
+            <a:ext cx="538430" cy="1009114"/>
+          </a:xfrm>
+          <a:prstGeom prst="straightConnector1">
+            <a:avLst/>
+          </a:prstGeom>
+          <a:ln>
+            <a:tailEnd type="triangle"/>
+          </a:ln>
+        </p:spPr>
+        <p:style>
+          <a:lnRef idx="1">
+            <a:schemeClr val="dk1"/>
+          </a:lnRef>
+          <a:fillRef idx="0">
+            <a:schemeClr val="dk1"/>
+          </a:fillRef>
+          <a:effectRef idx="0">
+            <a:schemeClr val="dk1"/>
+          </a:effectRef>
+          <a:fontRef idx="minor">
+            <a:schemeClr val="tx1"/>
+          </a:fontRef>
+        </p:style>
+      </p:cxnSp>
+      <p:sp>
+        <p:nvSpPr>
+          <p:cNvPr id="14" name="TextBox 13">
+            <a:extLst>
+              <a:ext uri="{FF2B5EF4-FFF2-40B4-BE49-F238E27FC236}">
+                <a16:creationId xmlns:a16="http://schemas.microsoft.com/office/drawing/2014/main" id="{394B0A4E-897E-38E6-9D68-342755DF8804}"/>
+              </a:ext>
+            </a:extLst>
+          </p:cNvPr>
+          <p:cNvSpPr txBox="1"/>
+          <p:nvPr/>
+        </p:nvSpPr>
+        <p:spPr>
+          <a:xfrm>
+            <a:off x="5557519" y="5308600"/>
+            <a:ext cx="3230879" cy="523220"/>
+          </a:xfrm>
+          <a:prstGeom prst="rect">
+            <a:avLst/>
+          </a:prstGeom>
+          <a:noFill/>
+        </p:spPr>
+        <p:txBody>
+          <a:bodyPr wrap="square" rtlCol="0">
+            <a:spAutoFit/>
+          </a:bodyPr>
+          <a:lstStyle/>
+          <a:p>
+            <a:r>
+              <a:rPr lang="en-US" dirty="0"/>
+              <a:t>And the labels for them will come over the next 12 months</a:t>
+            </a:r>
+          </a:p>
+        </p:txBody>
+      </p:sp>
+      <p:cxnSp>
+        <p:nvCxnSpPr>
+          <p:cNvPr id="16" name="Straight Arrow Connector 15">
+            <a:extLst>
+              <a:ext uri="{FF2B5EF4-FFF2-40B4-BE49-F238E27FC236}">
+                <a16:creationId xmlns:a16="http://schemas.microsoft.com/office/drawing/2014/main" id="{7508B280-23BE-807D-B2A0-955FF7388056}"/>
+              </a:ext>
+            </a:extLst>
+          </p:cNvPr>
+          <p:cNvCxnSpPr/>
+          <p:nvPr/>
+        </p:nvCxnSpPr>
+        <p:spPr>
+          <a:xfrm>
+            <a:off x="5557520" y="5222240"/>
+            <a:ext cx="3230879" cy="0"/>
+          </a:xfrm>
+          <a:prstGeom prst="straightConnector1">
+            <a:avLst/>
+          </a:prstGeom>
+          <a:ln w="38100">
+            <a:solidFill>
+              <a:schemeClr val="tx1">
+                <a:lumMod val="95000"/>
+                <a:lumOff val="5000"/>
+              </a:schemeClr>
+            </a:solidFill>
+            <a:tailEnd type="triangle"/>
+          </a:ln>
+        </p:spPr>
+        <p:style>
+          <a:lnRef idx="1">
+            <a:schemeClr val="accent1"/>
+          </a:lnRef>
+          <a:fillRef idx="0">
+            <a:schemeClr val="accent1"/>
+          </a:fillRef>
+          <a:effectRef idx="0">
+            <a:schemeClr val="accent1"/>
+          </a:effectRef>
+          <a:fontRef idx="minor">
+            <a:schemeClr val="tx1"/>
+          </a:fontRef>
+        </p:style>
+      </p:cxnSp>
+      <p:sp>
+        <p:nvSpPr>
+          <p:cNvPr id="17" name="Rectangle 16">
+            <a:extLst>
+              <a:ext uri="{FF2B5EF4-FFF2-40B4-BE49-F238E27FC236}">
+                <a16:creationId xmlns:a16="http://schemas.microsoft.com/office/drawing/2014/main" id="{3925098E-386E-E02F-0690-D1D745F71A98}"/>
+              </a:ext>
+            </a:extLst>
+          </p:cNvPr>
+          <p:cNvSpPr/>
+          <p:nvPr/>
+        </p:nvSpPr>
+        <p:spPr>
+          <a:xfrm>
+            <a:off x="284480" y="3169046"/>
+            <a:ext cx="5273040" cy="1330960"/>
+          </a:xfrm>
+          <a:prstGeom prst="rect">
+            <a:avLst/>
+          </a:prstGeom>
+          <a:solidFill>
+            <a:schemeClr val="accent5">
+              <a:lumMod val="75000"/>
+            </a:schemeClr>
+          </a:solidFill>
+        </p:spPr>
+        <p:style>
+          <a:lnRef idx="2">
+            <a:schemeClr val="accent1">
+              <a:shade val="15000"/>
+            </a:schemeClr>
+          </a:lnRef>
+          <a:fillRef idx="1">
+            <a:schemeClr val="accent1"/>
+          </a:fillRef>
+          <a:effectRef idx="0">
+            <a:schemeClr val="accent1"/>
+          </a:effectRef>
+          <a:fontRef idx="minor">
+            <a:schemeClr val="lt1"/>
+          </a:fontRef>
+        </p:style>
+        <p:txBody>
+          <a:bodyPr rtlCol="0" anchor="ctr"/>
+          <a:lstStyle/>
+          <a:p>
+            <a:pPr algn="ctr"/>
+            <a:endParaRPr lang="en-US"/>
+          </a:p>
+        </p:txBody>
+      </p:sp>
+      <p:sp>
+        <p:nvSpPr>
+          <p:cNvPr id="18" name="TextBox 17">
+            <a:extLst>
+              <a:ext uri="{FF2B5EF4-FFF2-40B4-BE49-F238E27FC236}">
+                <a16:creationId xmlns:a16="http://schemas.microsoft.com/office/drawing/2014/main" id="{D66078AE-AF0B-49E5-2B81-3BC06A7AB981}"/>
+              </a:ext>
+            </a:extLst>
+          </p:cNvPr>
+          <p:cNvSpPr txBox="1"/>
+          <p:nvPr/>
+        </p:nvSpPr>
+        <p:spPr>
+          <a:xfrm>
+            <a:off x="284480" y="5145269"/>
+            <a:ext cx="4444986" cy="1169551"/>
+          </a:xfrm>
+          <a:prstGeom prst="rect">
+            <a:avLst/>
+          </a:prstGeom>
+          <a:noFill/>
+        </p:spPr>
+        <p:txBody>
+          <a:bodyPr wrap="square" rtlCol="0">
+            <a:spAutoFit/>
+          </a:bodyPr>
+          <a:lstStyle/>
+          <a:p>
+            <a:r>
+              <a:rPr lang="en-US" dirty="0"/>
+              <a:t>All the data we have before 9/1/23 is now available for us to use as the training set.</a:t>
+            </a:r>
+          </a:p>
+          <a:p>
+            <a:endParaRPr lang="en-US" dirty="0"/>
+          </a:p>
+          <a:p>
+            <a:r>
+              <a:rPr lang="en-US" dirty="0"/>
+              <a:t>We can choose to use all of it or as subset but that’s a design choice we’re making</a:t>
+            </a:r>
+          </a:p>
+        </p:txBody>
+      </p:sp>
+      <p:cxnSp>
+        <p:nvCxnSpPr>
+          <p:cNvPr id="21" name="Straight Connector 20">
+            <a:extLst>
+              <a:ext uri="{FF2B5EF4-FFF2-40B4-BE49-F238E27FC236}">
+                <a16:creationId xmlns:a16="http://schemas.microsoft.com/office/drawing/2014/main" id="{46958783-D89C-3DC8-3425-6817D3E0356D}"/>
+              </a:ext>
+            </a:extLst>
+          </p:cNvPr>
+          <p:cNvCxnSpPr/>
+          <p:nvPr/>
+        </p:nvCxnSpPr>
+        <p:spPr>
+          <a:xfrm flipV="1">
+            <a:off x="5557519" y="3169046"/>
+            <a:ext cx="0" cy="1330960"/>
+          </a:xfrm>
+          <a:prstGeom prst="line">
+            <a:avLst/>
+          </a:prstGeom>
+        </p:spPr>
+        <p:style>
+          <a:lnRef idx="1">
+            <a:schemeClr val="accent1"/>
+          </a:lnRef>
+          <a:fillRef idx="0">
+            <a:schemeClr val="accent1"/>
+          </a:fillRef>
+          <a:effectRef idx="0">
+            <a:schemeClr val="accent1"/>
+          </a:effectRef>
+          <a:fontRef idx="minor">
+            <a:schemeClr val="tx1"/>
+          </a:fontRef>
+        </p:style>
+      </p:cxnSp>
+      <p:cxnSp>
+        <p:nvCxnSpPr>
+          <p:cNvPr id="22" name="Straight Connector 21">
+            <a:extLst>
+              <a:ext uri="{FF2B5EF4-FFF2-40B4-BE49-F238E27FC236}">
+                <a16:creationId xmlns:a16="http://schemas.microsoft.com/office/drawing/2014/main" id="{15D38BA3-C993-C1D7-4F1B-890201E08C7A}"/>
+              </a:ext>
+            </a:extLst>
+          </p:cNvPr>
+          <p:cNvCxnSpPr/>
+          <p:nvPr/>
+        </p:nvCxnSpPr>
+        <p:spPr>
+          <a:xfrm flipV="1">
+            <a:off x="2641955" y="3169046"/>
+            <a:ext cx="0" cy="1330960"/>
+          </a:xfrm>
+          <a:prstGeom prst="line">
+            <a:avLst/>
+          </a:prstGeom>
+          <a:ln w="38100">
+            <a:solidFill>
+              <a:srgbClr val="FF0000"/>
+            </a:solidFill>
+          </a:ln>
+        </p:spPr>
+        <p:style>
+          <a:lnRef idx="1">
+            <a:schemeClr val="accent1"/>
+          </a:lnRef>
+          <a:fillRef idx="0">
+            <a:schemeClr val="accent1"/>
+          </a:fillRef>
+          <a:effectRef idx="0">
+            <a:schemeClr val="accent1"/>
+          </a:effectRef>
+          <a:fontRef idx="minor">
+            <a:schemeClr val="tx1"/>
+          </a:fontRef>
+        </p:style>
+      </p:cxnSp>
+      <p:sp>
+        <p:nvSpPr>
+          <p:cNvPr id="23" name="TextBox 22">
+            <a:extLst>
+              <a:ext uri="{FF2B5EF4-FFF2-40B4-BE49-F238E27FC236}">
+                <a16:creationId xmlns:a16="http://schemas.microsoft.com/office/drawing/2014/main" id="{729B263F-6BA8-68B1-64F9-463FBF974B36}"/>
+              </a:ext>
+            </a:extLst>
+          </p:cNvPr>
+          <p:cNvSpPr txBox="1"/>
+          <p:nvPr/>
+        </p:nvSpPr>
+        <p:spPr>
+          <a:xfrm>
+            <a:off x="2239403" y="4643119"/>
+            <a:ext cx="681597" cy="307777"/>
+          </a:xfrm>
+          <a:prstGeom prst="rect">
+            <a:avLst/>
+          </a:prstGeom>
+          <a:noFill/>
+        </p:spPr>
+        <p:txBody>
+          <a:bodyPr wrap="none" rtlCol="0">
+            <a:spAutoFit/>
+          </a:bodyPr>
+          <a:lstStyle/>
+          <a:p>
+            <a:r>
+              <a:rPr lang="en-US" dirty="0"/>
+              <a:t>9/1/22</a:t>
+            </a:r>
+          </a:p>
+        </p:txBody>
+      </p:sp>
+      <p:grpSp>
+        <p:nvGrpSpPr>
+          <p:cNvPr id="50" name="Group 49">
+            <a:extLst>
+              <a:ext uri="{FF2B5EF4-FFF2-40B4-BE49-F238E27FC236}">
+                <a16:creationId xmlns:a16="http://schemas.microsoft.com/office/drawing/2014/main" id="{257B4D05-560D-7B26-EE0F-7E136DD58285}"/>
+              </a:ext>
+            </a:extLst>
+          </p:cNvPr>
+          <p:cNvGrpSpPr/>
+          <p:nvPr/>
+        </p:nvGrpSpPr>
+        <p:grpSpPr>
+          <a:xfrm>
+            <a:off x="329246" y="3169046"/>
+            <a:ext cx="2196093" cy="1330960"/>
+            <a:chOff x="355750" y="3169046"/>
+            <a:chExt cx="2196093" cy="1330960"/>
+          </a:xfrm>
+        </p:grpSpPr>
+        <p:cxnSp>
+          <p:nvCxnSpPr>
+            <p:cNvPr id="24" name="Straight Connector 23">
+              <a:extLst>
+                <a:ext uri="{FF2B5EF4-FFF2-40B4-BE49-F238E27FC236}">
+                  <a16:creationId xmlns:a16="http://schemas.microsoft.com/office/drawing/2014/main" id="{2F3FF15F-1173-857E-B975-C7AD0F15A7DE}"/>
+                </a:ext>
+              </a:extLst>
+            </p:cNvPr>
+            <p:cNvCxnSpPr/>
+            <p:nvPr/>
+          </p:nvCxnSpPr>
+          <p:spPr>
+            <a:xfrm flipV="1">
+              <a:off x="2551843" y="3169046"/>
+              <a:ext cx="0" cy="1330960"/>
+            </a:xfrm>
+            <a:prstGeom prst="line">
+              <a:avLst/>
+            </a:prstGeom>
+            <a:ln w="38100">
+              <a:solidFill>
+                <a:srgbClr val="FF0000"/>
+              </a:solidFill>
+            </a:ln>
+          </p:spPr>
+          <p:style>
+            <a:lnRef idx="1">
+              <a:schemeClr val="accent1"/>
+            </a:lnRef>
+            <a:fillRef idx="0">
+              <a:schemeClr val="accent1"/>
+            </a:fillRef>
+            <a:effectRef idx="0">
+              <a:schemeClr val="accent1"/>
+            </a:effectRef>
+            <a:fontRef idx="minor">
+              <a:schemeClr val="tx1"/>
+            </a:fontRef>
+          </p:style>
+        </p:cxnSp>
+        <p:cxnSp>
+          <p:nvCxnSpPr>
+            <p:cNvPr id="25" name="Straight Connector 24">
+              <a:extLst>
+                <a:ext uri="{FF2B5EF4-FFF2-40B4-BE49-F238E27FC236}">
+                  <a16:creationId xmlns:a16="http://schemas.microsoft.com/office/drawing/2014/main" id="{A0A48D7D-204B-6C7B-3CBD-BA83C87642F0}"/>
+                </a:ext>
+              </a:extLst>
+            </p:cNvPr>
+            <p:cNvCxnSpPr/>
+            <p:nvPr/>
+          </p:nvCxnSpPr>
+          <p:spPr>
+            <a:xfrm flipV="1">
+              <a:off x="2452450" y="3169046"/>
+              <a:ext cx="0" cy="1330960"/>
+            </a:xfrm>
+            <a:prstGeom prst="line">
+              <a:avLst/>
+            </a:prstGeom>
+            <a:ln w="38100">
+              <a:solidFill>
+                <a:srgbClr val="FF0000"/>
+              </a:solidFill>
+            </a:ln>
+          </p:spPr>
+          <p:style>
+            <a:lnRef idx="1">
+              <a:schemeClr val="accent1"/>
+            </a:lnRef>
+            <a:fillRef idx="0">
+              <a:schemeClr val="accent1"/>
+            </a:fillRef>
+            <a:effectRef idx="0">
+              <a:schemeClr val="accent1"/>
+            </a:effectRef>
+            <a:fontRef idx="minor">
+              <a:schemeClr val="tx1"/>
+            </a:fontRef>
+          </p:style>
+        </p:cxnSp>
+        <p:cxnSp>
+          <p:nvCxnSpPr>
+            <p:cNvPr id="29" name="Straight Connector 28">
+              <a:extLst>
+                <a:ext uri="{FF2B5EF4-FFF2-40B4-BE49-F238E27FC236}">
+                  <a16:creationId xmlns:a16="http://schemas.microsoft.com/office/drawing/2014/main" id="{59C4F0CE-0434-DF38-CD20-0E70B28EE6E6}"/>
+                </a:ext>
+              </a:extLst>
+            </p:cNvPr>
+            <p:cNvCxnSpPr/>
+            <p:nvPr/>
+          </p:nvCxnSpPr>
+          <p:spPr>
+            <a:xfrm flipV="1">
+              <a:off x="2329515" y="3169046"/>
+              <a:ext cx="0" cy="1330960"/>
+            </a:xfrm>
+            <a:prstGeom prst="line">
+              <a:avLst/>
+            </a:prstGeom>
+            <a:ln w="38100">
+              <a:solidFill>
+                <a:srgbClr val="FF0000"/>
+              </a:solidFill>
+            </a:ln>
+          </p:spPr>
+          <p:style>
+            <a:lnRef idx="1">
+              <a:schemeClr val="accent1"/>
+            </a:lnRef>
+            <a:fillRef idx="0">
+              <a:schemeClr val="accent1"/>
+            </a:fillRef>
+            <a:effectRef idx="0">
+              <a:schemeClr val="accent1"/>
+            </a:effectRef>
+            <a:fontRef idx="minor">
+              <a:schemeClr val="tx1"/>
+            </a:fontRef>
+          </p:style>
+        </p:cxnSp>
+        <p:cxnSp>
+          <p:nvCxnSpPr>
+            <p:cNvPr id="30" name="Straight Connector 29">
+              <a:extLst>
+                <a:ext uri="{FF2B5EF4-FFF2-40B4-BE49-F238E27FC236}">
+                  <a16:creationId xmlns:a16="http://schemas.microsoft.com/office/drawing/2014/main" id="{D337AF0D-75F7-17D6-291A-B1EEFF044DA9}"/>
+                </a:ext>
+              </a:extLst>
+            </p:cNvPr>
+            <p:cNvCxnSpPr/>
+            <p:nvPr/>
+          </p:nvCxnSpPr>
+          <p:spPr>
+            <a:xfrm flipV="1">
+              <a:off x="2239403" y="3169046"/>
+              <a:ext cx="0" cy="1330960"/>
+            </a:xfrm>
+            <a:prstGeom prst="line">
+              <a:avLst/>
+            </a:prstGeom>
+            <a:ln w="38100">
+              <a:solidFill>
+                <a:srgbClr val="FF0000"/>
+              </a:solidFill>
+            </a:ln>
+          </p:spPr>
+          <p:style>
+            <a:lnRef idx="1">
+              <a:schemeClr val="accent1"/>
+            </a:lnRef>
+            <a:fillRef idx="0">
+              <a:schemeClr val="accent1"/>
+            </a:fillRef>
+            <a:effectRef idx="0">
+              <a:schemeClr val="accent1"/>
+            </a:effectRef>
+            <a:fontRef idx="minor">
+              <a:schemeClr val="tx1"/>
+            </a:fontRef>
+          </p:style>
+        </p:cxnSp>
+        <p:cxnSp>
+          <p:nvCxnSpPr>
+            <p:cNvPr id="31" name="Straight Connector 30">
+              <a:extLst>
+                <a:ext uri="{FF2B5EF4-FFF2-40B4-BE49-F238E27FC236}">
+                  <a16:creationId xmlns:a16="http://schemas.microsoft.com/office/drawing/2014/main" id="{7106C0C0-0F1D-0988-6212-CFF823994EE3}"/>
+                </a:ext>
+              </a:extLst>
+            </p:cNvPr>
+            <p:cNvCxnSpPr/>
+            <p:nvPr/>
+          </p:nvCxnSpPr>
+          <p:spPr>
+            <a:xfrm flipV="1">
+              <a:off x="2140010" y="3169046"/>
+              <a:ext cx="0" cy="1330960"/>
+            </a:xfrm>
+            <a:prstGeom prst="line">
+              <a:avLst/>
+            </a:prstGeom>
+            <a:ln w="38100">
+              <a:solidFill>
+                <a:srgbClr val="FF0000"/>
+              </a:solidFill>
+            </a:ln>
+          </p:spPr>
+          <p:style>
+            <a:lnRef idx="1">
+              <a:schemeClr val="accent1"/>
+            </a:lnRef>
+            <a:fillRef idx="0">
+              <a:schemeClr val="accent1"/>
+            </a:fillRef>
+            <a:effectRef idx="0">
+              <a:schemeClr val="accent1"/>
+            </a:effectRef>
+            <a:fontRef idx="minor">
+              <a:schemeClr val="tx1"/>
+            </a:fontRef>
+          </p:style>
+        </p:cxnSp>
+        <p:cxnSp>
+          <p:nvCxnSpPr>
+            <p:cNvPr id="32" name="Straight Connector 31">
+              <a:extLst>
+                <a:ext uri="{FF2B5EF4-FFF2-40B4-BE49-F238E27FC236}">
+                  <a16:creationId xmlns:a16="http://schemas.microsoft.com/office/drawing/2014/main" id="{D6E9566C-8C63-103B-313E-688563917652}"/>
+                </a:ext>
+              </a:extLst>
+            </p:cNvPr>
+            <p:cNvCxnSpPr/>
+            <p:nvPr/>
+          </p:nvCxnSpPr>
+          <p:spPr>
+            <a:xfrm flipV="1">
+              <a:off x="1999225" y="3169046"/>
+              <a:ext cx="0" cy="1330960"/>
+            </a:xfrm>
+            <a:prstGeom prst="line">
+              <a:avLst/>
+            </a:prstGeom>
+            <a:ln w="38100">
+              <a:solidFill>
+                <a:srgbClr val="FF0000"/>
+              </a:solidFill>
+            </a:ln>
+          </p:spPr>
+          <p:style>
+            <a:lnRef idx="1">
+              <a:schemeClr val="accent1"/>
+            </a:lnRef>
+            <a:fillRef idx="0">
+              <a:schemeClr val="accent1"/>
+            </a:fillRef>
+            <a:effectRef idx="0">
+              <a:schemeClr val="accent1"/>
+            </a:effectRef>
+            <a:fontRef idx="minor">
+              <a:schemeClr val="tx1"/>
+            </a:fontRef>
+          </p:style>
+        </p:cxnSp>
+        <p:cxnSp>
+          <p:nvCxnSpPr>
+            <p:cNvPr id="33" name="Straight Connector 32">
+              <a:extLst>
+                <a:ext uri="{FF2B5EF4-FFF2-40B4-BE49-F238E27FC236}">
+                  <a16:creationId xmlns:a16="http://schemas.microsoft.com/office/drawing/2014/main" id="{A3399C43-5155-8115-1470-902284F75C6A}"/>
+                </a:ext>
+              </a:extLst>
+            </p:cNvPr>
+            <p:cNvCxnSpPr/>
+            <p:nvPr/>
+          </p:nvCxnSpPr>
+          <p:spPr>
+            <a:xfrm flipV="1">
+              <a:off x="1909113" y="3169046"/>
+              <a:ext cx="0" cy="1330960"/>
+            </a:xfrm>
+            <a:prstGeom prst="line">
+              <a:avLst/>
+            </a:prstGeom>
+            <a:ln w="38100">
+              <a:solidFill>
+                <a:srgbClr val="FF0000"/>
+              </a:solidFill>
+            </a:ln>
+          </p:spPr>
+          <p:style>
+            <a:lnRef idx="1">
+              <a:schemeClr val="accent1"/>
+            </a:lnRef>
+            <a:fillRef idx="0">
+              <a:schemeClr val="accent1"/>
+            </a:fillRef>
+            <a:effectRef idx="0">
+              <a:schemeClr val="accent1"/>
+            </a:effectRef>
+            <a:fontRef idx="minor">
+              <a:schemeClr val="tx1"/>
+            </a:fontRef>
+          </p:style>
+        </p:cxnSp>
+        <p:cxnSp>
+          <p:nvCxnSpPr>
+            <p:cNvPr id="34" name="Straight Connector 33">
+              <a:extLst>
+                <a:ext uri="{FF2B5EF4-FFF2-40B4-BE49-F238E27FC236}">
+                  <a16:creationId xmlns:a16="http://schemas.microsoft.com/office/drawing/2014/main" id="{C117FDC9-53C4-9BFC-B57B-A9D9F0C75F2B}"/>
+                </a:ext>
+              </a:extLst>
+            </p:cNvPr>
+            <p:cNvCxnSpPr/>
+            <p:nvPr/>
+          </p:nvCxnSpPr>
+          <p:spPr>
+            <a:xfrm flipV="1">
+              <a:off x="1809720" y="3169046"/>
+              <a:ext cx="0" cy="1330960"/>
+            </a:xfrm>
+            <a:prstGeom prst="line">
+              <a:avLst/>
+            </a:prstGeom>
+            <a:ln w="38100">
+              <a:solidFill>
+                <a:srgbClr val="FF0000"/>
+              </a:solidFill>
+            </a:ln>
+          </p:spPr>
+          <p:style>
+            <a:lnRef idx="1">
+              <a:schemeClr val="accent1"/>
+            </a:lnRef>
+            <a:fillRef idx="0">
+              <a:schemeClr val="accent1"/>
+            </a:fillRef>
+            <a:effectRef idx="0">
+              <a:schemeClr val="accent1"/>
+            </a:effectRef>
+            <a:fontRef idx="minor">
+              <a:schemeClr val="tx1"/>
+            </a:fontRef>
+          </p:style>
+        </p:cxnSp>
+        <p:cxnSp>
+          <p:nvCxnSpPr>
+            <p:cNvPr id="35" name="Straight Connector 34">
+              <a:extLst>
+                <a:ext uri="{FF2B5EF4-FFF2-40B4-BE49-F238E27FC236}">
+                  <a16:creationId xmlns:a16="http://schemas.microsoft.com/office/drawing/2014/main" id="{AD4BCD2D-C732-784E-CA4C-B9AD20520CFD}"/>
+                </a:ext>
+              </a:extLst>
+            </p:cNvPr>
+            <p:cNvCxnSpPr/>
+            <p:nvPr/>
+          </p:nvCxnSpPr>
+          <p:spPr>
+            <a:xfrm flipV="1">
+              <a:off x="1686785" y="3169046"/>
+              <a:ext cx="0" cy="1330960"/>
+            </a:xfrm>
+            <a:prstGeom prst="line">
+              <a:avLst/>
+            </a:prstGeom>
+            <a:ln w="38100">
+              <a:solidFill>
+                <a:srgbClr val="FF0000"/>
+              </a:solidFill>
+            </a:ln>
+          </p:spPr>
+          <p:style>
+            <a:lnRef idx="1">
+              <a:schemeClr val="accent1"/>
+            </a:lnRef>
+            <a:fillRef idx="0">
+              <a:schemeClr val="accent1"/>
+            </a:fillRef>
+            <a:effectRef idx="0">
+              <a:schemeClr val="accent1"/>
+            </a:effectRef>
+            <a:fontRef idx="minor">
+              <a:schemeClr val="tx1"/>
+            </a:fontRef>
+          </p:style>
+        </p:cxnSp>
+        <p:cxnSp>
+          <p:nvCxnSpPr>
+            <p:cNvPr id="36" name="Straight Connector 35">
+              <a:extLst>
+                <a:ext uri="{FF2B5EF4-FFF2-40B4-BE49-F238E27FC236}">
+                  <a16:creationId xmlns:a16="http://schemas.microsoft.com/office/drawing/2014/main" id="{17D0B8B3-A2BA-1C92-C196-6614395A725A}"/>
+                </a:ext>
+              </a:extLst>
+            </p:cNvPr>
+            <p:cNvCxnSpPr/>
+            <p:nvPr/>
+          </p:nvCxnSpPr>
+          <p:spPr>
+            <a:xfrm flipV="1">
+              <a:off x="1596673" y="3169046"/>
+              <a:ext cx="0" cy="1330960"/>
+            </a:xfrm>
+            <a:prstGeom prst="line">
+              <a:avLst/>
+            </a:prstGeom>
+            <a:ln w="38100">
+              <a:solidFill>
+                <a:srgbClr val="FF0000"/>
+              </a:solidFill>
+            </a:ln>
+          </p:spPr>
+          <p:style>
+            <a:lnRef idx="1">
+              <a:schemeClr val="accent1"/>
+            </a:lnRef>
+            <a:fillRef idx="0">
+              <a:schemeClr val="accent1"/>
+            </a:fillRef>
+            <a:effectRef idx="0">
+              <a:schemeClr val="accent1"/>
+            </a:effectRef>
+            <a:fontRef idx="minor">
+              <a:schemeClr val="tx1"/>
+            </a:fontRef>
+          </p:style>
+        </p:cxnSp>
+        <p:cxnSp>
+          <p:nvCxnSpPr>
+            <p:cNvPr id="37" name="Straight Connector 36">
+              <a:extLst>
+                <a:ext uri="{FF2B5EF4-FFF2-40B4-BE49-F238E27FC236}">
+                  <a16:creationId xmlns:a16="http://schemas.microsoft.com/office/drawing/2014/main" id="{3F9FF868-7BE9-DEA3-0B20-0DC59F4E5A17}"/>
+                </a:ext>
+              </a:extLst>
+            </p:cNvPr>
+            <p:cNvCxnSpPr/>
+            <p:nvPr/>
+          </p:nvCxnSpPr>
+          <p:spPr>
+            <a:xfrm flipV="1">
+              <a:off x="1497280" y="3169046"/>
+              <a:ext cx="0" cy="1330960"/>
+            </a:xfrm>
+            <a:prstGeom prst="line">
+              <a:avLst/>
+            </a:prstGeom>
+            <a:ln w="38100">
+              <a:solidFill>
+                <a:srgbClr val="FF0000"/>
+              </a:solidFill>
+            </a:ln>
+          </p:spPr>
+          <p:style>
+            <a:lnRef idx="1">
+              <a:schemeClr val="accent1"/>
+            </a:lnRef>
+            <a:fillRef idx="0">
+              <a:schemeClr val="accent1"/>
+            </a:fillRef>
+            <a:effectRef idx="0">
+              <a:schemeClr val="accent1"/>
+            </a:effectRef>
+            <a:fontRef idx="minor">
+              <a:schemeClr val="tx1"/>
+            </a:fontRef>
+          </p:style>
+        </p:cxnSp>
+        <p:cxnSp>
+          <p:nvCxnSpPr>
+            <p:cNvPr id="38" name="Straight Connector 37">
+              <a:extLst>
+                <a:ext uri="{FF2B5EF4-FFF2-40B4-BE49-F238E27FC236}">
+                  <a16:creationId xmlns:a16="http://schemas.microsoft.com/office/drawing/2014/main" id="{0BA27D8F-5958-50E1-2BE4-A59335C43E20}"/>
+                </a:ext>
+              </a:extLst>
+            </p:cNvPr>
+            <p:cNvCxnSpPr/>
+            <p:nvPr/>
+          </p:nvCxnSpPr>
+          <p:spPr>
+            <a:xfrm flipV="1">
+              <a:off x="1475765" y="3169046"/>
+              <a:ext cx="0" cy="1330960"/>
+            </a:xfrm>
+            <a:prstGeom prst="line">
+              <a:avLst/>
+            </a:prstGeom>
+            <a:ln w="38100">
+              <a:solidFill>
+                <a:srgbClr val="FF0000"/>
+              </a:solidFill>
+            </a:ln>
+          </p:spPr>
+          <p:style>
+            <a:lnRef idx="1">
+              <a:schemeClr val="accent1"/>
+            </a:lnRef>
+            <a:fillRef idx="0">
+              <a:schemeClr val="accent1"/>
+            </a:fillRef>
+            <a:effectRef idx="0">
+              <a:schemeClr val="accent1"/>
+            </a:effectRef>
+            <a:fontRef idx="minor">
+              <a:schemeClr val="tx1"/>
+            </a:fontRef>
+          </p:style>
+        </p:cxnSp>
+        <p:cxnSp>
+          <p:nvCxnSpPr>
+            <p:cNvPr id="39" name="Straight Connector 38">
+              <a:extLst>
+                <a:ext uri="{FF2B5EF4-FFF2-40B4-BE49-F238E27FC236}">
+                  <a16:creationId xmlns:a16="http://schemas.microsoft.com/office/drawing/2014/main" id="{84E5A2C1-014D-4D0F-B436-80F38FD2FF80}"/>
+                </a:ext>
+              </a:extLst>
+            </p:cNvPr>
+            <p:cNvCxnSpPr/>
+            <p:nvPr/>
+          </p:nvCxnSpPr>
+          <p:spPr>
+            <a:xfrm flipV="1">
+              <a:off x="1385653" y="3169046"/>
+              <a:ext cx="0" cy="1330960"/>
+            </a:xfrm>
+            <a:prstGeom prst="line">
+              <a:avLst/>
+            </a:prstGeom>
+            <a:ln w="38100">
+              <a:solidFill>
+                <a:srgbClr val="FF0000"/>
+              </a:solidFill>
+            </a:ln>
+          </p:spPr>
+          <p:style>
+            <a:lnRef idx="1">
+              <a:schemeClr val="accent1"/>
+            </a:lnRef>
+            <a:fillRef idx="0">
+              <a:schemeClr val="accent1"/>
+            </a:fillRef>
+            <a:effectRef idx="0">
+              <a:schemeClr val="accent1"/>
+            </a:effectRef>
+            <a:fontRef idx="minor">
+              <a:schemeClr val="tx1"/>
+            </a:fontRef>
+          </p:style>
+        </p:cxnSp>
+        <p:cxnSp>
+          <p:nvCxnSpPr>
+            <p:cNvPr id="40" name="Straight Connector 39">
+              <a:extLst>
+                <a:ext uri="{FF2B5EF4-FFF2-40B4-BE49-F238E27FC236}">
+                  <a16:creationId xmlns:a16="http://schemas.microsoft.com/office/drawing/2014/main" id="{6AFBEE08-409C-6368-F0FB-19958B9CCCBE}"/>
+                </a:ext>
+              </a:extLst>
+            </p:cNvPr>
+            <p:cNvCxnSpPr/>
+            <p:nvPr/>
+          </p:nvCxnSpPr>
+          <p:spPr>
+            <a:xfrm flipV="1">
+              <a:off x="1286260" y="3169046"/>
+              <a:ext cx="0" cy="1330960"/>
+            </a:xfrm>
+            <a:prstGeom prst="line">
+              <a:avLst/>
+            </a:prstGeom>
+            <a:ln w="38100">
+              <a:solidFill>
+                <a:srgbClr val="FF0000"/>
+              </a:solidFill>
+            </a:ln>
+          </p:spPr>
+          <p:style>
+            <a:lnRef idx="1">
+              <a:schemeClr val="accent1"/>
+            </a:lnRef>
+            <a:fillRef idx="0">
+              <a:schemeClr val="accent1"/>
+            </a:fillRef>
+            <a:effectRef idx="0">
+              <a:schemeClr val="accent1"/>
+            </a:effectRef>
+            <a:fontRef idx="minor">
+              <a:schemeClr val="tx1"/>
+            </a:fontRef>
+          </p:style>
+        </p:cxnSp>
+        <p:cxnSp>
+          <p:nvCxnSpPr>
+            <p:cNvPr id="41" name="Straight Connector 40">
+              <a:extLst>
+                <a:ext uri="{FF2B5EF4-FFF2-40B4-BE49-F238E27FC236}">
+                  <a16:creationId xmlns:a16="http://schemas.microsoft.com/office/drawing/2014/main" id="{4BA035D2-71EE-E27F-EAAB-68463AEA472F}"/>
+                </a:ext>
+              </a:extLst>
+            </p:cNvPr>
+            <p:cNvCxnSpPr/>
+            <p:nvPr/>
+          </p:nvCxnSpPr>
+          <p:spPr>
+            <a:xfrm flipV="1">
+              <a:off x="1163325" y="3169046"/>
+              <a:ext cx="0" cy="1330960"/>
+            </a:xfrm>
+            <a:prstGeom prst="line">
+              <a:avLst/>
+            </a:prstGeom>
+            <a:ln w="38100">
+              <a:solidFill>
+                <a:srgbClr val="FF0000"/>
+              </a:solidFill>
+            </a:ln>
+          </p:spPr>
+          <p:style>
+            <a:lnRef idx="1">
+              <a:schemeClr val="accent1"/>
+            </a:lnRef>
+            <a:fillRef idx="0">
+              <a:schemeClr val="accent1"/>
+            </a:fillRef>
+            <a:effectRef idx="0">
+              <a:schemeClr val="accent1"/>
+            </a:effectRef>
+            <a:fontRef idx="minor">
+              <a:schemeClr val="tx1"/>
+            </a:fontRef>
+          </p:style>
+        </p:cxnSp>
+        <p:cxnSp>
+          <p:nvCxnSpPr>
+            <p:cNvPr id="42" name="Straight Connector 41">
+              <a:extLst>
+                <a:ext uri="{FF2B5EF4-FFF2-40B4-BE49-F238E27FC236}">
+                  <a16:creationId xmlns:a16="http://schemas.microsoft.com/office/drawing/2014/main" id="{7D21761E-A589-9DC5-018B-9479FCF09329}"/>
+                </a:ext>
+              </a:extLst>
+            </p:cNvPr>
+            <p:cNvCxnSpPr/>
+            <p:nvPr/>
+          </p:nvCxnSpPr>
+          <p:spPr>
+            <a:xfrm flipV="1">
+              <a:off x="1073213" y="3169046"/>
+              <a:ext cx="0" cy="1330960"/>
+            </a:xfrm>
+            <a:prstGeom prst="line">
+              <a:avLst/>
+            </a:prstGeom>
+            <a:ln w="38100">
+              <a:solidFill>
+                <a:srgbClr val="FF0000"/>
+              </a:solidFill>
+            </a:ln>
+          </p:spPr>
+          <p:style>
+            <a:lnRef idx="1">
+              <a:schemeClr val="accent1"/>
+            </a:lnRef>
+            <a:fillRef idx="0">
+              <a:schemeClr val="accent1"/>
+            </a:fillRef>
+            <a:effectRef idx="0">
+              <a:schemeClr val="accent1"/>
+            </a:effectRef>
+            <a:fontRef idx="minor">
+              <a:schemeClr val="tx1"/>
+            </a:fontRef>
+          </p:style>
+        </p:cxnSp>
+        <p:cxnSp>
+          <p:nvCxnSpPr>
+            <p:cNvPr id="43" name="Straight Connector 42">
+              <a:extLst>
+                <a:ext uri="{FF2B5EF4-FFF2-40B4-BE49-F238E27FC236}">
+                  <a16:creationId xmlns:a16="http://schemas.microsoft.com/office/drawing/2014/main" id="{A12A3A70-0A80-385A-9928-D7B905444EC2}"/>
+                </a:ext>
+              </a:extLst>
+            </p:cNvPr>
+            <p:cNvCxnSpPr/>
+            <p:nvPr/>
+          </p:nvCxnSpPr>
+          <p:spPr>
+            <a:xfrm flipV="1">
+              <a:off x="973820" y="3169046"/>
+              <a:ext cx="0" cy="1330960"/>
+            </a:xfrm>
+            <a:prstGeom prst="line">
+              <a:avLst/>
+            </a:prstGeom>
+            <a:ln w="38100">
+              <a:solidFill>
+                <a:srgbClr val="FF0000"/>
+              </a:solidFill>
+            </a:ln>
+          </p:spPr>
+          <p:style>
+            <a:lnRef idx="1">
+              <a:schemeClr val="accent1"/>
+            </a:lnRef>
+            <a:fillRef idx="0">
+              <a:schemeClr val="accent1"/>
+            </a:fillRef>
+            <a:effectRef idx="0">
+              <a:schemeClr val="accent1"/>
+            </a:effectRef>
+            <a:fontRef idx="minor">
+              <a:schemeClr val="tx1"/>
+            </a:fontRef>
+          </p:style>
+        </p:cxnSp>
+        <p:cxnSp>
+          <p:nvCxnSpPr>
+            <p:cNvPr id="44" name="Straight Connector 43">
+              <a:extLst>
+                <a:ext uri="{FF2B5EF4-FFF2-40B4-BE49-F238E27FC236}">
+                  <a16:creationId xmlns:a16="http://schemas.microsoft.com/office/drawing/2014/main" id="{CDADE859-640C-3DFD-5510-948A127447AF}"/>
+                </a:ext>
+              </a:extLst>
+            </p:cNvPr>
+            <p:cNvCxnSpPr/>
+            <p:nvPr/>
+          </p:nvCxnSpPr>
+          <p:spPr>
+            <a:xfrm flipV="1">
+              <a:off x="857695" y="3169046"/>
+              <a:ext cx="0" cy="1330960"/>
+            </a:xfrm>
+            <a:prstGeom prst="line">
+              <a:avLst/>
+            </a:prstGeom>
+            <a:ln w="38100">
+              <a:solidFill>
+                <a:srgbClr val="FF0000"/>
+              </a:solidFill>
+            </a:ln>
+          </p:spPr>
+          <p:style>
+            <a:lnRef idx="1">
+              <a:schemeClr val="accent1"/>
+            </a:lnRef>
+            <a:fillRef idx="0">
+              <a:schemeClr val="accent1"/>
+            </a:fillRef>
+            <a:effectRef idx="0">
+              <a:schemeClr val="accent1"/>
+            </a:effectRef>
+            <a:fontRef idx="minor">
+              <a:schemeClr val="tx1"/>
+            </a:fontRef>
+          </p:style>
+        </p:cxnSp>
+        <p:cxnSp>
+          <p:nvCxnSpPr>
+            <p:cNvPr id="45" name="Straight Connector 44">
+              <a:extLst>
+                <a:ext uri="{FF2B5EF4-FFF2-40B4-BE49-F238E27FC236}">
+                  <a16:creationId xmlns:a16="http://schemas.microsoft.com/office/drawing/2014/main" id="{011FE77F-F207-E79F-C488-D4BE8ED5DCAD}"/>
+                </a:ext>
+              </a:extLst>
+            </p:cNvPr>
+            <p:cNvCxnSpPr/>
+            <p:nvPr/>
+          </p:nvCxnSpPr>
+          <p:spPr>
+            <a:xfrm flipV="1">
+              <a:off x="767583" y="3169046"/>
+              <a:ext cx="0" cy="1330960"/>
+            </a:xfrm>
+            <a:prstGeom prst="line">
+              <a:avLst/>
+            </a:prstGeom>
+            <a:ln w="38100">
+              <a:solidFill>
+                <a:srgbClr val="FF0000"/>
+              </a:solidFill>
+            </a:ln>
+          </p:spPr>
+          <p:style>
+            <a:lnRef idx="1">
+              <a:schemeClr val="accent1"/>
+            </a:lnRef>
+            <a:fillRef idx="0">
+              <a:schemeClr val="accent1"/>
+            </a:fillRef>
+            <a:effectRef idx="0">
+              <a:schemeClr val="accent1"/>
+            </a:effectRef>
+            <a:fontRef idx="minor">
+              <a:schemeClr val="tx1"/>
+            </a:fontRef>
+          </p:style>
+        </p:cxnSp>
+        <p:cxnSp>
+          <p:nvCxnSpPr>
+            <p:cNvPr id="46" name="Straight Connector 45">
+              <a:extLst>
+                <a:ext uri="{FF2B5EF4-FFF2-40B4-BE49-F238E27FC236}">
+                  <a16:creationId xmlns:a16="http://schemas.microsoft.com/office/drawing/2014/main" id="{9CD1B518-BAFE-604D-C577-798C450AAA87}"/>
+                </a:ext>
+              </a:extLst>
+            </p:cNvPr>
+            <p:cNvCxnSpPr/>
+            <p:nvPr/>
+          </p:nvCxnSpPr>
+          <p:spPr>
+            <a:xfrm flipV="1">
+              <a:off x="668190" y="3169046"/>
+              <a:ext cx="0" cy="1330960"/>
+            </a:xfrm>
+            <a:prstGeom prst="line">
+              <a:avLst/>
+            </a:prstGeom>
+            <a:ln w="38100">
+              <a:solidFill>
+                <a:srgbClr val="FF0000"/>
+              </a:solidFill>
+            </a:ln>
+          </p:spPr>
+          <p:style>
+            <a:lnRef idx="1">
+              <a:schemeClr val="accent1"/>
+            </a:lnRef>
+            <a:fillRef idx="0">
+              <a:schemeClr val="accent1"/>
+            </a:fillRef>
+            <a:effectRef idx="0">
+              <a:schemeClr val="accent1"/>
+            </a:effectRef>
+            <a:fontRef idx="minor">
+              <a:schemeClr val="tx1"/>
+            </a:fontRef>
+          </p:style>
+        </p:cxnSp>
+        <p:cxnSp>
+          <p:nvCxnSpPr>
+            <p:cNvPr id="47" name="Straight Connector 46">
+              <a:extLst>
+                <a:ext uri="{FF2B5EF4-FFF2-40B4-BE49-F238E27FC236}">
+                  <a16:creationId xmlns:a16="http://schemas.microsoft.com/office/drawing/2014/main" id="{96C2B4BF-5844-9AE9-6F3B-8E4EF90599D3}"/>
+                </a:ext>
+              </a:extLst>
+            </p:cNvPr>
+            <p:cNvCxnSpPr/>
+            <p:nvPr/>
+          </p:nvCxnSpPr>
+          <p:spPr>
+            <a:xfrm flipV="1">
+              <a:off x="545255" y="3169046"/>
+              <a:ext cx="0" cy="1330960"/>
+            </a:xfrm>
+            <a:prstGeom prst="line">
+              <a:avLst/>
+            </a:prstGeom>
+            <a:ln w="38100">
+              <a:solidFill>
+                <a:srgbClr val="FF0000"/>
+              </a:solidFill>
+            </a:ln>
+          </p:spPr>
+          <p:style>
+            <a:lnRef idx="1">
+              <a:schemeClr val="accent1"/>
+            </a:lnRef>
+            <a:fillRef idx="0">
+              <a:schemeClr val="accent1"/>
+            </a:fillRef>
+            <a:effectRef idx="0">
+              <a:schemeClr val="accent1"/>
+            </a:effectRef>
+            <a:fontRef idx="minor">
+              <a:schemeClr val="tx1"/>
+            </a:fontRef>
+          </p:style>
+        </p:cxnSp>
+        <p:cxnSp>
+          <p:nvCxnSpPr>
+            <p:cNvPr id="48" name="Straight Connector 47">
+              <a:extLst>
+                <a:ext uri="{FF2B5EF4-FFF2-40B4-BE49-F238E27FC236}">
+                  <a16:creationId xmlns:a16="http://schemas.microsoft.com/office/drawing/2014/main" id="{F0E484A0-CF7F-4C7D-48A8-3EDE30E2CA94}"/>
+                </a:ext>
+              </a:extLst>
+            </p:cNvPr>
+            <p:cNvCxnSpPr/>
+            <p:nvPr/>
+          </p:nvCxnSpPr>
+          <p:spPr>
+            <a:xfrm flipV="1">
+              <a:off x="455143" y="3169046"/>
+              <a:ext cx="0" cy="1330960"/>
+            </a:xfrm>
+            <a:prstGeom prst="line">
+              <a:avLst/>
+            </a:prstGeom>
+            <a:ln w="38100">
+              <a:solidFill>
+                <a:srgbClr val="FF0000"/>
+              </a:solidFill>
+            </a:ln>
+          </p:spPr>
+          <p:style>
+            <a:lnRef idx="1">
+              <a:schemeClr val="accent1"/>
+            </a:lnRef>
+            <a:fillRef idx="0">
+              <a:schemeClr val="accent1"/>
+            </a:fillRef>
+            <a:effectRef idx="0">
+              <a:schemeClr val="accent1"/>
+            </a:effectRef>
+            <a:fontRef idx="minor">
+              <a:schemeClr val="tx1"/>
+            </a:fontRef>
+          </p:style>
+        </p:cxnSp>
+        <p:cxnSp>
+          <p:nvCxnSpPr>
+            <p:cNvPr id="49" name="Straight Connector 48">
+              <a:extLst>
+                <a:ext uri="{FF2B5EF4-FFF2-40B4-BE49-F238E27FC236}">
+                  <a16:creationId xmlns:a16="http://schemas.microsoft.com/office/drawing/2014/main" id="{5C55B318-C14F-BED0-FAE2-88333B62DF74}"/>
+                </a:ext>
+              </a:extLst>
+            </p:cNvPr>
+            <p:cNvCxnSpPr/>
+            <p:nvPr/>
+          </p:nvCxnSpPr>
+          <p:spPr>
+            <a:xfrm flipV="1">
+              <a:off x="355750" y="3169046"/>
+              <a:ext cx="0" cy="1330960"/>
+            </a:xfrm>
+            <a:prstGeom prst="line">
+              <a:avLst/>
+            </a:prstGeom>
+            <a:ln w="38100">
+              <a:solidFill>
+                <a:srgbClr val="FF0000"/>
+              </a:solidFill>
+            </a:ln>
+          </p:spPr>
+          <p:style>
+            <a:lnRef idx="1">
+              <a:schemeClr val="accent1"/>
+            </a:lnRef>
+            <a:fillRef idx="0">
+              <a:schemeClr val="accent1"/>
+            </a:fillRef>
+            <a:effectRef idx="0">
+              <a:schemeClr val="accent1"/>
+            </a:effectRef>
+            <a:fontRef idx="minor">
+              <a:schemeClr val="tx1"/>
+            </a:fontRef>
+          </p:style>
+        </p:cxnSp>
+      </p:grpSp>
+    </p:spTree>
+    <p:extLst>
+      <p:ext uri="{BB962C8B-B14F-4D97-AF65-F5344CB8AC3E}">
+        <p14:creationId xmlns:p14="http://schemas.microsoft.com/office/powerpoint/2010/main" val="3418686629"/>
+      </p:ext>
+    </p:extLst>
+  </p:cSld>
+  <p:clrMapOvr>
+    <a:masterClrMapping/>
+  </p:clrMapOvr>
+  <p:timing>
+    <p:tnLst>
+      <p:par>
+        <p:cTn id="1" dur="indefinite" restart="never" nodeType="tmRoot">
+          <p:childTnLst>
+            <p:seq concurrent="1" nextAc="seek">
+              <p:cTn id="2" dur="indefinite" nodeType="mainSeq">
+                <p:childTnLst>
+                  <p:par>
+                    <p:cTn id="3" fill="hold">
+                      <p:stCondLst>
+                        <p:cond delay="indefinite"/>
+                      </p:stCondLst>
+                      <p:childTnLst>
+                        <p:par>
+                          <p:cTn id="4" fill="hold">
+                            <p:stCondLst>
+                              <p:cond delay="0"/>
+                            </p:stCondLst>
+                            <p:childTnLst>
+                              <p:par>
+                                <p:cTn id="5" presetID="1" presetClass="entr" presetSubtype="0" fill="hold" grpId="0" nodeType="clickEffect">
+                                  <p:stCondLst>
+                                    <p:cond delay="0"/>
+                                  </p:stCondLst>
+                                  <p:childTnLst>
+                                    <p:set>
+                                      <p:cBhvr>
+                                        <p:cTn id="6" dur="1" fill="hold">
+                                          <p:stCondLst>
+                                            <p:cond delay="0"/>
+                                          </p:stCondLst>
+                                        </p:cTn>
+                                        <p:tgtEl>
+                                          <p:spTgt spid="7"/>
+                                        </p:tgtEl>
+                                        <p:attrNameLst>
+                                          <p:attrName>style.visibility</p:attrName>
+                                        </p:attrNameLst>
+                                      </p:cBhvr>
+                                      <p:to>
+                                        <p:strVal val="visible"/>
+                                      </p:to>
+                                    </p:set>
+                                  </p:childTnLst>
+                                </p:cTn>
+                              </p:par>
+                            </p:childTnLst>
+                          </p:cTn>
+                        </p:par>
+                      </p:childTnLst>
+                    </p:cTn>
+                  </p:par>
+                  <p:par>
+                    <p:cTn id="7" fill="hold">
+                      <p:stCondLst>
+                        <p:cond delay="indefinite"/>
+                      </p:stCondLst>
+                      <p:childTnLst>
+                        <p:par>
+                          <p:cTn id="8" fill="hold">
+                            <p:stCondLst>
+                              <p:cond delay="0"/>
+                            </p:stCondLst>
+                            <p:childTnLst>
+                              <p:par>
+                                <p:cTn id="9" presetID="1" presetClass="entr" presetSubtype="0" fill="hold" grpId="0" nodeType="clickEffect">
+                                  <p:stCondLst>
+                                    <p:cond delay="0"/>
+                                  </p:stCondLst>
+                                  <p:childTnLst>
+                                    <p:set>
+                                      <p:cBhvr>
+                                        <p:cTn id="10" dur="1" fill="hold">
+                                          <p:stCondLst>
+                                            <p:cond delay="0"/>
+                                          </p:stCondLst>
+                                        </p:cTn>
+                                        <p:tgtEl>
+                                          <p:spTgt spid="11"/>
+                                        </p:tgtEl>
+                                        <p:attrNameLst>
+                                          <p:attrName>style.visibility</p:attrName>
+                                        </p:attrNameLst>
+                                      </p:cBhvr>
+                                      <p:to>
+                                        <p:strVal val="visible"/>
+                                      </p:to>
+                                    </p:set>
+                                  </p:childTnLst>
+                                </p:cTn>
+                              </p:par>
+                              <p:par>
+                                <p:cTn id="11" presetID="1" presetClass="entr" presetSubtype="0" fill="hold" nodeType="withEffect">
+                                  <p:stCondLst>
+                                    <p:cond delay="0"/>
+                                  </p:stCondLst>
+                                  <p:childTnLst>
+                                    <p:set>
+                                      <p:cBhvr>
+                                        <p:cTn id="12" dur="1" fill="hold">
+                                          <p:stCondLst>
+                                            <p:cond delay="0"/>
+                                          </p:stCondLst>
+                                        </p:cTn>
+                                        <p:tgtEl>
+                                          <p:spTgt spid="21"/>
+                                        </p:tgtEl>
+                                        <p:attrNameLst>
+                                          <p:attrName>style.visibility</p:attrName>
+                                        </p:attrNameLst>
+                                      </p:cBhvr>
+                                      <p:to>
+                                        <p:strVal val="visible"/>
+                                      </p:to>
+                                    </p:set>
+                                  </p:childTnLst>
+                                </p:cTn>
+                              </p:par>
+                              <p:par>
+                                <p:cTn id="13" presetID="1" presetClass="entr" presetSubtype="0" fill="hold" nodeType="withEffect">
+                                  <p:stCondLst>
+                                    <p:cond delay="0"/>
+                                  </p:stCondLst>
+                                  <p:childTnLst>
+                                    <p:set>
+                                      <p:cBhvr>
+                                        <p:cTn id="14" dur="1" fill="hold">
+                                          <p:stCondLst>
+                                            <p:cond delay="0"/>
+                                          </p:stCondLst>
+                                        </p:cTn>
+                                        <p:tgtEl>
+                                          <p:spTgt spid="13"/>
+                                        </p:tgtEl>
+                                        <p:attrNameLst>
+                                          <p:attrName>style.visibility</p:attrName>
+                                        </p:attrNameLst>
+                                      </p:cBhvr>
+                                      <p:to>
+                                        <p:strVal val="visible"/>
+                                      </p:to>
+                                    </p:set>
+                                  </p:childTnLst>
+                                </p:cTn>
+                              </p:par>
+                              <p:par>
+                                <p:cTn id="15" presetID="1" presetClass="entr" presetSubtype="0" fill="hold" grpId="0" nodeType="withEffect">
+                                  <p:stCondLst>
+                                    <p:cond delay="0"/>
+                                  </p:stCondLst>
+                                  <p:childTnLst>
+                                    <p:set>
+                                      <p:cBhvr>
+                                        <p:cTn id="16" dur="1" fill="hold">
+                                          <p:stCondLst>
+                                            <p:cond delay="0"/>
+                                          </p:stCondLst>
+                                        </p:cTn>
+                                        <p:tgtEl>
+                                          <p:spTgt spid="9"/>
+                                        </p:tgtEl>
+                                        <p:attrNameLst>
+                                          <p:attrName>style.visibility</p:attrName>
+                                        </p:attrNameLst>
+                                      </p:cBhvr>
+                                      <p:to>
+                                        <p:strVal val="visible"/>
+                                      </p:to>
+                                    </p:set>
+                                  </p:childTnLst>
+                                </p:cTn>
+                              </p:par>
+                            </p:childTnLst>
+                          </p:cTn>
+                        </p:par>
+                      </p:childTnLst>
+                    </p:cTn>
+                  </p:par>
+                  <p:par>
+                    <p:cTn id="17" fill="hold">
+                      <p:stCondLst>
+                        <p:cond delay="indefinite"/>
+                      </p:stCondLst>
+                      <p:childTnLst>
+                        <p:par>
+                          <p:cTn id="18" fill="hold">
+                            <p:stCondLst>
+                              <p:cond delay="0"/>
+                            </p:stCondLst>
+                            <p:childTnLst>
+                              <p:par>
+                                <p:cTn id="19" presetID="1" presetClass="entr" presetSubtype="0" fill="hold" grpId="0" nodeType="clickEffect">
+                                  <p:stCondLst>
+                                    <p:cond delay="0"/>
+                                  </p:stCondLst>
+                                  <p:childTnLst>
+                                    <p:set>
+                                      <p:cBhvr>
+                                        <p:cTn id="20" dur="1" fill="hold">
+                                          <p:stCondLst>
+                                            <p:cond delay="0"/>
+                                          </p:stCondLst>
+                                        </p:cTn>
+                                        <p:tgtEl>
+                                          <p:spTgt spid="8"/>
+                                        </p:tgtEl>
+                                        <p:attrNameLst>
+                                          <p:attrName>style.visibility</p:attrName>
+                                        </p:attrNameLst>
+                                      </p:cBhvr>
+                                      <p:to>
+                                        <p:strVal val="visible"/>
+                                      </p:to>
+                                    </p:set>
+                                  </p:childTnLst>
+                                </p:cTn>
+                              </p:par>
+                              <p:par>
+                                <p:cTn id="21" presetID="1" presetClass="entr" presetSubtype="0" fill="hold" grpId="0" nodeType="withEffect">
+                                  <p:stCondLst>
+                                    <p:cond delay="0"/>
+                                  </p:stCondLst>
+                                  <p:childTnLst>
+                                    <p:set>
+                                      <p:cBhvr>
+                                        <p:cTn id="22" dur="1" fill="hold">
+                                          <p:stCondLst>
+                                            <p:cond delay="0"/>
+                                          </p:stCondLst>
+                                        </p:cTn>
+                                        <p:tgtEl>
+                                          <p:spTgt spid="10"/>
+                                        </p:tgtEl>
+                                        <p:attrNameLst>
+                                          <p:attrName>style.visibility</p:attrName>
+                                        </p:attrNameLst>
+                                      </p:cBhvr>
+                                      <p:to>
+                                        <p:strVal val="visible"/>
+                                      </p:to>
+                                    </p:set>
+                                  </p:childTnLst>
+                                </p:cTn>
+                              </p:par>
+                              <p:par>
+                                <p:cTn id="23" presetID="1" presetClass="entr" presetSubtype="0" fill="hold" nodeType="withEffect">
+                                  <p:stCondLst>
+                                    <p:cond delay="0"/>
+                                  </p:stCondLst>
+                                  <p:childTnLst>
+                                    <p:set>
+                                      <p:cBhvr>
+                                        <p:cTn id="24" dur="1" fill="hold">
+                                          <p:stCondLst>
+                                            <p:cond delay="0"/>
+                                          </p:stCondLst>
+                                        </p:cTn>
+                                        <p:tgtEl>
+                                          <p:spTgt spid="16"/>
+                                        </p:tgtEl>
+                                        <p:attrNameLst>
+                                          <p:attrName>style.visibility</p:attrName>
+                                        </p:attrNameLst>
+                                      </p:cBhvr>
+                                      <p:to>
+                                        <p:strVal val="visible"/>
+                                      </p:to>
+                                    </p:set>
+                                  </p:childTnLst>
+                                </p:cTn>
+                              </p:par>
+                              <p:par>
+                                <p:cTn id="25" presetID="1" presetClass="entr" presetSubtype="0" fill="hold" grpId="0" nodeType="withEffect">
+                                  <p:stCondLst>
+                                    <p:cond delay="0"/>
+                                  </p:stCondLst>
+                                  <p:childTnLst>
+                                    <p:set>
+                                      <p:cBhvr>
+                                        <p:cTn id="26" dur="1" fill="hold">
+                                          <p:stCondLst>
+                                            <p:cond delay="0"/>
+                                          </p:stCondLst>
+                                        </p:cTn>
+                                        <p:tgtEl>
+                                          <p:spTgt spid="14"/>
+                                        </p:tgtEl>
+                                        <p:attrNameLst>
+                                          <p:attrName>style.visibility</p:attrName>
+                                        </p:attrNameLst>
+                                      </p:cBhvr>
+                                      <p:to>
+                                        <p:strVal val="visible"/>
+                                      </p:to>
+                                    </p:set>
+                                  </p:childTnLst>
+                                </p:cTn>
+                              </p:par>
+                            </p:childTnLst>
+                          </p:cTn>
+                        </p:par>
+                      </p:childTnLst>
+                    </p:cTn>
+                  </p:par>
+                  <p:par>
+                    <p:cTn id="27" fill="hold">
+                      <p:stCondLst>
+                        <p:cond delay="indefinite"/>
+                      </p:stCondLst>
+                      <p:childTnLst>
+                        <p:par>
+                          <p:cTn id="28" fill="hold">
+                            <p:stCondLst>
+                              <p:cond delay="0"/>
+                            </p:stCondLst>
+                            <p:childTnLst>
+                              <p:par>
+                                <p:cTn id="29" presetID="1" presetClass="entr" presetSubtype="0" fill="hold" grpId="0" nodeType="clickEffect">
+                                  <p:stCondLst>
+                                    <p:cond delay="0"/>
+                                  </p:stCondLst>
+                                  <p:childTnLst>
+                                    <p:set>
+                                      <p:cBhvr>
+                                        <p:cTn id="30" dur="1" fill="hold">
+                                          <p:stCondLst>
+                                            <p:cond delay="0"/>
+                                          </p:stCondLst>
+                                        </p:cTn>
+                                        <p:tgtEl>
+                                          <p:spTgt spid="17"/>
+                                        </p:tgtEl>
+                                        <p:attrNameLst>
+                                          <p:attrName>style.visibility</p:attrName>
+                                        </p:attrNameLst>
+                                      </p:cBhvr>
+                                      <p:to>
+                                        <p:strVal val="visible"/>
+                                      </p:to>
+                                    </p:set>
+                                  </p:childTnLst>
+                                </p:cTn>
+                              </p:par>
+                              <p:par>
+                                <p:cTn id="31" presetID="1" presetClass="entr" presetSubtype="0" fill="hold" grpId="0" nodeType="withEffect">
+                                  <p:stCondLst>
+                                    <p:cond delay="0"/>
+                                  </p:stCondLst>
+                                  <p:childTnLst>
+                                    <p:set>
+                                      <p:cBhvr>
+                                        <p:cTn id="32" dur="1" fill="hold">
+                                          <p:stCondLst>
+                                            <p:cond delay="0"/>
+                                          </p:stCondLst>
+                                        </p:cTn>
+                                        <p:tgtEl>
+                                          <p:spTgt spid="18"/>
+                                        </p:tgtEl>
+                                        <p:attrNameLst>
+                                          <p:attrName>style.visibility</p:attrName>
+                                        </p:attrNameLst>
+                                      </p:cBhvr>
+                                      <p:to>
+                                        <p:strVal val="visible"/>
+                                      </p:to>
+                                    </p:set>
+                                  </p:childTnLst>
+                                </p:cTn>
+                              </p:par>
+                            </p:childTnLst>
+                          </p:cTn>
+                        </p:par>
+                      </p:childTnLst>
+                    </p:cTn>
+                  </p:par>
+                  <p:par>
+                    <p:cTn id="33" fill="hold">
+                      <p:stCondLst>
+                        <p:cond delay="indefinite"/>
+                      </p:stCondLst>
+                      <p:childTnLst>
+                        <p:par>
+                          <p:cTn id="34" fill="hold">
+                            <p:stCondLst>
+                              <p:cond delay="0"/>
+                            </p:stCondLst>
+                            <p:childTnLst>
+                              <p:par>
+                                <p:cTn id="35" presetID="1" presetClass="entr" presetSubtype="0" fill="hold" grpId="0" nodeType="clickEffect">
+                                  <p:stCondLst>
+                                    <p:cond delay="0"/>
+                                  </p:stCondLst>
+                                  <p:childTnLst>
+                                    <p:set>
+                                      <p:cBhvr>
+                                        <p:cTn id="36" dur="1" fill="hold">
+                                          <p:stCondLst>
+                                            <p:cond delay="0"/>
+                                          </p:stCondLst>
+                                        </p:cTn>
+                                        <p:tgtEl>
+                                          <p:spTgt spid="23"/>
+                                        </p:tgtEl>
+                                        <p:attrNameLst>
+                                          <p:attrName>style.visibility</p:attrName>
+                                        </p:attrNameLst>
+                                      </p:cBhvr>
+                                      <p:to>
+                                        <p:strVal val="visible"/>
+                                      </p:to>
+                                    </p:set>
+                                  </p:childTnLst>
+                                </p:cTn>
+                              </p:par>
+                              <p:par>
+                                <p:cTn id="37" presetID="1" presetClass="entr" presetSubtype="0" fill="hold" nodeType="withEffect">
+                                  <p:stCondLst>
+                                    <p:cond delay="0"/>
+                                  </p:stCondLst>
+                                  <p:childTnLst>
+                                    <p:set>
+                                      <p:cBhvr>
+                                        <p:cTn id="38" dur="1" fill="hold">
+                                          <p:stCondLst>
+                                            <p:cond delay="0"/>
+                                          </p:stCondLst>
+                                        </p:cTn>
+                                        <p:tgtEl>
+                                          <p:spTgt spid="22"/>
+                                        </p:tgtEl>
+                                        <p:attrNameLst>
+                                          <p:attrName>style.visibility</p:attrName>
+                                        </p:attrNameLst>
+                                      </p:cBhvr>
+                                      <p:to>
+                                        <p:strVal val="visible"/>
+                                      </p:to>
+                                    </p:set>
+                                  </p:childTnLst>
+                                </p:cTn>
+                              </p:par>
+                            </p:childTnLst>
+                          </p:cTn>
+                        </p:par>
+                      </p:childTnLst>
+                    </p:cTn>
+                  </p:par>
+                  <p:par>
+                    <p:cTn id="39" fill="hold">
+                      <p:stCondLst>
+                        <p:cond delay="indefinite"/>
+                      </p:stCondLst>
+                      <p:childTnLst>
+                        <p:par>
+                          <p:cTn id="40" fill="hold">
+                            <p:stCondLst>
+                              <p:cond delay="0"/>
+                            </p:stCondLst>
+                            <p:childTnLst>
+                              <p:par>
+                                <p:cTn id="41" presetID="1" presetClass="entr" presetSubtype="0" fill="hold" nodeType="clickEffect">
+                                  <p:stCondLst>
+                                    <p:cond delay="0"/>
+                                  </p:stCondLst>
+                                  <p:childTnLst>
+                                    <p:set>
+                                      <p:cBhvr>
+                                        <p:cTn id="42" dur="1" fill="hold">
+                                          <p:stCondLst>
+                                            <p:cond delay="0"/>
+                                          </p:stCondLst>
+                                        </p:cTn>
+                                        <p:tgtEl>
+                                          <p:spTgt spid="50"/>
+                                        </p:tgtEl>
+                                        <p:attrNameLst>
+                                          <p:attrName>style.visibility</p:attrName>
+                                        </p:attrNameLst>
+                                      </p:cBhvr>
+                                      <p:to>
+                                        <p:strVal val="visible"/>
+                                      </p:to>
+                                    </p:set>
+                                  </p:childTnLst>
+                                </p:cTn>
+                              </p:par>
+                            </p:childTnLst>
+                          </p:cTn>
+                        </p:par>
+                      </p:childTnLst>
+                    </p:cTn>
+                  </p:par>
+                </p:childTnLst>
+              </p:cTn>
+              <p:prevCondLst>
+                <p:cond evt="onPrev" delay="0">
+                  <p:tgtEl>
+                    <p:sldTgt/>
+                  </p:tgtEl>
+                </p:cond>
+              </p:prevCondLst>
+              <p:nextCondLst>
+                <p:cond evt="onNext" delay="0">
+                  <p:tgtEl>
+                    <p:sldTgt/>
+                  </p:tgtEl>
+                </p:cond>
+              </p:nextCondLst>
+            </p:seq>
+          </p:childTnLst>
+        </p:cTn>
+      </p:par>
+    </p:tnLst>
+    <p:bldLst>
+      <p:bldP spid="7" grpId="0" animBg="1"/>
+      <p:bldP spid="8" grpId="0" animBg="1"/>
+      <p:bldP spid="9" grpId="0"/>
+      <p:bldP spid="10" grpId="0"/>
+      <p:bldP spid="11" grpId="0"/>
+      <p:bldP spid="14" grpId="0"/>
+      <p:bldP spid="17" grpId="0" animBg="1"/>
+      <p:bldP spid="18" grpId="0"/>
+      <p:bldP spid="23" grpId="0"/>
+    </p:bldLst>
+  </p:timing>
+</p:sld>
+</file>
+
+<file path=ppt/slides/slide7.xml><?xml version="1.0" encoding="utf-8"?>
+<p:sld xmlns:a="http://schemas.openxmlformats.org/drawingml/2006/main" xmlns:r="http://schemas.openxmlformats.org/officeDocument/2006/relationships" xmlns:p="http://schemas.openxmlformats.org/presentationml/2006/main">
+  <p:cSld>
+    <p:spTree>
+      <p:nvGrpSpPr>
+        <p:cNvPr id="1" name=""/>
+        <p:cNvGrpSpPr/>
+        <p:nvPr/>
+      </p:nvGrpSpPr>
+      <p:grpSpPr>
+        <a:xfrm>
+          <a:off x="0" y="0"/>
+          <a:ext cx="0" cy="0"/>
+          <a:chOff x="0" y="0"/>
+          <a:chExt cx="0" cy="0"/>
+        </a:xfrm>
+      </p:grpSpPr>
+      <p:sp>
+        <p:nvSpPr>
+          <p:cNvPr id="2" name="Title 1">
+            <a:extLst>
+              <a:ext uri="{FF2B5EF4-FFF2-40B4-BE49-F238E27FC236}">
+                <a16:creationId xmlns:a16="http://schemas.microsoft.com/office/drawing/2014/main" id="{4455457E-AA3E-C782-735B-B9EAE40E9895}"/>
+              </a:ext>
+            </a:extLst>
+          </p:cNvPr>
+          <p:cNvSpPr>
+            <a:spLocks noGrp="1"/>
+          </p:cNvSpPr>
+          <p:nvPr>
+            <p:ph type="title"/>
+          </p:nvPr>
+        </p:nvSpPr>
+        <p:spPr/>
+        <p:txBody>
+          <a:bodyPr/>
+          <a:lstStyle/>
+          <a:p>
+            <a:r>
+              <a:rPr lang="en-US" dirty="0"/>
+              <a:t>Temporal Validation</a:t>
+            </a:r>
+          </a:p>
+        </p:txBody>
+      </p:sp>
+      <p:sp>
+        <p:nvSpPr>
+          <p:cNvPr id="6" name="TextBox 5">
+            <a:extLst>
+              <a:ext uri="{FF2B5EF4-FFF2-40B4-BE49-F238E27FC236}">
+                <a16:creationId xmlns:a16="http://schemas.microsoft.com/office/drawing/2014/main" id="{4F15187B-D839-3C4F-0DE9-4E9E0CBC1208}"/>
+              </a:ext>
+            </a:extLst>
+          </p:cNvPr>
+          <p:cNvSpPr txBox="1"/>
+          <p:nvPr/>
+        </p:nvSpPr>
+        <p:spPr>
+          <a:xfrm>
+            <a:off x="477040" y="1078468"/>
+            <a:ext cx="11237820" cy="707886"/>
+          </a:xfrm>
+          <a:prstGeom prst="rect">
+            <a:avLst/>
+          </a:prstGeom>
+          <a:noFill/>
+        </p:spPr>
+        <p:txBody>
+          <a:bodyPr wrap="square">
+            <a:spAutoFit/>
+          </a:bodyPr>
+          <a:lstStyle/>
+          <a:p>
+            <a:r>
+              <a:rPr lang="en" sz="2000" dirty="0">
+                <a:solidFill>
+                  <a:srgbClr val="FF0000"/>
+                </a:solidFill>
+              </a:rPr>
+              <a:t>On the first day of every month</a:t>
+            </a:r>
+            <a:r>
+              <a:rPr lang="en" sz="2000" dirty="0">
+                <a:solidFill>
+                  <a:srgbClr val="595959"/>
+                </a:solidFill>
+              </a:rPr>
+              <a:t>, for </a:t>
+            </a:r>
+            <a:r>
+              <a:rPr lang="en" sz="2000" dirty="0">
+                <a:solidFill>
+                  <a:srgbClr val="0000FF"/>
+                </a:solidFill>
+              </a:rPr>
+              <a:t>all individuals residing in PA</a:t>
+            </a:r>
+            <a:r>
+              <a:rPr lang="en" sz="2000" dirty="0">
+                <a:solidFill>
+                  <a:srgbClr val="595959"/>
+                </a:solidFill>
+              </a:rPr>
+              <a:t>, can we identify </a:t>
+            </a:r>
+            <a:r>
+              <a:rPr lang="en" sz="2000" dirty="0">
+                <a:solidFill>
+                  <a:srgbClr val="FF00FF"/>
+                </a:solidFill>
+              </a:rPr>
+              <a:t>500 people </a:t>
+            </a:r>
+            <a:r>
+              <a:rPr lang="en" sz="2000" dirty="0">
+                <a:solidFill>
+                  <a:srgbClr val="595959"/>
+                </a:solidFill>
+              </a:rPr>
+              <a:t>with a </a:t>
+            </a:r>
+            <a:r>
+              <a:rPr lang="en" sz="2000" dirty="0">
+                <a:solidFill>
+                  <a:srgbClr val="38761D"/>
+                </a:solidFill>
+              </a:rPr>
+              <a:t>high risk of contracting monkeypox in the next year </a:t>
+            </a:r>
+            <a:endParaRPr lang="en-US" sz="2000" dirty="0"/>
+          </a:p>
+        </p:txBody>
+      </p:sp>
+      <p:sp>
+        <p:nvSpPr>
+          <p:cNvPr id="7" name="Rectangle 6">
+            <a:extLst>
+              <a:ext uri="{FF2B5EF4-FFF2-40B4-BE49-F238E27FC236}">
+                <a16:creationId xmlns:a16="http://schemas.microsoft.com/office/drawing/2014/main" id="{FD115D8B-7980-950C-7AF2-D073760A1725}"/>
+              </a:ext>
+            </a:extLst>
+          </p:cNvPr>
+          <p:cNvSpPr/>
+          <p:nvPr/>
+        </p:nvSpPr>
+        <p:spPr>
+          <a:xfrm>
+            <a:off x="7833360" y="1097280"/>
+            <a:ext cx="3799840" cy="345440"/>
+          </a:xfrm>
+          <a:prstGeom prst="rect">
+            <a:avLst/>
+          </a:prstGeom>
+          <a:solidFill>
+            <a:schemeClr val="accent2"/>
+          </a:solidFill>
+        </p:spPr>
+        <p:style>
+          <a:lnRef idx="2">
+            <a:schemeClr val="accent1">
+              <a:shade val="15000"/>
+            </a:schemeClr>
+          </a:lnRef>
+          <a:fillRef idx="1">
+            <a:schemeClr val="accent1"/>
+          </a:fillRef>
+          <a:effectRef idx="0">
+            <a:schemeClr val="accent1"/>
+          </a:effectRef>
+          <a:fontRef idx="minor">
+            <a:schemeClr val="lt1"/>
+          </a:fontRef>
+        </p:style>
+        <p:txBody>
+          <a:bodyPr rtlCol="0" anchor="ctr"/>
+          <a:lstStyle/>
+          <a:p>
+            <a:pPr algn="ctr"/>
+            <a:endParaRPr lang="en-US"/>
+          </a:p>
+        </p:txBody>
+      </p:sp>
+      <p:sp>
+        <p:nvSpPr>
+          <p:cNvPr id="8" name="Rectangle 7">
+            <a:extLst>
+              <a:ext uri="{FF2B5EF4-FFF2-40B4-BE49-F238E27FC236}">
+                <a16:creationId xmlns:a16="http://schemas.microsoft.com/office/drawing/2014/main" id="{36BF0BB9-9291-E039-B601-036C1D21BD0F}"/>
+              </a:ext>
+            </a:extLst>
+          </p:cNvPr>
+          <p:cNvSpPr/>
+          <p:nvPr/>
+        </p:nvSpPr>
+        <p:spPr>
+          <a:xfrm>
+            <a:off x="5557520" y="2113280"/>
+            <a:ext cx="3249556" cy="770336"/>
+          </a:xfrm>
+          <a:prstGeom prst="rect">
+            <a:avLst/>
+          </a:prstGeom>
+        </p:spPr>
+        <p:style>
+          <a:lnRef idx="2">
+            <a:schemeClr val="accent1">
+              <a:shade val="15000"/>
+            </a:schemeClr>
+          </a:lnRef>
+          <a:fillRef idx="1">
+            <a:schemeClr val="accent1"/>
+          </a:fillRef>
+          <a:effectRef idx="0">
+            <a:schemeClr val="accent1"/>
+          </a:effectRef>
+          <a:fontRef idx="minor">
+            <a:schemeClr val="lt1"/>
+          </a:fontRef>
+        </p:style>
+        <p:txBody>
+          <a:bodyPr rtlCol="0" anchor="ctr"/>
+          <a:lstStyle/>
+          <a:p>
+            <a:pPr algn="ctr"/>
+            <a:r>
+              <a:rPr lang="en-US" dirty="0">
+                <a:solidFill>
+                  <a:schemeClr val="tx1"/>
+                </a:solidFill>
+              </a:rPr>
+              <a:t>Validation Set 1</a:t>
+            </a:r>
+          </a:p>
+        </p:txBody>
+      </p:sp>
+      <p:sp>
+        <p:nvSpPr>
+          <p:cNvPr id="9" name="TextBox 8">
+            <a:extLst>
+              <a:ext uri="{FF2B5EF4-FFF2-40B4-BE49-F238E27FC236}">
+                <a16:creationId xmlns:a16="http://schemas.microsoft.com/office/drawing/2014/main" id="{78E52D81-1E66-C7AB-5530-34C0124F00A3}"/>
+              </a:ext>
+            </a:extLst>
+          </p:cNvPr>
+          <p:cNvSpPr txBox="1"/>
+          <p:nvPr/>
+        </p:nvSpPr>
+        <p:spPr>
+          <a:xfrm>
+            <a:off x="5216721" y="2986166"/>
+            <a:ext cx="681597" cy="307777"/>
+          </a:xfrm>
+          <a:prstGeom prst="rect">
+            <a:avLst/>
+          </a:prstGeom>
+          <a:noFill/>
+        </p:spPr>
+        <p:txBody>
+          <a:bodyPr wrap="none" rtlCol="0">
+            <a:spAutoFit/>
+          </a:bodyPr>
+          <a:lstStyle/>
+          <a:p>
+            <a:r>
+              <a:rPr lang="en-US" dirty="0"/>
+              <a:t>9/1/23</a:t>
+            </a:r>
+          </a:p>
+        </p:txBody>
+      </p:sp>
+      <p:sp>
+        <p:nvSpPr>
+          <p:cNvPr id="10" name="TextBox 9">
+            <a:extLst>
+              <a:ext uri="{FF2B5EF4-FFF2-40B4-BE49-F238E27FC236}">
+                <a16:creationId xmlns:a16="http://schemas.microsoft.com/office/drawing/2014/main" id="{C3E5DFBB-16AF-9B9A-6579-E2916EC01914}"/>
+              </a:ext>
+            </a:extLst>
+          </p:cNvPr>
+          <p:cNvSpPr txBox="1"/>
+          <p:nvPr/>
+        </p:nvSpPr>
+        <p:spPr>
+          <a:xfrm>
+            <a:off x="8447601" y="3038706"/>
+            <a:ext cx="681597" cy="307777"/>
+          </a:xfrm>
+          <a:prstGeom prst="rect">
+            <a:avLst/>
+          </a:prstGeom>
+          <a:noFill/>
+        </p:spPr>
+        <p:txBody>
+          <a:bodyPr wrap="none" rtlCol="0">
+            <a:spAutoFit/>
+          </a:bodyPr>
+          <a:lstStyle/>
+          <a:p>
+            <a:r>
+              <a:rPr lang="en-US" dirty="0"/>
+              <a:t>9/1/24</a:t>
+            </a:r>
+          </a:p>
+        </p:txBody>
+      </p:sp>
+      <p:sp>
+        <p:nvSpPr>
+          <p:cNvPr id="17" name="Rectangle 16">
+            <a:extLst>
+              <a:ext uri="{FF2B5EF4-FFF2-40B4-BE49-F238E27FC236}">
+                <a16:creationId xmlns:a16="http://schemas.microsoft.com/office/drawing/2014/main" id="{3925098E-386E-E02F-0690-D1D745F71A98}"/>
+              </a:ext>
+            </a:extLst>
+          </p:cNvPr>
+          <p:cNvSpPr/>
+          <p:nvPr/>
+        </p:nvSpPr>
+        <p:spPr>
+          <a:xfrm>
+            <a:off x="284480" y="2112406"/>
+            <a:ext cx="5303520" cy="770336"/>
+          </a:xfrm>
+          <a:prstGeom prst="rect">
+            <a:avLst/>
+          </a:prstGeom>
+          <a:solidFill>
+            <a:schemeClr val="accent5">
+              <a:lumMod val="75000"/>
+            </a:schemeClr>
+          </a:solidFill>
+        </p:spPr>
+        <p:style>
+          <a:lnRef idx="2">
+            <a:schemeClr val="accent1">
+              <a:shade val="15000"/>
+            </a:schemeClr>
+          </a:lnRef>
+          <a:fillRef idx="1">
+            <a:schemeClr val="accent1"/>
+          </a:fillRef>
+          <a:effectRef idx="0">
+            <a:schemeClr val="accent1"/>
+          </a:effectRef>
+          <a:fontRef idx="minor">
+            <a:schemeClr val="lt1"/>
+          </a:fontRef>
+        </p:style>
+        <p:txBody>
+          <a:bodyPr rtlCol="0" anchor="ctr"/>
+          <a:lstStyle/>
+          <a:p>
+            <a:pPr algn="ctr"/>
+            <a:r>
+              <a:rPr lang="en-US" dirty="0"/>
+              <a:t>Training Set 1</a:t>
+            </a:r>
+          </a:p>
+        </p:txBody>
+      </p:sp>
+      <p:sp>
+        <p:nvSpPr>
+          <p:cNvPr id="4" name="TextBox 3">
+            <a:extLst>
+              <a:ext uri="{FF2B5EF4-FFF2-40B4-BE49-F238E27FC236}">
+                <a16:creationId xmlns:a16="http://schemas.microsoft.com/office/drawing/2014/main" id="{73AD4941-EEFE-555E-2B24-CD5EC32D4854}"/>
+              </a:ext>
+            </a:extLst>
+          </p:cNvPr>
+          <p:cNvSpPr txBox="1"/>
+          <p:nvPr/>
+        </p:nvSpPr>
+        <p:spPr>
+          <a:xfrm>
+            <a:off x="4862390" y="4258587"/>
+            <a:ext cx="708661" cy="307777"/>
+          </a:xfrm>
+          <a:prstGeom prst="rect">
+            <a:avLst/>
+          </a:prstGeom>
+          <a:noFill/>
+        </p:spPr>
+        <p:txBody>
+          <a:bodyPr wrap="square" rtlCol="0">
+            <a:spAutoFit/>
+          </a:bodyPr>
+          <a:lstStyle/>
+          <a:p>
+            <a:r>
+              <a:rPr lang="en-US" dirty="0"/>
+              <a:t>8/1/23</a:t>
+            </a:r>
+          </a:p>
+        </p:txBody>
+      </p:sp>
+      <p:sp>
+        <p:nvSpPr>
+          <p:cNvPr id="5" name="TextBox 4">
+            <a:extLst>
+              <a:ext uri="{FF2B5EF4-FFF2-40B4-BE49-F238E27FC236}">
+                <a16:creationId xmlns:a16="http://schemas.microsoft.com/office/drawing/2014/main" id="{04E60885-1BA6-F86B-43D2-A662642D660D}"/>
+              </a:ext>
+            </a:extLst>
+          </p:cNvPr>
+          <p:cNvSpPr txBox="1"/>
+          <p:nvPr/>
+        </p:nvSpPr>
+        <p:spPr>
+          <a:xfrm>
+            <a:off x="7996546" y="4299227"/>
+            <a:ext cx="939462" cy="307777"/>
+          </a:xfrm>
+          <a:prstGeom prst="rect">
+            <a:avLst/>
+          </a:prstGeom>
+          <a:noFill/>
+        </p:spPr>
+        <p:txBody>
+          <a:bodyPr wrap="square" rtlCol="0">
+            <a:spAutoFit/>
+          </a:bodyPr>
+          <a:lstStyle/>
+          <a:p>
+            <a:r>
+              <a:rPr lang="en-US" dirty="0"/>
+              <a:t>8/1/24</a:t>
+            </a:r>
+          </a:p>
+        </p:txBody>
+      </p:sp>
+      <p:sp>
+        <p:nvSpPr>
+          <p:cNvPr id="22" name="Rectangle 21">
+            <a:extLst>
+              <a:ext uri="{FF2B5EF4-FFF2-40B4-BE49-F238E27FC236}">
+                <a16:creationId xmlns:a16="http://schemas.microsoft.com/office/drawing/2014/main" id="{D3A66141-FB18-7B1A-EBFF-19AED7F1DDF9}"/>
+              </a:ext>
+            </a:extLst>
+          </p:cNvPr>
+          <p:cNvSpPr/>
+          <p:nvPr/>
+        </p:nvSpPr>
+        <p:spPr>
+          <a:xfrm>
+            <a:off x="5216721" y="3379550"/>
+            <a:ext cx="3249556" cy="770336"/>
+          </a:xfrm>
+          <a:prstGeom prst="rect">
+            <a:avLst/>
+          </a:prstGeom>
+        </p:spPr>
+        <p:style>
+          <a:lnRef idx="2">
+            <a:schemeClr val="accent1">
+              <a:shade val="15000"/>
+            </a:schemeClr>
+          </a:lnRef>
+          <a:fillRef idx="1">
+            <a:schemeClr val="accent1"/>
+          </a:fillRef>
+          <a:effectRef idx="0">
+            <a:schemeClr val="accent1"/>
+          </a:effectRef>
+          <a:fontRef idx="minor">
+            <a:schemeClr val="lt1"/>
+          </a:fontRef>
+        </p:style>
+        <p:txBody>
+          <a:bodyPr rtlCol="0" anchor="ctr"/>
+          <a:lstStyle/>
+          <a:p>
+            <a:pPr algn="ctr"/>
+            <a:r>
+              <a:rPr lang="en-US" dirty="0">
+                <a:solidFill>
+                  <a:schemeClr val="tx1"/>
+                </a:solidFill>
+              </a:rPr>
+              <a:t>Validation Set 2</a:t>
+            </a:r>
+          </a:p>
+        </p:txBody>
+      </p:sp>
+      <p:sp>
+        <p:nvSpPr>
+          <p:cNvPr id="23" name="Rectangle 22">
+            <a:extLst>
+              <a:ext uri="{FF2B5EF4-FFF2-40B4-BE49-F238E27FC236}">
+                <a16:creationId xmlns:a16="http://schemas.microsoft.com/office/drawing/2014/main" id="{BA4058FC-3A51-8481-5EAA-7EE7A53CA1E7}"/>
+              </a:ext>
+            </a:extLst>
+          </p:cNvPr>
+          <p:cNvSpPr/>
+          <p:nvPr/>
+        </p:nvSpPr>
+        <p:spPr>
+          <a:xfrm>
+            <a:off x="339921" y="3378676"/>
+            <a:ext cx="4876800" cy="770336"/>
+          </a:xfrm>
+          <a:prstGeom prst="rect">
+            <a:avLst/>
+          </a:prstGeom>
+          <a:solidFill>
+            <a:schemeClr val="accent5">
+              <a:lumMod val="75000"/>
+            </a:schemeClr>
+          </a:solidFill>
+        </p:spPr>
+        <p:style>
+          <a:lnRef idx="2">
+            <a:schemeClr val="accent1">
+              <a:shade val="15000"/>
+            </a:schemeClr>
+          </a:lnRef>
+          <a:fillRef idx="1">
+            <a:schemeClr val="accent1"/>
+          </a:fillRef>
+          <a:effectRef idx="0">
+            <a:schemeClr val="accent1"/>
+          </a:effectRef>
+          <a:fontRef idx="minor">
+            <a:schemeClr val="lt1"/>
+          </a:fontRef>
+        </p:style>
+        <p:txBody>
+          <a:bodyPr rtlCol="0" anchor="ctr"/>
+          <a:lstStyle/>
+          <a:p>
+            <a:pPr algn="ctr"/>
+            <a:r>
+              <a:rPr lang="en-US" dirty="0"/>
+              <a:t>Training Set 2</a:t>
+            </a:r>
+          </a:p>
+        </p:txBody>
+      </p:sp>
+      <p:sp>
+        <p:nvSpPr>
+          <p:cNvPr id="24" name="TextBox 23">
+            <a:extLst>
+              <a:ext uri="{FF2B5EF4-FFF2-40B4-BE49-F238E27FC236}">
+                <a16:creationId xmlns:a16="http://schemas.microsoft.com/office/drawing/2014/main" id="{34AB15EC-FED5-28EF-9E5C-2AA4BA13C557}"/>
+              </a:ext>
+            </a:extLst>
+          </p:cNvPr>
+          <p:cNvSpPr txBox="1"/>
+          <p:nvPr/>
+        </p:nvSpPr>
+        <p:spPr>
+          <a:xfrm>
+            <a:off x="4508059" y="5568891"/>
+            <a:ext cx="708661" cy="307777"/>
+          </a:xfrm>
+          <a:prstGeom prst="rect">
+            <a:avLst/>
+          </a:prstGeom>
+          <a:noFill/>
+        </p:spPr>
+        <p:txBody>
+          <a:bodyPr wrap="square" rtlCol="0">
+            <a:spAutoFit/>
+          </a:bodyPr>
+          <a:lstStyle/>
+          <a:p>
+            <a:r>
+              <a:rPr lang="en-US" dirty="0"/>
+              <a:t>7/1/23</a:t>
+            </a:r>
+          </a:p>
+        </p:txBody>
+      </p:sp>
+      <p:sp>
+        <p:nvSpPr>
+          <p:cNvPr id="25" name="TextBox 24">
+            <a:extLst>
+              <a:ext uri="{FF2B5EF4-FFF2-40B4-BE49-F238E27FC236}">
+                <a16:creationId xmlns:a16="http://schemas.microsoft.com/office/drawing/2014/main" id="{A2B56A76-36DE-CEF4-B2B8-63A196D165A2}"/>
+              </a:ext>
+            </a:extLst>
+          </p:cNvPr>
+          <p:cNvSpPr txBox="1"/>
+          <p:nvPr/>
+        </p:nvSpPr>
+        <p:spPr>
+          <a:xfrm>
+            <a:off x="7752706" y="5568891"/>
+            <a:ext cx="939462" cy="307777"/>
+          </a:xfrm>
+          <a:prstGeom prst="rect">
+            <a:avLst/>
+          </a:prstGeom>
+          <a:noFill/>
+        </p:spPr>
+        <p:txBody>
+          <a:bodyPr wrap="square" rtlCol="0">
+            <a:spAutoFit/>
+          </a:bodyPr>
+          <a:lstStyle/>
+          <a:p>
+            <a:r>
+              <a:rPr lang="en-US" dirty="0"/>
+              <a:t>7/1/24</a:t>
+            </a:r>
+          </a:p>
+        </p:txBody>
+      </p:sp>
+      <p:sp>
+        <p:nvSpPr>
+          <p:cNvPr id="26" name="Rectangle 25">
+            <a:extLst>
+              <a:ext uri="{FF2B5EF4-FFF2-40B4-BE49-F238E27FC236}">
+                <a16:creationId xmlns:a16="http://schemas.microsoft.com/office/drawing/2014/main" id="{CD07D436-7327-F86E-F503-3D028C3049ED}"/>
+              </a:ext>
+            </a:extLst>
+          </p:cNvPr>
+          <p:cNvSpPr/>
+          <p:nvPr/>
+        </p:nvSpPr>
+        <p:spPr>
+          <a:xfrm>
+            <a:off x="4862390" y="4759404"/>
+            <a:ext cx="3249556" cy="770336"/>
+          </a:xfrm>
+          <a:prstGeom prst="rect">
+            <a:avLst/>
+          </a:prstGeom>
+        </p:spPr>
+        <p:style>
+          <a:lnRef idx="2">
+            <a:schemeClr val="accent1">
+              <a:shade val="15000"/>
+            </a:schemeClr>
+          </a:lnRef>
+          <a:fillRef idx="1">
+            <a:schemeClr val="accent1"/>
+          </a:fillRef>
+          <a:effectRef idx="0">
+            <a:schemeClr val="accent1"/>
+          </a:effectRef>
+          <a:fontRef idx="minor">
+            <a:schemeClr val="lt1"/>
+          </a:fontRef>
+        </p:style>
+        <p:txBody>
+          <a:bodyPr rtlCol="0" anchor="ctr"/>
+          <a:lstStyle/>
+          <a:p>
+            <a:pPr algn="ctr"/>
+            <a:r>
+              <a:rPr lang="en-US" dirty="0">
+                <a:solidFill>
+                  <a:schemeClr val="tx1"/>
+                </a:solidFill>
+              </a:rPr>
+              <a:t>Validation Set 2</a:t>
+            </a:r>
+          </a:p>
+        </p:txBody>
+      </p:sp>
+      <p:sp>
+        <p:nvSpPr>
+          <p:cNvPr id="27" name="Rectangle 26">
+            <a:extLst>
+              <a:ext uri="{FF2B5EF4-FFF2-40B4-BE49-F238E27FC236}">
+                <a16:creationId xmlns:a16="http://schemas.microsoft.com/office/drawing/2014/main" id="{0DEB5A48-783F-918D-1923-63A8B29B3ABC}"/>
+              </a:ext>
+            </a:extLst>
+          </p:cNvPr>
+          <p:cNvSpPr/>
+          <p:nvPr/>
+        </p:nvSpPr>
+        <p:spPr>
+          <a:xfrm>
+            <a:off x="284480" y="4759404"/>
+            <a:ext cx="4577910" cy="770336"/>
+          </a:xfrm>
+          <a:prstGeom prst="rect">
+            <a:avLst/>
+          </a:prstGeom>
+          <a:solidFill>
+            <a:schemeClr val="accent5">
+              <a:lumMod val="75000"/>
+            </a:schemeClr>
+          </a:solidFill>
+        </p:spPr>
+        <p:style>
+          <a:lnRef idx="2">
+            <a:schemeClr val="accent1">
+              <a:shade val="15000"/>
+            </a:schemeClr>
+          </a:lnRef>
+          <a:fillRef idx="1">
+            <a:schemeClr val="accent1"/>
+          </a:fillRef>
+          <a:effectRef idx="0">
+            <a:schemeClr val="accent1"/>
+          </a:effectRef>
+          <a:fontRef idx="minor">
+            <a:schemeClr val="lt1"/>
+          </a:fontRef>
+        </p:style>
+        <p:txBody>
+          <a:bodyPr rtlCol="0" anchor="ctr"/>
+          <a:lstStyle/>
+          <a:p>
+            <a:pPr algn="ctr"/>
+            <a:r>
+              <a:rPr lang="en-US" dirty="0"/>
+              <a:t>Training Set 2</a:t>
+            </a:r>
+          </a:p>
+        </p:txBody>
+      </p:sp>
+    </p:spTree>
+    <p:extLst>
+      <p:ext uri="{BB962C8B-B14F-4D97-AF65-F5344CB8AC3E}">
+        <p14:creationId xmlns:p14="http://schemas.microsoft.com/office/powerpoint/2010/main" val="1139766542"/>
+      </p:ext>
+    </p:extLst>
+  </p:cSld>
+  <p:clrMapOvr>
+    <a:masterClrMapping/>
+  </p:clrMapOvr>
+  <p:timing>
+    <p:tnLst>
+      <p:par>
+        <p:cTn id="1" dur="indefinite" restart="never" nodeType="tmRoot">
+          <p:childTnLst>
+            <p:seq concurrent="1" nextAc="seek">
+              <p:cTn id="2" dur="indefinite" nodeType="mainSeq">
+                <p:childTnLst>
+                  <p:par>
+                    <p:cTn id="3" fill="hold">
+                      <p:stCondLst>
+                        <p:cond delay="indefinite"/>
+                      </p:stCondLst>
+                      <p:childTnLst>
+                        <p:par>
+                          <p:cTn id="4" fill="hold">
+                            <p:stCondLst>
+                              <p:cond delay="0"/>
+                            </p:stCondLst>
+                            <p:childTnLst>
+                              <p:par>
+                                <p:cTn id="5" presetID="1" presetClass="entr" presetSubtype="0" fill="hold" grpId="0" nodeType="clickEffect">
+                                  <p:stCondLst>
+                                    <p:cond delay="0"/>
+                                  </p:stCondLst>
+                                  <p:childTnLst>
+                                    <p:set>
+                                      <p:cBhvr>
+                                        <p:cTn id="6" dur="1" fill="hold">
+                                          <p:stCondLst>
+                                            <p:cond delay="0"/>
+                                          </p:stCondLst>
+                                        </p:cTn>
+                                        <p:tgtEl>
+                                          <p:spTgt spid="7"/>
+                                        </p:tgtEl>
+                                        <p:attrNameLst>
+                                          <p:attrName>style.visibility</p:attrName>
+                                        </p:attrNameLst>
+                                      </p:cBhvr>
+                                      <p:to>
+                                        <p:strVal val="visible"/>
+                                      </p:to>
+                                    </p:set>
+                                  </p:childTnLst>
+                                </p:cTn>
+                              </p:par>
+                            </p:childTnLst>
+                          </p:cTn>
+                        </p:par>
+                      </p:childTnLst>
+                    </p:cTn>
+                  </p:par>
+                </p:childTnLst>
+              </p:cTn>
+              <p:prevCondLst>
+                <p:cond evt="onPrev" delay="0">
+                  <p:tgtEl>
+                    <p:sldTgt/>
+                  </p:tgtEl>
+                </p:cond>
+              </p:prevCondLst>
+              <p:nextCondLst>
+                <p:cond evt="onNext" delay="0">
+                  <p:tgtEl>
+                    <p:sldTgt/>
+                  </p:tgtEl>
+                </p:cond>
+              </p:nextCondLst>
+            </p:seq>
+          </p:childTnLst>
+        </p:cTn>
+      </p:par>
+    </p:tnLst>
+    <p:bldLst>
+      <p:bldP spid="7" grpId="0" animBg="1"/>
+    </p:bldLst>
+  </p:timing>
+</p:sld>
+</file>
+
+<file path=ppt/slides/slide8.xml><?xml version="1.0" encoding="utf-8"?>
+<p:sld xmlns:a="http://schemas.openxmlformats.org/drawingml/2006/main" xmlns:r="http://schemas.openxmlformats.org/officeDocument/2006/relationships" xmlns:p="http://schemas.openxmlformats.org/presentationml/2006/main">
+  <p:cSld>
+    <p:spTree>
+      <p:nvGrpSpPr>
+        <p:cNvPr id="1" name=""/>
+        <p:cNvGrpSpPr/>
+        <p:nvPr/>
+      </p:nvGrpSpPr>
+      <p:grpSpPr>
+        <a:xfrm>
+          <a:off x="0" y="0"/>
+          <a:ext cx="0" cy="0"/>
+          <a:chOff x="0" y="0"/>
+          <a:chExt cx="0" cy="0"/>
+        </a:xfrm>
+      </p:grpSpPr>
+      <p:sp>
+        <p:nvSpPr>
+          <p:cNvPr id="2" name="Title 1">
+            <a:extLst>
+              <a:ext uri="{FF2B5EF4-FFF2-40B4-BE49-F238E27FC236}">
+                <a16:creationId xmlns:a16="http://schemas.microsoft.com/office/drawing/2014/main" id="{4455457E-AA3E-C782-735B-B9EAE40E9895}"/>
+              </a:ext>
+            </a:extLst>
+          </p:cNvPr>
+          <p:cNvSpPr>
+            <a:spLocks noGrp="1"/>
+          </p:cNvSpPr>
+          <p:nvPr>
+            <p:ph type="title"/>
+          </p:nvPr>
+        </p:nvSpPr>
+        <p:spPr/>
+        <p:txBody>
+          <a:bodyPr/>
+          <a:lstStyle/>
+          <a:p>
+            <a:r>
+              <a:rPr lang="en-US" dirty="0"/>
+              <a:t>Temporal Validation</a:t>
+            </a:r>
+          </a:p>
+        </p:txBody>
+      </p:sp>
+      <p:sp>
+        <p:nvSpPr>
+          <p:cNvPr id="6" name="TextBox 5">
+            <a:extLst>
+              <a:ext uri="{FF2B5EF4-FFF2-40B4-BE49-F238E27FC236}">
+                <a16:creationId xmlns:a16="http://schemas.microsoft.com/office/drawing/2014/main" id="{4F15187B-D839-3C4F-0DE9-4E9E0CBC1208}"/>
+              </a:ext>
+            </a:extLst>
+          </p:cNvPr>
+          <p:cNvSpPr txBox="1"/>
+          <p:nvPr/>
+        </p:nvSpPr>
+        <p:spPr>
+          <a:xfrm>
+            <a:off x="477040" y="1078468"/>
+            <a:ext cx="11237820" cy="707886"/>
+          </a:xfrm>
+          <a:prstGeom prst="rect">
+            <a:avLst/>
+          </a:prstGeom>
+          <a:noFill/>
+        </p:spPr>
+        <p:txBody>
+          <a:bodyPr wrap="square">
+            <a:spAutoFit/>
+          </a:bodyPr>
+          <a:lstStyle/>
+          <a:p>
+            <a:r>
+              <a:rPr lang="en" sz="2000" dirty="0">
+                <a:solidFill>
+                  <a:srgbClr val="FF0000"/>
+                </a:solidFill>
+              </a:rPr>
+              <a:t>On the first day of every month</a:t>
+            </a:r>
+            <a:r>
+              <a:rPr lang="en" sz="2000" dirty="0">
+                <a:solidFill>
+                  <a:srgbClr val="595959"/>
+                </a:solidFill>
+              </a:rPr>
+              <a:t>, for </a:t>
+            </a:r>
+            <a:r>
+              <a:rPr lang="en" sz="2000" dirty="0">
+                <a:solidFill>
+                  <a:srgbClr val="0000FF"/>
+                </a:solidFill>
+              </a:rPr>
+              <a:t>all individuals residing in PA</a:t>
+            </a:r>
+            <a:r>
+              <a:rPr lang="en" sz="2000" dirty="0">
+                <a:solidFill>
+                  <a:srgbClr val="595959"/>
+                </a:solidFill>
+              </a:rPr>
+              <a:t>, can we identify </a:t>
+            </a:r>
+            <a:r>
+              <a:rPr lang="en" sz="2000" dirty="0">
+                <a:solidFill>
+                  <a:srgbClr val="FF00FF"/>
+                </a:solidFill>
+              </a:rPr>
+              <a:t>500 people </a:t>
+            </a:r>
+            <a:r>
+              <a:rPr lang="en" sz="2000" dirty="0">
+                <a:solidFill>
+                  <a:srgbClr val="595959"/>
+                </a:solidFill>
+              </a:rPr>
+              <a:t>with a </a:t>
+            </a:r>
+            <a:r>
+              <a:rPr lang="en" sz="2000" dirty="0">
+                <a:solidFill>
+                  <a:srgbClr val="38761D"/>
+                </a:solidFill>
+              </a:rPr>
+              <a:t>high risk of contracting monkeypox in the next year </a:t>
+            </a:r>
+            <a:endParaRPr lang="en-US" sz="2000" dirty="0"/>
+          </a:p>
+        </p:txBody>
+      </p:sp>
+      <p:sp>
+        <p:nvSpPr>
+          <p:cNvPr id="7" name="Rectangle 6">
+            <a:extLst>
+              <a:ext uri="{FF2B5EF4-FFF2-40B4-BE49-F238E27FC236}">
+                <a16:creationId xmlns:a16="http://schemas.microsoft.com/office/drawing/2014/main" id="{FD115D8B-7980-950C-7AF2-D073760A1725}"/>
+              </a:ext>
+            </a:extLst>
+          </p:cNvPr>
+          <p:cNvSpPr/>
+          <p:nvPr/>
+        </p:nvSpPr>
+        <p:spPr>
+          <a:xfrm>
+            <a:off x="7833360" y="1097280"/>
+            <a:ext cx="3799840" cy="345440"/>
+          </a:xfrm>
+          <a:prstGeom prst="rect">
+            <a:avLst/>
+          </a:prstGeom>
+          <a:solidFill>
+            <a:schemeClr val="accent2"/>
+          </a:solidFill>
+        </p:spPr>
+        <p:style>
+          <a:lnRef idx="2">
+            <a:schemeClr val="accent1">
+              <a:shade val="15000"/>
+            </a:schemeClr>
+          </a:lnRef>
+          <a:fillRef idx="1">
+            <a:schemeClr val="accent1"/>
+          </a:fillRef>
+          <a:effectRef idx="0">
+            <a:schemeClr val="accent1"/>
+          </a:effectRef>
+          <a:fontRef idx="minor">
+            <a:schemeClr val="lt1"/>
+          </a:fontRef>
+        </p:style>
+        <p:txBody>
+          <a:bodyPr rtlCol="0" anchor="ctr"/>
+          <a:lstStyle/>
+          <a:p>
+            <a:pPr algn="ctr"/>
+            <a:endParaRPr lang="en-US"/>
+          </a:p>
+        </p:txBody>
+      </p:sp>
+      <p:sp>
+        <p:nvSpPr>
+          <p:cNvPr id="8" name="Rectangle 7">
+            <a:extLst>
+              <a:ext uri="{FF2B5EF4-FFF2-40B4-BE49-F238E27FC236}">
+                <a16:creationId xmlns:a16="http://schemas.microsoft.com/office/drawing/2014/main" id="{36BF0BB9-9291-E039-B601-036C1D21BD0F}"/>
+              </a:ext>
+            </a:extLst>
+          </p:cNvPr>
+          <p:cNvSpPr/>
+          <p:nvPr/>
+        </p:nvSpPr>
+        <p:spPr>
+          <a:xfrm>
+            <a:off x="5557520" y="2113280"/>
+            <a:ext cx="3249556" cy="770336"/>
+          </a:xfrm>
+          <a:prstGeom prst="rect">
+            <a:avLst/>
+          </a:prstGeom>
+        </p:spPr>
+        <p:style>
+          <a:lnRef idx="2">
+            <a:schemeClr val="accent1">
+              <a:shade val="15000"/>
+            </a:schemeClr>
+          </a:lnRef>
+          <a:fillRef idx="1">
+            <a:schemeClr val="accent1"/>
+          </a:fillRef>
+          <a:effectRef idx="0">
+            <a:schemeClr val="accent1"/>
+          </a:effectRef>
+          <a:fontRef idx="minor">
+            <a:schemeClr val="lt1"/>
+          </a:fontRef>
+        </p:style>
+        <p:txBody>
+          <a:bodyPr rtlCol="0" anchor="ctr"/>
+          <a:lstStyle/>
+          <a:p>
+            <a:pPr algn="ctr"/>
+            <a:r>
+              <a:rPr lang="en-US" dirty="0">
+                <a:solidFill>
+                  <a:schemeClr val="tx1"/>
+                </a:solidFill>
+              </a:rPr>
+              <a:t>Validation Set 1</a:t>
+            </a:r>
+          </a:p>
+        </p:txBody>
+      </p:sp>
+      <p:sp>
+        <p:nvSpPr>
+          <p:cNvPr id="9" name="TextBox 8">
+            <a:extLst>
+              <a:ext uri="{FF2B5EF4-FFF2-40B4-BE49-F238E27FC236}">
+                <a16:creationId xmlns:a16="http://schemas.microsoft.com/office/drawing/2014/main" id="{78E52D81-1E66-C7AB-5530-34C0124F00A3}"/>
+              </a:ext>
+            </a:extLst>
+          </p:cNvPr>
+          <p:cNvSpPr txBox="1"/>
+          <p:nvPr/>
+        </p:nvSpPr>
+        <p:spPr>
+          <a:xfrm>
+            <a:off x="5216721" y="2986166"/>
+            <a:ext cx="681597" cy="307777"/>
+          </a:xfrm>
+          <a:prstGeom prst="rect">
+            <a:avLst/>
+          </a:prstGeom>
+          <a:noFill/>
+        </p:spPr>
+        <p:txBody>
+          <a:bodyPr wrap="none" rtlCol="0">
+            <a:spAutoFit/>
+          </a:bodyPr>
+          <a:lstStyle/>
+          <a:p>
+            <a:r>
+              <a:rPr lang="en-US" dirty="0"/>
+              <a:t>9/1/23</a:t>
+            </a:r>
+          </a:p>
+        </p:txBody>
+      </p:sp>
+      <p:sp>
+        <p:nvSpPr>
+          <p:cNvPr id="10" name="TextBox 9">
+            <a:extLst>
+              <a:ext uri="{FF2B5EF4-FFF2-40B4-BE49-F238E27FC236}">
+                <a16:creationId xmlns:a16="http://schemas.microsoft.com/office/drawing/2014/main" id="{C3E5DFBB-16AF-9B9A-6579-E2916EC01914}"/>
+              </a:ext>
+            </a:extLst>
+          </p:cNvPr>
+          <p:cNvSpPr txBox="1"/>
+          <p:nvPr/>
+        </p:nvSpPr>
+        <p:spPr>
+          <a:xfrm>
+            <a:off x="8447601" y="3038706"/>
+            <a:ext cx="681597" cy="307777"/>
+          </a:xfrm>
+          <a:prstGeom prst="rect">
+            <a:avLst/>
+          </a:prstGeom>
+          <a:noFill/>
+        </p:spPr>
+        <p:txBody>
+          <a:bodyPr wrap="none" rtlCol="0">
+            <a:spAutoFit/>
+          </a:bodyPr>
+          <a:lstStyle/>
+          <a:p>
+            <a:r>
+              <a:rPr lang="en-US" dirty="0"/>
+              <a:t>9/1/24</a:t>
+            </a:r>
+          </a:p>
+        </p:txBody>
+      </p:sp>
+      <p:sp>
+        <p:nvSpPr>
+          <p:cNvPr id="17" name="Rectangle 16">
+            <a:extLst>
+              <a:ext uri="{FF2B5EF4-FFF2-40B4-BE49-F238E27FC236}">
+                <a16:creationId xmlns:a16="http://schemas.microsoft.com/office/drawing/2014/main" id="{3925098E-386E-E02F-0690-D1D745F71A98}"/>
+              </a:ext>
+            </a:extLst>
+          </p:cNvPr>
+          <p:cNvSpPr/>
+          <p:nvPr/>
+        </p:nvSpPr>
+        <p:spPr>
+          <a:xfrm>
+            <a:off x="284480" y="2112406"/>
+            <a:ext cx="5303520" cy="770336"/>
+          </a:xfrm>
+          <a:prstGeom prst="rect">
+            <a:avLst/>
+          </a:prstGeom>
+          <a:solidFill>
+            <a:schemeClr val="accent5">
+              <a:lumMod val="75000"/>
+            </a:schemeClr>
+          </a:solidFill>
+        </p:spPr>
+        <p:style>
+          <a:lnRef idx="2">
+            <a:schemeClr val="accent1">
+              <a:shade val="15000"/>
+            </a:schemeClr>
+          </a:lnRef>
+          <a:fillRef idx="1">
+            <a:schemeClr val="accent1"/>
+          </a:fillRef>
+          <a:effectRef idx="0">
+            <a:schemeClr val="accent1"/>
+          </a:effectRef>
+          <a:fontRef idx="minor">
+            <a:schemeClr val="lt1"/>
+          </a:fontRef>
+        </p:style>
+        <p:txBody>
+          <a:bodyPr rtlCol="0" anchor="ctr"/>
+          <a:lstStyle/>
+          <a:p>
+            <a:pPr algn="ctr"/>
+            <a:r>
+              <a:rPr lang="en-US" dirty="0"/>
+              <a:t>Training Set 1</a:t>
+            </a:r>
+          </a:p>
+        </p:txBody>
+      </p:sp>
+      <p:sp>
+        <p:nvSpPr>
+          <p:cNvPr id="4" name="TextBox 3">
+            <a:extLst>
+              <a:ext uri="{FF2B5EF4-FFF2-40B4-BE49-F238E27FC236}">
+                <a16:creationId xmlns:a16="http://schemas.microsoft.com/office/drawing/2014/main" id="{73AD4941-EEFE-555E-2B24-CD5EC32D4854}"/>
+              </a:ext>
+            </a:extLst>
+          </p:cNvPr>
+          <p:cNvSpPr txBox="1"/>
+          <p:nvPr/>
+        </p:nvSpPr>
+        <p:spPr>
+          <a:xfrm>
+            <a:off x="4862390" y="4258587"/>
+            <a:ext cx="708661" cy="307777"/>
+          </a:xfrm>
+          <a:prstGeom prst="rect">
+            <a:avLst/>
+          </a:prstGeom>
+          <a:noFill/>
+        </p:spPr>
+        <p:txBody>
+          <a:bodyPr wrap="square" rtlCol="0">
+            <a:spAutoFit/>
+          </a:bodyPr>
+          <a:lstStyle/>
+          <a:p>
+            <a:r>
+              <a:rPr lang="en-US" dirty="0"/>
+              <a:t>8/1/23</a:t>
+            </a:r>
+          </a:p>
+        </p:txBody>
+      </p:sp>
+      <p:sp>
+        <p:nvSpPr>
+          <p:cNvPr id="5" name="TextBox 4">
+            <a:extLst>
+              <a:ext uri="{FF2B5EF4-FFF2-40B4-BE49-F238E27FC236}">
+                <a16:creationId xmlns:a16="http://schemas.microsoft.com/office/drawing/2014/main" id="{04E60885-1BA6-F86B-43D2-A662642D660D}"/>
+              </a:ext>
+            </a:extLst>
+          </p:cNvPr>
+          <p:cNvSpPr txBox="1"/>
+          <p:nvPr/>
+        </p:nvSpPr>
+        <p:spPr>
+          <a:xfrm>
+            <a:off x="7996546" y="4299227"/>
+            <a:ext cx="939462" cy="307777"/>
+          </a:xfrm>
+          <a:prstGeom prst="rect">
+            <a:avLst/>
+          </a:prstGeom>
+          <a:noFill/>
+        </p:spPr>
+        <p:txBody>
+          <a:bodyPr wrap="square" rtlCol="0">
+            <a:spAutoFit/>
+          </a:bodyPr>
+          <a:lstStyle/>
+          <a:p>
+            <a:r>
+              <a:rPr lang="en-US" dirty="0"/>
+              <a:t>8/1/24</a:t>
+            </a:r>
+          </a:p>
+        </p:txBody>
+      </p:sp>
+      <p:sp>
+        <p:nvSpPr>
+          <p:cNvPr id="22" name="Rectangle 21">
+            <a:extLst>
+              <a:ext uri="{FF2B5EF4-FFF2-40B4-BE49-F238E27FC236}">
+                <a16:creationId xmlns:a16="http://schemas.microsoft.com/office/drawing/2014/main" id="{D3A66141-FB18-7B1A-EBFF-19AED7F1DDF9}"/>
+              </a:ext>
+            </a:extLst>
+          </p:cNvPr>
+          <p:cNvSpPr/>
+          <p:nvPr/>
+        </p:nvSpPr>
+        <p:spPr>
+          <a:xfrm>
+            <a:off x="5216721" y="3379550"/>
+            <a:ext cx="3249556" cy="770336"/>
+          </a:xfrm>
+          <a:prstGeom prst="rect">
+            <a:avLst/>
+          </a:prstGeom>
+        </p:spPr>
+        <p:style>
+          <a:lnRef idx="2">
+            <a:schemeClr val="accent1">
+              <a:shade val="15000"/>
+            </a:schemeClr>
+          </a:lnRef>
+          <a:fillRef idx="1">
+            <a:schemeClr val="accent1"/>
+          </a:fillRef>
+          <a:effectRef idx="0">
+            <a:schemeClr val="accent1"/>
+          </a:effectRef>
+          <a:fontRef idx="minor">
+            <a:schemeClr val="lt1"/>
+          </a:fontRef>
+        </p:style>
+        <p:txBody>
+          <a:bodyPr rtlCol="0" anchor="ctr"/>
+          <a:lstStyle/>
+          <a:p>
+            <a:pPr algn="ctr"/>
+            <a:r>
+              <a:rPr lang="en-US" dirty="0">
+                <a:solidFill>
+                  <a:schemeClr val="tx1"/>
+                </a:solidFill>
+              </a:rPr>
+              <a:t>Validation Set 2</a:t>
+            </a:r>
+          </a:p>
+        </p:txBody>
+      </p:sp>
+      <p:sp>
+        <p:nvSpPr>
+          <p:cNvPr id="23" name="Rectangle 22">
+            <a:extLst>
+              <a:ext uri="{FF2B5EF4-FFF2-40B4-BE49-F238E27FC236}">
+                <a16:creationId xmlns:a16="http://schemas.microsoft.com/office/drawing/2014/main" id="{BA4058FC-3A51-8481-5EAA-7EE7A53CA1E7}"/>
+              </a:ext>
+            </a:extLst>
+          </p:cNvPr>
+          <p:cNvSpPr/>
+          <p:nvPr/>
+        </p:nvSpPr>
+        <p:spPr>
+          <a:xfrm>
+            <a:off x="339921" y="3378676"/>
+            <a:ext cx="4876800" cy="770336"/>
+          </a:xfrm>
+          <a:prstGeom prst="rect">
+            <a:avLst/>
+          </a:prstGeom>
+          <a:solidFill>
+            <a:schemeClr val="accent5">
+              <a:lumMod val="75000"/>
+            </a:schemeClr>
+          </a:solidFill>
+        </p:spPr>
+        <p:style>
+          <a:lnRef idx="2">
+            <a:schemeClr val="accent1">
+              <a:shade val="15000"/>
+            </a:schemeClr>
+          </a:lnRef>
+          <a:fillRef idx="1">
+            <a:schemeClr val="accent1"/>
+          </a:fillRef>
+          <a:effectRef idx="0">
+            <a:schemeClr val="accent1"/>
+          </a:effectRef>
+          <a:fontRef idx="minor">
+            <a:schemeClr val="lt1"/>
+          </a:fontRef>
+        </p:style>
+        <p:txBody>
+          <a:bodyPr rtlCol="0" anchor="ctr"/>
+          <a:lstStyle/>
+          <a:p>
+            <a:pPr algn="ctr"/>
+            <a:r>
+              <a:rPr lang="en-US" dirty="0"/>
+              <a:t>Training Set 2</a:t>
+            </a:r>
+          </a:p>
+        </p:txBody>
+      </p:sp>
+      <p:sp>
+        <p:nvSpPr>
+          <p:cNvPr id="24" name="TextBox 23">
+            <a:extLst>
+              <a:ext uri="{FF2B5EF4-FFF2-40B4-BE49-F238E27FC236}">
+                <a16:creationId xmlns:a16="http://schemas.microsoft.com/office/drawing/2014/main" id="{34AB15EC-FED5-28EF-9E5C-2AA4BA13C557}"/>
+              </a:ext>
+            </a:extLst>
+          </p:cNvPr>
+          <p:cNvSpPr txBox="1"/>
+          <p:nvPr/>
+        </p:nvSpPr>
+        <p:spPr>
+          <a:xfrm>
+            <a:off x="4508059" y="5568891"/>
+            <a:ext cx="708661" cy="307777"/>
+          </a:xfrm>
+          <a:prstGeom prst="rect">
+            <a:avLst/>
+          </a:prstGeom>
+          <a:noFill/>
+        </p:spPr>
+        <p:txBody>
+          <a:bodyPr wrap="square" rtlCol="0">
+            <a:spAutoFit/>
+          </a:bodyPr>
+          <a:lstStyle/>
+          <a:p>
+            <a:r>
+              <a:rPr lang="en-US" dirty="0"/>
+              <a:t>7/1/23</a:t>
+            </a:r>
+          </a:p>
+        </p:txBody>
+      </p:sp>
+      <p:sp>
+        <p:nvSpPr>
+          <p:cNvPr id="25" name="TextBox 24">
+            <a:extLst>
+              <a:ext uri="{FF2B5EF4-FFF2-40B4-BE49-F238E27FC236}">
+                <a16:creationId xmlns:a16="http://schemas.microsoft.com/office/drawing/2014/main" id="{A2B56A76-36DE-CEF4-B2B8-63A196D165A2}"/>
+              </a:ext>
+            </a:extLst>
+          </p:cNvPr>
+          <p:cNvSpPr txBox="1"/>
+          <p:nvPr/>
+        </p:nvSpPr>
+        <p:spPr>
+          <a:xfrm>
+            <a:off x="7752706" y="5568891"/>
+            <a:ext cx="939462" cy="307777"/>
+          </a:xfrm>
+          <a:prstGeom prst="rect">
+            <a:avLst/>
+          </a:prstGeom>
+          <a:noFill/>
+        </p:spPr>
+        <p:txBody>
+          <a:bodyPr wrap="square" rtlCol="0">
+            <a:spAutoFit/>
+          </a:bodyPr>
+          <a:lstStyle/>
+          <a:p>
+            <a:r>
+              <a:rPr lang="en-US" dirty="0"/>
+              <a:t>7/1/24</a:t>
+            </a:r>
+          </a:p>
+        </p:txBody>
+      </p:sp>
+      <p:sp>
+        <p:nvSpPr>
+          <p:cNvPr id="26" name="Rectangle 25">
+            <a:extLst>
+              <a:ext uri="{FF2B5EF4-FFF2-40B4-BE49-F238E27FC236}">
+                <a16:creationId xmlns:a16="http://schemas.microsoft.com/office/drawing/2014/main" id="{CD07D436-7327-F86E-F503-3D028C3049ED}"/>
+              </a:ext>
+            </a:extLst>
+          </p:cNvPr>
+          <p:cNvSpPr/>
+          <p:nvPr/>
+        </p:nvSpPr>
+        <p:spPr>
+          <a:xfrm>
+            <a:off x="4862390" y="4759404"/>
+            <a:ext cx="3249556" cy="770336"/>
+          </a:xfrm>
+          <a:prstGeom prst="rect">
+            <a:avLst/>
+          </a:prstGeom>
+        </p:spPr>
+        <p:style>
+          <a:lnRef idx="2">
+            <a:schemeClr val="accent1">
+              <a:shade val="15000"/>
+            </a:schemeClr>
+          </a:lnRef>
+          <a:fillRef idx="1">
+            <a:schemeClr val="accent1"/>
+          </a:fillRef>
+          <a:effectRef idx="0">
+            <a:schemeClr val="accent1"/>
+          </a:effectRef>
+          <a:fontRef idx="minor">
+            <a:schemeClr val="lt1"/>
+          </a:fontRef>
+        </p:style>
+        <p:txBody>
+          <a:bodyPr rtlCol="0" anchor="ctr"/>
+          <a:lstStyle/>
+          <a:p>
+            <a:pPr algn="ctr"/>
+            <a:r>
+              <a:rPr lang="en-US" dirty="0">
+                <a:solidFill>
+                  <a:schemeClr val="tx1"/>
+                </a:solidFill>
+              </a:rPr>
+              <a:t>Validation Set 2</a:t>
+            </a:r>
+          </a:p>
+        </p:txBody>
+      </p:sp>
+      <p:sp>
+        <p:nvSpPr>
+          <p:cNvPr id="27" name="Rectangle 26">
+            <a:extLst>
+              <a:ext uri="{FF2B5EF4-FFF2-40B4-BE49-F238E27FC236}">
+                <a16:creationId xmlns:a16="http://schemas.microsoft.com/office/drawing/2014/main" id="{0DEB5A48-783F-918D-1923-63A8B29B3ABC}"/>
+              </a:ext>
+            </a:extLst>
+          </p:cNvPr>
+          <p:cNvSpPr/>
+          <p:nvPr/>
+        </p:nvSpPr>
+        <p:spPr>
+          <a:xfrm>
+            <a:off x="284480" y="4759404"/>
+            <a:ext cx="4577910" cy="770336"/>
+          </a:xfrm>
+          <a:prstGeom prst="rect">
+            <a:avLst/>
+          </a:prstGeom>
+          <a:solidFill>
+            <a:schemeClr val="accent5">
+              <a:lumMod val="75000"/>
+            </a:schemeClr>
+          </a:solidFill>
+        </p:spPr>
+        <p:style>
+          <a:lnRef idx="2">
+            <a:schemeClr val="accent1">
+              <a:shade val="15000"/>
+            </a:schemeClr>
+          </a:lnRef>
+          <a:fillRef idx="1">
+            <a:schemeClr val="accent1"/>
+          </a:fillRef>
+          <a:effectRef idx="0">
+            <a:schemeClr val="accent1"/>
+          </a:effectRef>
+          <a:fontRef idx="minor">
+            <a:schemeClr val="lt1"/>
+          </a:fontRef>
+        </p:style>
+        <p:txBody>
+          <a:bodyPr rtlCol="0" anchor="ctr"/>
+          <a:lstStyle/>
+          <a:p>
+            <a:pPr algn="ctr"/>
+            <a:r>
+              <a:rPr lang="en-US" dirty="0"/>
+              <a:t>Training Set 2</a:t>
+            </a:r>
+          </a:p>
+        </p:txBody>
+      </p:sp>
+      <p:sp>
+        <p:nvSpPr>
+          <p:cNvPr id="3" name="Rectangle 2">
+            <a:extLst>
+              <a:ext uri="{FF2B5EF4-FFF2-40B4-BE49-F238E27FC236}">
+                <a16:creationId xmlns:a16="http://schemas.microsoft.com/office/drawing/2014/main" id="{98AAE5DA-41B4-0BDE-BA3D-E877BAB521AD}"/>
+              </a:ext>
+            </a:extLst>
+          </p:cNvPr>
+          <p:cNvSpPr/>
+          <p:nvPr/>
+        </p:nvSpPr>
+        <p:spPr>
+          <a:xfrm>
+            <a:off x="284480" y="2112406"/>
+            <a:ext cx="1146755" cy="770336"/>
+          </a:xfrm>
+          <a:prstGeom prst="rect">
+            <a:avLst/>
+          </a:prstGeom>
+          <a:solidFill>
+            <a:schemeClr val="bg1">
+              <a:lumMod val="65000"/>
+            </a:schemeClr>
+          </a:solidFill>
+          <a:ln>
+            <a:solidFill>
+              <a:schemeClr val="bg1">
+                <a:lumMod val="65000"/>
+              </a:schemeClr>
+            </a:solidFill>
+          </a:ln>
+        </p:spPr>
+        <p:style>
+          <a:lnRef idx="2">
+            <a:schemeClr val="accent1">
+              <a:shade val="15000"/>
+            </a:schemeClr>
+          </a:lnRef>
+          <a:fillRef idx="1">
+            <a:schemeClr val="accent1"/>
+          </a:fillRef>
+          <a:effectRef idx="0">
+            <a:schemeClr val="accent1"/>
+          </a:effectRef>
+          <a:fontRef idx="minor">
+            <a:schemeClr val="lt1"/>
+          </a:fontRef>
+        </p:style>
+        <p:txBody>
+          <a:bodyPr rtlCol="0" anchor="ctr"/>
+          <a:lstStyle/>
+          <a:p>
+            <a:pPr algn="ctr"/>
+            <a:endParaRPr lang="en-US"/>
+          </a:p>
+        </p:txBody>
+      </p:sp>
+      <p:sp>
+        <p:nvSpPr>
+          <p:cNvPr id="11" name="Rectangle 10">
+            <a:extLst>
+              <a:ext uri="{FF2B5EF4-FFF2-40B4-BE49-F238E27FC236}">
+                <a16:creationId xmlns:a16="http://schemas.microsoft.com/office/drawing/2014/main" id="{75B2DBDA-0B7C-2836-1583-83872DBE646D}"/>
+              </a:ext>
+            </a:extLst>
+          </p:cNvPr>
+          <p:cNvSpPr/>
+          <p:nvPr/>
+        </p:nvSpPr>
+        <p:spPr>
+          <a:xfrm>
+            <a:off x="284480" y="3377802"/>
+            <a:ext cx="722685" cy="770336"/>
+          </a:xfrm>
+          <a:prstGeom prst="rect">
+            <a:avLst/>
+          </a:prstGeom>
+          <a:solidFill>
+            <a:schemeClr val="bg1">
+              <a:lumMod val="65000"/>
+            </a:schemeClr>
+          </a:solidFill>
+          <a:ln>
+            <a:solidFill>
+              <a:schemeClr val="bg1">
+                <a:lumMod val="65000"/>
+              </a:schemeClr>
+            </a:solidFill>
+          </a:ln>
+        </p:spPr>
+        <p:style>
+          <a:lnRef idx="2">
+            <a:schemeClr val="accent1">
+              <a:shade val="15000"/>
+            </a:schemeClr>
+          </a:lnRef>
+          <a:fillRef idx="1">
+            <a:schemeClr val="accent1"/>
+          </a:fillRef>
+          <a:effectRef idx="0">
+            <a:schemeClr val="accent1"/>
+          </a:effectRef>
+          <a:fontRef idx="minor">
+            <a:schemeClr val="lt1"/>
+          </a:fontRef>
+        </p:style>
+        <p:txBody>
+          <a:bodyPr rtlCol="0" anchor="ctr"/>
+          <a:lstStyle/>
+          <a:p>
+            <a:pPr algn="ctr"/>
+            <a:endParaRPr lang="en-US"/>
+          </a:p>
+        </p:txBody>
+      </p:sp>
+      <p:sp>
+        <p:nvSpPr>
+          <p:cNvPr id="12" name="Rectangle 11">
+            <a:extLst>
+              <a:ext uri="{FF2B5EF4-FFF2-40B4-BE49-F238E27FC236}">
+                <a16:creationId xmlns:a16="http://schemas.microsoft.com/office/drawing/2014/main" id="{82BD49D4-42E7-5304-7AD4-564318E04DAD}"/>
+              </a:ext>
+            </a:extLst>
+          </p:cNvPr>
+          <p:cNvSpPr/>
+          <p:nvPr/>
+        </p:nvSpPr>
+        <p:spPr>
+          <a:xfrm>
+            <a:off x="284480" y="4759404"/>
+            <a:ext cx="361342" cy="770336"/>
+          </a:xfrm>
+          <a:prstGeom prst="rect">
+            <a:avLst/>
+          </a:prstGeom>
+          <a:solidFill>
+            <a:schemeClr val="bg1">
+              <a:lumMod val="65000"/>
+            </a:schemeClr>
+          </a:solidFill>
+          <a:ln>
+            <a:solidFill>
+              <a:schemeClr val="bg1">
+                <a:lumMod val="65000"/>
+              </a:schemeClr>
+            </a:solidFill>
+          </a:ln>
+        </p:spPr>
+        <p:style>
+          <a:lnRef idx="2">
+            <a:schemeClr val="accent1">
+              <a:shade val="15000"/>
+            </a:schemeClr>
+          </a:lnRef>
+          <a:fillRef idx="1">
+            <a:schemeClr val="accent1"/>
+          </a:fillRef>
+          <a:effectRef idx="0">
+            <a:schemeClr val="accent1"/>
+          </a:effectRef>
+          <a:fontRef idx="minor">
+            <a:schemeClr val="lt1"/>
+          </a:fontRef>
+        </p:style>
+        <p:txBody>
+          <a:bodyPr rtlCol="0" anchor="ctr"/>
+          <a:lstStyle/>
+          <a:p>
+            <a:pPr algn="ctr"/>
+            <a:endParaRPr lang="en-US"/>
+          </a:p>
+        </p:txBody>
+      </p:sp>
+    </p:spTree>
+    <p:extLst>
+      <p:ext uri="{BB962C8B-B14F-4D97-AF65-F5344CB8AC3E}">
+        <p14:creationId xmlns:p14="http://schemas.microsoft.com/office/powerpoint/2010/main" val="3181375819"/>
+      </p:ext>
+    </p:extLst>
+  </p:cSld>
+  <p:clrMapOvr>
+    <a:masterClrMapping/>
+  </p:clrMapOvr>
+  <p:timing>
+    <p:tnLst>
+      <p:par>
+        <p:cTn id="1" dur="indefinite" restart="never" nodeType="tmRoot">
+          <p:childTnLst>
+            <p:seq concurrent="1" nextAc="seek">
+              <p:cTn id="2" dur="indefinite" nodeType="mainSeq">
+                <p:childTnLst>
+                  <p:par>
+                    <p:cTn id="3" fill="hold">
+                      <p:stCondLst>
+                        <p:cond delay="indefinite"/>
+                      </p:stCondLst>
+                      <p:childTnLst>
+                        <p:par>
+                          <p:cTn id="4" fill="hold">
+                            <p:stCondLst>
+                              <p:cond delay="0"/>
+                            </p:stCondLst>
+                            <p:childTnLst>
+                              <p:par>
+                                <p:cTn id="5" presetID="1" presetClass="entr" presetSubtype="0" fill="hold" grpId="0" nodeType="clickEffect">
+                                  <p:stCondLst>
+                                    <p:cond delay="0"/>
+                                  </p:stCondLst>
+                                  <p:childTnLst>
+                                    <p:set>
+                                      <p:cBhvr>
+                                        <p:cTn id="6" dur="1" fill="hold">
+                                          <p:stCondLst>
+                                            <p:cond delay="0"/>
+                                          </p:stCondLst>
+                                        </p:cTn>
+                                        <p:tgtEl>
+                                          <p:spTgt spid="7"/>
+                                        </p:tgtEl>
+                                        <p:attrNameLst>
+                                          <p:attrName>style.visibility</p:attrName>
+                                        </p:attrNameLst>
+                                      </p:cBhvr>
+                                      <p:to>
+                                        <p:strVal val="visible"/>
+                                      </p:to>
+                                    </p:set>
+                                  </p:childTnLst>
+                                </p:cTn>
+                              </p:par>
+                            </p:childTnLst>
+                          </p:cTn>
+                        </p:par>
+                      </p:childTnLst>
+                    </p:cTn>
+                  </p:par>
+                </p:childTnLst>
+              </p:cTn>
+              <p:prevCondLst>
+                <p:cond evt="onPrev" delay="0">
+                  <p:tgtEl>
+                    <p:sldTgt/>
+                  </p:tgtEl>
+                </p:cond>
+              </p:prevCondLst>
+              <p:nextCondLst>
+                <p:cond evt="onNext" delay="0">
+                  <p:tgtEl>
+                    <p:sldTgt/>
+                  </p:tgtEl>
+                </p:cond>
+              </p:nextCondLst>
+            </p:seq>
+          </p:childTnLst>
+        </p:cTn>
+      </p:par>
+    </p:tnLst>
+    <p:bldLst>
+      <p:bldP spid="7" grpId="0" animBg="1"/>
+    </p:bldLst>
+  </p:timing>
+</p:sld>
+</file>
+
+<file path=ppt/slides/slide9.xml><?xml version="1.0" encoding="utf-8"?>
 <p:sld xmlns:a="http://schemas.openxmlformats.org/drawingml/2006/main" xmlns:r="http://schemas.openxmlformats.org/officeDocument/2006/relationships" xmlns:p="http://schemas.openxmlformats.org/presentationml/2006/main">
   <p:cSld>
     <p:spTree>
@@ -16895,913 +21606,6 @@
     <p:extLst>
       <p:ext uri="{BB962C8B-B14F-4D97-AF65-F5344CB8AC3E}">
         <p14:creationId xmlns:p14="http://schemas.microsoft.com/office/powerpoint/2010/main" val="3359709114"/>
-      </p:ext>
-    </p:extLst>
-  </p:cSld>
-  <p:clrMapOvr>
-    <a:masterClrMapping/>
-  </p:clrMapOvr>
-</p:sld>
-</file>
-
-<file path=ppt/slides/slide5.xml><?xml version="1.0" encoding="utf-8"?>
-<p:sld xmlns:a="http://schemas.openxmlformats.org/drawingml/2006/main" xmlns:r="http://schemas.openxmlformats.org/officeDocument/2006/relationships" xmlns:p="http://schemas.openxmlformats.org/presentationml/2006/main">
-  <p:cSld>
-    <p:spTree>
-      <p:nvGrpSpPr>
-        <p:cNvPr id="1" name=""/>
-        <p:cNvGrpSpPr/>
-        <p:nvPr/>
-      </p:nvGrpSpPr>
-      <p:grpSpPr>
-        <a:xfrm>
-          <a:off x="0" y="0"/>
-          <a:ext cx="0" cy="0"/>
-          <a:chOff x="0" y="0"/>
-          <a:chExt cx="0" cy="0"/>
-        </a:xfrm>
-      </p:grpSpPr>
-      <p:sp>
-        <p:nvSpPr>
-          <p:cNvPr id="2" name="Title 1">
-            <a:extLst>
-              <a:ext uri="{FF2B5EF4-FFF2-40B4-BE49-F238E27FC236}">
-                <a16:creationId xmlns:a16="http://schemas.microsoft.com/office/drawing/2014/main" id="{E3F5A4E3-1083-BD43-B370-9A1F90A39416}"/>
-              </a:ext>
-            </a:extLst>
-          </p:cNvPr>
-          <p:cNvSpPr>
-            <a:spLocks noGrp="1"/>
-          </p:cNvSpPr>
-          <p:nvPr>
-            <p:ph type="title"/>
-          </p:nvPr>
-        </p:nvSpPr>
-        <p:spPr/>
-        <p:txBody>
-          <a:bodyPr/>
-          <a:lstStyle/>
-          <a:p>
-            <a:r>
-              <a:rPr lang="en-US" dirty="0"/>
-              <a:t>Temporal Validation Parameters</a:t>
-            </a:r>
-          </a:p>
-        </p:txBody>
-      </p:sp>
-      <p:pic>
-        <p:nvPicPr>
-          <p:cNvPr id="1026" name="Picture 2" descr="Time splitting config">
-            <a:extLst>
-              <a:ext uri="{FF2B5EF4-FFF2-40B4-BE49-F238E27FC236}">
-                <a16:creationId xmlns:a16="http://schemas.microsoft.com/office/drawing/2014/main" id="{64C21727-A739-3142-B6FA-045F6EA56FF6}"/>
-              </a:ext>
-            </a:extLst>
-          </p:cNvPr>
-          <p:cNvPicPr>
-            <a:picLocks noChangeAspect="1" noChangeArrowheads="1"/>
-          </p:cNvPicPr>
-          <p:nvPr/>
-        </p:nvPicPr>
-        <p:blipFill>
-          <a:blip r:embed="rId2">
-            <a:extLst>
-              <a:ext uri="{28A0092B-C50C-407E-A947-70E740481C1C}">
-                <a14:useLocalDpi xmlns:a14="http://schemas.microsoft.com/office/drawing/2010/main" val="0"/>
-              </a:ext>
-            </a:extLst>
-          </a:blip>
-          <a:srcRect/>
-          <a:stretch>
-            <a:fillRect/>
-          </a:stretch>
-        </p:blipFill>
-        <p:spPr bwMode="auto">
-          <a:xfrm>
-            <a:off x="0" y="2025650"/>
-            <a:ext cx="12192000" cy="2805113"/>
-          </a:xfrm>
-          <a:prstGeom prst="rect">
-            <a:avLst/>
-          </a:prstGeom>
-          <a:noFill/>
-          <a:extLst>
-            <a:ext uri="{909E8E84-426E-40DD-AFC4-6F175D3DCCD1}">
-              <a14:hiddenFill xmlns:a14="http://schemas.microsoft.com/office/drawing/2010/main">
-                <a:solidFill>
-                  <a:srgbClr val="FFFFFF"/>
-                </a:solidFill>
-              </a14:hiddenFill>
-            </a:ext>
-          </a:extLst>
-        </p:spPr>
-      </p:pic>
-    </p:spTree>
-    <p:extLst>
-      <p:ext uri="{BB962C8B-B14F-4D97-AF65-F5344CB8AC3E}">
-        <p14:creationId xmlns:p14="http://schemas.microsoft.com/office/powerpoint/2010/main" val="4088877380"/>
-      </p:ext>
-    </p:extLst>
-  </p:cSld>
-  <p:clrMapOvr>
-    <a:masterClrMapping/>
-  </p:clrMapOvr>
-</p:sld>
-</file>
-
-<file path=ppt/slides/slide6.xml><?xml version="1.0" encoding="utf-8"?>
-<p:sld xmlns:a="http://schemas.openxmlformats.org/drawingml/2006/main" xmlns:r="http://schemas.openxmlformats.org/officeDocument/2006/relationships" xmlns:p="http://schemas.openxmlformats.org/presentationml/2006/main">
-  <p:cSld>
-    <p:spTree>
-      <p:nvGrpSpPr>
-        <p:cNvPr id="1" name="Shape 202"/>
-        <p:cNvGrpSpPr/>
-        <p:nvPr/>
-      </p:nvGrpSpPr>
-      <p:grpSpPr>
-        <a:xfrm>
-          <a:off x="0" y="0"/>
-          <a:ext cx="0" cy="0"/>
-          <a:chOff x="0" y="0"/>
-          <a:chExt cx="0" cy="0"/>
-        </a:xfrm>
-      </p:grpSpPr>
-      <p:sp>
-        <p:nvSpPr>
-          <p:cNvPr id="2" name="Text Placeholder 1">
-            <a:extLst>
-              <a:ext uri="{FF2B5EF4-FFF2-40B4-BE49-F238E27FC236}">
-                <a16:creationId xmlns:a16="http://schemas.microsoft.com/office/drawing/2014/main" id="{10E49ADA-B971-3A74-683D-F7E6AB709A58}"/>
-              </a:ext>
-            </a:extLst>
-          </p:cNvPr>
-          <p:cNvSpPr>
-            <a:spLocks noGrp="1"/>
-          </p:cNvSpPr>
-          <p:nvPr>
-            <p:ph type="body" idx="1"/>
-          </p:nvPr>
-        </p:nvSpPr>
-        <p:spPr/>
-        <p:txBody>
-          <a:bodyPr/>
-          <a:lstStyle/>
-          <a:p>
-            <a:endParaRPr lang="en-US"/>
-          </a:p>
-        </p:txBody>
-      </p:sp>
-      <p:sp>
-        <p:nvSpPr>
-          <p:cNvPr id="203" name="Google Shape;203;p38"/>
-          <p:cNvSpPr txBox="1">
-            <a:spLocks noGrp="1"/>
-          </p:cNvSpPr>
-          <p:nvPr>
-            <p:ph type="title"/>
-          </p:nvPr>
-        </p:nvSpPr>
-        <p:spPr>
-          <a:prstGeom prst="rect">
-            <a:avLst/>
-          </a:prstGeom>
-        </p:spPr>
-        <p:txBody>
-          <a:bodyPr spcFirstLastPara="1" wrap="square" lIns="121900" tIns="121900" rIns="121900" bIns="121900" anchor="t" anchorCtr="0">
-            <a:normAutofit fontScale="90000"/>
-          </a:bodyPr>
-          <a:lstStyle/>
-          <a:p>
-            <a:r>
-              <a:rPr lang="en" dirty="0"/>
-              <a:t>Temporal Validation Review -- Example</a:t>
-            </a:r>
-            <a:endParaRPr dirty="0"/>
-          </a:p>
-        </p:txBody>
-      </p:sp>
-      <p:sp>
-        <p:nvSpPr>
-          <p:cNvPr id="204" name="Google Shape;204;p38"/>
-          <p:cNvSpPr/>
-          <p:nvPr/>
-        </p:nvSpPr>
-        <p:spPr>
-          <a:xfrm>
-            <a:off x="190320" y="1463207"/>
-            <a:ext cx="3124000" cy="4204400"/>
-          </a:xfrm>
-          <a:prstGeom prst="rect">
-            <a:avLst/>
-          </a:prstGeom>
-          <a:solidFill>
-            <a:srgbClr val="EEEEEE"/>
-          </a:solidFill>
-          <a:ln w="9525" cap="flat" cmpd="sng">
-            <a:solidFill>
-              <a:srgbClr val="595959"/>
-            </a:solidFill>
-            <a:prstDash val="solid"/>
-            <a:round/>
-            <a:headEnd type="none" w="sm" len="sm"/>
-            <a:tailEnd type="none" w="sm" len="sm"/>
-          </a:ln>
-        </p:spPr>
-        <p:txBody>
-          <a:bodyPr spcFirstLastPara="1" wrap="square" lIns="121900" tIns="121900" rIns="121900" bIns="121900" anchor="ctr" anchorCtr="0">
-            <a:noAutofit/>
-          </a:bodyPr>
-          <a:lstStyle/>
-          <a:p>
-            <a:pPr>
-              <a:buSzPts val="1400"/>
-            </a:pPr>
-            <a:endParaRPr sz="1867"/>
-          </a:p>
-        </p:txBody>
-      </p:sp>
-      <p:sp>
-        <p:nvSpPr>
-          <p:cNvPr id="205" name="Google Shape;205;p38"/>
-          <p:cNvSpPr txBox="1"/>
-          <p:nvPr/>
-        </p:nvSpPr>
-        <p:spPr>
-          <a:xfrm>
-            <a:off x="3566453" y="1341573"/>
-            <a:ext cx="8531200" cy="4555200"/>
-          </a:xfrm>
-          <a:prstGeom prst="rect">
-            <a:avLst/>
-          </a:prstGeom>
-          <a:noFill/>
-          <a:ln>
-            <a:noFill/>
-          </a:ln>
-        </p:spPr>
-        <p:txBody>
-          <a:bodyPr spcFirstLastPara="1" wrap="square" lIns="121900" tIns="121900" rIns="121900" bIns="121900" anchor="t" anchorCtr="0">
-            <a:noAutofit/>
-          </a:bodyPr>
-          <a:lstStyle/>
-          <a:p>
-            <a:pPr>
-              <a:lnSpc>
-                <a:spcPct val="115000"/>
-              </a:lnSpc>
-              <a:spcAft>
-                <a:spcPts val="2133"/>
-              </a:spcAft>
-            </a:pPr>
-            <a:r>
-              <a:rPr lang="en" sz="3467" dirty="0">
-                <a:solidFill>
-                  <a:srgbClr val="FF0000"/>
-                </a:solidFill>
-              </a:rPr>
-              <a:t>At the time of hospital admission</a:t>
-            </a:r>
-            <a:r>
-              <a:rPr lang="en" sz="3467" dirty="0">
-                <a:solidFill>
-                  <a:srgbClr val="595959"/>
-                </a:solidFill>
-              </a:rPr>
-              <a:t>, for </a:t>
-            </a:r>
-            <a:r>
-              <a:rPr lang="en" sz="3467" dirty="0">
-                <a:solidFill>
-                  <a:srgbClr val="0000FF"/>
-                </a:solidFill>
-              </a:rPr>
-              <a:t>all every patient admitted</a:t>
-            </a:r>
-            <a:r>
-              <a:rPr lang="en" sz="3467" dirty="0">
-                <a:solidFill>
-                  <a:srgbClr val="595959"/>
-                </a:solidFill>
-              </a:rPr>
-              <a:t>, can we identify </a:t>
-            </a:r>
-            <a:r>
-              <a:rPr lang="en" sz="3467" dirty="0">
-                <a:solidFill>
-                  <a:srgbClr val="FF00FF"/>
-                </a:solidFill>
-              </a:rPr>
-              <a:t>if they will be among the 50 highest-risk individuals the hospital will see that month </a:t>
-            </a:r>
-            <a:r>
-              <a:rPr lang="en" sz="3467" dirty="0">
-                <a:solidFill>
-                  <a:srgbClr val="595959"/>
-                </a:solidFill>
-              </a:rPr>
-              <a:t>for </a:t>
-            </a:r>
-            <a:r>
-              <a:rPr lang="en" sz="3467" dirty="0">
-                <a:solidFill>
-                  <a:srgbClr val="38761D"/>
-                </a:solidFill>
-              </a:rPr>
-              <a:t>contracting monkeypox in the next year </a:t>
-            </a:r>
-            <a:r>
-              <a:rPr lang="en" sz="3467" dirty="0">
-                <a:solidFill>
-                  <a:srgbClr val="B45F06"/>
-                </a:solidFill>
-              </a:rPr>
-              <a:t>to prioritize for vaccine administration</a:t>
-            </a:r>
-            <a:r>
-              <a:rPr lang="en" sz="3467" dirty="0">
-                <a:solidFill>
-                  <a:srgbClr val="595959"/>
-                </a:solidFill>
-              </a:rPr>
-              <a:t>?</a:t>
-            </a:r>
-            <a:endParaRPr sz="3467" dirty="0">
-              <a:solidFill>
-                <a:srgbClr val="595959"/>
-              </a:solidFill>
-            </a:endParaRPr>
-          </a:p>
-        </p:txBody>
-      </p:sp>
-      <p:sp>
-        <p:nvSpPr>
-          <p:cNvPr id="206" name="Google Shape;206;p38"/>
-          <p:cNvSpPr txBox="1"/>
-          <p:nvPr/>
-        </p:nvSpPr>
-        <p:spPr>
-          <a:xfrm>
-            <a:off x="248120" y="1463207"/>
-            <a:ext cx="3008400" cy="796000"/>
-          </a:xfrm>
-          <a:prstGeom prst="rect">
-            <a:avLst/>
-          </a:prstGeom>
-          <a:noFill/>
-          <a:ln>
-            <a:noFill/>
-          </a:ln>
-        </p:spPr>
-        <p:txBody>
-          <a:bodyPr spcFirstLastPara="1" wrap="square" lIns="121900" tIns="121900" rIns="121900" bIns="121900" anchor="t" anchorCtr="0">
-            <a:noAutofit/>
-          </a:bodyPr>
-          <a:lstStyle/>
-          <a:p>
-            <a:pPr>
-              <a:buSzPts val="1400"/>
-            </a:pPr>
-            <a:r>
-              <a:rPr lang="en" sz="1867">
-                <a:solidFill>
-                  <a:srgbClr val="FF0000"/>
-                </a:solidFill>
-              </a:rPr>
-              <a:t>When and How often is the recommendation / decision being made?</a:t>
-            </a:r>
-            <a:endParaRPr sz="1867">
-              <a:solidFill>
-                <a:srgbClr val="FF0000"/>
-              </a:solidFill>
-            </a:endParaRPr>
-          </a:p>
-        </p:txBody>
-      </p:sp>
-      <p:sp>
-        <p:nvSpPr>
-          <p:cNvPr id="207" name="Google Shape;207;p38"/>
-          <p:cNvSpPr txBox="1"/>
-          <p:nvPr/>
-        </p:nvSpPr>
-        <p:spPr>
-          <a:xfrm>
-            <a:off x="253253" y="2632740"/>
-            <a:ext cx="3008400" cy="796000"/>
-          </a:xfrm>
-          <a:prstGeom prst="rect">
-            <a:avLst/>
-          </a:prstGeom>
-          <a:noFill/>
-          <a:ln>
-            <a:noFill/>
-          </a:ln>
-        </p:spPr>
-        <p:txBody>
-          <a:bodyPr spcFirstLastPara="1" wrap="square" lIns="121900" tIns="121900" rIns="121900" bIns="121900" anchor="t" anchorCtr="0">
-            <a:noAutofit/>
-          </a:bodyPr>
-          <a:lstStyle/>
-          <a:p>
-            <a:pPr>
-              <a:buSzPts val="1400"/>
-            </a:pPr>
-            <a:br>
-              <a:rPr lang="en" sz="1867">
-                <a:solidFill>
-                  <a:srgbClr val="0000FF"/>
-                </a:solidFill>
-              </a:rPr>
-            </a:br>
-            <a:r>
-              <a:rPr lang="en" sz="1867">
-                <a:solidFill>
-                  <a:srgbClr val="0000FF"/>
-                </a:solidFill>
-              </a:rPr>
-              <a:t>Who/what is included in the cohort?</a:t>
-            </a:r>
-            <a:endParaRPr sz="1867">
-              <a:solidFill>
-                <a:srgbClr val="0000FF"/>
-              </a:solidFill>
-            </a:endParaRPr>
-          </a:p>
-        </p:txBody>
-      </p:sp>
-      <p:sp>
-        <p:nvSpPr>
-          <p:cNvPr id="208" name="Google Shape;208;p38"/>
-          <p:cNvSpPr txBox="1"/>
-          <p:nvPr/>
-        </p:nvSpPr>
-        <p:spPr>
-          <a:xfrm>
-            <a:off x="253253" y="3497473"/>
-            <a:ext cx="3008400" cy="796000"/>
-          </a:xfrm>
-          <a:prstGeom prst="rect">
-            <a:avLst/>
-          </a:prstGeom>
-          <a:noFill/>
-          <a:ln>
-            <a:noFill/>
-          </a:ln>
-        </p:spPr>
-        <p:txBody>
-          <a:bodyPr spcFirstLastPara="1" wrap="square" lIns="121900" tIns="121900" rIns="121900" bIns="121900" anchor="t" anchorCtr="0">
-            <a:noAutofit/>
-          </a:bodyPr>
-          <a:lstStyle/>
-          <a:p>
-            <a:pPr>
-              <a:buSzPts val="1400"/>
-            </a:pPr>
-            <a:br>
-              <a:rPr lang="en" sz="1867">
-                <a:solidFill>
-                  <a:srgbClr val="FF00FF"/>
-                </a:solidFill>
-              </a:rPr>
-            </a:br>
-            <a:r>
-              <a:rPr lang="en" sz="1867">
-                <a:solidFill>
-                  <a:srgbClr val="FF00FF"/>
-                </a:solidFill>
-              </a:rPr>
-              <a:t>What is the output?</a:t>
-            </a:r>
-            <a:endParaRPr sz="1867">
-              <a:solidFill>
-                <a:srgbClr val="FF00FF"/>
-              </a:solidFill>
-            </a:endParaRPr>
-          </a:p>
-        </p:txBody>
-      </p:sp>
-      <p:sp>
-        <p:nvSpPr>
-          <p:cNvPr id="209" name="Google Shape;209;p38"/>
-          <p:cNvSpPr txBox="1"/>
-          <p:nvPr/>
-        </p:nvSpPr>
-        <p:spPr>
-          <a:xfrm>
-            <a:off x="248120" y="4191873"/>
-            <a:ext cx="3008400" cy="1475600"/>
-          </a:xfrm>
-          <a:prstGeom prst="rect">
-            <a:avLst/>
-          </a:prstGeom>
-          <a:noFill/>
-          <a:ln>
-            <a:noFill/>
-          </a:ln>
-        </p:spPr>
-        <p:txBody>
-          <a:bodyPr spcFirstLastPara="1" wrap="square" lIns="121900" tIns="121900" rIns="121900" bIns="121900" anchor="t" anchorCtr="0">
-            <a:noAutofit/>
-          </a:bodyPr>
-          <a:lstStyle/>
-          <a:p>
-            <a:pPr>
-              <a:buSzPts val="1400"/>
-            </a:pPr>
-            <a:r>
-              <a:rPr lang="en" sz="1867">
-                <a:solidFill>
-                  <a:srgbClr val="274E13"/>
-                </a:solidFill>
-              </a:rPr>
-              <a:t>What outcome are you predicting/estimating?</a:t>
-            </a:r>
-            <a:endParaRPr sz="1867">
-              <a:solidFill>
-                <a:srgbClr val="274E13"/>
-              </a:solidFill>
-            </a:endParaRPr>
-          </a:p>
-          <a:p>
-            <a:pPr>
-              <a:buSzPts val="1400"/>
-            </a:pPr>
-            <a:endParaRPr sz="1867">
-              <a:solidFill>
-                <a:srgbClr val="274E13"/>
-              </a:solidFill>
-            </a:endParaRPr>
-          </a:p>
-          <a:p>
-            <a:pPr>
-              <a:buSzPts val="1400"/>
-            </a:pPr>
-            <a:r>
-              <a:rPr lang="en" sz="1867">
-                <a:solidFill>
-                  <a:srgbClr val="B45F06"/>
-                </a:solidFill>
-              </a:rPr>
-              <a:t>For what purpose?</a:t>
-            </a:r>
-            <a:endParaRPr sz="1867">
-              <a:solidFill>
-                <a:srgbClr val="274E13"/>
-              </a:solidFill>
-            </a:endParaRPr>
-          </a:p>
-        </p:txBody>
-      </p:sp>
-    </p:spTree>
-    <p:extLst>
-      <p:ext uri="{BB962C8B-B14F-4D97-AF65-F5344CB8AC3E}">
-        <p14:creationId xmlns:p14="http://schemas.microsoft.com/office/powerpoint/2010/main" val="2001223450"/>
-      </p:ext>
-    </p:extLst>
-  </p:cSld>
-  <p:clrMapOvr>
-    <a:masterClrMapping/>
-  </p:clrMapOvr>
-</p:sld>
-</file>
-
-<file path=ppt/slides/slide7.xml><?xml version="1.0" encoding="utf-8"?>
-<p:sld xmlns:a="http://schemas.openxmlformats.org/drawingml/2006/main" xmlns:r="http://schemas.openxmlformats.org/officeDocument/2006/relationships" xmlns:p="http://schemas.openxmlformats.org/presentationml/2006/main" show="0">
-  <p:cSld>
-    <p:spTree>
-      <p:nvGrpSpPr>
-        <p:cNvPr id="1" name=""/>
-        <p:cNvGrpSpPr/>
-        <p:nvPr/>
-      </p:nvGrpSpPr>
-      <p:grpSpPr>
-        <a:xfrm>
-          <a:off x="0" y="0"/>
-          <a:ext cx="0" cy="0"/>
-          <a:chOff x="0" y="0"/>
-          <a:chExt cx="0" cy="0"/>
-        </a:xfrm>
-      </p:grpSpPr>
-      <p:sp>
-        <p:nvSpPr>
-          <p:cNvPr id="3" name="Title 2">
-            <a:extLst>
-              <a:ext uri="{FF2B5EF4-FFF2-40B4-BE49-F238E27FC236}">
-                <a16:creationId xmlns:a16="http://schemas.microsoft.com/office/drawing/2014/main" id="{9323871C-7CA8-1448-8FFC-1AE6E1838941}"/>
-              </a:ext>
-            </a:extLst>
-          </p:cNvPr>
-          <p:cNvSpPr>
-            <a:spLocks noGrp="1"/>
-          </p:cNvSpPr>
-          <p:nvPr>
-            <p:ph type="title"/>
-          </p:nvPr>
-        </p:nvSpPr>
-        <p:spPr/>
-        <p:txBody>
-          <a:bodyPr/>
-          <a:lstStyle/>
-          <a:p>
-            <a:r>
-              <a:rPr lang="en-US" dirty="0"/>
-              <a:t>Project Update 1 Review</a:t>
-            </a:r>
-          </a:p>
-        </p:txBody>
-      </p:sp>
-      <p:sp>
-        <p:nvSpPr>
-          <p:cNvPr id="4" name="Text Placeholder 3">
-            <a:extLst>
-              <a:ext uri="{FF2B5EF4-FFF2-40B4-BE49-F238E27FC236}">
-                <a16:creationId xmlns:a16="http://schemas.microsoft.com/office/drawing/2014/main" id="{5E600BA7-FA45-884F-9820-9E5F2CB7AA48}"/>
-              </a:ext>
-            </a:extLst>
-          </p:cNvPr>
-          <p:cNvSpPr>
-            <a:spLocks noGrp="1"/>
-          </p:cNvSpPr>
-          <p:nvPr>
-            <p:ph type="body" idx="1"/>
-          </p:nvPr>
-        </p:nvSpPr>
-        <p:spPr/>
-        <p:txBody>
-          <a:bodyPr/>
-          <a:lstStyle/>
-          <a:p>
-            <a:r>
-              <a:rPr lang="en-US" sz="2600" dirty="0"/>
-              <a:t>Formulation – first of every month?</a:t>
-            </a:r>
-            <a:br>
-              <a:rPr lang="en-US" sz="2600" dirty="0"/>
-            </a:br>
-            <a:endParaRPr lang="en-US" sz="2600" dirty="0"/>
-          </a:p>
-          <a:p>
-            <a:r>
-              <a:rPr lang="en-US" sz="2600" dirty="0"/>
-              <a:t>Base rate – definition and keeping parallel with label</a:t>
-            </a:r>
-          </a:p>
-          <a:p>
-            <a:pPr marL="76200" indent="0">
-              <a:buNone/>
-            </a:pPr>
-            <a:endParaRPr lang="en-US" sz="2600" dirty="0"/>
-          </a:p>
-          <a:p>
-            <a:r>
-              <a:rPr lang="en-US" sz="2600" dirty="0"/>
-              <a:t>Commonsense Baselines – what makes sense here?</a:t>
-            </a:r>
-          </a:p>
-        </p:txBody>
-      </p:sp>
-    </p:spTree>
-    <p:extLst>
-      <p:ext uri="{BB962C8B-B14F-4D97-AF65-F5344CB8AC3E}">
-        <p14:creationId xmlns:p14="http://schemas.microsoft.com/office/powerpoint/2010/main" val="1535530279"/>
-      </p:ext>
-    </p:extLst>
-  </p:cSld>
-  <p:clrMapOvr>
-    <a:masterClrMapping/>
-  </p:clrMapOvr>
-</p:sld>
-</file>
-
-<file path=ppt/slides/slide8.xml><?xml version="1.0" encoding="utf-8"?>
-<p:sld xmlns:a="http://schemas.openxmlformats.org/drawingml/2006/main" xmlns:r="http://schemas.openxmlformats.org/officeDocument/2006/relationships" xmlns:p="http://schemas.openxmlformats.org/presentationml/2006/main">
-  <p:cSld>
-    <p:spTree>
-      <p:nvGrpSpPr>
-        <p:cNvPr id="1" name=""/>
-        <p:cNvGrpSpPr/>
-        <p:nvPr/>
-      </p:nvGrpSpPr>
-      <p:grpSpPr>
-        <a:xfrm>
-          <a:off x="0" y="0"/>
-          <a:ext cx="0" cy="0"/>
-          <a:chOff x="0" y="0"/>
-          <a:chExt cx="0" cy="0"/>
-        </a:xfrm>
-      </p:grpSpPr>
-      <p:sp>
-        <p:nvSpPr>
-          <p:cNvPr id="2" name="Title 1">
-            <a:extLst>
-              <a:ext uri="{FF2B5EF4-FFF2-40B4-BE49-F238E27FC236}">
-                <a16:creationId xmlns:a16="http://schemas.microsoft.com/office/drawing/2014/main" id="{94CF2A94-A63F-6149-AA28-2E35B60E3D3E}"/>
-              </a:ext>
-            </a:extLst>
-          </p:cNvPr>
-          <p:cNvSpPr>
-            <a:spLocks noGrp="1"/>
-          </p:cNvSpPr>
-          <p:nvPr>
-            <p:ph type="title"/>
-          </p:nvPr>
-        </p:nvSpPr>
-        <p:spPr/>
-        <p:txBody>
-          <a:bodyPr/>
-          <a:lstStyle/>
-          <a:p>
-            <a:endParaRPr lang="en-US"/>
-          </a:p>
-        </p:txBody>
-      </p:sp>
-      <p:graphicFrame>
-        <p:nvGraphicFramePr>
-          <p:cNvPr id="3" name="Diagram 2">
-            <a:extLst>
-              <a:ext uri="{FF2B5EF4-FFF2-40B4-BE49-F238E27FC236}">
-                <a16:creationId xmlns:a16="http://schemas.microsoft.com/office/drawing/2014/main" id="{8E902576-68A9-6E48-B0FE-5B1889953DC8}"/>
-              </a:ext>
-            </a:extLst>
-          </p:cNvPr>
-          <p:cNvGraphicFramePr/>
-          <p:nvPr/>
-        </p:nvGraphicFramePr>
-        <p:xfrm>
-          <a:off x="180467" y="0"/>
-          <a:ext cx="11776400" cy="6858000"/>
-        </p:xfrm>
-        <a:graphic>
-          <a:graphicData uri="http://schemas.openxmlformats.org/drawingml/2006/diagram">
-            <dgm:relIds xmlns:dgm="http://schemas.openxmlformats.org/drawingml/2006/diagram" xmlns:r="http://schemas.openxmlformats.org/officeDocument/2006/relationships" r:dm="rId2" r:lo="rId3" r:qs="rId4" r:cs="rId5"/>
-          </a:graphicData>
-        </a:graphic>
-      </p:graphicFrame>
-      <p:sp>
-        <p:nvSpPr>
-          <p:cNvPr id="4" name="Rectangle 3">
-            <a:extLst>
-              <a:ext uri="{FF2B5EF4-FFF2-40B4-BE49-F238E27FC236}">
-                <a16:creationId xmlns:a16="http://schemas.microsoft.com/office/drawing/2014/main" id="{E2C99BF2-C81A-5246-89D3-E49BCDCAD699}"/>
-              </a:ext>
-            </a:extLst>
-          </p:cNvPr>
-          <p:cNvSpPr/>
-          <p:nvPr/>
-        </p:nvSpPr>
-        <p:spPr>
-          <a:xfrm>
-            <a:off x="9553197" y="2534144"/>
-            <a:ext cx="2534195" cy="1789611"/>
-          </a:xfrm>
-          <a:prstGeom prst="rect">
-            <a:avLst/>
-          </a:prstGeom>
-          <a:noFill/>
-          <a:ln w="76200">
-            <a:solidFill>
-              <a:srgbClr val="C00000"/>
-            </a:solidFill>
-          </a:ln>
-        </p:spPr>
-        <p:style>
-          <a:lnRef idx="2">
-            <a:schemeClr val="accent1">
-              <a:shade val="50000"/>
-            </a:schemeClr>
-          </a:lnRef>
-          <a:fillRef idx="1">
-            <a:schemeClr val="accent1"/>
-          </a:fillRef>
-          <a:effectRef idx="0">
-            <a:schemeClr val="accent1"/>
-          </a:effectRef>
-          <a:fontRef idx="minor">
-            <a:schemeClr val="lt1"/>
-          </a:fontRef>
-        </p:style>
-        <p:txBody>
-          <a:bodyPr rtlCol="0" anchor="ctr"/>
-          <a:lstStyle/>
-          <a:p>
-            <a:pPr algn="ctr"/>
-            <a:endParaRPr lang="en-US"/>
-          </a:p>
-        </p:txBody>
-      </p:sp>
-    </p:spTree>
-    <p:extLst>
-      <p:ext uri="{BB962C8B-B14F-4D97-AF65-F5344CB8AC3E}">
-        <p14:creationId xmlns:p14="http://schemas.microsoft.com/office/powerpoint/2010/main" val="71354461"/>
-      </p:ext>
-    </p:extLst>
-  </p:cSld>
-  <p:clrMapOvr>
-    <a:masterClrMapping/>
-  </p:clrMapOvr>
-</p:sld>
-</file>
-
-<file path=ppt/slides/slide9.xml><?xml version="1.0" encoding="utf-8"?>
-<p:sld xmlns:a="http://schemas.openxmlformats.org/drawingml/2006/main" xmlns:r="http://schemas.openxmlformats.org/officeDocument/2006/relationships" xmlns:p="http://schemas.openxmlformats.org/presentationml/2006/main">
-  <p:cSld>
-    <p:spTree>
-      <p:nvGrpSpPr>
-        <p:cNvPr id="1" name=""/>
-        <p:cNvGrpSpPr/>
-        <p:nvPr/>
-      </p:nvGrpSpPr>
-      <p:grpSpPr>
-        <a:xfrm>
-          <a:off x="0" y="0"/>
-          <a:ext cx="0" cy="0"/>
-          <a:chOff x="0" y="0"/>
-          <a:chExt cx="0" cy="0"/>
-        </a:xfrm>
-      </p:grpSpPr>
-      <p:sp>
-        <p:nvSpPr>
-          <p:cNvPr id="3" name="Title 2"/>
-          <p:cNvSpPr>
-            <a:spLocks noGrp="1"/>
-          </p:cNvSpPr>
-          <p:nvPr>
-            <p:ph type="title"/>
-          </p:nvPr>
-        </p:nvSpPr>
-        <p:spPr/>
-        <p:txBody>
-          <a:bodyPr/>
-          <a:lstStyle/>
-          <a:p>
-            <a:r>
-              <a:rPr lang="en-US" dirty="0"/>
-              <a:t>How to solve a prediction problem</a:t>
-            </a:r>
-          </a:p>
-        </p:txBody>
-      </p:sp>
-      <p:sp>
-        <p:nvSpPr>
-          <p:cNvPr id="2" name="Content Placeholder 1"/>
-          <p:cNvSpPr>
-            <a:spLocks noGrp="1"/>
-          </p:cNvSpPr>
-          <p:nvPr>
-            <p:ph type="body" idx="1"/>
-          </p:nvPr>
-        </p:nvSpPr>
-        <p:spPr/>
-        <p:txBody>
-          <a:bodyPr/>
-          <a:lstStyle/>
-          <a:p>
-            <a:r>
-              <a:rPr lang="en-US" dirty="0"/>
-              <a:t>Define and Create Rows (unit of prediction)</a:t>
-            </a:r>
-          </a:p>
-          <a:p>
-            <a:r>
-              <a:rPr lang="en-US" dirty="0"/>
-              <a:t>Define and Create Label (outcome/target variable – what event and when?)</a:t>
-            </a:r>
-          </a:p>
-          <a:p>
-            <a:r>
-              <a:rPr lang="en-US" dirty="0"/>
-              <a:t>Define and Create Features (features/predictors)</a:t>
-            </a:r>
-          </a:p>
-          <a:p>
-            <a:r>
-              <a:rPr lang="en-US" dirty="0"/>
-              <a:t>Create Training and Validation/Test Sets</a:t>
-            </a:r>
-          </a:p>
-          <a:p>
-            <a:r>
-              <a:rPr lang="en-US" dirty="0"/>
-              <a:t>Train model(s) on Training Set(s)</a:t>
-            </a:r>
-          </a:p>
-          <a:p>
-            <a:r>
-              <a:rPr lang="en-US" dirty="0"/>
-              <a:t>Validate model(s) on Validation/Test Set(s)</a:t>
-            </a:r>
-          </a:p>
-          <a:p>
-            <a:r>
-              <a:rPr lang="en-US" dirty="0"/>
-              <a:t>Select “best” model</a:t>
-            </a:r>
-          </a:p>
-        </p:txBody>
-      </p:sp>
-    </p:spTree>
-    <p:extLst>
-      <p:ext uri="{BB962C8B-B14F-4D97-AF65-F5344CB8AC3E}">
-        <p14:creationId xmlns:p14="http://schemas.microsoft.com/office/powerpoint/2010/main" val="1362212857"/>
       </p:ext>
     </p:extLst>
   </p:cSld>
